--- a/workshops/git-github-deep-dive/git_github_deep_dive.pptx
+++ b/workshops/git-github-deep-dive/git_github_deep_dive.pptx
@@ -20541,16 +20541,86 @@
             </a:pPr>
             <a:r>
               <a:rPr lang="en-US" sz="2100" dirty="0"/>
-              <a:t>Git </a:t>
-            </a:r>
-            <a:r>
-              <a:rPr lang="en-US" sz="2100" dirty="0" err="1"/>
+              <a:t>Create a new Git repository: </a:t>
+            </a:r>
+            <a:r>
+              <a:rPr lang="en-US" sz="2100" dirty="0">
+                <a:solidFill>
+                  <a:srgbClr val="002060"/>
+                </a:solidFill>
+              </a:rPr>
+              <a:t>git </a:t>
+            </a:r>
+            <a:r>
+              <a:rPr lang="en-US" sz="2100" dirty="0" err="1">
+                <a:solidFill>
+                  <a:srgbClr val="002060"/>
+                </a:solidFill>
+              </a:rPr>
               <a:t>init</a:t>
             </a:r>
             <a:r>
+              <a:rPr lang="en-US" sz="2100" dirty="0">
+                <a:solidFill>
+                  <a:srgbClr val="002060"/>
+                </a:solidFill>
+              </a:rPr>
+              <a:t> [directory]</a:t>
+            </a:r>
+          </a:p>
+          <a:p>
+            <a:pPr marL="342900" indent="-342900">
+              <a:buFont typeface="Arial" panose="020B0604020202020204" pitchFamily="34" charset="0"/>
+              <a:buChar char="•"/>
+            </a:pPr>
+            <a:endParaRPr lang="en-US" sz="2100" dirty="0">
+              <a:solidFill>
+                <a:srgbClr val="002060"/>
+              </a:solidFill>
+            </a:endParaRPr>
+          </a:p>
+          <a:p>
+            <a:pPr marL="342900" indent="-342900">
+              <a:buFont typeface="Arial" panose="020B0604020202020204" pitchFamily="34" charset="0"/>
+              <a:buChar char="•"/>
+            </a:pPr>
+            <a:r>
               <a:rPr lang="en-US" sz="2100" dirty="0"/>
-              <a:t>  + clone</a:t>
-            </a:r>
+              <a:t>Clone an existing repository (local or remote): </a:t>
+            </a:r>
+            <a:r>
+              <a:rPr lang="en-US" sz="2100" dirty="0">
+                <a:solidFill>
+                  <a:srgbClr val="002060"/>
+                </a:solidFill>
+              </a:rPr>
+              <a:t>git clone [folder / URL] [folder]</a:t>
+            </a:r>
+          </a:p>
+          <a:p>
+            <a:pPr marL="342900" indent="-342900">
+              <a:buFont typeface="Arial" panose="020B0604020202020204" pitchFamily="34" charset="0"/>
+              <a:buChar char="•"/>
+            </a:pPr>
+            <a:endParaRPr lang="en-US" sz="2100" dirty="0">
+              <a:solidFill>
+                <a:srgbClr val="002060"/>
+              </a:solidFill>
+            </a:endParaRPr>
+          </a:p>
+          <a:p>
+            <a:pPr marL="342900" indent="-342900">
+              <a:buFont typeface="Arial" panose="020B0604020202020204" pitchFamily="34" charset="0"/>
+              <a:buChar char="•"/>
+            </a:pPr>
+            <a:endParaRPr lang="en-US" sz="2100" dirty="0"/>
+          </a:p>
+          <a:p>
+            <a:pPr marL="800100" lvl="1" indent="-342900">
+              <a:buFont typeface="Arial" panose="020B0604020202020204" pitchFamily="34" charset="0"/>
+              <a:buChar char="•"/>
+            </a:pPr>
+            <a:endParaRPr lang="en-US" sz="2100" dirty="0"/>
           </a:p>
         </p:txBody>
       </p:sp>
@@ -27326,30 +27396,6 @@
             <a:endParaRPr lang="da-DK" sz="2100" dirty="0"/>
           </a:p>
           <a:p>
-            <a:pPr marL="342900" indent="-342900">
-              <a:buFont typeface="Arial" panose="020B0604020202020204" pitchFamily="34" charset="0"/>
-              <a:buChar char="•"/>
-            </a:pPr>
-            <a:endParaRPr lang="da-DK" sz="2100" dirty="0"/>
-          </a:p>
-          <a:p>
-            <a:pPr marL="342900" indent="-342900">
-              <a:buFont typeface="Arial" panose="020B0604020202020204" pitchFamily="34" charset="0"/>
-              <a:buChar char="•"/>
-            </a:pPr>
-            <a:r>
-              <a:rPr lang="da-DK" sz="2100" dirty="0">
-                <a:hlinkClick r:id="rId8"/>
-              </a:rPr>
-              <a:t>https://git-scm.com/downloads/guis</a:t>
-            </a:r>
-            <a:endParaRPr lang="da-DK" sz="2100" dirty="0"/>
-          </a:p>
-          <a:p>
-            <a:pPr marL="342900" indent="-342900">
-              <a:buFont typeface="Arial" panose="020B0604020202020204" pitchFamily="34" charset="0"/>
-              <a:buChar char="•"/>
-            </a:pPr>
             <a:endParaRPr lang="da-DK" sz="2100" dirty="0"/>
           </a:p>
         </p:txBody>
@@ -30792,18 +30838,18 @@
 </file>
 
 <file path=customXml/item1.xml><?xml version="1.0" encoding="utf-8"?>
-<p:properties xmlns:p="http://schemas.microsoft.com/office/2006/metadata/properties" xmlns:xsi="http://www.w3.org/2001/XMLSchema-instance" xmlns:pc="http://schemas.microsoft.com/office/infopath/2007/PartnerControls">
-  <documentManagement/>
-</p:properties>
-</file>
-
-<file path=customXml/item2.xml><?xml version="1.0" encoding="utf-8"?>
 <?mso-contentType ?>
 <FormTemplates xmlns="http://schemas.microsoft.com/sharepoint/v3/contenttype/forms">
   <Display>DocumentLibraryForm</Display>
   <Edit>DocumentLibraryForm</Edit>
   <New>DocumentLibraryForm</New>
 </FormTemplates>
+</file>
+
+<file path=customXml/item2.xml><?xml version="1.0" encoding="utf-8"?>
+<p:properties xmlns:p="http://schemas.microsoft.com/office/2006/metadata/properties" xmlns:xsi="http://www.w3.org/2001/XMLSchema-instance" xmlns:pc="http://schemas.microsoft.com/office/infopath/2007/PartnerControls">
+  <documentManagement/>
+</p:properties>
 </file>
 
 <file path=customXml/item3.xml><?xml version="1.0" encoding="utf-8"?>
@@ -30992,18 +31038,18 @@
 </file>
 
 <file path=customXml/itemProps1.xml><?xml version="1.0" encoding="utf-8"?>
-<ds:datastoreItem xmlns:ds="http://schemas.openxmlformats.org/officeDocument/2006/customXml" ds:itemID="{B61EE2CA-DCC7-45E5-87C8-6789A166AF77}">
+<ds:datastoreItem xmlns:ds="http://schemas.openxmlformats.org/officeDocument/2006/customXml" ds:itemID="{4273EE10-C1B2-449B-9085-39965BA21A56}">
   <ds:schemaRefs>
-    <ds:schemaRef ds:uri="http://schemas.microsoft.com/office/2006/metadata/properties"/>
-    <ds:schemaRef ds:uri="http://schemas.microsoft.com/office/infopath/2007/PartnerControls"/>
+    <ds:schemaRef ds:uri="http://schemas.microsoft.com/sharepoint/v3/contenttype/forms"/>
   </ds:schemaRefs>
 </ds:datastoreItem>
 </file>
 
 <file path=customXml/itemProps2.xml><?xml version="1.0" encoding="utf-8"?>
-<ds:datastoreItem xmlns:ds="http://schemas.openxmlformats.org/officeDocument/2006/customXml" ds:itemID="{4273EE10-C1B2-449B-9085-39965BA21A56}">
+<ds:datastoreItem xmlns:ds="http://schemas.openxmlformats.org/officeDocument/2006/customXml" ds:itemID="{B61EE2CA-DCC7-45E5-87C8-6789A166AF77}">
   <ds:schemaRefs>
-    <ds:schemaRef ds:uri="http://schemas.microsoft.com/sharepoint/v3/contenttype/forms"/>
+    <ds:schemaRef ds:uri="http://schemas.microsoft.com/office/2006/metadata/properties"/>
+    <ds:schemaRef ds:uri="http://schemas.microsoft.com/office/infopath/2007/PartnerControls"/>
   </ds:schemaRefs>
 </ds:datastoreItem>
 </file>

--- a/workshops/git-github-deep-dive/git_github_deep_dive.pptx
+++ b/workshops/git-github-deep-dive/git_github_deep_dive.pptx
@@ -3480,6 +3480,729 @@
 </p:notes>
 </file>
 
+<file path=ppt/notesSlides/notesSlide10.xml><?xml version="1.0" encoding="utf-8"?>
+<p:notes xmlns:a="http://schemas.openxmlformats.org/drawingml/2006/main" xmlns:r="http://schemas.openxmlformats.org/officeDocument/2006/relationships" xmlns:p="http://schemas.openxmlformats.org/presentationml/2006/main">
+  <p:cSld>
+    <p:spTree>
+      <p:nvGrpSpPr>
+        <p:cNvPr id="1" name=""/>
+        <p:cNvGrpSpPr/>
+        <p:nvPr/>
+      </p:nvGrpSpPr>
+      <p:grpSpPr>
+        <a:xfrm>
+          <a:off x="0" y="0"/>
+          <a:ext cx="0" cy="0"/>
+          <a:chOff x="0" y="0"/>
+          <a:chExt cx="0" cy="0"/>
+        </a:xfrm>
+      </p:grpSpPr>
+      <p:sp>
+        <p:nvSpPr>
+          <p:cNvPr id="2" name="Slide Image Placeholder 1"/>
+          <p:cNvSpPr>
+            <a:spLocks noGrp="1" noRot="1" noChangeAspect="1"/>
+          </p:cNvSpPr>
+          <p:nvPr>
+            <p:ph type="sldImg"/>
+          </p:nvPr>
+        </p:nvSpPr>
+        <p:spPr/>
+      </p:sp>
+      <p:sp>
+        <p:nvSpPr>
+          <p:cNvPr id="3" name="Notes Placeholder 2"/>
+          <p:cNvSpPr>
+            <a:spLocks noGrp="1"/>
+          </p:cNvSpPr>
+          <p:nvPr>
+            <p:ph type="body" idx="1"/>
+          </p:nvPr>
+        </p:nvSpPr>
+        <p:spPr/>
+        <p:txBody>
+          <a:bodyPr/>
+          <a:lstStyle/>
+          <a:p>
+            <a:pPr marL="0" marR="0" lvl="0" indent="0" algn="l" defTabSz="914400" rtl="0" eaLnBrk="1" fontAlgn="auto" latinLnBrk="0" hangingPunct="1">
+              <a:lnSpc>
+                <a:spcPct val="100000"/>
+              </a:lnSpc>
+              <a:spcBef>
+                <a:spcPts val="0"/>
+              </a:spcBef>
+              <a:spcAft>
+                <a:spcPts val="0"/>
+              </a:spcAft>
+              <a:buClrTx/>
+              <a:buSzTx/>
+              <a:buFontTx/>
+              <a:buNone/>
+              <a:tabLst/>
+              <a:defRPr/>
+            </a:pPr>
+            <a:r>
+              <a:rPr lang="en-US" sz="1200" dirty="0"/>
+              <a:t>merge (conflict resolution – how to map it to your IDE, </a:t>
+            </a:r>
+            <a:r>
+              <a:rPr lang="en-US" sz="1200" dirty="0" err="1"/>
+              <a:t>etc</a:t>
+            </a:r>
+            <a:r>
+              <a:rPr lang="en-US" sz="1200" dirty="0"/>
+              <a:t>)</a:t>
+            </a:r>
+          </a:p>
+          <a:p>
+            <a:endParaRPr lang="da-DK" dirty="0"/>
+          </a:p>
+        </p:txBody>
+      </p:sp>
+      <p:sp>
+        <p:nvSpPr>
+          <p:cNvPr id="4" name="Slide Number Placeholder 3"/>
+          <p:cNvSpPr>
+            <a:spLocks noGrp="1"/>
+          </p:cNvSpPr>
+          <p:nvPr>
+            <p:ph type="sldNum" sz="quarter" idx="5"/>
+          </p:nvPr>
+        </p:nvSpPr>
+        <p:spPr/>
+        <p:txBody>
+          <a:bodyPr/>
+          <a:lstStyle/>
+          <a:p>
+            <a:fld id="{49436F85-577F-4A92-A47F-D540A2BCC821}" type="slidenum">
+              <a:rPr lang="en-GB" smtClean="0"/>
+              <a:pPr/>
+              <a:t>18</a:t>
+            </a:fld>
+            <a:endParaRPr lang="en-GB" dirty="0"/>
+          </a:p>
+        </p:txBody>
+      </p:sp>
+    </p:spTree>
+    <p:extLst>
+      <p:ext uri="{BB962C8B-B14F-4D97-AF65-F5344CB8AC3E}">
+        <p14:creationId xmlns:p14="http://schemas.microsoft.com/office/powerpoint/2010/main" val="3008834791"/>
+      </p:ext>
+    </p:extLst>
+  </p:cSld>
+  <p:clrMapOvr>
+    <a:masterClrMapping/>
+  </p:clrMapOvr>
+</p:notes>
+</file>
+
+<file path=ppt/notesSlides/notesSlide11.xml><?xml version="1.0" encoding="utf-8"?>
+<p:notes xmlns:a="http://schemas.openxmlformats.org/drawingml/2006/main" xmlns:r="http://schemas.openxmlformats.org/officeDocument/2006/relationships" xmlns:p="http://schemas.openxmlformats.org/presentationml/2006/main">
+  <p:cSld>
+    <p:spTree>
+      <p:nvGrpSpPr>
+        <p:cNvPr id="1" name=""/>
+        <p:cNvGrpSpPr/>
+        <p:nvPr/>
+      </p:nvGrpSpPr>
+      <p:grpSpPr>
+        <a:xfrm>
+          <a:off x="0" y="0"/>
+          <a:ext cx="0" cy="0"/>
+          <a:chOff x="0" y="0"/>
+          <a:chExt cx="0" cy="0"/>
+        </a:xfrm>
+      </p:grpSpPr>
+      <p:sp>
+        <p:nvSpPr>
+          <p:cNvPr id="2" name="Slide Image Placeholder 1"/>
+          <p:cNvSpPr>
+            <a:spLocks noGrp="1" noRot="1" noChangeAspect="1"/>
+          </p:cNvSpPr>
+          <p:nvPr>
+            <p:ph type="sldImg"/>
+          </p:nvPr>
+        </p:nvSpPr>
+        <p:spPr/>
+      </p:sp>
+      <p:sp>
+        <p:nvSpPr>
+          <p:cNvPr id="3" name="Notes Placeholder 2"/>
+          <p:cNvSpPr>
+            <a:spLocks noGrp="1"/>
+          </p:cNvSpPr>
+          <p:nvPr>
+            <p:ph type="body" idx="1"/>
+          </p:nvPr>
+        </p:nvSpPr>
+        <p:spPr/>
+        <p:txBody>
+          <a:bodyPr/>
+          <a:lstStyle/>
+          <a:p>
+            <a:endParaRPr lang="da-DK" dirty="0"/>
+          </a:p>
+        </p:txBody>
+      </p:sp>
+      <p:sp>
+        <p:nvSpPr>
+          <p:cNvPr id="4" name="Slide Number Placeholder 3"/>
+          <p:cNvSpPr>
+            <a:spLocks noGrp="1"/>
+          </p:cNvSpPr>
+          <p:nvPr>
+            <p:ph type="sldNum" sz="quarter" idx="5"/>
+          </p:nvPr>
+        </p:nvSpPr>
+        <p:spPr/>
+        <p:txBody>
+          <a:bodyPr/>
+          <a:lstStyle/>
+          <a:p>
+            <a:fld id="{49436F85-577F-4A92-A47F-D540A2BCC821}" type="slidenum">
+              <a:rPr lang="en-GB" smtClean="0"/>
+              <a:pPr/>
+              <a:t>19</a:t>
+            </a:fld>
+            <a:endParaRPr lang="en-GB" dirty="0"/>
+          </a:p>
+        </p:txBody>
+      </p:sp>
+    </p:spTree>
+    <p:extLst>
+      <p:ext uri="{BB962C8B-B14F-4D97-AF65-F5344CB8AC3E}">
+        <p14:creationId xmlns:p14="http://schemas.microsoft.com/office/powerpoint/2010/main" val="3104378346"/>
+      </p:ext>
+    </p:extLst>
+  </p:cSld>
+  <p:clrMapOvr>
+    <a:masterClrMapping/>
+  </p:clrMapOvr>
+</p:notes>
+</file>
+
+<file path=ppt/notesSlides/notesSlide12.xml><?xml version="1.0" encoding="utf-8"?>
+<p:notes xmlns:a="http://schemas.openxmlformats.org/drawingml/2006/main" xmlns:r="http://schemas.openxmlformats.org/officeDocument/2006/relationships" xmlns:p="http://schemas.openxmlformats.org/presentationml/2006/main">
+  <p:cSld>
+    <p:spTree>
+      <p:nvGrpSpPr>
+        <p:cNvPr id="1" name=""/>
+        <p:cNvGrpSpPr/>
+        <p:nvPr/>
+      </p:nvGrpSpPr>
+      <p:grpSpPr>
+        <a:xfrm>
+          <a:off x="0" y="0"/>
+          <a:ext cx="0" cy="0"/>
+          <a:chOff x="0" y="0"/>
+          <a:chExt cx="0" cy="0"/>
+        </a:xfrm>
+      </p:grpSpPr>
+      <p:sp>
+        <p:nvSpPr>
+          <p:cNvPr id="2" name="Slide Image Placeholder 1"/>
+          <p:cNvSpPr>
+            <a:spLocks noGrp="1" noRot="1" noChangeAspect="1"/>
+          </p:cNvSpPr>
+          <p:nvPr>
+            <p:ph type="sldImg"/>
+          </p:nvPr>
+        </p:nvSpPr>
+        <p:spPr/>
+      </p:sp>
+      <p:sp>
+        <p:nvSpPr>
+          <p:cNvPr id="3" name="Notes Placeholder 2"/>
+          <p:cNvSpPr>
+            <a:spLocks noGrp="1"/>
+          </p:cNvSpPr>
+          <p:nvPr>
+            <p:ph type="body" idx="1"/>
+          </p:nvPr>
+        </p:nvSpPr>
+        <p:spPr/>
+        <p:txBody>
+          <a:bodyPr/>
+          <a:lstStyle/>
+          <a:p>
+            <a:r>
+              <a:rPr lang="en-US" dirty="0"/>
+              <a:t>Theme: Change some files, commit them, regret commit, remove certain files, recommit.</a:t>
+            </a:r>
+            <a:endParaRPr lang="da-DK" dirty="0"/>
+          </a:p>
+        </p:txBody>
+      </p:sp>
+      <p:sp>
+        <p:nvSpPr>
+          <p:cNvPr id="4" name="Slide Number Placeholder 3"/>
+          <p:cNvSpPr>
+            <a:spLocks noGrp="1"/>
+          </p:cNvSpPr>
+          <p:nvPr>
+            <p:ph type="sldNum" sz="quarter" idx="5"/>
+          </p:nvPr>
+        </p:nvSpPr>
+        <p:spPr/>
+        <p:txBody>
+          <a:bodyPr/>
+          <a:lstStyle/>
+          <a:p>
+            <a:fld id="{49436F85-577F-4A92-A47F-D540A2BCC821}" type="slidenum">
+              <a:rPr lang="en-GB" smtClean="0"/>
+              <a:pPr/>
+              <a:t>20</a:t>
+            </a:fld>
+            <a:endParaRPr lang="en-GB" dirty="0"/>
+          </a:p>
+        </p:txBody>
+      </p:sp>
+    </p:spTree>
+    <p:extLst>
+      <p:ext uri="{BB962C8B-B14F-4D97-AF65-F5344CB8AC3E}">
+        <p14:creationId xmlns:p14="http://schemas.microsoft.com/office/powerpoint/2010/main" val="2551835253"/>
+      </p:ext>
+    </p:extLst>
+  </p:cSld>
+  <p:clrMapOvr>
+    <a:masterClrMapping/>
+  </p:clrMapOvr>
+</p:notes>
+</file>
+
+<file path=ppt/notesSlides/notesSlide13.xml><?xml version="1.0" encoding="utf-8"?>
+<p:notes xmlns:a="http://schemas.openxmlformats.org/drawingml/2006/main" xmlns:r="http://schemas.openxmlformats.org/officeDocument/2006/relationships" xmlns:p="http://schemas.openxmlformats.org/presentationml/2006/main">
+  <p:cSld>
+    <p:spTree>
+      <p:nvGrpSpPr>
+        <p:cNvPr id="1" name=""/>
+        <p:cNvGrpSpPr/>
+        <p:nvPr/>
+      </p:nvGrpSpPr>
+      <p:grpSpPr>
+        <a:xfrm>
+          <a:off x="0" y="0"/>
+          <a:ext cx="0" cy="0"/>
+          <a:chOff x="0" y="0"/>
+          <a:chExt cx="0" cy="0"/>
+        </a:xfrm>
+      </p:grpSpPr>
+      <p:sp>
+        <p:nvSpPr>
+          <p:cNvPr id="2" name="Slide Image Placeholder 1"/>
+          <p:cNvSpPr>
+            <a:spLocks noGrp="1" noRot="1" noChangeAspect="1"/>
+          </p:cNvSpPr>
+          <p:nvPr>
+            <p:ph type="sldImg"/>
+          </p:nvPr>
+        </p:nvSpPr>
+        <p:spPr/>
+      </p:sp>
+      <p:sp>
+        <p:nvSpPr>
+          <p:cNvPr id="3" name="Notes Placeholder 2"/>
+          <p:cNvSpPr>
+            <a:spLocks noGrp="1"/>
+          </p:cNvSpPr>
+          <p:nvPr>
+            <p:ph type="body" idx="1"/>
+          </p:nvPr>
+        </p:nvSpPr>
+        <p:spPr/>
+        <p:txBody>
+          <a:bodyPr/>
+          <a:lstStyle/>
+          <a:p>
+            <a:endParaRPr lang="da-DK" dirty="0"/>
+          </a:p>
+        </p:txBody>
+      </p:sp>
+      <p:sp>
+        <p:nvSpPr>
+          <p:cNvPr id="4" name="Slide Number Placeholder 3"/>
+          <p:cNvSpPr>
+            <a:spLocks noGrp="1"/>
+          </p:cNvSpPr>
+          <p:nvPr>
+            <p:ph type="sldNum" sz="quarter" idx="5"/>
+          </p:nvPr>
+        </p:nvSpPr>
+        <p:spPr/>
+        <p:txBody>
+          <a:bodyPr/>
+          <a:lstStyle/>
+          <a:p>
+            <a:fld id="{49436F85-577F-4A92-A47F-D540A2BCC821}" type="slidenum">
+              <a:rPr lang="en-GB" smtClean="0"/>
+              <a:pPr/>
+              <a:t>21</a:t>
+            </a:fld>
+            <a:endParaRPr lang="en-GB" dirty="0"/>
+          </a:p>
+        </p:txBody>
+      </p:sp>
+    </p:spTree>
+    <p:extLst>
+      <p:ext uri="{BB962C8B-B14F-4D97-AF65-F5344CB8AC3E}">
+        <p14:creationId xmlns:p14="http://schemas.microsoft.com/office/powerpoint/2010/main" val="78529500"/>
+      </p:ext>
+    </p:extLst>
+  </p:cSld>
+  <p:clrMapOvr>
+    <a:masterClrMapping/>
+  </p:clrMapOvr>
+</p:notes>
+</file>
+
+<file path=ppt/notesSlides/notesSlide14.xml><?xml version="1.0" encoding="utf-8"?>
+<p:notes xmlns:a="http://schemas.openxmlformats.org/drawingml/2006/main" xmlns:r="http://schemas.openxmlformats.org/officeDocument/2006/relationships" xmlns:p="http://schemas.openxmlformats.org/presentationml/2006/main">
+  <p:cSld>
+    <p:spTree>
+      <p:nvGrpSpPr>
+        <p:cNvPr id="1" name=""/>
+        <p:cNvGrpSpPr/>
+        <p:nvPr/>
+      </p:nvGrpSpPr>
+      <p:grpSpPr>
+        <a:xfrm>
+          <a:off x="0" y="0"/>
+          <a:ext cx="0" cy="0"/>
+          <a:chOff x="0" y="0"/>
+          <a:chExt cx="0" cy="0"/>
+        </a:xfrm>
+      </p:grpSpPr>
+      <p:sp>
+        <p:nvSpPr>
+          <p:cNvPr id="2" name="Slide Image Placeholder 1"/>
+          <p:cNvSpPr>
+            <a:spLocks noGrp="1" noRot="1" noChangeAspect="1"/>
+          </p:cNvSpPr>
+          <p:nvPr>
+            <p:ph type="sldImg"/>
+          </p:nvPr>
+        </p:nvSpPr>
+        <p:spPr/>
+      </p:sp>
+      <p:sp>
+        <p:nvSpPr>
+          <p:cNvPr id="3" name="Notes Placeholder 2"/>
+          <p:cNvSpPr>
+            <a:spLocks noGrp="1"/>
+          </p:cNvSpPr>
+          <p:nvPr>
+            <p:ph type="body" idx="1"/>
+          </p:nvPr>
+        </p:nvSpPr>
+        <p:spPr/>
+        <p:txBody>
+          <a:bodyPr/>
+          <a:lstStyle/>
+          <a:p>
+            <a:r>
+              <a:rPr lang="en-US"/>
+              <a:t>Theme: Rebasing</a:t>
+            </a:r>
+            <a:endParaRPr lang="da-DK" dirty="0"/>
+          </a:p>
+        </p:txBody>
+      </p:sp>
+      <p:sp>
+        <p:nvSpPr>
+          <p:cNvPr id="4" name="Slide Number Placeholder 3"/>
+          <p:cNvSpPr>
+            <a:spLocks noGrp="1"/>
+          </p:cNvSpPr>
+          <p:nvPr>
+            <p:ph type="sldNum" sz="quarter" idx="5"/>
+          </p:nvPr>
+        </p:nvSpPr>
+        <p:spPr/>
+        <p:txBody>
+          <a:bodyPr/>
+          <a:lstStyle/>
+          <a:p>
+            <a:fld id="{49436F85-577F-4A92-A47F-D540A2BCC821}" type="slidenum">
+              <a:rPr lang="en-GB" smtClean="0"/>
+              <a:pPr/>
+              <a:t>22</a:t>
+            </a:fld>
+            <a:endParaRPr lang="en-GB" dirty="0"/>
+          </a:p>
+        </p:txBody>
+      </p:sp>
+    </p:spTree>
+    <p:extLst>
+      <p:ext uri="{BB962C8B-B14F-4D97-AF65-F5344CB8AC3E}">
+        <p14:creationId xmlns:p14="http://schemas.microsoft.com/office/powerpoint/2010/main" val="3662449845"/>
+      </p:ext>
+    </p:extLst>
+  </p:cSld>
+  <p:clrMapOvr>
+    <a:masterClrMapping/>
+  </p:clrMapOvr>
+</p:notes>
+</file>
+
+<file path=ppt/notesSlides/notesSlide15.xml><?xml version="1.0" encoding="utf-8"?>
+<p:notes xmlns:a="http://schemas.openxmlformats.org/drawingml/2006/main" xmlns:r="http://schemas.openxmlformats.org/officeDocument/2006/relationships" xmlns:p="http://schemas.openxmlformats.org/presentationml/2006/main">
+  <p:cSld>
+    <p:spTree>
+      <p:nvGrpSpPr>
+        <p:cNvPr id="1" name=""/>
+        <p:cNvGrpSpPr/>
+        <p:nvPr/>
+      </p:nvGrpSpPr>
+      <p:grpSpPr>
+        <a:xfrm>
+          <a:off x="0" y="0"/>
+          <a:ext cx="0" cy="0"/>
+          <a:chOff x="0" y="0"/>
+          <a:chExt cx="0" cy="0"/>
+        </a:xfrm>
+      </p:grpSpPr>
+      <p:sp>
+        <p:nvSpPr>
+          <p:cNvPr id="2" name="Slide Image Placeholder 1"/>
+          <p:cNvSpPr>
+            <a:spLocks noGrp="1" noRot="1" noChangeAspect="1"/>
+          </p:cNvSpPr>
+          <p:nvPr>
+            <p:ph type="sldImg"/>
+          </p:nvPr>
+        </p:nvSpPr>
+        <p:spPr/>
+      </p:sp>
+      <p:sp>
+        <p:nvSpPr>
+          <p:cNvPr id="3" name="Notes Placeholder 2"/>
+          <p:cNvSpPr>
+            <a:spLocks noGrp="1"/>
+          </p:cNvSpPr>
+          <p:nvPr>
+            <p:ph type="body" idx="1"/>
+          </p:nvPr>
+        </p:nvSpPr>
+        <p:spPr/>
+        <p:txBody>
+          <a:bodyPr/>
+          <a:lstStyle/>
+          <a:p>
+            <a:r>
+              <a:rPr lang="en-US" dirty="0"/>
+              <a:t>Theme: Push local to remote. Merge from remote.</a:t>
+            </a:r>
+            <a:endParaRPr lang="da-DK" dirty="0"/>
+          </a:p>
+        </p:txBody>
+      </p:sp>
+      <p:sp>
+        <p:nvSpPr>
+          <p:cNvPr id="4" name="Slide Number Placeholder 3"/>
+          <p:cNvSpPr>
+            <a:spLocks noGrp="1"/>
+          </p:cNvSpPr>
+          <p:nvPr>
+            <p:ph type="sldNum" sz="quarter" idx="5"/>
+          </p:nvPr>
+        </p:nvSpPr>
+        <p:spPr/>
+        <p:txBody>
+          <a:bodyPr/>
+          <a:lstStyle/>
+          <a:p>
+            <a:fld id="{49436F85-577F-4A92-A47F-D540A2BCC821}" type="slidenum">
+              <a:rPr lang="en-GB" smtClean="0"/>
+              <a:pPr/>
+              <a:t>24</a:t>
+            </a:fld>
+            <a:endParaRPr lang="en-GB" dirty="0"/>
+          </a:p>
+        </p:txBody>
+      </p:sp>
+    </p:spTree>
+    <p:extLst>
+      <p:ext uri="{BB962C8B-B14F-4D97-AF65-F5344CB8AC3E}">
+        <p14:creationId xmlns:p14="http://schemas.microsoft.com/office/powerpoint/2010/main" val="2932350824"/>
+      </p:ext>
+    </p:extLst>
+  </p:cSld>
+  <p:clrMapOvr>
+    <a:masterClrMapping/>
+  </p:clrMapOvr>
+</p:notes>
+</file>
+
+<file path=ppt/notesSlides/notesSlide16.xml><?xml version="1.0" encoding="utf-8"?>
+<p:notes xmlns:a="http://schemas.openxmlformats.org/drawingml/2006/main" xmlns:r="http://schemas.openxmlformats.org/officeDocument/2006/relationships" xmlns:p="http://schemas.openxmlformats.org/presentationml/2006/main">
+  <p:cSld>
+    <p:spTree>
+      <p:nvGrpSpPr>
+        <p:cNvPr id="1" name=""/>
+        <p:cNvGrpSpPr/>
+        <p:nvPr/>
+      </p:nvGrpSpPr>
+      <p:grpSpPr>
+        <a:xfrm>
+          <a:off x="0" y="0"/>
+          <a:ext cx="0" cy="0"/>
+          <a:chOff x="0" y="0"/>
+          <a:chExt cx="0" cy="0"/>
+        </a:xfrm>
+      </p:grpSpPr>
+      <p:sp>
+        <p:nvSpPr>
+          <p:cNvPr id="2" name="Slide Image Placeholder 1"/>
+          <p:cNvSpPr>
+            <a:spLocks noGrp="1" noRot="1" noChangeAspect="1"/>
+          </p:cNvSpPr>
+          <p:nvPr>
+            <p:ph type="sldImg"/>
+          </p:nvPr>
+        </p:nvSpPr>
+        <p:spPr/>
+      </p:sp>
+      <p:sp>
+        <p:nvSpPr>
+          <p:cNvPr id="3" name="Notes Placeholder 2"/>
+          <p:cNvSpPr>
+            <a:spLocks noGrp="1"/>
+          </p:cNvSpPr>
+          <p:nvPr>
+            <p:ph type="body" idx="1"/>
+          </p:nvPr>
+        </p:nvSpPr>
+        <p:spPr/>
+        <p:txBody>
+          <a:bodyPr/>
+          <a:lstStyle/>
+          <a:p>
+            <a:endParaRPr lang="da-DK" b="0" dirty="0"/>
+          </a:p>
+        </p:txBody>
+      </p:sp>
+      <p:sp>
+        <p:nvSpPr>
+          <p:cNvPr id="4" name="Slide Number Placeholder 3"/>
+          <p:cNvSpPr>
+            <a:spLocks noGrp="1"/>
+          </p:cNvSpPr>
+          <p:nvPr>
+            <p:ph type="sldNum" sz="quarter" idx="5"/>
+          </p:nvPr>
+        </p:nvSpPr>
+        <p:spPr/>
+        <p:txBody>
+          <a:bodyPr/>
+          <a:lstStyle/>
+          <a:p>
+            <a:fld id="{49436F85-577F-4A92-A47F-D540A2BCC821}" type="slidenum">
+              <a:rPr lang="en-GB" smtClean="0"/>
+              <a:pPr/>
+              <a:t>26</a:t>
+            </a:fld>
+            <a:endParaRPr lang="en-GB" dirty="0"/>
+          </a:p>
+        </p:txBody>
+      </p:sp>
+    </p:spTree>
+    <p:extLst>
+      <p:ext uri="{BB962C8B-B14F-4D97-AF65-F5344CB8AC3E}">
+        <p14:creationId xmlns:p14="http://schemas.microsoft.com/office/powerpoint/2010/main" val="1833540926"/>
+      </p:ext>
+    </p:extLst>
+  </p:cSld>
+  <p:clrMapOvr>
+    <a:masterClrMapping/>
+  </p:clrMapOvr>
+</p:notes>
+</file>
+
+<file path=ppt/notesSlides/notesSlide17.xml><?xml version="1.0" encoding="utf-8"?>
+<p:notes xmlns:a="http://schemas.openxmlformats.org/drawingml/2006/main" xmlns:r="http://schemas.openxmlformats.org/officeDocument/2006/relationships" xmlns:p="http://schemas.openxmlformats.org/presentationml/2006/main">
+  <p:cSld>
+    <p:spTree>
+      <p:nvGrpSpPr>
+        <p:cNvPr id="1" name=""/>
+        <p:cNvGrpSpPr/>
+        <p:nvPr/>
+      </p:nvGrpSpPr>
+      <p:grpSpPr>
+        <a:xfrm>
+          <a:off x="0" y="0"/>
+          <a:ext cx="0" cy="0"/>
+          <a:chOff x="0" y="0"/>
+          <a:chExt cx="0" cy="0"/>
+        </a:xfrm>
+      </p:grpSpPr>
+      <p:sp>
+        <p:nvSpPr>
+          <p:cNvPr id="2" name="Slide Image Placeholder 1"/>
+          <p:cNvSpPr>
+            <a:spLocks noGrp="1" noRot="1" noChangeAspect="1"/>
+          </p:cNvSpPr>
+          <p:nvPr>
+            <p:ph type="sldImg"/>
+          </p:nvPr>
+        </p:nvSpPr>
+        <p:spPr/>
+      </p:sp>
+      <p:sp>
+        <p:nvSpPr>
+          <p:cNvPr id="3" name="Notes Placeholder 2"/>
+          <p:cNvSpPr>
+            <a:spLocks noGrp="1"/>
+          </p:cNvSpPr>
+          <p:nvPr>
+            <p:ph type="body" idx="1"/>
+          </p:nvPr>
+        </p:nvSpPr>
+        <p:spPr/>
+        <p:txBody>
+          <a:bodyPr/>
+          <a:lstStyle/>
+          <a:p>
+            <a:endParaRPr lang="da-DK" b="0" dirty="0"/>
+          </a:p>
+        </p:txBody>
+      </p:sp>
+      <p:sp>
+        <p:nvSpPr>
+          <p:cNvPr id="4" name="Slide Number Placeholder 3"/>
+          <p:cNvSpPr>
+            <a:spLocks noGrp="1"/>
+          </p:cNvSpPr>
+          <p:nvPr>
+            <p:ph type="sldNum" sz="quarter" idx="5"/>
+          </p:nvPr>
+        </p:nvSpPr>
+        <p:spPr/>
+        <p:txBody>
+          <a:bodyPr/>
+          <a:lstStyle/>
+          <a:p>
+            <a:fld id="{49436F85-577F-4A92-A47F-D540A2BCC821}" type="slidenum">
+              <a:rPr lang="en-GB" smtClean="0"/>
+              <a:pPr/>
+              <a:t>27</a:t>
+            </a:fld>
+            <a:endParaRPr lang="en-GB" dirty="0"/>
+          </a:p>
+        </p:txBody>
+      </p:sp>
+    </p:spTree>
+    <p:extLst>
+      <p:ext uri="{BB962C8B-B14F-4D97-AF65-F5344CB8AC3E}">
+        <p14:creationId xmlns:p14="http://schemas.microsoft.com/office/powerpoint/2010/main" val="584897603"/>
+      </p:ext>
+    </p:extLst>
+  </p:cSld>
+  <p:clrMapOvr>
+    <a:masterClrMapping/>
+  </p:clrMapOvr>
+</p:notes>
+</file>
+
 <file path=ppt/notesSlides/notesSlide2.xml><?xml version="1.0" encoding="utf-8"?>
 <p:notes xmlns:a="http://schemas.openxmlformats.org/drawingml/2006/main" xmlns:r="http://schemas.openxmlformats.org/officeDocument/2006/relationships" xmlns:p="http://schemas.openxmlformats.org/presentationml/2006/main">
   <p:cSld>
@@ -3988,7 +4711,11 @@
           <a:bodyPr/>
           <a:lstStyle/>
           <a:p>
-            <a:endParaRPr lang="da-DK" b="0" dirty="0"/>
+            <a:r>
+              <a:rPr lang="en-US" dirty="0"/>
+              <a:t>Theme: Add a merge tool to the config @ https://git-scm.com/book/en/v2/Customizing-Git-Git-Configuration</a:t>
+            </a:r>
+            <a:endParaRPr lang="da-DK" dirty="0"/>
           </a:p>
         </p:txBody>
       </p:sp>
@@ -4010,7 +4737,7 @@
             <a:fld id="{49436F85-577F-4A92-A47F-D540A2BCC821}" type="slidenum">
               <a:rPr lang="en-GB" smtClean="0"/>
               <a:pPr/>
-              <a:t>26</a:t>
+              <a:t>14</a:t>
             </a:fld>
             <a:endParaRPr lang="en-GB" dirty="0"/>
           </a:p>
@@ -4019,7 +4746,7 @@
     </p:spTree>
     <p:extLst>
       <p:ext uri="{BB962C8B-B14F-4D97-AF65-F5344CB8AC3E}">
-        <p14:creationId xmlns:p14="http://schemas.microsoft.com/office/powerpoint/2010/main" val="1833540926"/>
+        <p14:creationId xmlns:p14="http://schemas.microsoft.com/office/powerpoint/2010/main" val="3678131735"/>
       </p:ext>
     </p:extLst>
   </p:cSld>
@@ -4073,7 +4800,7 @@
           <a:bodyPr/>
           <a:lstStyle/>
           <a:p>
-            <a:endParaRPr lang="da-DK" b="0" dirty="0"/>
+            <a:endParaRPr lang="da-DK" dirty="0"/>
           </a:p>
         </p:txBody>
       </p:sp>
@@ -4095,7 +4822,7 @@
             <a:fld id="{49436F85-577F-4A92-A47F-D540A2BCC821}" type="slidenum">
               <a:rPr lang="en-GB" smtClean="0"/>
               <a:pPr/>
-              <a:t>27</a:t>
+              <a:t>15</a:t>
             </a:fld>
             <a:endParaRPr lang="en-GB" dirty="0"/>
           </a:p>
@@ -4104,7 +4831,198 @@
     </p:spTree>
     <p:extLst>
       <p:ext uri="{BB962C8B-B14F-4D97-AF65-F5344CB8AC3E}">
-        <p14:creationId xmlns:p14="http://schemas.microsoft.com/office/powerpoint/2010/main" val="584897603"/>
+        <p14:creationId xmlns:p14="http://schemas.microsoft.com/office/powerpoint/2010/main" val="180351138"/>
+      </p:ext>
+    </p:extLst>
+  </p:cSld>
+  <p:clrMapOvr>
+    <a:masterClrMapping/>
+  </p:clrMapOvr>
+</p:notes>
+</file>
+
+<file path=ppt/notesSlides/notesSlide8.xml><?xml version="1.0" encoding="utf-8"?>
+<p:notes xmlns:a="http://schemas.openxmlformats.org/drawingml/2006/main" xmlns:r="http://schemas.openxmlformats.org/officeDocument/2006/relationships" xmlns:p="http://schemas.openxmlformats.org/presentationml/2006/main">
+  <p:cSld>
+    <p:spTree>
+      <p:nvGrpSpPr>
+        <p:cNvPr id="1" name=""/>
+        <p:cNvGrpSpPr/>
+        <p:nvPr/>
+      </p:nvGrpSpPr>
+      <p:grpSpPr>
+        <a:xfrm>
+          <a:off x="0" y="0"/>
+          <a:ext cx="0" cy="0"/>
+          <a:chOff x="0" y="0"/>
+          <a:chExt cx="0" cy="0"/>
+        </a:xfrm>
+      </p:grpSpPr>
+      <p:sp>
+        <p:nvSpPr>
+          <p:cNvPr id="2" name="Slide Image Placeholder 1"/>
+          <p:cNvSpPr>
+            <a:spLocks noGrp="1" noRot="1" noChangeAspect="1"/>
+          </p:cNvSpPr>
+          <p:nvPr>
+            <p:ph type="sldImg"/>
+          </p:nvPr>
+        </p:nvSpPr>
+        <p:spPr/>
+      </p:sp>
+      <p:sp>
+        <p:nvSpPr>
+          <p:cNvPr id="3" name="Notes Placeholder 2"/>
+          <p:cNvSpPr>
+            <a:spLocks noGrp="1"/>
+          </p:cNvSpPr>
+          <p:nvPr>
+            <p:ph type="body" idx="1"/>
+          </p:nvPr>
+        </p:nvSpPr>
+        <p:spPr/>
+        <p:txBody>
+          <a:bodyPr/>
+          <a:lstStyle/>
+          <a:p>
+            <a:r>
+              <a:rPr lang="en-US" dirty="0"/>
+              <a:t>Theme: Stuff with files</a:t>
+            </a:r>
+            <a:endParaRPr lang="da-DK" dirty="0"/>
+          </a:p>
+        </p:txBody>
+      </p:sp>
+      <p:sp>
+        <p:nvSpPr>
+          <p:cNvPr id="4" name="Slide Number Placeholder 3"/>
+          <p:cNvSpPr>
+            <a:spLocks noGrp="1"/>
+          </p:cNvSpPr>
+          <p:nvPr>
+            <p:ph type="sldNum" sz="quarter" idx="5"/>
+          </p:nvPr>
+        </p:nvSpPr>
+        <p:spPr/>
+        <p:txBody>
+          <a:bodyPr/>
+          <a:lstStyle/>
+          <a:p>
+            <a:fld id="{49436F85-577F-4A92-A47F-D540A2BCC821}" type="slidenum">
+              <a:rPr lang="en-GB" smtClean="0"/>
+              <a:pPr/>
+              <a:t>16</a:t>
+            </a:fld>
+            <a:endParaRPr lang="en-GB" dirty="0"/>
+          </a:p>
+        </p:txBody>
+      </p:sp>
+    </p:spTree>
+    <p:extLst>
+      <p:ext uri="{BB962C8B-B14F-4D97-AF65-F5344CB8AC3E}">
+        <p14:creationId xmlns:p14="http://schemas.microsoft.com/office/powerpoint/2010/main" val="1135674778"/>
+      </p:ext>
+    </p:extLst>
+  </p:cSld>
+  <p:clrMapOvr>
+    <a:masterClrMapping/>
+  </p:clrMapOvr>
+</p:notes>
+</file>
+
+<file path=ppt/notesSlides/notesSlide9.xml><?xml version="1.0" encoding="utf-8"?>
+<p:notes xmlns:a="http://schemas.openxmlformats.org/drawingml/2006/main" xmlns:r="http://schemas.openxmlformats.org/officeDocument/2006/relationships" xmlns:p="http://schemas.openxmlformats.org/presentationml/2006/main">
+  <p:cSld>
+    <p:spTree>
+      <p:nvGrpSpPr>
+        <p:cNvPr id="1" name=""/>
+        <p:cNvGrpSpPr/>
+        <p:nvPr/>
+      </p:nvGrpSpPr>
+      <p:grpSpPr>
+        <a:xfrm>
+          <a:off x="0" y="0"/>
+          <a:ext cx="0" cy="0"/>
+          <a:chOff x="0" y="0"/>
+          <a:chExt cx="0" cy="0"/>
+        </a:xfrm>
+      </p:grpSpPr>
+      <p:sp>
+        <p:nvSpPr>
+          <p:cNvPr id="2" name="Slide Image Placeholder 1"/>
+          <p:cNvSpPr>
+            <a:spLocks noGrp="1" noRot="1" noChangeAspect="1"/>
+          </p:cNvSpPr>
+          <p:nvPr>
+            <p:ph type="sldImg"/>
+          </p:nvPr>
+        </p:nvSpPr>
+        <p:spPr/>
+      </p:sp>
+      <p:sp>
+        <p:nvSpPr>
+          <p:cNvPr id="3" name="Notes Placeholder 2"/>
+          <p:cNvSpPr>
+            <a:spLocks noGrp="1"/>
+          </p:cNvSpPr>
+          <p:nvPr>
+            <p:ph type="body" idx="1"/>
+          </p:nvPr>
+        </p:nvSpPr>
+        <p:spPr/>
+        <p:txBody>
+          <a:bodyPr/>
+          <a:lstStyle/>
+          <a:p>
+            <a:pPr marL="0" marR="0" lvl="0" indent="0" algn="l" defTabSz="914400" rtl="0" eaLnBrk="1" fontAlgn="auto" latinLnBrk="0" hangingPunct="1">
+              <a:lnSpc>
+                <a:spcPct val="100000"/>
+              </a:lnSpc>
+              <a:spcBef>
+                <a:spcPts val="0"/>
+              </a:spcBef>
+              <a:spcAft>
+                <a:spcPts val="0"/>
+              </a:spcAft>
+              <a:buClrTx/>
+              <a:buSzTx/>
+              <a:buFontTx/>
+              <a:buNone/>
+              <a:tabLst/>
+              <a:defRPr/>
+            </a:pPr>
+            <a:endParaRPr lang="da-DK" dirty="0"/>
+          </a:p>
+        </p:txBody>
+      </p:sp>
+      <p:sp>
+        <p:nvSpPr>
+          <p:cNvPr id="4" name="Slide Number Placeholder 3"/>
+          <p:cNvSpPr>
+            <a:spLocks noGrp="1"/>
+          </p:cNvSpPr>
+          <p:nvPr>
+            <p:ph type="sldNum" sz="quarter" idx="5"/>
+          </p:nvPr>
+        </p:nvSpPr>
+        <p:spPr/>
+        <p:txBody>
+          <a:bodyPr/>
+          <a:lstStyle/>
+          <a:p>
+            <a:fld id="{49436F85-577F-4A92-A47F-D540A2BCC821}" type="slidenum">
+              <a:rPr lang="en-GB" smtClean="0"/>
+              <a:pPr/>
+              <a:t>17</a:t>
+            </a:fld>
+            <a:endParaRPr lang="en-GB" dirty="0"/>
+          </a:p>
+        </p:txBody>
+      </p:sp>
+    </p:spTree>
+    <p:extLst>
+      <p:ext uri="{BB962C8B-B14F-4D97-AF65-F5344CB8AC3E}">
+        <p14:creationId xmlns:p14="http://schemas.microsoft.com/office/powerpoint/2010/main" val="1906114840"/>
       </p:ext>
     </p:extLst>
   </p:cSld>
@@ -20565,7 +21483,7 @@
                   <a:srgbClr val="002060"/>
                 </a:solidFill>
               </a:rPr>
-              <a:t> [directory]</a:t>
+              <a:t> [workspace]</a:t>
             </a:r>
           </a:p>
           <a:p>
@@ -20586,7 +21504,7 @@
             </a:pPr>
             <a:r>
               <a:rPr lang="en-US" sz="2100" dirty="0"/>
-              <a:t>Clone an existing repository (local or remote): </a:t>
+              <a:t>Clone an existing repository: </a:t>
             </a:r>
             <a:r>
               <a:rPr lang="en-US" sz="2100" dirty="0">
@@ -20594,7 +21512,7 @@
                   <a:srgbClr val="002060"/>
                 </a:solidFill>
               </a:rPr>
-              <a:t>git clone [folder / URL] [folder]</a:t>
+              <a:t>git clone [workspace / URL] [workspace]</a:t>
             </a:r>
           </a:p>
           <a:p>
@@ -20634,6 +21552,137 @@
   <p:clrMapOvr>
     <a:masterClrMapping/>
   </p:clrMapOvr>
+  <p:timing>
+    <p:tnLst>
+      <p:par>
+        <p:cTn id="1" dur="indefinite" restart="never" nodeType="tmRoot">
+          <p:childTnLst>
+            <p:seq concurrent="1" nextAc="seek">
+              <p:cTn id="2" dur="indefinite" nodeType="mainSeq">
+                <p:childTnLst>
+                  <p:par>
+                    <p:cTn id="3" fill="hold">
+                      <p:stCondLst>
+                        <p:cond delay="indefinite"/>
+                        <p:cond evt="onBegin" delay="0">
+                          <p:tn val="2"/>
+                        </p:cond>
+                      </p:stCondLst>
+                      <p:childTnLst>
+                        <p:par>
+                          <p:cTn id="4" fill="hold">
+                            <p:stCondLst>
+                              <p:cond delay="0"/>
+                            </p:stCondLst>
+                            <p:childTnLst>
+                              <p:par>
+                                <p:cTn id="5" presetID="1" presetClass="entr" presetSubtype="0" fill="hold" nodeType="withEffect">
+                                  <p:stCondLst>
+                                    <p:cond delay="0"/>
+                                  </p:stCondLst>
+                                  <p:childTnLst>
+                                    <p:set>
+                                      <p:cBhvr>
+                                        <p:cTn id="6" dur="1" fill="hold">
+                                          <p:stCondLst>
+                                            <p:cond delay="0"/>
+                                          </p:stCondLst>
+                                        </p:cTn>
+                                        <p:tgtEl>
+                                          <p:spTgt spid="8">
+                                            <p:txEl>
+                                              <p:pRg st="0" end="0"/>
+                                            </p:txEl>
+                                          </p:spTgt>
+                                        </p:tgtEl>
+                                        <p:attrNameLst>
+                                          <p:attrName>style.visibility</p:attrName>
+                                        </p:attrNameLst>
+                                      </p:cBhvr>
+                                      <p:to>
+                                        <p:strVal val="visible"/>
+                                      </p:to>
+                                    </p:set>
+                                  </p:childTnLst>
+                                </p:cTn>
+                              </p:par>
+                            </p:childTnLst>
+                          </p:cTn>
+                        </p:par>
+                      </p:childTnLst>
+                    </p:cTn>
+                  </p:par>
+                  <p:par>
+                    <p:cTn id="7" fill="hold">
+                      <p:stCondLst>
+                        <p:cond delay="indefinite"/>
+                      </p:stCondLst>
+                      <p:childTnLst>
+                        <p:par>
+                          <p:cTn id="8" fill="hold">
+                            <p:stCondLst>
+                              <p:cond delay="0"/>
+                            </p:stCondLst>
+                            <p:childTnLst>
+                              <p:par>
+                                <p:cTn id="9" presetID="1" presetClass="entr" presetSubtype="0" fill="hold" nodeType="clickEffect">
+                                  <p:stCondLst>
+                                    <p:cond delay="0"/>
+                                  </p:stCondLst>
+                                  <p:childTnLst>
+                                    <p:set>
+                                      <p:cBhvr>
+                                        <p:cTn id="10" dur="1" fill="hold">
+                                          <p:stCondLst>
+                                            <p:cond delay="0"/>
+                                          </p:stCondLst>
+                                        </p:cTn>
+                                        <p:tgtEl>
+                                          <p:spTgt spid="8">
+                                            <p:txEl>
+                                              <p:pRg st="2" end="2"/>
+                                            </p:txEl>
+                                          </p:spTgt>
+                                        </p:tgtEl>
+                                        <p:attrNameLst>
+                                          <p:attrName>style.visibility</p:attrName>
+                                        </p:attrNameLst>
+                                      </p:cBhvr>
+                                      <p:to>
+                                        <p:strVal val="visible"/>
+                                      </p:to>
+                                    </p:set>
+                                  </p:childTnLst>
+                                </p:cTn>
+                              </p:par>
+                            </p:childTnLst>
+                          </p:cTn>
+                        </p:par>
+                      </p:childTnLst>
+                    </p:cTn>
+                  </p:par>
+                </p:childTnLst>
+              </p:cTn>
+              <p:prevCondLst>
+                <p:cond evt="onPrev" delay="0">
+                  <p:tgtEl>
+                    <p:sldTgt/>
+                  </p:tgtEl>
+                </p:cond>
+              </p:prevCondLst>
+              <p:nextCondLst>
+                <p:cond evt="onNext" delay="0">
+                  <p:tgtEl>
+                    <p:sldTgt/>
+                  </p:tgtEl>
+                </p:cond>
+              </p:nextCondLst>
+            </p:seq>
+          </p:childTnLst>
+        </p:cTn>
+      </p:par>
+    </p:tnLst>
+  </p:timing>
 </p:sld>
 </file>
 
@@ -21102,10 +22151,10 @@
       </p:grpSp>
       <p:sp>
         <p:nvSpPr>
-          <p:cNvPr id="8" name="TextBox 7">
+          <p:cNvPr id="13" name="TextBox 12">
             <a:extLst>
               <a:ext uri="{FF2B5EF4-FFF2-40B4-BE49-F238E27FC236}">
-                <a16:creationId xmlns:a16="http://schemas.microsoft.com/office/drawing/2014/main" id="{C2BEF8E2-79A4-45B6-B27E-7F1F0D003CBF}"/>
+                <a16:creationId xmlns:a16="http://schemas.microsoft.com/office/drawing/2014/main" id="{895923AD-EECF-4C70-9A87-D1EF15371266}"/>
               </a:ext>
             </a:extLst>
           </p:cNvPr>
@@ -21128,10 +22177,188 @@
           </a:bodyPr>
           <a:lstStyle/>
           <a:p>
+            <a:pPr marL="342900" indent="-342900">
+              <a:buFont typeface="Arial" panose="020B0604020202020204" pitchFamily="34" charset="0"/>
+              <a:buChar char="•"/>
+            </a:pPr>
             <a:r>
               <a:rPr lang="en-US" sz="2100" dirty="0"/>
-              <a:t>Git config</a:t>
-            </a:r>
+              <a:t>Attach a name to all commits: </a:t>
+            </a:r>
+            <a:r>
+              <a:rPr lang="en-US" sz="2100" dirty="0">
+                <a:solidFill>
+                  <a:srgbClr val="002060"/>
+                </a:solidFill>
+              </a:rPr>
+              <a:t>git config --global user.name [name]</a:t>
+            </a:r>
+          </a:p>
+          <a:p>
+            <a:pPr marL="342900" indent="-342900">
+              <a:buFont typeface="Arial" panose="020B0604020202020204" pitchFamily="34" charset="0"/>
+              <a:buChar char="•"/>
+            </a:pPr>
+            <a:endParaRPr lang="en-US" sz="2100" dirty="0">
+              <a:solidFill>
+                <a:srgbClr val="002060"/>
+              </a:solidFill>
+            </a:endParaRPr>
+          </a:p>
+          <a:p>
+            <a:pPr marL="342900" indent="-342900">
+              <a:buFont typeface="Arial" panose="020B0604020202020204" pitchFamily="34" charset="0"/>
+              <a:buChar char="•"/>
+            </a:pPr>
+            <a:r>
+              <a:rPr lang="en-US" sz="2100" dirty="0"/>
+              <a:t>Attach an email to all commits: </a:t>
+            </a:r>
+            <a:r>
+              <a:rPr lang="en-US" sz="2100" dirty="0">
+                <a:solidFill>
+                  <a:srgbClr val="002060"/>
+                </a:solidFill>
+              </a:rPr>
+              <a:t>git config --global </a:t>
+            </a:r>
+            <a:r>
+              <a:rPr lang="en-US" sz="2100" dirty="0" err="1">
+                <a:solidFill>
+                  <a:srgbClr val="002060"/>
+                </a:solidFill>
+              </a:rPr>
+              <a:t>user.email</a:t>
+            </a:r>
+            <a:r>
+              <a:rPr lang="en-US" sz="2100" dirty="0">
+                <a:solidFill>
+                  <a:srgbClr val="002060"/>
+                </a:solidFill>
+              </a:rPr>
+              <a:t> [email]</a:t>
+            </a:r>
+            <a:br>
+              <a:rPr lang="en-US" sz="2100" dirty="0">
+                <a:solidFill>
+                  <a:srgbClr val="002060"/>
+                </a:solidFill>
+              </a:rPr>
+            </a:br>
+            <a:endParaRPr lang="en-US" sz="2100" dirty="0">
+              <a:solidFill>
+                <a:srgbClr val="002060"/>
+              </a:solidFill>
+            </a:endParaRPr>
+          </a:p>
+          <a:p>
+            <a:pPr marL="342900" indent="-342900">
+              <a:buFont typeface="Arial" panose="020B0604020202020204" pitchFamily="34" charset="0"/>
+              <a:buChar char="•"/>
+            </a:pPr>
+            <a:r>
+              <a:rPr lang="en-US" sz="2100" dirty="0"/>
+              <a:t>Create a alias for a Git command: </a:t>
+            </a:r>
+            <a:r>
+              <a:rPr lang="en-US" sz="2100" dirty="0">
+                <a:solidFill>
+                  <a:srgbClr val="002060"/>
+                </a:solidFill>
+              </a:rPr>
+              <a:t>git config --global alias.[name] [command]</a:t>
+            </a:r>
+          </a:p>
+          <a:p>
+            <a:pPr marL="342900" indent="-342900">
+              <a:buFont typeface="Arial" panose="020B0604020202020204" pitchFamily="34" charset="0"/>
+              <a:buChar char="•"/>
+            </a:pPr>
+            <a:endParaRPr lang="en-US" sz="2100" dirty="0">
+              <a:solidFill>
+                <a:srgbClr val="002060"/>
+              </a:solidFill>
+            </a:endParaRPr>
+          </a:p>
+          <a:p>
+            <a:pPr marL="342900" indent="-342900">
+              <a:buFont typeface="Arial" panose="020B0604020202020204" pitchFamily="34" charset="0"/>
+              <a:buChar char="•"/>
+            </a:pPr>
+            <a:r>
+              <a:rPr lang="en-US" sz="2100" dirty="0"/>
+              <a:t>Auto-convert CRLF line endings into LF: </a:t>
+            </a:r>
+            <a:r>
+              <a:rPr lang="en-US" sz="2100" dirty="0">
+                <a:solidFill>
+                  <a:srgbClr val="002060"/>
+                </a:solidFill>
+              </a:rPr>
+              <a:t>git config --global </a:t>
+            </a:r>
+            <a:r>
+              <a:rPr lang="en-US" sz="2100" dirty="0" err="1">
+                <a:solidFill>
+                  <a:srgbClr val="002060"/>
+                </a:solidFill>
+              </a:rPr>
+              <a:t>core.autocrlf</a:t>
+            </a:r>
+            <a:r>
+              <a:rPr lang="en-US" sz="2100" dirty="0">
+                <a:solidFill>
+                  <a:srgbClr val="002060"/>
+                </a:solidFill>
+              </a:rPr>
+              <a:t> true</a:t>
+            </a:r>
+          </a:p>
+          <a:p>
+            <a:pPr marL="342900" indent="-342900">
+              <a:buFont typeface="Arial" panose="020B0604020202020204" pitchFamily="34" charset="0"/>
+              <a:buChar char="•"/>
+            </a:pPr>
+            <a:endParaRPr lang="en-US" sz="2100" dirty="0">
+              <a:solidFill>
+                <a:srgbClr val="002060"/>
+              </a:solidFill>
+            </a:endParaRPr>
+          </a:p>
+          <a:p>
+            <a:pPr marL="342900" indent="-342900">
+              <a:buFont typeface="Arial" panose="020B0604020202020204" pitchFamily="34" charset="0"/>
+              <a:buChar char="•"/>
+            </a:pPr>
+            <a:r>
+              <a:rPr lang="en-US" sz="2100" dirty="0"/>
+              <a:t>Auto-correct CLI mistakes: </a:t>
+            </a:r>
+            <a:r>
+              <a:rPr lang="en-US" sz="2100" dirty="0">
+                <a:solidFill>
+                  <a:srgbClr val="002060"/>
+                </a:solidFill>
+              </a:rPr>
+              <a:t>git config --global </a:t>
+            </a:r>
+            <a:r>
+              <a:rPr lang="en-US" sz="2100" dirty="0" err="1">
+                <a:solidFill>
+                  <a:srgbClr val="002060"/>
+                </a:solidFill>
+              </a:rPr>
+              <a:t>help.autocorrect</a:t>
+            </a:r>
+            <a:r>
+              <a:rPr lang="en-US" sz="2100" dirty="0">
+                <a:solidFill>
+                  <a:srgbClr val="002060"/>
+                </a:solidFill>
+              </a:rPr>
+              <a:t> true</a:t>
+            </a:r>
+            <a:endParaRPr lang="en-US" sz="2100" dirty="0"/>
           </a:p>
         </p:txBody>
       </p:sp>
@@ -21145,6 +22372,284 @@
   <p:clrMapOvr>
     <a:masterClrMapping/>
   </p:clrMapOvr>
+  <p:timing>
+    <p:tnLst>
+      <p:par>
+        <p:cTn id="1" dur="indefinite" restart="never" nodeType="tmRoot">
+          <p:childTnLst>
+            <p:seq concurrent="1" nextAc="seek">
+              <p:cTn id="2" dur="indefinite" nodeType="mainSeq">
+                <p:childTnLst>
+                  <p:par>
+                    <p:cTn id="3" fill="hold">
+                      <p:stCondLst>
+                        <p:cond delay="indefinite"/>
+                        <p:cond evt="onBegin" delay="0">
+                          <p:tn val="2"/>
+                        </p:cond>
+                      </p:stCondLst>
+                      <p:childTnLst>
+                        <p:par>
+                          <p:cTn id="4" fill="hold">
+                            <p:stCondLst>
+                              <p:cond delay="0"/>
+                            </p:stCondLst>
+                            <p:childTnLst>
+                              <p:par>
+                                <p:cTn id="5" presetID="1" presetClass="entr" presetSubtype="0" fill="hold" nodeType="withEffect">
+                                  <p:stCondLst>
+                                    <p:cond delay="0"/>
+                                  </p:stCondLst>
+                                  <p:childTnLst>
+                                    <p:set>
+                                      <p:cBhvr>
+                                        <p:cTn id="6" dur="1" fill="hold">
+                                          <p:stCondLst>
+                                            <p:cond delay="0"/>
+                                          </p:stCondLst>
+                                        </p:cTn>
+                                        <p:tgtEl>
+                                          <p:spTgt spid="13">
+                                            <p:txEl>
+                                              <p:pRg st="0" end="0"/>
+                                            </p:txEl>
+                                          </p:spTgt>
+                                        </p:tgtEl>
+                                        <p:attrNameLst>
+                                          <p:attrName>style.visibility</p:attrName>
+                                        </p:attrNameLst>
+                                      </p:cBhvr>
+                                      <p:to>
+                                        <p:strVal val="visible"/>
+                                      </p:to>
+                                    </p:set>
+                                  </p:childTnLst>
+                                </p:cTn>
+                              </p:par>
+                            </p:childTnLst>
+                          </p:cTn>
+                        </p:par>
+                      </p:childTnLst>
+                    </p:cTn>
+                  </p:par>
+                  <p:par>
+                    <p:cTn id="7" fill="hold">
+                      <p:stCondLst>
+                        <p:cond delay="indefinite"/>
+                      </p:stCondLst>
+                      <p:childTnLst>
+                        <p:par>
+                          <p:cTn id="8" fill="hold">
+                            <p:stCondLst>
+                              <p:cond delay="0"/>
+                            </p:stCondLst>
+                            <p:childTnLst>
+                              <p:par>
+                                <p:cTn id="9" presetID="1" presetClass="entr" presetSubtype="0" fill="hold" nodeType="clickEffect">
+                                  <p:stCondLst>
+                                    <p:cond delay="0"/>
+                                  </p:stCondLst>
+                                  <p:childTnLst>
+                                    <p:set>
+                                      <p:cBhvr>
+                                        <p:cTn id="10" dur="1" fill="hold">
+                                          <p:stCondLst>
+                                            <p:cond delay="0"/>
+                                          </p:stCondLst>
+                                        </p:cTn>
+                                        <p:tgtEl>
+                                          <p:spTgt spid="13">
+                                            <p:txEl>
+                                              <p:pRg st="2" end="2"/>
+                                            </p:txEl>
+                                          </p:spTgt>
+                                        </p:tgtEl>
+                                        <p:attrNameLst>
+                                          <p:attrName>style.visibility</p:attrName>
+                                        </p:attrNameLst>
+                                      </p:cBhvr>
+                                      <p:to>
+                                        <p:strVal val="visible"/>
+                                      </p:to>
+                                    </p:set>
+                                  </p:childTnLst>
+                                </p:cTn>
+                              </p:par>
+                            </p:childTnLst>
+                          </p:cTn>
+                        </p:par>
+                      </p:childTnLst>
+                    </p:cTn>
+                  </p:par>
+                  <p:par>
+                    <p:cTn id="11" fill="hold">
+                      <p:stCondLst>
+                        <p:cond delay="indefinite"/>
+                      </p:stCondLst>
+                      <p:childTnLst>
+                        <p:par>
+                          <p:cTn id="12" fill="hold">
+                            <p:stCondLst>
+                              <p:cond delay="0"/>
+                            </p:stCondLst>
+                            <p:childTnLst>
+                              <p:par>
+                                <p:cTn id="13" presetID="1" presetClass="entr" presetSubtype="0" fill="hold" nodeType="clickEffect">
+                                  <p:stCondLst>
+                                    <p:cond delay="0"/>
+                                  </p:stCondLst>
+                                  <p:childTnLst>
+                                    <p:set>
+                                      <p:cBhvr>
+                                        <p:cTn id="14" dur="1" fill="hold">
+                                          <p:stCondLst>
+                                            <p:cond delay="0"/>
+                                          </p:stCondLst>
+                                        </p:cTn>
+                                        <p:tgtEl>
+                                          <p:spTgt spid="13">
+                                            <p:txEl>
+                                              <p:pRg st="3" end="3"/>
+                                            </p:txEl>
+                                          </p:spTgt>
+                                        </p:tgtEl>
+                                        <p:attrNameLst>
+                                          <p:attrName>style.visibility</p:attrName>
+                                        </p:attrNameLst>
+                                      </p:cBhvr>
+                                      <p:to>
+                                        <p:strVal val="visible"/>
+                                      </p:to>
+                                    </p:set>
+                                  </p:childTnLst>
+                                </p:cTn>
+                              </p:par>
+                            </p:childTnLst>
+                          </p:cTn>
+                        </p:par>
+                      </p:childTnLst>
+                    </p:cTn>
+                  </p:par>
+                  <p:par>
+                    <p:cTn id="15" fill="hold">
+                      <p:stCondLst>
+                        <p:cond delay="indefinite"/>
+                      </p:stCondLst>
+                      <p:childTnLst>
+                        <p:par>
+                          <p:cTn id="16" fill="hold">
+                            <p:stCondLst>
+                              <p:cond delay="0"/>
+                            </p:stCondLst>
+                            <p:childTnLst>
+                              <p:par>
+                                <p:cTn id="17" presetID="1" presetClass="entr" presetSubtype="0" fill="hold" nodeType="clickEffect">
+                                  <p:stCondLst>
+                                    <p:cond delay="0"/>
+                                  </p:stCondLst>
+                                  <p:childTnLst>
+                                    <p:set>
+                                      <p:cBhvr>
+                                        <p:cTn id="18" dur="1" fill="hold">
+                                          <p:stCondLst>
+                                            <p:cond delay="0"/>
+                                          </p:stCondLst>
+                                        </p:cTn>
+                                        <p:tgtEl>
+                                          <p:spTgt spid="13">
+                                            <p:txEl>
+                                              <p:pRg st="5" end="5"/>
+                                            </p:txEl>
+                                          </p:spTgt>
+                                        </p:tgtEl>
+                                        <p:attrNameLst>
+                                          <p:attrName>style.visibility</p:attrName>
+                                        </p:attrNameLst>
+                                      </p:cBhvr>
+                                      <p:to>
+                                        <p:strVal val="visible"/>
+                                      </p:to>
+                                    </p:set>
+                                  </p:childTnLst>
+                                </p:cTn>
+                              </p:par>
+                            </p:childTnLst>
+                          </p:cTn>
+                        </p:par>
+                      </p:childTnLst>
+                    </p:cTn>
+                  </p:par>
+                  <p:par>
+                    <p:cTn id="19" fill="hold">
+                      <p:stCondLst>
+                        <p:cond delay="indefinite"/>
+                      </p:stCondLst>
+                      <p:childTnLst>
+                        <p:par>
+                          <p:cTn id="20" fill="hold">
+                            <p:stCondLst>
+                              <p:cond delay="0"/>
+                            </p:stCondLst>
+                            <p:childTnLst>
+                              <p:par>
+                                <p:cTn id="21" presetID="1" presetClass="entr" presetSubtype="0" fill="hold" nodeType="clickEffect">
+                                  <p:stCondLst>
+                                    <p:cond delay="0"/>
+                                  </p:stCondLst>
+                                  <p:childTnLst>
+                                    <p:set>
+                                      <p:cBhvr>
+                                        <p:cTn id="22" dur="1" fill="hold">
+                                          <p:stCondLst>
+                                            <p:cond delay="0"/>
+                                          </p:stCondLst>
+                                        </p:cTn>
+                                        <p:tgtEl>
+                                          <p:spTgt spid="13">
+                                            <p:txEl>
+                                              <p:pRg st="7" end="7"/>
+                                            </p:txEl>
+                                          </p:spTgt>
+                                        </p:tgtEl>
+                                        <p:attrNameLst>
+                                          <p:attrName>style.visibility</p:attrName>
+                                        </p:attrNameLst>
+                                      </p:cBhvr>
+                                      <p:to>
+                                        <p:strVal val="visible"/>
+                                      </p:to>
+                                    </p:set>
+                                  </p:childTnLst>
+                                </p:cTn>
+                              </p:par>
+                            </p:childTnLst>
+                          </p:cTn>
+                        </p:par>
+                      </p:childTnLst>
+                    </p:cTn>
+                  </p:par>
+                </p:childTnLst>
+              </p:cTn>
+              <p:prevCondLst>
+                <p:cond evt="onPrev" delay="0">
+                  <p:tgtEl>
+                    <p:sldTgt/>
+                  </p:tgtEl>
+                </p:cond>
+              </p:prevCondLst>
+              <p:nextCondLst>
+                <p:cond evt="onNext" delay="0">
+                  <p:tgtEl>
+                    <p:sldTgt/>
+                  </p:tgtEl>
+                </p:cond>
+              </p:nextCondLst>
+            </p:seq>
+          </p:childTnLst>
+        </p:cTn>
+      </p:par>
+    </p:tnLst>
+  </p:timing>
 </p:sld>
 </file>
 
@@ -21180,7 +22685,7 @@
           <p:nvPr/>
         </p:nvPicPr>
         <p:blipFill rotWithShape="1">
-          <a:blip r:embed="rId2">
+          <a:blip r:embed="rId3">
             <a:extLst>
               <a:ext uri="{28A0092B-C50C-407E-A947-70E740481C1C}">
                 <a14:useLocalDpi xmlns:a14="http://schemas.microsoft.com/office/drawing/2010/main" val="0"/>
@@ -21370,7 +22875,7 @@
           <p:nvPr/>
         </p:nvPicPr>
         <p:blipFill>
-          <a:blip r:embed="rId3">
+          <a:blip r:embed="rId4">
             <a:extLst>
               <a:ext uri="{28A0092B-C50C-407E-A947-70E740481C1C}">
                 <a14:useLocalDpi xmlns:a14="http://schemas.microsoft.com/office/drawing/2010/main" val="0"/>
@@ -21436,7 +22941,7 @@
           <p:nvPr/>
         </p:nvPicPr>
         <p:blipFill rotWithShape="1">
-          <a:blip r:embed="rId2">
+          <a:blip r:embed="rId3">
             <a:extLst>
               <a:ext uri="{28A0092B-C50C-407E-A947-70E740481C1C}">
                 <a14:useLocalDpi xmlns:a14="http://schemas.microsoft.com/office/drawing/2010/main" val="0"/>
@@ -21613,10 +23118,10 @@
       </p:grpSp>
       <p:sp>
         <p:nvSpPr>
-          <p:cNvPr id="8" name="TextBox 7">
+          <p:cNvPr id="15" name="TextBox 14">
             <a:extLst>
               <a:ext uri="{FF2B5EF4-FFF2-40B4-BE49-F238E27FC236}">
-                <a16:creationId xmlns:a16="http://schemas.microsoft.com/office/drawing/2014/main" id="{C2BEF8E2-79A4-45B6-B27E-7F1F0D003CBF}"/>
+                <a16:creationId xmlns:a16="http://schemas.microsoft.com/office/drawing/2014/main" id="{DA253E0B-BCB8-4D56-8949-97864E6D2994}"/>
               </a:ext>
             </a:extLst>
           </p:cNvPr>
@@ -21639,10 +23144,168 @@
           </a:bodyPr>
           <a:lstStyle/>
           <a:p>
+            <a:pPr marL="342900" indent="-342900">
+              <a:buFont typeface="Arial" panose="020B0604020202020204" pitchFamily="34" charset="0"/>
+              <a:buChar char="•"/>
+            </a:pPr>
             <a:r>
               <a:rPr lang="en-US" sz="2100" dirty="0"/>
-              <a:t>Git status, log, diff, show</a:t>
-            </a:r>
+              <a:t>Show the state of the workspace: </a:t>
+            </a:r>
+            <a:r>
+              <a:rPr lang="en-US" sz="2100" dirty="0">
+                <a:solidFill>
+                  <a:srgbClr val="002060"/>
+                </a:solidFill>
+              </a:rPr>
+              <a:t>git status</a:t>
+            </a:r>
+          </a:p>
+          <a:p>
+            <a:pPr marL="342900" indent="-342900">
+              <a:buFont typeface="Arial" panose="020B0604020202020204" pitchFamily="34" charset="0"/>
+              <a:buChar char="•"/>
+            </a:pPr>
+            <a:endParaRPr lang="en-US" sz="2100" dirty="0">
+              <a:solidFill>
+                <a:srgbClr val="002060"/>
+              </a:solidFill>
+            </a:endParaRPr>
+          </a:p>
+          <a:p>
+            <a:pPr marL="342900" indent="-342900">
+              <a:buFont typeface="Arial" panose="020B0604020202020204" pitchFamily="34" charset="0"/>
+              <a:buChar char="•"/>
+            </a:pPr>
+            <a:r>
+              <a:rPr lang="en-US" sz="2100" dirty="0"/>
+              <a:t>List the commit history of the current branch: </a:t>
+            </a:r>
+            <a:r>
+              <a:rPr lang="en-US" sz="2100" dirty="0">
+                <a:solidFill>
+                  <a:srgbClr val="002060"/>
+                </a:solidFill>
+              </a:rPr>
+              <a:t>git log</a:t>
+            </a:r>
+          </a:p>
+          <a:p>
+            <a:pPr marL="342900" indent="-342900">
+              <a:buFont typeface="Arial" panose="020B0604020202020204" pitchFamily="34" charset="0"/>
+              <a:buChar char="•"/>
+            </a:pPr>
+            <a:endParaRPr lang="en-US" sz="2100" dirty="0">
+              <a:solidFill>
+                <a:srgbClr val="002060"/>
+              </a:solidFill>
+            </a:endParaRPr>
+          </a:p>
+          <a:p>
+            <a:pPr marL="342900" indent="-342900">
+              <a:buFont typeface="Arial" panose="020B0604020202020204" pitchFamily="34" charset="0"/>
+              <a:buChar char="•"/>
+            </a:pPr>
+            <a:r>
+              <a:rPr lang="en-US" sz="2100" dirty="0"/>
+              <a:t>Compare two branches: </a:t>
+            </a:r>
+            <a:r>
+              <a:rPr lang="en-US" sz="2100" dirty="0">
+                <a:solidFill>
+                  <a:srgbClr val="002060"/>
+                </a:solidFill>
+              </a:rPr>
+              <a:t>git log [branch1]..[branch2]</a:t>
+            </a:r>
+          </a:p>
+          <a:p>
+            <a:pPr marL="342900" indent="-342900">
+              <a:buFont typeface="Arial" panose="020B0604020202020204" pitchFamily="34" charset="0"/>
+              <a:buChar char="•"/>
+            </a:pPr>
+            <a:endParaRPr lang="en-US" sz="2100" dirty="0">
+              <a:solidFill>
+                <a:srgbClr val="002060"/>
+              </a:solidFill>
+            </a:endParaRPr>
+          </a:p>
+          <a:p>
+            <a:pPr marL="342900" indent="-342900">
+              <a:buFont typeface="Arial" panose="020B0604020202020204" pitchFamily="34" charset="0"/>
+              <a:buChar char="•"/>
+            </a:pPr>
+            <a:r>
+              <a:rPr lang="en-US" sz="2100" dirty="0"/>
+              <a:t>Examine the difference between the workspace and the index: </a:t>
+            </a:r>
+            <a:r>
+              <a:rPr lang="en-US" sz="2100" dirty="0">
+                <a:solidFill>
+                  <a:srgbClr val="002060"/>
+                </a:solidFill>
+              </a:rPr>
+              <a:t>git diff</a:t>
+            </a:r>
+          </a:p>
+          <a:p>
+            <a:pPr marL="342900" indent="-342900">
+              <a:buFont typeface="Arial" panose="020B0604020202020204" pitchFamily="34" charset="0"/>
+              <a:buChar char="•"/>
+            </a:pPr>
+            <a:endParaRPr lang="en-US" sz="2100" dirty="0">
+              <a:solidFill>
+                <a:srgbClr val="002060"/>
+              </a:solidFill>
+            </a:endParaRPr>
+          </a:p>
+          <a:p>
+            <a:pPr marL="342900" indent="-342900">
+              <a:buFont typeface="Arial" panose="020B0604020202020204" pitchFamily="34" charset="0"/>
+              <a:buChar char="•"/>
+            </a:pPr>
+            <a:r>
+              <a:rPr lang="en-US" sz="2100" dirty="0"/>
+              <a:t>Compare the workspace and the local repository: </a:t>
+            </a:r>
+            <a:r>
+              <a:rPr lang="en-US" sz="2100" dirty="0">
+                <a:solidFill>
+                  <a:srgbClr val="002060"/>
+                </a:solidFill>
+              </a:rPr>
+              <a:t>git diff HEAD</a:t>
+            </a:r>
+            <a:r>
+              <a:rPr lang="en-US" sz="2100" dirty="0"/>
+              <a:t> </a:t>
+            </a:r>
+          </a:p>
+          <a:p>
+            <a:pPr marL="342900" indent="-342900">
+              <a:buFont typeface="Arial" panose="020B0604020202020204" pitchFamily="34" charset="0"/>
+              <a:buChar char="•"/>
+            </a:pPr>
+            <a:endParaRPr lang="en-US" sz="2100" dirty="0"/>
+          </a:p>
+          <a:p>
+            <a:pPr marL="342900" indent="-342900">
+              <a:buFont typeface="Arial" panose="020B0604020202020204" pitchFamily="34" charset="0"/>
+              <a:buChar char="•"/>
+            </a:pPr>
+            <a:r>
+              <a:rPr lang="en-US" sz="2100" dirty="0"/>
+              <a:t>Display the content and metadata of an object: </a:t>
+            </a:r>
+            <a:r>
+              <a:rPr lang="en-US" sz="2100" dirty="0">
+                <a:solidFill>
+                  <a:srgbClr val="002060"/>
+                </a:solidFill>
+              </a:rPr>
+              <a:t>git show [object]</a:t>
+            </a:r>
+            <a:endParaRPr lang="en-US" sz="2100" dirty="0"/>
           </a:p>
         </p:txBody>
       </p:sp>
@@ -21656,6 +23319,333 @@
   <p:clrMapOvr>
     <a:masterClrMapping/>
   </p:clrMapOvr>
+  <p:timing>
+    <p:tnLst>
+      <p:par>
+        <p:cTn id="1" dur="indefinite" restart="never" nodeType="tmRoot">
+          <p:childTnLst>
+            <p:seq concurrent="1" nextAc="seek">
+              <p:cTn id="2" dur="indefinite" nodeType="mainSeq">
+                <p:childTnLst>
+                  <p:par>
+                    <p:cTn id="3" fill="hold">
+                      <p:stCondLst>
+                        <p:cond delay="indefinite"/>
+                        <p:cond evt="onBegin" delay="0">
+                          <p:tn val="2"/>
+                        </p:cond>
+                      </p:stCondLst>
+                      <p:childTnLst>
+                        <p:par>
+                          <p:cTn id="4" fill="hold">
+                            <p:stCondLst>
+                              <p:cond delay="0"/>
+                            </p:stCondLst>
+                            <p:childTnLst>
+                              <p:par>
+                                <p:cTn id="5" presetID="1" presetClass="entr" presetSubtype="0" fill="hold" nodeType="withEffect">
+                                  <p:stCondLst>
+                                    <p:cond delay="0"/>
+                                  </p:stCondLst>
+                                  <p:childTnLst>
+                                    <p:set>
+                                      <p:cBhvr>
+                                        <p:cTn id="6" dur="1" fill="hold">
+                                          <p:stCondLst>
+                                            <p:cond delay="0"/>
+                                          </p:stCondLst>
+                                        </p:cTn>
+                                        <p:tgtEl>
+                                          <p:spTgt spid="15">
+                                            <p:txEl>
+                                              <p:pRg st="0" end="0"/>
+                                            </p:txEl>
+                                          </p:spTgt>
+                                        </p:tgtEl>
+                                        <p:attrNameLst>
+                                          <p:attrName>style.visibility</p:attrName>
+                                        </p:attrNameLst>
+                                      </p:cBhvr>
+                                      <p:to>
+                                        <p:strVal val="visible"/>
+                                      </p:to>
+                                    </p:set>
+                                  </p:childTnLst>
+                                </p:cTn>
+                              </p:par>
+                            </p:childTnLst>
+                          </p:cTn>
+                        </p:par>
+                      </p:childTnLst>
+                    </p:cTn>
+                  </p:par>
+                  <p:par>
+                    <p:cTn id="7" fill="hold">
+                      <p:stCondLst>
+                        <p:cond delay="indefinite"/>
+                      </p:stCondLst>
+                      <p:childTnLst>
+                        <p:par>
+                          <p:cTn id="8" fill="hold">
+                            <p:stCondLst>
+                              <p:cond delay="0"/>
+                            </p:stCondLst>
+                            <p:childTnLst>
+                              <p:par>
+                                <p:cTn id="9" presetID="1" presetClass="entr" presetSubtype="0" fill="hold" nodeType="clickEffect">
+                                  <p:stCondLst>
+                                    <p:cond delay="0"/>
+                                  </p:stCondLst>
+                                  <p:childTnLst>
+                                    <p:set>
+                                      <p:cBhvr>
+                                        <p:cTn id="10" dur="1" fill="hold">
+                                          <p:stCondLst>
+                                            <p:cond delay="0"/>
+                                          </p:stCondLst>
+                                        </p:cTn>
+                                        <p:tgtEl>
+                                          <p:spTgt spid="15">
+                                            <p:txEl>
+                                              <p:pRg st="2" end="2"/>
+                                            </p:txEl>
+                                          </p:spTgt>
+                                        </p:tgtEl>
+                                        <p:attrNameLst>
+                                          <p:attrName>style.visibility</p:attrName>
+                                        </p:attrNameLst>
+                                      </p:cBhvr>
+                                      <p:to>
+                                        <p:strVal val="visible"/>
+                                      </p:to>
+                                    </p:set>
+                                  </p:childTnLst>
+                                </p:cTn>
+                              </p:par>
+                            </p:childTnLst>
+                          </p:cTn>
+                        </p:par>
+                      </p:childTnLst>
+                    </p:cTn>
+                  </p:par>
+                  <p:par>
+                    <p:cTn id="11" fill="hold">
+                      <p:stCondLst>
+                        <p:cond delay="indefinite"/>
+                      </p:stCondLst>
+                      <p:childTnLst>
+                        <p:par>
+                          <p:cTn id="12" fill="hold">
+                            <p:stCondLst>
+                              <p:cond delay="0"/>
+                            </p:stCondLst>
+                            <p:childTnLst>
+                              <p:par>
+                                <p:cTn id="13" presetID="1" presetClass="entr" presetSubtype="0" fill="hold" nodeType="clickEffect">
+                                  <p:stCondLst>
+                                    <p:cond delay="0"/>
+                                  </p:stCondLst>
+                                  <p:childTnLst>
+                                    <p:set>
+                                      <p:cBhvr>
+                                        <p:cTn id="14" dur="1" fill="hold">
+                                          <p:stCondLst>
+                                            <p:cond delay="0"/>
+                                          </p:stCondLst>
+                                        </p:cTn>
+                                        <p:tgtEl>
+                                          <p:spTgt spid="15">
+                                            <p:txEl>
+                                              <p:pRg st="4" end="4"/>
+                                            </p:txEl>
+                                          </p:spTgt>
+                                        </p:tgtEl>
+                                        <p:attrNameLst>
+                                          <p:attrName>style.visibility</p:attrName>
+                                        </p:attrNameLst>
+                                      </p:cBhvr>
+                                      <p:to>
+                                        <p:strVal val="visible"/>
+                                      </p:to>
+                                    </p:set>
+                                  </p:childTnLst>
+                                </p:cTn>
+                              </p:par>
+                            </p:childTnLst>
+                          </p:cTn>
+                        </p:par>
+                      </p:childTnLst>
+                    </p:cTn>
+                  </p:par>
+                  <p:par>
+                    <p:cTn id="15" fill="hold">
+                      <p:stCondLst>
+                        <p:cond delay="indefinite"/>
+                      </p:stCondLst>
+                      <p:childTnLst>
+                        <p:par>
+                          <p:cTn id="16" fill="hold">
+                            <p:stCondLst>
+                              <p:cond delay="0"/>
+                            </p:stCondLst>
+                            <p:childTnLst>
+                              <p:par>
+                                <p:cTn id="17" presetID="1" presetClass="entr" presetSubtype="0" fill="hold" nodeType="clickEffect">
+                                  <p:stCondLst>
+                                    <p:cond delay="0"/>
+                                  </p:stCondLst>
+                                  <p:childTnLst>
+                                    <p:set>
+                                      <p:cBhvr>
+                                        <p:cTn id="18" dur="1" fill="hold">
+                                          <p:stCondLst>
+                                            <p:cond delay="0"/>
+                                          </p:stCondLst>
+                                        </p:cTn>
+                                        <p:tgtEl>
+                                          <p:spTgt spid="15">
+                                            <p:txEl>
+                                              <p:pRg st="6" end="6"/>
+                                            </p:txEl>
+                                          </p:spTgt>
+                                        </p:tgtEl>
+                                        <p:attrNameLst>
+                                          <p:attrName>style.visibility</p:attrName>
+                                        </p:attrNameLst>
+                                      </p:cBhvr>
+                                      <p:to>
+                                        <p:strVal val="visible"/>
+                                      </p:to>
+                                    </p:set>
+                                  </p:childTnLst>
+                                </p:cTn>
+                              </p:par>
+                            </p:childTnLst>
+                          </p:cTn>
+                        </p:par>
+                      </p:childTnLst>
+                    </p:cTn>
+                  </p:par>
+                  <p:par>
+                    <p:cTn id="19" fill="hold">
+                      <p:stCondLst>
+                        <p:cond delay="indefinite"/>
+                      </p:stCondLst>
+                      <p:childTnLst>
+                        <p:par>
+                          <p:cTn id="20" fill="hold">
+                            <p:stCondLst>
+                              <p:cond delay="0"/>
+                            </p:stCondLst>
+                            <p:childTnLst>
+                              <p:par>
+                                <p:cTn id="21" presetID="1" presetClass="entr" presetSubtype="0" fill="hold" nodeType="clickEffect">
+                                  <p:stCondLst>
+                                    <p:cond delay="0"/>
+                                  </p:stCondLst>
+                                  <p:childTnLst>
+                                    <p:set>
+                                      <p:cBhvr>
+                                        <p:cTn id="22" dur="1" fill="hold">
+                                          <p:stCondLst>
+                                            <p:cond delay="0"/>
+                                          </p:stCondLst>
+                                        </p:cTn>
+                                        <p:tgtEl>
+                                          <p:spTgt spid="15">
+                                            <p:txEl>
+                                              <p:pRg st="8" end="8"/>
+                                            </p:txEl>
+                                          </p:spTgt>
+                                        </p:tgtEl>
+                                        <p:attrNameLst>
+                                          <p:attrName>style.visibility</p:attrName>
+                                        </p:attrNameLst>
+                                      </p:cBhvr>
+                                      <p:to>
+                                        <p:strVal val="visible"/>
+                                      </p:to>
+                                    </p:set>
+                                  </p:childTnLst>
+                                </p:cTn>
+                              </p:par>
+                            </p:childTnLst>
+                          </p:cTn>
+                        </p:par>
+                      </p:childTnLst>
+                    </p:cTn>
+                  </p:par>
+                  <p:par>
+                    <p:cTn id="23" fill="hold">
+                      <p:stCondLst>
+                        <p:cond delay="indefinite"/>
+                      </p:stCondLst>
+                      <p:childTnLst>
+                        <p:par>
+                          <p:cTn id="24" fill="hold">
+                            <p:stCondLst>
+                              <p:cond delay="0"/>
+                            </p:stCondLst>
+                            <p:childTnLst>
+                              <p:par>
+                                <p:cTn id="25" presetID="1" presetClass="entr" presetSubtype="0" fill="hold" nodeType="clickEffect">
+                                  <p:stCondLst>
+                                    <p:cond delay="0"/>
+                                  </p:stCondLst>
+                                  <p:childTnLst>
+                                    <p:set>
+                                      <p:cBhvr>
+                                        <p:cTn id="26" dur="1" fill="hold">
+                                          <p:stCondLst>
+                                            <p:cond delay="0"/>
+                                          </p:stCondLst>
+                                        </p:cTn>
+                                        <p:tgtEl>
+                                          <p:spTgt spid="15">
+                                            <p:txEl>
+                                              <p:pRg st="10" end="10"/>
+                                            </p:txEl>
+                                          </p:spTgt>
+                                        </p:tgtEl>
+                                        <p:attrNameLst>
+                                          <p:attrName>style.visibility</p:attrName>
+                                        </p:attrNameLst>
+                                      </p:cBhvr>
+                                      <p:to>
+                                        <p:strVal val="visible"/>
+                                      </p:to>
+                                    </p:set>
+                                  </p:childTnLst>
+                                </p:cTn>
+                              </p:par>
+                            </p:childTnLst>
+                          </p:cTn>
+                        </p:par>
+                      </p:childTnLst>
+                    </p:cTn>
+                  </p:par>
+                </p:childTnLst>
+              </p:cTn>
+              <p:prevCondLst>
+                <p:cond evt="onPrev" delay="0">
+                  <p:tgtEl>
+                    <p:sldTgt/>
+                  </p:tgtEl>
+                </p:cond>
+              </p:prevCondLst>
+              <p:nextCondLst>
+                <p:cond evt="onNext" delay="0">
+                  <p:tgtEl>
+                    <p:sldTgt/>
+                  </p:tgtEl>
+                </p:cond>
+              </p:nextCondLst>
+            </p:seq>
+          </p:childTnLst>
+        </p:cTn>
+      </p:par>
+    </p:tnLst>
+  </p:timing>
 </p:sld>
 </file>
 
@@ -21691,7 +23681,7 @@
           <p:nvPr/>
         </p:nvPicPr>
         <p:blipFill rotWithShape="1">
-          <a:blip r:embed="rId2">
+          <a:blip r:embed="rId3">
             <a:extLst>
               <a:ext uri="{28A0092B-C50C-407E-A947-70E740481C1C}">
                 <a14:useLocalDpi xmlns:a14="http://schemas.microsoft.com/office/drawing/2010/main" val="0"/>
@@ -21881,7 +23871,7 @@
           <p:nvPr/>
         </p:nvPicPr>
         <p:blipFill>
-          <a:blip r:embed="rId3">
+          <a:blip r:embed="rId4">
             <a:extLst>
               <a:ext uri="{28A0092B-C50C-407E-A947-70E740481C1C}">
                 <a14:useLocalDpi xmlns:a14="http://schemas.microsoft.com/office/drawing/2010/main" val="0"/>
@@ -21947,7 +23937,7 @@
           <p:nvPr/>
         </p:nvPicPr>
         <p:blipFill rotWithShape="1">
-          <a:blip r:embed="rId2">
+          <a:blip r:embed="rId3">
             <a:extLst>
               <a:ext uri="{28A0092B-C50C-407E-A947-70E740481C1C}">
                 <a14:useLocalDpi xmlns:a14="http://schemas.microsoft.com/office/drawing/2010/main" val="0"/>
@@ -22150,13 +24140,195 @@
           </a:bodyPr>
           <a:lstStyle/>
           <a:p>
+            <a:pPr marL="342900" indent="-342900">
+              <a:buFont typeface="Arial" panose="020B0604020202020204" pitchFamily="34" charset="0"/>
+              <a:buChar char="•"/>
+            </a:pPr>
             <a:r>
               <a:rPr lang="en-US" sz="2100" dirty="0"/>
-              <a:t>Git branch, checkout, merge (conflict resolution – how to map it to your IDE, </a:t>
-            </a:r>
-            <a:r>
-              <a:rPr lang="en-US" sz="2100"/>
-              <a:t>etc)</a:t>
+              <a:t>List all branches in the repository: </a:t>
+            </a:r>
+            <a:r>
+              <a:rPr lang="en-US" sz="2100" dirty="0">
+                <a:solidFill>
+                  <a:srgbClr val="002060"/>
+                </a:solidFill>
+              </a:rPr>
+              <a:t>git branch</a:t>
+            </a:r>
+          </a:p>
+          <a:p>
+            <a:pPr marL="342900" indent="-342900">
+              <a:buFont typeface="Arial" panose="020B0604020202020204" pitchFamily="34" charset="0"/>
+              <a:buChar char="•"/>
+            </a:pPr>
+            <a:endParaRPr lang="en-US" sz="2100" dirty="0">
+              <a:solidFill>
+                <a:srgbClr val="002060"/>
+              </a:solidFill>
+            </a:endParaRPr>
+          </a:p>
+          <a:p>
+            <a:pPr marL="342900" indent="-342900">
+              <a:buFont typeface="Arial" panose="020B0604020202020204" pitchFamily="34" charset="0"/>
+              <a:buChar char="•"/>
+            </a:pPr>
+            <a:r>
+              <a:rPr lang="en-US" sz="2100" dirty="0"/>
+              <a:t>List all remote branches: </a:t>
+            </a:r>
+            <a:r>
+              <a:rPr lang="en-US" sz="2100" dirty="0">
+                <a:solidFill>
+                  <a:srgbClr val="002060"/>
+                </a:solidFill>
+              </a:rPr>
+              <a:t>git branch -aa</a:t>
+            </a:r>
+          </a:p>
+          <a:p>
+            <a:pPr marL="342900" indent="-342900">
+              <a:buFont typeface="Arial" panose="020B0604020202020204" pitchFamily="34" charset="0"/>
+              <a:buChar char="•"/>
+            </a:pPr>
+            <a:endParaRPr lang="en-US" sz="2100" dirty="0">
+              <a:solidFill>
+                <a:srgbClr val="002060"/>
+              </a:solidFill>
+            </a:endParaRPr>
+          </a:p>
+          <a:p>
+            <a:pPr marL="342900" indent="-342900">
+              <a:buFont typeface="Arial" panose="020B0604020202020204" pitchFamily="34" charset="0"/>
+              <a:buChar char="•"/>
+            </a:pPr>
+            <a:r>
+              <a:rPr lang="en-US" sz="2100" dirty="0"/>
+              <a:t>Create a new branch: </a:t>
+            </a:r>
+            <a:r>
+              <a:rPr lang="en-US" sz="2100" dirty="0">
+                <a:solidFill>
+                  <a:srgbClr val="002060"/>
+                </a:solidFill>
+              </a:rPr>
+              <a:t>git branch [name]</a:t>
+            </a:r>
+          </a:p>
+          <a:p>
+            <a:pPr marL="342900" indent="-342900">
+              <a:buFont typeface="Arial" panose="020B0604020202020204" pitchFamily="34" charset="0"/>
+              <a:buChar char="•"/>
+            </a:pPr>
+            <a:endParaRPr lang="en-US" sz="2100" dirty="0">
+              <a:solidFill>
+                <a:srgbClr val="002060"/>
+              </a:solidFill>
+            </a:endParaRPr>
+          </a:p>
+          <a:p>
+            <a:pPr marL="342900" indent="-342900">
+              <a:buFont typeface="Arial" panose="020B0604020202020204" pitchFamily="34" charset="0"/>
+              <a:buChar char="•"/>
+            </a:pPr>
+            <a:r>
+              <a:rPr lang="en-US" sz="2100" dirty="0"/>
+              <a:t>Switch to a branch under a specified name: </a:t>
+            </a:r>
+            <a:r>
+              <a:rPr lang="en-US" sz="2100" dirty="0">
+                <a:solidFill>
+                  <a:srgbClr val="002060"/>
+                </a:solidFill>
+              </a:rPr>
+              <a:t>git checkout [name]</a:t>
+            </a:r>
+          </a:p>
+          <a:p>
+            <a:pPr marL="342900" indent="-342900">
+              <a:buFont typeface="Arial" panose="020B0604020202020204" pitchFamily="34" charset="0"/>
+              <a:buChar char="•"/>
+            </a:pPr>
+            <a:endParaRPr lang="en-US" sz="2100" dirty="0">
+              <a:solidFill>
+                <a:srgbClr val="002060"/>
+              </a:solidFill>
+            </a:endParaRPr>
+          </a:p>
+          <a:p>
+            <a:pPr marL="342900" indent="-342900">
+              <a:buFont typeface="Arial" panose="020B0604020202020204" pitchFamily="34" charset="0"/>
+              <a:buChar char="•"/>
+            </a:pPr>
+            <a:r>
+              <a:rPr lang="en-US" sz="2100" dirty="0"/>
+              <a:t>Delete a local branch: </a:t>
+            </a:r>
+            <a:r>
+              <a:rPr lang="en-US" sz="2100" dirty="0">
+                <a:solidFill>
+                  <a:srgbClr val="002060"/>
+                </a:solidFill>
+              </a:rPr>
+              <a:t>git branch -d [name]</a:t>
+            </a:r>
+            <a:r>
+              <a:rPr lang="en-US" sz="2100" dirty="0"/>
+              <a:t> </a:t>
+            </a:r>
+          </a:p>
+          <a:p>
+            <a:pPr marL="342900" indent="-342900">
+              <a:buFont typeface="Arial" panose="020B0604020202020204" pitchFamily="34" charset="0"/>
+              <a:buChar char="•"/>
+            </a:pPr>
+            <a:endParaRPr lang="en-US" sz="2100" dirty="0"/>
+          </a:p>
+          <a:p>
+            <a:pPr marL="342900" indent="-342900">
+              <a:buFont typeface="Arial" panose="020B0604020202020204" pitchFamily="34" charset="0"/>
+              <a:buChar char="•"/>
+            </a:pPr>
+            <a:r>
+              <a:rPr lang="en-US" sz="2100" dirty="0"/>
+              <a:t>Rename a branch: </a:t>
+            </a:r>
+            <a:r>
+              <a:rPr lang="en-US" sz="2100" dirty="0">
+                <a:solidFill>
+                  <a:srgbClr val="002060"/>
+                </a:solidFill>
+              </a:rPr>
+              <a:t>git branch -m [name]</a:t>
+            </a:r>
+          </a:p>
+          <a:p>
+            <a:pPr marL="342900" indent="-342900">
+              <a:buFont typeface="Arial" panose="020B0604020202020204" pitchFamily="34" charset="0"/>
+              <a:buChar char="•"/>
+            </a:pPr>
+            <a:endParaRPr lang="en-US" sz="2100" dirty="0">
+              <a:solidFill>
+                <a:srgbClr val="002060"/>
+              </a:solidFill>
+            </a:endParaRPr>
+          </a:p>
+          <a:p>
+            <a:pPr marL="342900" indent="-342900">
+              <a:buFont typeface="Arial" panose="020B0604020202020204" pitchFamily="34" charset="0"/>
+              <a:buChar char="•"/>
+            </a:pPr>
+            <a:r>
+              <a:rPr lang="en-US" sz="2100" dirty="0"/>
+              <a:t>Merge the specified branch with the current branch</a:t>
+            </a:r>
+            <a:r>
+              <a:rPr lang="en-US" sz="2100" dirty="0">
+                <a:solidFill>
+                  <a:srgbClr val="002060"/>
+                </a:solidFill>
+              </a:rPr>
+              <a:t>: git merge [name]</a:t>
             </a:r>
             <a:endParaRPr lang="en-US" sz="2100" dirty="0"/>
           </a:p>
@@ -22172,6 +24344,382 @@
   <p:clrMapOvr>
     <a:masterClrMapping/>
   </p:clrMapOvr>
+  <p:timing>
+    <p:tnLst>
+      <p:par>
+        <p:cTn id="1" dur="indefinite" restart="never" nodeType="tmRoot">
+          <p:childTnLst>
+            <p:seq concurrent="1" nextAc="seek">
+              <p:cTn id="2" dur="indefinite" nodeType="mainSeq">
+                <p:childTnLst>
+                  <p:par>
+                    <p:cTn id="3" fill="hold">
+                      <p:stCondLst>
+                        <p:cond delay="indefinite"/>
+                        <p:cond evt="onBegin" delay="0">
+                          <p:tn val="2"/>
+                        </p:cond>
+                      </p:stCondLst>
+                      <p:childTnLst>
+                        <p:par>
+                          <p:cTn id="4" fill="hold">
+                            <p:stCondLst>
+                              <p:cond delay="0"/>
+                            </p:stCondLst>
+                            <p:childTnLst>
+                              <p:par>
+                                <p:cTn id="5" presetID="1" presetClass="entr" presetSubtype="0" fill="hold" nodeType="withEffect">
+                                  <p:stCondLst>
+                                    <p:cond delay="0"/>
+                                  </p:stCondLst>
+                                  <p:childTnLst>
+                                    <p:set>
+                                      <p:cBhvr>
+                                        <p:cTn id="6" dur="1" fill="hold">
+                                          <p:stCondLst>
+                                            <p:cond delay="0"/>
+                                          </p:stCondLst>
+                                        </p:cTn>
+                                        <p:tgtEl>
+                                          <p:spTgt spid="8">
+                                            <p:txEl>
+                                              <p:pRg st="0" end="0"/>
+                                            </p:txEl>
+                                          </p:spTgt>
+                                        </p:tgtEl>
+                                        <p:attrNameLst>
+                                          <p:attrName>style.visibility</p:attrName>
+                                        </p:attrNameLst>
+                                      </p:cBhvr>
+                                      <p:to>
+                                        <p:strVal val="visible"/>
+                                      </p:to>
+                                    </p:set>
+                                  </p:childTnLst>
+                                </p:cTn>
+                              </p:par>
+                            </p:childTnLst>
+                          </p:cTn>
+                        </p:par>
+                      </p:childTnLst>
+                    </p:cTn>
+                  </p:par>
+                  <p:par>
+                    <p:cTn id="7" fill="hold">
+                      <p:stCondLst>
+                        <p:cond delay="indefinite"/>
+                      </p:stCondLst>
+                      <p:childTnLst>
+                        <p:par>
+                          <p:cTn id="8" fill="hold">
+                            <p:stCondLst>
+                              <p:cond delay="0"/>
+                            </p:stCondLst>
+                            <p:childTnLst>
+                              <p:par>
+                                <p:cTn id="9" presetID="1" presetClass="entr" presetSubtype="0" fill="hold" nodeType="clickEffect">
+                                  <p:stCondLst>
+                                    <p:cond delay="0"/>
+                                  </p:stCondLst>
+                                  <p:childTnLst>
+                                    <p:set>
+                                      <p:cBhvr>
+                                        <p:cTn id="10" dur="1" fill="hold">
+                                          <p:stCondLst>
+                                            <p:cond delay="0"/>
+                                          </p:stCondLst>
+                                        </p:cTn>
+                                        <p:tgtEl>
+                                          <p:spTgt spid="8">
+                                            <p:txEl>
+                                              <p:pRg st="2" end="2"/>
+                                            </p:txEl>
+                                          </p:spTgt>
+                                        </p:tgtEl>
+                                        <p:attrNameLst>
+                                          <p:attrName>style.visibility</p:attrName>
+                                        </p:attrNameLst>
+                                      </p:cBhvr>
+                                      <p:to>
+                                        <p:strVal val="visible"/>
+                                      </p:to>
+                                    </p:set>
+                                  </p:childTnLst>
+                                </p:cTn>
+                              </p:par>
+                            </p:childTnLst>
+                          </p:cTn>
+                        </p:par>
+                      </p:childTnLst>
+                    </p:cTn>
+                  </p:par>
+                  <p:par>
+                    <p:cTn id="11" fill="hold">
+                      <p:stCondLst>
+                        <p:cond delay="indefinite"/>
+                      </p:stCondLst>
+                      <p:childTnLst>
+                        <p:par>
+                          <p:cTn id="12" fill="hold">
+                            <p:stCondLst>
+                              <p:cond delay="0"/>
+                            </p:stCondLst>
+                            <p:childTnLst>
+                              <p:par>
+                                <p:cTn id="13" presetID="1" presetClass="entr" presetSubtype="0" fill="hold" nodeType="clickEffect">
+                                  <p:stCondLst>
+                                    <p:cond delay="0"/>
+                                  </p:stCondLst>
+                                  <p:childTnLst>
+                                    <p:set>
+                                      <p:cBhvr>
+                                        <p:cTn id="14" dur="1" fill="hold">
+                                          <p:stCondLst>
+                                            <p:cond delay="0"/>
+                                          </p:stCondLst>
+                                        </p:cTn>
+                                        <p:tgtEl>
+                                          <p:spTgt spid="8">
+                                            <p:txEl>
+                                              <p:pRg st="4" end="4"/>
+                                            </p:txEl>
+                                          </p:spTgt>
+                                        </p:tgtEl>
+                                        <p:attrNameLst>
+                                          <p:attrName>style.visibility</p:attrName>
+                                        </p:attrNameLst>
+                                      </p:cBhvr>
+                                      <p:to>
+                                        <p:strVal val="visible"/>
+                                      </p:to>
+                                    </p:set>
+                                  </p:childTnLst>
+                                </p:cTn>
+                              </p:par>
+                            </p:childTnLst>
+                          </p:cTn>
+                        </p:par>
+                      </p:childTnLst>
+                    </p:cTn>
+                  </p:par>
+                  <p:par>
+                    <p:cTn id="15" fill="hold">
+                      <p:stCondLst>
+                        <p:cond delay="indefinite"/>
+                      </p:stCondLst>
+                      <p:childTnLst>
+                        <p:par>
+                          <p:cTn id="16" fill="hold">
+                            <p:stCondLst>
+                              <p:cond delay="0"/>
+                            </p:stCondLst>
+                            <p:childTnLst>
+                              <p:par>
+                                <p:cTn id="17" presetID="1" presetClass="entr" presetSubtype="0" fill="hold" nodeType="clickEffect">
+                                  <p:stCondLst>
+                                    <p:cond delay="0"/>
+                                  </p:stCondLst>
+                                  <p:childTnLst>
+                                    <p:set>
+                                      <p:cBhvr>
+                                        <p:cTn id="18" dur="1" fill="hold">
+                                          <p:stCondLst>
+                                            <p:cond delay="0"/>
+                                          </p:stCondLst>
+                                        </p:cTn>
+                                        <p:tgtEl>
+                                          <p:spTgt spid="8">
+                                            <p:txEl>
+                                              <p:pRg st="6" end="6"/>
+                                            </p:txEl>
+                                          </p:spTgt>
+                                        </p:tgtEl>
+                                        <p:attrNameLst>
+                                          <p:attrName>style.visibility</p:attrName>
+                                        </p:attrNameLst>
+                                      </p:cBhvr>
+                                      <p:to>
+                                        <p:strVal val="visible"/>
+                                      </p:to>
+                                    </p:set>
+                                  </p:childTnLst>
+                                </p:cTn>
+                              </p:par>
+                            </p:childTnLst>
+                          </p:cTn>
+                        </p:par>
+                      </p:childTnLst>
+                    </p:cTn>
+                  </p:par>
+                  <p:par>
+                    <p:cTn id="19" fill="hold">
+                      <p:stCondLst>
+                        <p:cond delay="indefinite"/>
+                      </p:stCondLst>
+                      <p:childTnLst>
+                        <p:par>
+                          <p:cTn id="20" fill="hold">
+                            <p:stCondLst>
+                              <p:cond delay="0"/>
+                            </p:stCondLst>
+                            <p:childTnLst>
+                              <p:par>
+                                <p:cTn id="21" presetID="1" presetClass="entr" presetSubtype="0" fill="hold" nodeType="clickEffect">
+                                  <p:stCondLst>
+                                    <p:cond delay="0"/>
+                                  </p:stCondLst>
+                                  <p:childTnLst>
+                                    <p:set>
+                                      <p:cBhvr>
+                                        <p:cTn id="22" dur="1" fill="hold">
+                                          <p:stCondLst>
+                                            <p:cond delay="0"/>
+                                          </p:stCondLst>
+                                        </p:cTn>
+                                        <p:tgtEl>
+                                          <p:spTgt spid="8">
+                                            <p:txEl>
+                                              <p:pRg st="8" end="8"/>
+                                            </p:txEl>
+                                          </p:spTgt>
+                                        </p:tgtEl>
+                                        <p:attrNameLst>
+                                          <p:attrName>style.visibility</p:attrName>
+                                        </p:attrNameLst>
+                                      </p:cBhvr>
+                                      <p:to>
+                                        <p:strVal val="visible"/>
+                                      </p:to>
+                                    </p:set>
+                                  </p:childTnLst>
+                                </p:cTn>
+                              </p:par>
+                            </p:childTnLst>
+                          </p:cTn>
+                        </p:par>
+                      </p:childTnLst>
+                    </p:cTn>
+                  </p:par>
+                  <p:par>
+                    <p:cTn id="23" fill="hold">
+                      <p:stCondLst>
+                        <p:cond delay="indefinite"/>
+                      </p:stCondLst>
+                      <p:childTnLst>
+                        <p:par>
+                          <p:cTn id="24" fill="hold">
+                            <p:stCondLst>
+                              <p:cond delay="0"/>
+                            </p:stCondLst>
+                            <p:childTnLst>
+                              <p:par>
+                                <p:cTn id="25" presetID="1" presetClass="entr" presetSubtype="0" fill="hold" nodeType="clickEffect">
+                                  <p:stCondLst>
+                                    <p:cond delay="0"/>
+                                  </p:stCondLst>
+                                  <p:childTnLst>
+                                    <p:set>
+                                      <p:cBhvr>
+                                        <p:cTn id="26" dur="1" fill="hold">
+                                          <p:stCondLst>
+                                            <p:cond delay="0"/>
+                                          </p:stCondLst>
+                                        </p:cTn>
+                                        <p:tgtEl>
+                                          <p:spTgt spid="8">
+                                            <p:txEl>
+                                              <p:pRg st="10" end="10"/>
+                                            </p:txEl>
+                                          </p:spTgt>
+                                        </p:tgtEl>
+                                        <p:attrNameLst>
+                                          <p:attrName>style.visibility</p:attrName>
+                                        </p:attrNameLst>
+                                      </p:cBhvr>
+                                      <p:to>
+                                        <p:strVal val="visible"/>
+                                      </p:to>
+                                    </p:set>
+                                  </p:childTnLst>
+                                </p:cTn>
+                              </p:par>
+                            </p:childTnLst>
+                          </p:cTn>
+                        </p:par>
+                      </p:childTnLst>
+                    </p:cTn>
+                  </p:par>
+                  <p:par>
+                    <p:cTn id="27" fill="hold">
+                      <p:stCondLst>
+                        <p:cond delay="indefinite"/>
+                      </p:stCondLst>
+                      <p:childTnLst>
+                        <p:par>
+                          <p:cTn id="28" fill="hold">
+                            <p:stCondLst>
+                              <p:cond delay="0"/>
+                            </p:stCondLst>
+                            <p:childTnLst>
+                              <p:par>
+                                <p:cTn id="29" presetID="1" presetClass="entr" presetSubtype="0" fill="hold" nodeType="clickEffect">
+                                  <p:stCondLst>
+                                    <p:cond delay="0"/>
+                                  </p:stCondLst>
+                                  <p:childTnLst>
+                                    <p:set>
+                                      <p:cBhvr>
+                                        <p:cTn id="30" dur="1" fill="hold">
+                                          <p:stCondLst>
+                                            <p:cond delay="0"/>
+                                          </p:stCondLst>
+                                        </p:cTn>
+                                        <p:tgtEl>
+                                          <p:spTgt spid="8">
+                                            <p:txEl>
+                                              <p:pRg st="12" end="12"/>
+                                            </p:txEl>
+                                          </p:spTgt>
+                                        </p:tgtEl>
+                                        <p:attrNameLst>
+                                          <p:attrName>style.visibility</p:attrName>
+                                        </p:attrNameLst>
+                                      </p:cBhvr>
+                                      <p:to>
+                                        <p:strVal val="visible"/>
+                                      </p:to>
+                                    </p:set>
+                                  </p:childTnLst>
+                                </p:cTn>
+                              </p:par>
+                            </p:childTnLst>
+                          </p:cTn>
+                        </p:par>
+                      </p:childTnLst>
+                    </p:cTn>
+                  </p:par>
+                </p:childTnLst>
+              </p:cTn>
+              <p:prevCondLst>
+                <p:cond evt="onPrev" delay="0">
+                  <p:tgtEl>
+                    <p:sldTgt/>
+                  </p:tgtEl>
+                </p:cond>
+              </p:prevCondLst>
+              <p:nextCondLst>
+                <p:cond evt="onNext" delay="0">
+                  <p:tgtEl>
+                    <p:sldTgt/>
+                  </p:tgtEl>
+                </p:cond>
+              </p:nextCondLst>
+            </p:seq>
+          </p:childTnLst>
+        </p:cTn>
+      </p:par>
+    </p:tnLst>
+  </p:timing>
 </p:sld>
 </file>
 
@@ -22207,7 +24755,7 @@
           <p:nvPr/>
         </p:nvPicPr>
         <p:blipFill rotWithShape="1">
-          <a:blip r:embed="rId2">
+          <a:blip r:embed="rId3">
             <a:extLst>
               <a:ext uri="{28A0092B-C50C-407E-A947-70E740481C1C}">
                 <a14:useLocalDpi xmlns:a14="http://schemas.microsoft.com/office/drawing/2010/main" val="0"/>
@@ -22397,7 +24945,7 @@
           <p:nvPr/>
         </p:nvPicPr>
         <p:blipFill>
-          <a:blip r:embed="rId3">
+          <a:blip r:embed="rId4">
             <a:extLst>
               <a:ext uri="{28A0092B-C50C-407E-A947-70E740481C1C}">
                 <a14:useLocalDpi xmlns:a14="http://schemas.microsoft.com/office/drawing/2010/main" val="0"/>
@@ -22463,7 +25011,7 @@
           <p:nvPr/>
         </p:nvPicPr>
         <p:blipFill rotWithShape="1">
-          <a:blip r:embed="rId2">
+          <a:blip r:embed="rId3">
             <a:extLst>
               <a:ext uri="{28A0092B-C50C-407E-A947-70E740481C1C}">
                 <a14:useLocalDpi xmlns:a14="http://schemas.microsoft.com/office/drawing/2010/main" val="0"/>
@@ -22666,10 +25214,281 @@
           </a:bodyPr>
           <a:lstStyle/>
           <a:p>
+            <a:pPr marL="342900" indent="-342900">
+              <a:buFont typeface="Arial" panose="020B0604020202020204" pitchFamily="34" charset="0"/>
+              <a:buChar char="•"/>
+            </a:pPr>
             <a:r>
               <a:rPr lang="en-US" sz="2100" dirty="0"/>
-              <a:t>Git add, commit -m, revert, reset, clean</a:t>
-            </a:r>
+              <a:t>Stage changes for the next commit: </a:t>
+            </a:r>
+            <a:r>
+              <a:rPr lang="en-US" sz="2100" dirty="0">
+                <a:solidFill>
+                  <a:srgbClr val="002060"/>
+                </a:solidFill>
+              </a:rPr>
+              <a:t>git add [file/directory]</a:t>
+            </a:r>
+          </a:p>
+          <a:p>
+            <a:pPr marL="342900" indent="-342900">
+              <a:buFont typeface="Arial" panose="020B0604020202020204" pitchFamily="34" charset="0"/>
+              <a:buChar char="•"/>
+            </a:pPr>
+            <a:endParaRPr lang="en-US" sz="2100" dirty="0">
+              <a:solidFill>
+                <a:srgbClr val="002060"/>
+              </a:solidFill>
+            </a:endParaRPr>
+          </a:p>
+          <a:p>
+            <a:pPr marL="342900" indent="-342900">
+              <a:buFont typeface="Arial" panose="020B0604020202020204" pitchFamily="34" charset="0"/>
+              <a:buChar char="•"/>
+            </a:pPr>
+            <a:r>
+              <a:rPr lang="en-US" sz="2100" dirty="0"/>
+              <a:t>Stage everything in the directory for an initial commit: </a:t>
+            </a:r>
+            <a:r>
+              <a:rPr lang="en-US" sz="2100" dirty="0">
+                <a:solidFill>
+                  <a:srgbClr val="002060"/>
+                </a:solidFill>
+              </a:rPr>
+              <a:t>git add .</a:t>
+            </a:r>
+          </a:p>
+          <a:p>
+            <a:pPr marL="342900" indent="-342900">
+              <a:buFont typeface="Arial" panose="020B0604020202020204" pitchFamily="34" charset="0"/>
+              <a:buChar char="•"/>
+            </a:pPr>
+            <a:endParaRPr lang="en-US" sz="2100" dirty="0">
+              <a:solidFill>
+                <a:srgbClr val="002060"/>
+              </a:solidFill>
+            </a:endParaRPr>
+          </a:p>
+          <a:p>
+            <a:pPr marL="342900" indent="-342900">
+              <a:buFont typeface="Arial" panose="020B0604020202020204" pitchFamily="34" charset="0"/>
+              <a:buChar char="•"/>
+            </a:pPr>
+            <a:r>
+              <a:rPr lang="en-US" sz="2100" dirty="0"/>
+              <a:t>Commit staged changes: </a:t>
+            </a:r>
+            <a:r>
+              <a:rPr lang="fr-FR" sz="2100" dirty="0">
+                <a:solidFill>
+                  <a:srgbClr val="002060"/>
+                </a:solidFill>
+              </a:rPr>
+              <a:t>git commit –m [message]</a:t>
+            </a:r>
+            <a:endParaRPr lang="en-US" sz="2100" dirty="0">
+              <a:solidFill>
+                <a:srgbClr val="002060"/>
+              </a:solidFill>
+            </a:endParaRPr>
+          </a:p>
+          <a:p>
+            <a:pPr marL="342900" indent="-342900">
+              <a:buFont typeface="Arial" panose="020B0604020202020204" pitchFamily="34" charset="0"/>
+              <a:buChar char="•"/>
+            </a:pPr>
+            <a:endParaRPr lang="en-US" sz="2100" dirty="0">
+              <a:solidFill>
+                <a:srgbClr val="002060"/>
+              </a:solidFill>
+            </a:endParaRPr>
+          </a:p>
+          <a:p>
+            <a:pPr marL="342900" indent="-342900">
+              <a:buFont typeface="Arial" panose="020B0604020202020204" pitchFamily="34" charset="0"/>
+              <a:buChar char="•"/>
+            </a:pPr>
+            <a:r>
+              <a:rPr lang="en-US" sz="2100" dirty="0"/>
+              <a:t>Undo changes: </a:t>
+            </a:r>
+            <a:r>
+              <a:rPr lang="fr-FR" sz="2100" dirty="0">
+                <a:solidFill>
+                  <a:srgbClr val="002060"/>
+                </a:solidFill>
+              </a:rPr>
+              <a:t>git </a:t>
+            </a:r>
+            <a:r>
+              <a:rPr lang="fr-FR" sz="2100" dirty="0" err="1">
+                <a:solidFill>
+                  <a:srgbClr val="002060"/>
+                </a:solidFill>
+              </a:rPr>
+              <a:t>revert</a:t>
+            </a:r>
+            <a:r>
+              <a:rPr lang="fr-FR" sz="2100" dirty="0">
+                <a:solidFill>
+                  <a:srgbClr val="002060"/>
+                </a:solidFill>
+              </a:rPr>
+              <a:t> [file/directory]</a:t>
+            </a:r>
+            <a:br>
+              <a:rPr lang="fr-FR" sz="2100" dirty="0">
+                <a:solidFill>
+                  <a:srgbClr val="002060"/>
+                </a:solidFill>
+              </a:rPr>
+            </a:br>
+            <a:endParaRPr lang="en-US" sz="2100" dirty="0">
+              <a:solidFill>
+                <a:srgbClr val="002060"/>
+              </a:solidFill>
+            </a:endParaRPr>
+          </a:p>
+          <a:p>
+            <a:pPr marL="342900" indent="-342900">
+              <a:buFont typeface="Arial" panose="020B0604020202020204" pitchFamily="34" charset="0"/>
+              <a:buChar char="•"/>
+            </a:pPr>
+            <a:r>
+              <a:rPr lang="en-US" sz="2100" dirty="0" err="1"/>
+              <a:t>Unstage</a:t>
+            </a:r>
+            <a:r>
+              <a:rPr lang="en-US" sz="2100" dirty="0"/>
+              <a:t> a file without overwriting changes: </a:t>
+            </a:r>
+            <a:r>
+              <a:rPr lang="fr-FR" sz="2100" dirty="0">
+                <a:solidFill>
+                  <a:srgbClr val="002060"/>
+                </a:solidFill>
+              </a:rPr>
+              <a:t>git reset [file]</a:t>
+            </a:r>
+            <a:br>
+              <a:rPr lang="fr-FR" sz="2100" dirty="0">
+                <a:solidFill>
+                  <a:srgbClr val="002060"/>
+                </a:solidFill>
+              </a:rPr>
+            </a:br>
+            <a:endParaRPr lang="en-US" sz="2100" dirty="0">
+              <a:solidFill>
+                <a:srgbClr val="002060"/>
+              </a:solidFill>
+            </a:endParaRPr>
+          </a:p>
+          <a:p>
+            <a:pPr marL="342900" indent="-342900">
+              <a:buFont typeface="Arial" panose="020B0604020202020204" pitchFamily="34" charset="0"/>
+              <a:buChar char="•"/>
+            </a:pPr>
+            <a:r>
+              <a:rPr lang="en-US" sz="2100" dirty="0"/>
+              <a:t>Undo any changes introduced after the specified commit: </a:t>
+            </a:r>
+            <a:r>
+              <a:rPr lang="fr-FR" sz="2100" dirty="0">
+                <a:solidFill>
+                  <a:srgbClr val="002060"/>
+                </a:solidFill>
+              </a:rPr>
+              <a:t>git reset [commit]</a:t>
+            </a:r>
+            <a:br>
+              <a:rPr lang="fr-FR" sz="2100" dirty="0">
+                <a:solidFill>
+                  <a:srgbClr val="002060"/>
+                </a:solidFill>
+              </a:rPr>
+            </a:br>
+            <a:endParaRPr lang="en-US" sz="2100" dirty="0">
+              <a:solidFill>
+                <a:srgbClr val="002060"/>
+              </a:solidFill>
+            </a:endParaRPr>
+          </a:p>
+          <a:p>
+            <a:pPr marL="342900" indent="-342900">
+              <a:buFont typeface="Arial" panose="020B0604020202020204" pitchFamily="34" charset="0"/>
+              <a:buChar char="•"/>
+            </a:pPr>
+            <a:r>
+              <a:rPr lang="en-US" sz="2100" dirty="0"/>
+              <a:t>Show untracked files: </a:t>
+            </a:r>
+            <a:r>
+              <a:rPr lang="fr-FR" sz="2100" dirty="0">
+                <a:solidFill>
+                  <a:srgbClr val="002060"/>
+                </a:solidFill>
+              </a:rPr>
+              <a:t>git clean -n</a:t>
+            </a:r>
+            <a:br>
+              <a:rPr lang="fr-FR" sz="2100" dirty="0">
+                <a:solidFill>
+                  <a:srgbClr val="002060"/>
+                </a:solidFill>
+              </a:rPr>
+            </a:br>
+            <a:endParaRPr lang="en-US" sz="2100" dirty="0">
+              <a:solidFill>
+                <a:srgbClr val="002060"/>
+              </a:solidFill>
+            </a:endParaRPr>
+          </a:p>
+          <a:p>
+            <a:pPr marL="342900" indent="-342900">
+              <a:buFont typeface="Arial" panose="020B0604020202020204" pitchFamily="34" charset="0"/>
+              <a:buChar char="•"/>
+            </a:pPr>
+            <a:r>
+              <a:rPr lang="en-US" sz="2100" dirty="0"/>
+              <a:t>Remove untracked files: </a:t>
+            </a:r>
+            <a:r>
+              <a:rPr lang="fr-FR" sz="2100" dirty="0">
+                <a:solidFill>
+                  <a:srgbClr val="002060"/>
+                </a:solidFill>
+              </a:rPr>
+              <a:t>git clean -f</a:t>
+            </a:r>
+            <a:endParaRPr lang="en-US" sz="2100" dirty="0">
+              <a:solidFill>
+                <a:srgbClr val="002060"/>
+              </a:solidFill>
+            </a:endParaRPr>
+          </a:p>
+          <a:p>
+            <a:pPr marL="342900" indent="-342900">
+              <a:buFont typeface="Arial" panose="020B0604020202020204" pitchFamily="34" charset="0"/>
+              <a:buChar char="•"/>
+            </a:pPr>
+            <a:endParaRPr lang="en-US" sz="2100" dirty="0">
+              <a:solidFill>
+                <a:srgbClr val="002060"/>
+              </a:solidFill>
+            </a:endParaRPr>
+          </a:p>
+          <a:p>
+            <a:pPr marL="342900" indent="-342900">
+              <a:buFont typeface="Arial" panose="020B0604020202020204" pitchFamily="34" charset="0"/>
+              <a:buChar char="•"/>
+            </a:pPr>
+            <a:endParaRPr lang="en-US" sz="2100" dirty="0">
+              <a:solidFill>
+                <a:srgbClr val="002060"/>
+              </a:solidFill>
+            </a:endParaRPr>
           </a:p>
         </p:txBody>
       </p:sp>
@@ -22683,6 +25502,431 @@
   <p:clrMapOvr>
     <a:masterClrMapping/>
   </p:clrMapOvr>
+  <p:timing>
+    <p:tnLst>
+      <p:par>
+        <p:cTn id="1" dur="indefinite" restart="never" nodeType="tmRoot">
+          <p:childTnLst>
+            <p:seq concurrent="1" nextAc="seek">
+              <p:cTn id="2" dur="indefinite" nodeType="mainSeq">
+                <p:childTnLst>
+                  <p:par>
+                    <p:cTn id="3" fill="hold">
+                      <p:stCondLst>
+                        <p:cond delay="indefinite"/>
+                        <p:cond evt="onBegin" delay="0">
+                          <p:tn val="2"/>
+                        </p:cond>
+                      </p:stCondLst>
+                      <p:childTnLst>
+                        <p:par>
+                          <p:cTn id="4" fill="hold">
+                            <p:stCondLst>
+                              <p:cond delay="0"/>
+                            </p:stCondLst>
+                            <p:childTnLst>
+                              <p:par>
+                                <p:cTn id="5" presetID="1" presetClass="entr" presetSubtype="0" fill="hold" nodeType="withEffect">
+                                  <p:stCondLst>
+                                    <p:cond delay="0"/>
+                                  </p:stCondLst>
+                                  <p:childTnLst>
+                                    <p:set>
+                                      <p:cBhvr>
+                                        <p:cTn id="6" dur="1" fill="hold">
+                                          <p:stCondLst>
+                                            <p:cond delay="0"/>
+                                          </p:stCondLst>
+                                        </p:cTn>
+                                        <p:tgtEl>
+                                          <p:spTgt spid="8">
+                                            <p:txEl>
+                                              <p:pRg st="0" end="0"/>
+                                            </p:txEl>
+                                          </p:spTgt>
+                                        </p:tgtEl>
+                                        <p:attrNameLst>
+                                          <p:attrName>style.visibility</p:attrName>
+                                        </p:attrNameLst>
+                                      </p:cBhvr>
+                                      <p:to>
+                                        <p:strVal val="visible"/>
+                                      </p:to>
+                                    </p:set>
+                                  </p:childTnLst>
+                                </p:cTn>
+                              </p:par>
+                            </p:childTnLst>
+                          </p:cTn>
+                        </p:par>
+                      </p:childTnLst>
+                    </p:cTn>
+                  </p:par>
+                  <p:par>
+                    <p:cTn id="7" fill="hold">
+                      <p:stCondLst>
+                        <p:cond delay="indefinite"/>
+                      </p:stCondLst>
+                      <p:childTnLst>
+                        <p:par>
+                          <p:cTn id="8" fill="hold">
+                            <p:stCondLst>
+                              <p:cond delay="0"/>
+                            </p:stCondLst>
+                            <p:childTnLst>
+                              <p:par>
+                                <p:cTn id="9" presetID="1" presetClass="entr" presetSubtype="0" fill="hold" nodeType="clickEffect">
+                                  <p:stCondLst>
+                                    <p:cond delay="0"/>
+                                  </p:stCondLst>
+                                  <p:childTnLst>
+                                    <p:set>
+                                      <p:cBhvr>
+                                        <p:cTn id="10" dur="1" fill="hold">
+                                          <p:stCondLst>
+                                            <p:cond delay="0"/>
+                                          </p:stCondLst>
+                                        </p:cTn>
+                                        <p:tgtEl>
+                                          <p:spTgt spid="8">
+                                            <p:txEl>
+                                              <p:pRg st="2" end="2"/>
+                                            </p:txEl>
+                                          </p:spTgt>
+                                        </p:tgtEl>
+                                        <p:attrNameLst>
+                                          <p:attrName>style.visibility</p:attrName>
+                                        </p:attrNameLst>
+                                      </p:cBhvr>
+                                      <p:to>
+                                        <p:strVal val="visible"/>
+                                      </p:to>
+                                    </p:set>
+                                  </p:childTnLst>
+                                </p:cTn>
+                              </p:par>
+                            </p:childTnLst>
+                          </p:cTn>
+                        </p:par>
+                      </p:childTnLst>
+                    </p:cTn>
+                  </p:par>
+                  <p:par>
+                    <p:cTn id="11" fill="hold">
+                      <p:stCondLst>
+                        <p:cond delay="indefinite"/>
+                      </p:stCondLst>
+                      <p:childTnLst>
+                        <p:par>
+                          <p:cTn id="12" fill="hold">
+                            <p:stCondLst>
+                              <p:cond delay="0"/>
+                            </p:stCondLst>
+                            <p:childTnLst>
+                              <p:par>
+                                <p:cTn id="13" presetID="1" presetClass="entr" presetSubtype="0" fill="hold" nodeType="clickEffect">
+                                  <p:stCondLst>
+                                    <p:cond delay="0"/>
+                                  </p:stCondLst>
+                                  <p:childTnLst>
+                                    <p:set>
+                                      <p:cBhvr>
+                                        <p:cTn id="14" dur="1" fill="hold">
+                                          <p:stCondLst>
+                                            <p:cond delay="0"/>
+                                          </p:stCondLst>
+                                        </p:cTn>
+                                        <p:tgtEl>
+                                          <p:spTgt spid="8">
+                                            <p:txEl>
+                                              <p:pRg st="4" end="4"/>
+                                            </p:txEl>
+                                          </p:spTgt>
+                                        </p:tgtEl>
+                                        <p:attrNameLst>
+                                          <p:attrName>style.visibility</p:attrName>
+                                        </p:attrNameLst>
+                                      </p:cBhvr>
+                                      <p:to>
+                                        <p:strVal val="visible"/>
+                                      </p:to>
+                                    </p:set>
+                                  </p:childTnLst>
+                                </p:cTn>
+                              </p:par>
+                            </p:childTnLst>
+                          </p:cTn>
+                        </p:par>
+                      </p:childTnLst>
+                    </p:cTn>
+                  </p:par>
+                  <p:par>
+                    <p:cTn id="15" fill="hold">
+                      <p:stCondLst>
+                        <p:cond delay="indefinite"/>
+                      </p:stCondLst>
+                      <p:childTnLst>
+                        <p:par>
+                          <p:cTn id="16" fill="hold">
+                            <p:stCondLst>
+                              <p:cond delay="0"/>
+                            </p:stCondLst>
+                            <p:childTnLst>
+                              <p:par>
+                                <p:cTn id="17" presetID="1" presetClass="entr" presetSubtype="0" fill="hold" nodeType="clickEffect">
+                                  <p:stCondLst>
+                                    <p:cond delay="0"/>
+                                  </p:stCondLst>
+                                  <p:childTnLst>
+                                    <p:set>
+                                      <p:cBhvr>
+                                        <p:cTn id="18" dur="1" fill="hold">
+                                          <p:stCondLst>
+                                            <p:cond delay="0"/>
+                                          </p:stCondLst>
+                                        </p:cTn>
+                                        <p:tgtEl>
+                                          <p:spTgt spid="8">
+                                            <p:txEl>
+                                              <p:pRg st="6" end="6"/>
+                                            </p:txEl>
+                                          </p:spTgt>
+                                        </p:tgtEl>
+                                        <p:attrNameLst>
+                                          <p:attrName>style.visibility</p:attrName>
+                                        </p:attrNameLst>
+                                      </p:cBhvr>
+                                      <p:to>
+                                        <p:strVal val="visible"/>
+                                      </p:to>
+                                    </p:set>
+                                  </p:childTnLst>
+                                </p:cTn>
+                              </p:par>
+                            </p:childTnLst>
+                          </p:cTn>
+                        </p:par>
+                      </p:childTnLst>
+                    </p:cTn>
+                  </p:par>
+                  <p:par>
+                    <p:cTn id="19" fill="hold">
+                      <p:stCondLst>
+                        <p:cond delay="indefinite"/>
+                      </p:stCondLst>
+                      <p:childTnLst>
+                        <p:par>
+                          <p:cTn id="20" fill="hold">
+                            <p:stCondLst>
+                              <p:cond delay="0"/>
+                            </p:stCondLst>
+                            <p:childTnLst>
+                              <p:par>
+                                <p:cTn id="21" presetID="1" presetClass="entr" presetSubtype="0" fill="hold" nodeType="clickEffect">
+                                  <p:stCondLst>
+                                    <p:cond delay="0"/>
+                                  </p:stCondLst>
+                                  <p:childTnLst>
+                                    <p:set>
+                                      <p:cBhvr>
+                                        <p:cTn id="22" dur="1" fill="hold">
+                                          <p:stCondLst>
+                                            <p:cond delay="0"/>
+                                          </p:stCondLst>
+                                        </p:cTn>
+                                        <p:tgtEl>
+                                          <p:spTgt spid="8">
+                                            <p:txEl>
+                                              <p:pRg st="7" end="7"/>
+                                            </p:txEl>
+                                          </p:spTgt>
+                                        </p:tgtEl>
+                                        <p:attrNameLst>
+                                          <p:attrName>style.visibility</p:attrName>
+                                        </p:attrNameLst>
+                                      </p:cBhvr>
+                                      <p:to>
+                                        <p:strVal val="visible"/>
+                                      </p:to>
+                                    </p:set>
+                                  </p:childTnLst>
+                                </p:cTn>
+                              </p:par>
+                            </p:childTnLst>
+                          </p:cTn>
+                        </p:par>
+                      </p:childTnLst>
+                    </p:cTn>
+                  </p:par>
+                  <p:par>
+                    <p:cTn id="23" fill="hold">
+                      <p:stCondLst>
+                        <p:cond delay="indefinite"/>
+                      </p:stCondLst>
+                      <p:childTnLst>
+                        <p:par>
+                          <p:cTn id="24" fill="hold">
+                            <p:stCondLst>
+                              <p:cond delay="0"/>
+                            </p:stCondLst>
+                            <p:childTnLst>
+                              <p:par>
+                                <p:cTn id="25" presetID="1" presetClass="entr" presetSubtype="0" fill="hold" nodeType="clickEffect">
+                                  <p:stCondLst>
+                                    <p:cond delay="0"/>
+                                  </p:stCondLst>
+                                  <p:childTnLst>
+                                    <p:set>
+                                      <p:cBhvr>
+                                        <p:cTn id="26" dur="1" fill="hold">
+                                          <p:stCondLst>
+                                            <p:cond delay="0"/>
+                                          </p:stCondLst>
+                                        </p:cTn>
+                                        <p:tgtEl>
+                                          <p:spTgt spid="8">
+                                            <p:txEl>
+                                              <p:pRg st="8" end="8"/>
+                                            </p:txEl>
+                                          </p:spTgt>
+                                        </p:tgtEl>
+                                        <p:attrNameLst>
+                                          <p:attrName>style.visibility</p:attrName>
+                                        </p:attrNameLst>
+                                      </p:cBhvr>
+                                      <p:to>
+                                        <p:strVal val="visible"/>
+                                      </p:to>
+                                    </p:set>
+                                  </p:childTnLst>
+                                </p:cTn>
+                              </p:par>
+                            </p:childTnLst>
+                          </p:cTn>
+                        </p:par>
+                      </p:childTnLst>
+                    </p:cTn>
+                  </p:par>
+                  <p:par>
+                    <p:cTn id="27" fill="hold">
+                      <p:stCondLst>
+                        <p:cond delay="indefinite"/>
+                      </p:stCondLst>
+                      <p:childTnLst>
+                        <p:par>
+                          <p:cTn id="28" fill="hold">
+                            <p:stCondLst>
+                              <p:cond delay="0"/>
+                            </p:stCondLst>
+                            <p:childTnLst>
+                              <p:par>
+                                <p:cTn id="29" presetID="1" presetClass="entr" presetSubtype="0" fill="hold" nodeType="clickEffect">
+                                  <p:stCondLst>
+                                    <p:cond delay="0"/>
+                                  </p:stCondLst>
+                                  <p:childTnLst>
+                                    <p:set>
+                                      <p:cBhvr>
+                                        <p:cTn id="30" dur="1" fill="hold">
+                                          <p:stCondLst>
+                                            <p:cond delay="0"/>
+                                          </p:stCondLst>
+                                        </p:cTn>
+                                        <p:tgtEl>
+                                          <p:spTgt spid="8">
+                                            <p:txEl>
+                                              <p:pRg st="9" end="9"/>
+                                            </p:txEl>
+                                          </p:spTgt>
+                                        </p:tgtEl>
+                                        <p:attrNameLst>
+                                          <p:attrName>style.visibility</p:attrName>
+                                        </p:attrNameLst>
+                                      </p:cBhvr>
+                                      <p:to>
+                                        <p:strVal val="visible"/>
+                                      </p:to>
+                                    </p:set>
+                                  </p:childTnLst>
+                                </p:cTn>
+                              </p:par>
+                            </p:childTnLst>
+                          </p:cTn>
+                        </p:par>
+                      </p:childTnLst>
+                    </p:cTn>
+                  </p:par>
+                  <p:par>
+                    <p:cTn id="31" fill="hold">
+                      <p:stCondLst>
+                        <p:cond delay="indefinite"/>
+                      </p:stCondLst>
+                      <p:childTnLst>
+                        <p:par>
+                          <p:cTn id="32" fill="hold">
+                            <p:stCondLst>
+                              <p:cond delay="0"/>
+                            </p:stCondLst>
+                            <p:childTnLst>
+                              <p:par>
+                                <p:cTn id="33" presetID="1" presetClass="entr" presetSubtype="0" fill="hold" nodeType="clickEffect">
+                                  <p:stCondLst>
+                                    <p:cond delay="0"/>
+                                  </p:stCondLst>
+                                  <p:childTnLst>
+                                    <p:set>
+                                      <p:cBhvr>
+                                        <p:cTn id="34" dur="1" fill="hold">
+                                          <p:stCondLst>
+                                            <p:cond delay="0"/>
+                                          </p:stCondLst>
+                                        </p:cTn>
+                                        <p:tgtEl>
+                                          <p:spTgt spid="8">
+                                            <p:txEl>
+                                              <p:pRg st="10" end="10"/>
+                                            </p:txEl>
+                                          </p:spTgt>
+                                        </p:tgtEl>
+                                        <p:attrNameLst>
+                                          <p:attrName>style.visibility</p:attrName>
+                                        </p:attrNameLst>
+                                      </p:cBhvr>
+                                      <p:to>
+                                        <p:strVal val="visible"/>
+                                      </p:to>
+                                    </p:set>
+                                  </p:childTnLst>
+                                </p:cTn>
+                              </p:par>
+                            </p:childTnLst>
+                          </p:cTn>
+                        </p:par>
+                      </p:childTnLst>
+                    </p:cTn>
+                  </p:par>
+                </p:childTnLst>
+              </p:cTn>
+              <p:prevCondLst>
+                <p:cond evt="onPrev" delay="0">
+                  <p:tgtEl>
+                    <p:sldTgt/>
+                  </p:tgtEl>
+                </p:cond>
+              </p:prevCondLst>
+              <p:nextCondLst>
+                <p:cond evt="onNext" delay="0">
+                  <p:tgtEl>
+                    <p:sldTgt/>
+                  </p:tgtEl>
+                </p:cond>
+              </p:nextCondLst>
+            </p:seq>
+          </p:childTnLst>
+        </p:cTn>
+      </p:par>
+    </p:tnLst>
+  </p:timing>
 </p:sld>
 </file>
 
@@ -23145,7 +26389,7 @@
           <p:nvPr/>
         </p:nvPicPr>
         <p:blipFill rotWithShape="1">
-          <a:blip r:embed="rId2">
+          <a:blip r:embed="rId3">
             <a:extLst>
               <a:ext uri="{28A0092B-C50C-407E-A947-70E740481C1C}">
                 <a14:useLocalDpi xmlns:a14="http://schemas.microsoft.com/office/drawing/2010/main" val="0"/>
@@ -23335,7 +26579,7 @@
           <p:nvPr/>
         </p:nvPicPr>
         <p:blipFill>
-          <a:blip r:embed="rId3">
+          <a:blip r:embed="rId4">
             <a:extLst>
               <a:ext uri="{28A0092B-C50C-407E-A947-70E740481C1C}">
                 <a14:useLocalDpi xmlns:a14="http://schemas.microsoft.com/office/drawing/2010/main" val="0"/>
@@ -23401,7 +26645,7 @@
           <p:nvPr/>
         </p:nvPicPr>
         <p:blipFill rotWithShape="1">
-          <a:blip r:embed="rId2">
+          <a:blip r:embed="rId3">
             <a:extLst>
               <a:ext uri="{28A0092B-C50C-407E-A947-70E740481C1C}">
                 <a14:useLocalDpi xmlns:a14="http://schemas.microsoft.com/office/drawing/2010/main" val="0"/>
@@ -23604,15 +26848,104 @@
           </a:bodyPr>
           <a:lstStyle/>
           <a:p>
+            <a:pPr marL="342900" indent="-342900">
+              <a:buFont typeface="Arial" panose="020B0604020202020204" pitchFamily="34" charset="0"/>
+              <a:buChar char="•"/>
+            </a:pPr>
             <a:r>
               <a:rPr lang="en-US" sz="2100" dirty="0"/>
-              <a:t>Git commit --amend, rebase, </a:t>
-            </a:r>
-            <a:r>
-              <a:rPr lang="en-US" sz="2100" dirty="0" err="1"/>
+              <a:t>Replace the last commit with a combination of the staged changes and the last commit: </a:t>
+            </a:r>
+            <a:r>
+              <a:rPr lang="en-US" sz="2100" dirty="0">
+                <a:solidFill>
+                  <a:srgbClr val="002060"/>
+                </a:solidFill>
+              </a:rPr>
+              <a:t>git commit --amend</a:t>
+            </a:r>
+          </a:p>
+          <a:p>
+            <a:pPr marL="342900" indent="-342900">
+              <a:buFont typeface="Arial" panose="020B0604020202020204" pitchFamily="34" charset="0"/>
+              <a:buChar char="•"/>
+            </a:pPr>
+            <a:endParaRPr lang="en-US" sz="2100" dirty="0">
+              <a:solidFill>
+                <a:srgbClr val="002060"/>
+              </a:solidFill>
+            </a:endParaRPr>
+          </a:p>
+          <a:p>
+            <a:pPr marL="342900" indent="-342900">
+              <a:buFont typeface="Arial" panose="020B0604020202020204" pitchFamily="34" charset="0"/>
+              <a:buChar char="•"/>
+            </a:pPr>
+            <a:r>
+              <a:rPr lang="en-US" sz="2100" dirty="0"/>
+              <a:t>Rebase the current branch with the specified base: </a:t>
+            </a:r>
+            <a:r>
+              <a:rPr lang="en-US" sz="2100" dirty="0">
+                <a:solidFill>
+                  <a:srgbClr val="002060"/>
+                </a:solidFill>
+              </a:rPr>
+              <a:t>git rebase [base]</a:t>
+            </a:r>
+          </a:p>
+          <a:p>
+            <a:pPr marL="342900" indent="-342900">
+              <a:buFont typeface="Arial" panose="020B0604020202020204" pitchFamily="34" charset="0"/>
+              <a:buChar char="•"/>
+            </a:pPr>
+            <a:endParaRPr lang="en-US" sz="2100" dirty="0">
+              <a:solidFill>
+                <a:srgbClr val="002060"/>
+              </a:solidFill>
+            </a:endParaRPr>
+          </a:p>
+          <a:p>
+            <a:pPr marL="342900" indent="-342900">
+              <a:buFont typeface="Arial" panose="020B0604020202020204" pitchFamily="34" charset="0"/>
+              <a:buChar char="•"/>
+            </a:pPr>
+            <a:r>
+              <a:rPr lang="en-US" sz="2100" dirty="0"/>
+              <a:t>List changes made to the HEAD of the local repository: </a:t>
+            </a:r>
+            <a:r>
+              <a:rPr lang="en-US" sz="2100" dirty="0">
+                <a:solidFill>
+                  <a:srgbClr val="002060"/>
+                </a:solidFill>
+              </a:rPr>
+              <a:t>git </a:t>
+            </a:r>
+            <a:r>
+              <a:rPr lang="en-US" sz="2100" dirty="0" err="1">
+                <a:solidFill>
+                  <a:srgbClr val="002060"/>
+                </a:solidFill>
+              </a:rPr>
               <a:t>reflog</a:t>
             </a:r>
-            <a:endParaRPr lang="en-US" sz="2100" dirty="0"/>
+            <a:endParaRPr lang="en-US" sz="2100" dirty="0">
+              <a:solidFill>
+                <a:srgbClr val="002060"/>
+              </a:solidFill>
+            </a:endParaRPr>
+          </a:p>
+          <a:p>
+            <a:pPr marL="342900" indent="-342900">
+              <a:buFont typeface="Arial" panose="020B0604020202020204" pitchFamily="34" charset="0"/>
+              <a:buChar char="•"/>
+            </a:pPr>
+            <a:endParaRPr lang="en-US" sz="2100" dirty="0">
+              <a:solidFill>
+                <a:srgbClr val="002060"/>
+              </a:solidFill>
+            </a:endParaRPr>
           </a:p>
         </p:txBody>
       </p:sp>
@@ -23661,7 +26994,7 @@
           <p:nvPr/>
         </p:nvPicPr>
         <p:blipFill rotWithShape="1">
-          <a:blip r:embed="rId2">
+          <a:blip r:embed="rId3">
             <a:extLst>
               <a:ext uri="{28A0092B-C50C-407E-A947-70E740481C1C}">
                 <a14:useLocalDpi xmlns:a14="http://schemas.microsoft.com/office/drawing/2010/main" val="0"/>
@@ -23851,7 +27184,7 @@
           <p:nvPr/>
         </p:nvPicPr>
         <p:blipFill>
-          <a:blip r:embed="rId3">
+          <a:blip r:embed="rId4">
             <a:extLst>
               <a:ext uri="{28A0092B-C50C-407E-A947-70E740481C1C}">
                 <a14:useLocalDpi xmlns:a14="http://schemas.microsoft.com/office/drawing/2010/main" val="0"/>
@@ -24120,10 +27453,179 @@
           </a:bodyPr>
           <a:lstStyle/>
           <a:p>
+            <a:pPr marL="342900" indent="-342900">
+              <a:buFont typeface="Arial" panose="020B0604020202020204" pitchFamily="34" charset="0"/>
+              <a:buChar char="•"/>
+            </a:pPr>
             <a:r>
               <a:rPr lang="en-US" sz="2100" dirty="0"/>
-              <a:t>Git remote, fetch, pull, push (squash-merge)</a:t>
-            </a:r>
+              <a:t>Create a new connection to a remote repository: </a:t>
+            </a:r>
+            <a:r>
+              <a:rPr lang="en-US" sz="2100" dirty="0">
+                <a:solidFill>
+                  <a:srgbClr val="002060"/>
+                </a:solidFill>
+              </a:rPr>
+              <a:t>git remote add [name] [URL]</a:t>
+            </a:r>
+          </a:p>
+          <a:p>
+            <a:pPr marL="342900" indent="-342900">
+              <a:buFont typeface="Arial" panose="020B0604020202020204" pitchFamily="34" charset="0"/>
+              <a:buChar char="•"/>
+            </a:pPr>
+            <a:endParaRPr lang="en-US" sz="2100" dirty="0">
+              <a:solidFill>
+                <a:srgbClr val="002060"/>
+              </a:solidFill>
+            </a:endParaRPr>
+          </a:p>
+          <a:p>
+            <a:pPr marL="342900" indent="-342900">
+              <a:buFont typeface="Arial" panose="020B0604020202020204" pitchFamily="34" charset="0"/>
+              <a:buChar char="•"/>
+            </a:pPr>
+            <a:r>
+              <a:rPr lang="en-US" sz="2100" dirty="0"/>
+              <a:t>Fetch a branch from a remote repository: </a:t>
+            </a:r>
+            <a:r>
+              <a:rPr lang="en-US" sz="2100" dirty="0">
+                <a:solidFill>
+                  <a:srgbClr val="002060"/>
+                </a:solidFill>
+              </a:rPr>
+              <a:t>git fetch [</a:t>
+            </a:r>
+            <a:r>
+              <a:rPr lang="en-US" sz="2100" dirty="0" err="1">
+                <a:solidFill>
+                  <a:srgbClr val="002060"/>
+                </a:solidFill>
+              </a:rPr>
+              <a:t>remote_repo</a:t>
+            </a:r>
+            <a:r>
+              <a:rPr lang="en-US" sz="2100" dirty="0">
+                <a:solidFill>
+                  <a:srgbClr val="002060"/>
+                </a:solidFill>
+              </a:rPr>
+              <a:t>] [branch]</a:t>
+            </a:r>
+          </a:p>
+          <a:p>
+            <a:pPr marL="342900" indent="-342900">
+              <a:buFont typeface="Arial" panose="020B0604020202020204" pitchFamily="34" charset="0"/>
+              <a:buChar char="•"/>
+            </a:pPr>
+            <a:endParaRPr lang="en-US" sz="2100" dirty="0">
+              <a:solidFill>
+                <a:srgbClr val="002060"/>
+              </a:solidFill>
+            </a:endParaRPr>
+          </a:p>
+          <a:p>
+            <a:pPr marL="342900" indent="-342900">
+              <a:buFont typeface="Arial" panose="020B0604020202020204" pitchFamily="34" charset="0"/>
+              <a:buChar char="•"/>
+            </a:pPr>
+            <a:r>
+              <a:rPr lang="en-US" sz="2100" dirty="0"/>
+              <a:t>Fetch a repository and merge it with the local copy: </a:t>
+            </a:r>
+            <a:r>
+              <a:rPr lang="en-US" sz="2100" dirty="0">
+                <a:solidFill>
+                  <a:srgbClr val="002060"/>
+                </a:solidFill>
+              </a:rPr>
+              <a:t>git pull [</a:t>
+            </a:r>
+            <a:r>
+              <a:rPr lang="en-US" sz="2100" dirty="0" err="1">
+                <a:solidFill>
+                  <a:srgbClr val="002060"/>
+                </a:solidFill>
+              </a:rPr>
+              <a:t>remote_repo</a:t>
+            </a:r>
+            <a:r>
+              <a:rPr lang="en-US" sz="2100" dirty="0">
+                <a:solidFill>
+                  <a:srgbClr val="002060"/>
+                </a:solidFill>
+              </a:rPr>
+              <a:t>]</a:t>
+            </a:r>
+          </a:p>
+          <a:p>
+            <a:pPr marL="342900" indent="-342900">
+              <a:buFont typeface="Arial" panose="020B0604020202020204" pitchFamily="34" charset="0"/>
+              <a:buChar char="•"/>
+            </a:pPr>
+            <a:endParaRPr lang="en-US" sz="2100" dirty="0">
+              <a:solidFill>
+                <a:srgbClr val="002060"/>
+              </a:solidFill>
+            </a:endParaRPr>
+          </a:p>
+          <a:p>
+            <a:pPr marL="342900" indent="-342900">
+              <a:buFont typeface="Arial" panose="020B0604020202020204" pitchFamily="34" charset="0"/>
+              <a:buChar char="•"/>
+            </a:pPr>
+            <a:r>
+              <a:rPr lang="en-US" sz="2100" dirty="0"/>
+              <a:t>Push a branch to a remote repository: </a:t>
+            </a:r>
+            <a:r>
+              <a:rPr lang="en-US" sz="2100" dirty="0">
+                <a:solidFill>
+                  <a:srgbClr val="002060"/>
+                </a:solidFill>
+              </a:rPr>
+              <a:t>git push [</a:t>
+            </a:r>
+            <a:r>
+              <a:rPr lang="en-US" sz="2100" dirty="0" err="1">
+                <a:solidFill>
+                  <a:srgbClr val="002060"/>
+                </a:solidFill>
+              </a:rPr>
+              <a:t>remote_repo</a:t>
+            </a:r>
+            <a:r>
+              <a:rPr lang="en-US" sz="2100" dirty="0">
+                <a:solidFill>
+                  <a:srgbClr val="002060"/>
+                </a:solidFill>
+              </a:rPr>
+              <a:t>] [branch]</a:t>
+            </a:r>
+          </a:p>
+          <a:p>
+            <a:pPr marL="342900" indent="-342900">
+              <a:buFont typeface="Arial" panose="020B0604020202020204" pitchFamily="34" charset="0"/>
+              <a:buChar char="•"/>
+            </a:pPr>
+            <a:endParaRPr lang="en-US" sz="2100" dirty="0">
+              <a:solidFill>
+                <a:srgbClr val="002060"/>
+              </a:solidFill>
+            </a:endParaRPr>
+          </a:p>
+          <a:p>
+            <a:pPr marL="342900" indent="-342900">
+              <a:buFont typeface="Arial" panose="020B0604020202020204" pitchFamily="34" charset="0"/>
+              <a:buChar char="•"/>
+            </a:pPr>
+            <a:endParaRPr lang="en-US" sz="2100" dirty="0">
+              <a:solidFill>
+                <a:srgbClr val="002060"/>
+              </a:solidFill>
+            </a:endParaRPr>
           </a:p>
         </p:txBody>
       </p:sp>
@@ -24172,7 +27674,7 @@
           <p:nvPr/>
         </p:nvPicPr>
         <p:blipFill rotWithShape="1">
-          <a:blip r:embed="rId2">
+          <a:blip r:embed="rId3">
             <a:extLst>
               <a:ext uri="{28A0092B-C50C-407E-A947-70E740481C1C}">
                 <a14:useLocalDpi xmlns:a14="http://schemas.microsoft.com/office/drawing/2010/main" val="0"/>
@@ -24362,7 +27864,7 @@
           <p:nvPr/>
         </p:nvPicPr>
         <p:blipFill>
-          <a:blip r:embed="rId3">
+          <a:blip r:embed="rId4">
             <a:extLst>
               <a:ext uri="{28A0092B-C50C-407E-A947-70E740481C1C}">
                 <a14:useLocalDpi xmlns:a14="http://schemas.microsoft.com/office/drawing/2010/main" val="0"/>
@@ -25222,45 +28724,42 @@
           </p:txBody>
         </p:sp>
       </p:grpSp>
-      <p:sp>
-        <p:nvSpPr>
-          <p:cNvPr id="6" name="TextBox 5">
+      <p:pic>
+        <p:nvPicPr>
+          <p:cNvPr id="4" name="Picture 3">
             <a:extLst>
               <a:ext uri="{FF2B5EF4-FFF2-40B4-BE49-F238E27FC236}">
-                <a16:creationId xmlns:a16="http://schemas.microsoft.com/office/drawing/2014/main" id="{41AE0CA2-CABF-44FF-A325-B4672C669342}"/>
+                <a16:creationId xmlns:a16="http://schemas.microsoft.com/office/drawing/2014/main" id="{564CBC53-2F4F-4760-AF18-7C1B756CE793}"/>
               </a:ext>
             </a:extLst>
           </p:cNvPr>
-          <p:cNvSpPr txBox="1"/>
+          <p:cNvPicPr>
+            <a:picLocks noChangeAspect="1"/>
+          </p:cNvPicPr>
           <p:nvPr/>
-        </p:nvSpPr>
+        </p:nvPicPr>
+        <p:blipFill>
+          <a:blip r:embed="rId3">
+            <a:extLst>
+              <a:ext uri="{28A0092B-C50C-407E-A947-70E740481C1C}">
+                <a14:useLocalDpi xmlns:a14="http://schemas.microsoft.com/office/drawing/2010/main" val="0"/>
+              </a:ext>
+            </a:extLst>
+          </a:blip>
+          <a:stretch>
+            <a:fillRect/>
+          </a:stretch>
+        </p:blipFill>
         <p:spPr>
           <a:xfrm>
-            <a:off x="1288741" y="1669002"/>
-            <a:ext cx="9614518" cy="4216893"/>
+            <a:off x="1177253" y="1506133"/>
+            <a:ext cx="9837493" cy="4426037"/>
           </a:xfrm>
           <a:prstGeom prst="rect">
             <a:avLst/>
           </a:prstGeom>
-          <a:noFill/>
         </p:spPr>
-        <p:txBody>
-          <a:bodyPr wrap="square" lIns="0" tIns="0" rIns="0" bIns="0" rtlCol="0" anchor="t">
-            <a:noAutofit/>
-          </a:bodyPr>
-          <a:lstStyle/>
-          <a:p>
-            <a:pPr marL="342900" indent="-342900">
-              <a:buFont typeface="Arial" panose="020B0604020202020204" pitchFamily="34" charset="0"/>
-              <a:buChar char="•"/>
-            </a:pPr>
-            <a:r>
-              <a:rPr lang="en-US" sz="2100" dirty="0"/>
-              <a:t>[TODO]</a:t>
-            </a:r>
-          </a:p>
-        </p:txBody>
-      </p:sp>
+      </p:pic>
     </p:spTree>
     <p:extLst>
       <p:ext uri="{BB962C8B-B14F-4D97-AF65-F5344CB8AC3E}">
@@ -25271,85 +28770,6 @@
   <p:clrMapOvr>
     <a:masterClrMapping/>
   </p:clrMapOvr>
-  <p:timing>
-    <p:tnLst>
-      <p:par>
-        <p:cTn id="1" dur="indefinite" restart="never" nodeType="tmRoot">
-          <p:childTnLst>
-            <p:seq concurrent="1" nextAc="seek">
-              <p:cTn id="2" dur="indefinite" nodeType="mainSeq">
-                <p:childTnLst>
-                  <p:par>
-                    <p:cTn id="3" fill="hold">
-                      <p:stCondLst>
-                        <p:cond delay="indefinite"/>
-                      </p:stCondLst>
-                      <p:childTnLst>
-                        <p:par>
-                          <p:cTn id="4" fill="hold">
-                            <p:stCondLst>
-                              <p:cond delay="0"/>
-                            </p:stCondLst>
-                            <p:childTnLst>
-                              <p:par>
-                                <p:cTn id="5" presetID="1" presetClass="entr" presetSubtype="0" fill="hold" nodeType="clickEffect">
-                                  <p:stCondLst>
-                                    <p:cond delay="0"/>
-                                  </p:stCondLst>
-                                  <p:childTnLst>
-                                    <p:set>
-                                      <p:cBhvr>
-                                        <p:cTn id="6" dur="1" fill="hold">
-                                          <p:stCondLst>
-                                            <p:cond delay="0"/>
-                                          </p:stCondLst>
-                                        </p:cTn>
-                                        <p:tgtEl>
-                                          <p:spTgt spid="6">
-                                            <p:txEl>
-                                              <p:pRg st="0" end="0"/>
-                                            </p:txEl>
-                                          </p:spTgt>
-                                        </p:tgtEl>
-                                        <p:attrNameLst>
-                                          <p:attrName>style.visibility</p:attrName>
-                                        </p:attrNameLst>
-                                      </p:cBhvr>
-                                      <p:to>
-                                        <p:strVal val="visible"/>
-                                      </p:to>
-                                    </p:set>
-                                  </p:childTnLst>
-                                </p:cTn>
-                              </p:par>
-                            </p:childTnLst>
-                          </p:cTn>
-                        </p:par>
-                      </p:childTnLst>
-                    </p:cTn>
-                  </p:par>
-                </p:childTnLst>
-              </p:cTn>
-              <p:prevCondLst>
-                <p:cond evt="onPrev" delay="0">
-                  <p:tgtEl>
-                    <p:sldTgt/>
-                  </p:tgtEl>
-                </p:cond>
-              </p:prevCondLst>
-              <p:nextCondLst>
-                <p:cond evt="onNext" delay="0">
-                  <p:tgtEl>
-                    <p:sldTgt/>
-                  </p:tgtEl>
-                </p:cond>
-              </p:nextCondLst>
-            </p:seq>
-          </p:childTnLst>
-        </p:cTn>
-      </p:par>
-    </p:tnLst>
-  </p:timing>
 </p:sld>
 </file>
 
@@ -30838,18 +34258,18 @@
 </file>
 
 <file path=customXml/item1.xml><?xml version="1.0" encoding="utf-8"?>
+<p:properties xmlns:p="http://schemas.microsoft.com/office/2006/metadata/properties" xmlns:xsi="http://www.w3.org/2001/XMLSchema-instance" xmlns:pc="http://schemas.microsoft.com/office/infopath/2007/PartnerControls">
+  <documentManagement/>
+</p:properties>
+</file>
+
+<file path=customXml/item2.xml><?xml version="1.0" encoding="utf-8"?>
 <?mso-contentType ?>
 <FormTemplates xmlns="http://schemas.microsoft.com/sharepoint/v3/contenttype/forms">
   <Display>DocumentLibraryForm</Display>
   <Edit>DocumentLibraryForm</Edit>
   <New>DocumentLibraryForm</New>
 </FormTemplates>
-</file>
-
-<file path=customXml/item2.xml><?xml version="1.0" encoding="utf-8"?>
-<p:properties xmlns:p="http://schemas.microsoft.com/office/2006/metadata/properties" xmlns:xsi="http://www.w3.org/2001/XMLSchema-instance" xmlns:pc="http://schemas.microsoft.com/office/infopath/2007/PartnerControls">
-  <documentManagement/>
-</p:properties>
 </file>
 
 <file path=customXml/item3.xml><?xml version="1.0" encoding="utf-8"?>
@@ -31038,18 +34458,18 @@
 </file>
 
 <file path=customXml/itemProps1.xml><?xml version="1.0" encoding="utf-8"?>
-<ds:datastoreItem xmlns:ds="http://schemas.openxmlformats.org/officeDocument/2006/customXml" ds:itemID="{4273EE10-C1B2-449B-9085-39965BA21A56}">
+<ds:datastoreItem xmlns:ds="http://schemas.openxmlformats.org/officeDocument/2006/customXml" ds:itemID="{B61EE2CA-DCC7-45E5-87C8-6789A166AF77}">
   <ds:schemaRefs>
-    <ds:schemaRef ds:uri="http://schemas.microsoft.com/sharepoint/v3/contenttype/forms"/>
+    <ds:schemaRef ds:uri="http://schemas.microsoft.com/office/2006/metadata/properties"/>
+    <ds:schemaRef ds:uri="http://schemas.microsoft.com/office/infopath/2007/PartnerControls"/>
   </ds:schemaRefs>
 </ds:datastoreItem>
 </file>
 
 <file path=customXml/itemProps2.xml><?xml version="1.0" encoding="utf-8"?>
-<ds:datastoreItem xmlns:ds="http://schemas.openxmlformats.org/officeDocument/2006/customXml" ds:itemID="{B61EE2CA-DCC7-45E5-87C8-6789A166AF77}">
+<ds:datastoreItem xmlns:ds="http://schemas.openxmlformats.org/officeDocument/2006/customXml" ds:itemID="{4273EE10-C1B2-449B-9085-39965BA21A56}">
   <ds:schemaRefs>
-    <ds:schemaRef ds:uri="http://schemas.microsoft.com/office/2006/metadata/properties"/>
-    <ds:schemaRef ds:uri="http://schemas.microsoft.com/office/infopath/2007/PartnerControls"/>
+    <ds:schemaRef ds:uri="http://schemas.microsoft.com/sharepoint/v3/contenttype/forms"/>
   </ds:schemaRefs>
 </ds:datastoreItem>
 </file>

--- a/workshops/git-github-deep-dive/git_github_deep_dive.pptx
+++ b/workshops/git-github-deep-dive/git_github_deep_dive.pptx
@@ -2953,7 +2953,7 @@
           <a:p>
             <a:fld id="{F540F470-726F-426E-889A-8E92A4693460}" type="datetimeFigureOut">
               <a:rPr lang="en-GB" smtClean="0"/>
-              <a:t>06/10/2020</a:t>
+              <a:t>08/10/2020</a:t>
             </a:fld>
             <a:endParaRPr lang="en-GB" dirty="0"/>
           </a:p>
@@ -3123,7 +3123,7 @@
             <a:fld id="{CD72A38B-F9FA-4036-A084-652409E98F08}" type="datetimeFigureOut">
               <a:rPr lang="en-GB" smtClean="0"/>
               <a:pPr/>
-              <a:t>06/10/2020</a:t>
+              <a:t>08/10/2020</a:t>
             </a:fld>
             <a:endParaRPr lang="en-GB" dirty="0"/>
           </a:p>
@@ -3541,20 +3541,6 @@
               <a:tabLst/>
               <a:defRPr/>
             </a:pPr>
-            <a:r>
-              <a:rPr lang="en-US" sz="1200" dirty="0"/>
-              <a:t>merge (conflict resolution – how to map it to your IDE, </a:t>
-            </a:r>
-            <a:r>
-              <a:rPr lang="en-US" sz="1200" dirty="0" err="1"/>
-              <a:t>etc</a:t>
-            </a:r>
-            <a:r>
-              <a:rPr lang="en-US" sz="1200" dirty="0"/>
-              <a:t>)</a:t>
-            </a:r>
-          </a:p>
-          <a:p>
             <a:endParaRPr lang="da-DK" dirty="0"/>
           </a:p>
         </p:txBody>
@@ -3577,7 +3563,7 @@
             <a:fld id="{49436F85-577F-4A92-A47F-D540A2BCC821}" type="slidenum">
               <a:rPr lang="en-GB" smtClean="0"/>
               <a:pPr/>
-              <a:t>18</a:t>
+              <a:t>17</a:t>
             </a:fld>
             <a:endParaRPr lang="en-GB" dirty="0"/>
           </a:p>
@@ -3586,7 +3572,7 @@
     </p:spTree>
     <p:extLst>
       <p:ext uri="{BB962C8B-B14F-4D97-AF65-F5344CB8AC3E}">
-        <p14:creationId xmlns:p14="http://schemas.microsoft.com/office/powerpoint/2010/main" val="3008834791"/>
+        <p14:creationId xmlns:p14="http://schemas.microsoft.com/office/powerpoint/2010/main" val="1906114840"/>
       </p:ext>
     </p:extLst>
   </p:cSld>
@@ -3640,6 +3626,37 @@
           <a:bodyPr/>
           <a:lstStyle/>
           <a:p>
+            <a:pPr marL="0" marR="0" lvl="0" indent="0" algn="l" defTabSz="914400" rtl="0" eaLnBrk="1" fontAlgn="auto" latinLnBrk="0" hangingPunct="1">
+              <a:lnSpc>
+                <a:spcPct val="100000"/>
+              </a:lnSpc>
+              <a:spcBef>
+                <a:spcPts val="0"/>
+              </a:spcBef>
+              <a:spcAft>
+                <a:spcPts val="0"/>
+              </a:spcAft>
+              <a:buClrTx/>
+              <a:buSzTx/>
+              <a:buFontTx/>
+              <a:buNone/>
+              <a:tabLst/>
+              <a:defRPr/>
+            </a:pPr>
+            <a:r>
+              <a:rPr lang="en-US" sz="1200" dirty="0"/>
+              <a:t>merge (conflict resolution – how to map it to your IDE, </a:t>
+            </a:r>
+            <a:r>
+              <a:rPr lang="en-US" sz="1200" dirty="0" err="1"/>
+              <a:t>etc</a:t>
+            </a:r>
+            <a:r>
+              <a:rPr lang="en-US" sz="1200" dirty="0"/>
+              <a:t>)</a:t>
+            </a:r>
+          </a:p>
+          <a:p>
             <a:endParaRPr lang="da-DK" dirty="0"/>
           </a:p>
         </p:txBody>
@@ -3662,7 +3679,7 @@
             <a:fld id="{49436F85-577F-4A92-A47F-D540A2BCC821}" type="slidenum">
               <a:rPr lang="en-GB" smtClean="0"/>
               <a:pPr/>
-              <a:t>19</a:t>
+              <a:t>18</a:t>
             </a:fld>
             <a:endParaRPr lang="en-GB" dirty="0"/>
           </a:p>
@@ -3671,7 +3688,7 @@
     </p:spTree>
     <p:extLst>
       <p:ext uri="{BB962C8B-B14F-4D97-AF65-F5344CB8AC3E}">
-        <p14:creationId xmlns:p14="http://schemas.microsoft.com/office/powerpoint/2010/main" val="3104378346"/>
+        <p14:creationId xmlns:p14="http://schemas.microsoft.com/office/powerpoint/2010/main" val="3008834791"/>
       </p:ext>
     </p:extLst>
   </p:cSld>
@@ -3725,10 +3742,6 @@
           <a:bodyPr/>
           <a:lstStyle/>
           <a:p>
-            <a:r>
-              <a:rPr lang="en-US" dirty="0"/>
-              <a:t>Theme: Change some files, commit them, regret commit, remove certain files, recommit.</a:t>
-            </a:r>
             <a:endParaRPr lang="da-DK" dirty="0"/>
           </a:p>
         </p:txBody>
@@ -3751,7 +3764,7 @@
             <a:fld id="{49436F85-577F-4A92-A47F-D540A2BCC821}" type="slidenum">
               <a:rPr lang="en-GB" smtClean="0"/>
               <a:pPr/>
-              <a:t>20</a:t>
+              <a:t>19</a:t>
             </a:fld>
             <a:endParaRPr lang="en-GB" dirty="0"/>
           </a:p>
@@ -3760,7 +3773,7 @@
     </p:spTree>
     <p:extLst>
       <p:ext uri="{BB962C8B-B14F-4D97-AF65-F5344CB8AC3E}">
-        <p14:creationId xmlns:p14="http://schemas.microsoft.com/office/powerpoint/2010/main" val="2551835253"/>
+        <p14:creationId xmlns:p14="http://schemas.microsoft.com/office/powerpoint/2010/main" val="3104378346"/>
       </p:ext>
     </p:extLst>
   </p:cSld>
@@ -3814,6 +3827,10 @@
           <a:bodyPr/>
           <a:lstStyle/>
           <a:p>
+            <a:r>
+              <a:rPr lang="en-US" dirty="0"/>
+              <a:t>Theme: Change some files, commit them, regret commit, remove certain files, recommit.</a:t>
+            </a:r>
             <a:endParaRPr lang="da-DK" dirty="0"/>
           </a:p>
         </p:txBody>
@@ -3836,7 +3853,7 @@
             <a:fld id="{49436F85-577F-4A92-A47F-D540A2BCC821}" type="slidenum">
               <a:rPr lang="en-GB" smtClean="0"/>
               <a:pPr/>
-              <a:t>21</a:t>
+              <a:t>20</a:t>
             </a:fld>
             <a:endParaRPr lang="en-GB" dirty="0"/>
           </a:p>
@@ -3845,7 +3862,7 @@
     </p:spTree>
     <p:extLst>
       <p:ext uri="{BB962C8B-B14F-4D97-AF65-F5344CB8AC3E}">
-        <p14:creationId xmlns:p14="http://schemas.microsoft.com/office/powerpoint/2010/main" val="78529500"/>
+        <p14:creationId xmlns:p14="http://schemas.microsoft.com/office/powerpoint/2010/main" val="2551835253"/>
       </p:ext>
     </p:extLst>
   </p:cSld>
@@ -3899,10 +3916,6 @@
           <a:bodyPr/>
           <a:lstStyle/>
           <a:p>
-            <a:r>
-              <a:rPr lang="en-US"/>
-              <a:t>Theme: Rebasing</a:t>
-            </a:r>
             <a:endParaRPr lang="da-DK" dirty="0"/>
           </a:p>
         </p:txBody>
@@ -3925,7 +3938,7 @@
             <a:fld id="{49436F85-577F-4A92-A47F-D540A2BCC821}" type="slidenum">
               <a:rPr lang="en-GB" smtClean="0"/>
               <a:pPr/>
-              <a:t>22</a:t>
+              <a:t>21</a:t>
             </a:fld>
             <a:endParaRPr lang="en-GB" dirty="0"/>
           </a:p>
@@ -3934,7 +3947,7 @@
     </p:spTree>
     <p:extLst>
       <p:ext uri="{BB962C8B-B14F-4D97-AF65-F5344CB8AC3E}">
-        <p14:creationId xmlns:p14="http://schemas.microsoft.com/office/powerpoint/2010/main" val="3662449845"/>
+        <p14:creationId xmlns:p14="http://schemas.microsoft.com/office/powerpoint/2010/main" val="78529500"/>
       </p:ext>
     </p:extLst>
   </p:cSld>
@@ -3989,8 +4002,8 @@
           <a:lstStyle/>
           <a:p>
             <a:r>
-              <a:rPr lang="en-US" dirty="0"/>
-              <a:t>Theme: Push local to remote. Merge from remote.</a:t>
+              <a:rPr lang="en-US"/>
+              <a:t>Theme: Rebasing</a:t>
             </a:r>
             <a:endParaRPr lang="da-DK" dirty="0"/>
           </a:p>
@@ -4014,7 +4027,7 @@
             <a:fld id="{49436F85-577F-4A92-A47F-D540A2BCC821}" type="slidenum">
               <a:rPr lang="en-GB" smtClean="0"/>
               <a:pPr/>
-              <a:t>24</a:t>
+              <a:t>22</a:t>
             </a:fld>
             <a:endParaRPr lang="en-GB" dirty="0"/>
           </a:p>
@@ -4023,7 +4036,7 @@
     </p:spTree>
     <p:extLst>
       <p:ext uri="{BB962C8B-B14F-4D97-AF65-F5344CB8AC3E}">
-        <p14:creationId xmlns:p14="http://schemas.microsoft.com/office/powerpoint/2010/main" val="2932350824"/>
+        <p14:creationId xmlns:p14="http://schemas.microsoft.com/office/powerpoint/2010/main" val="3662449845"/>
       </p:ext>
     </p:extLst>
   </p:cSld>
@@ -4077,7 +4090,11 @@
           <a:bodyPr/>
           <a:lstStyle/>
           <a:p>
-            <a:endParaRPr lang="da-DK" b="0" dirty="0"/>
+            <a:r>
+              <a:rPr lang="en-US" dirty="0"/>
+              <a:t>Theme: Push local to remote. Merge from remote.</a:t>
+            </a:r>
+            <a:endParaRPr lang="da-DK" dirty="0"/>
           </a:p>
         </p:txBody>
       </p:sp>
@@ -4099,6 +4116,91 @@
             <a:fld id="{49436F85-577F-4A92-A47F-D540A2BCC821}" type="slidenum">
               <a:rPr lang="en-GB" smtClean="0"/>
               <a:pPr/>
+              <a:t>24</a:t>
+            </a:fld>
+            <a:endParaRPr lang="en-GB" dirty="0"/>
+          </a:p>
+        </p:txBody>
+      </p:sp>
+    </p:spTree>
+    <p:extLst>
+      <p:ext uri="{BB962C8B-B14F-4D97-AF65-F5344CB8AC3E}">
+        <p14:creationId xmlns:p14="http://schemas.microsoft.com/office/powerpoint/2010/main" val="2932350824"/>
+      </p:ext>
+    </p:extLst>
+  </p:cSld>
+  <p:clrMapOvr>
+    <a:masterClrMapping/>
+  </p:clrMapOvr>
+</p:notes>
+</file>
+
+<file path=ppt/notesSlides/notesSlide17.xml><?xml version="1.0" encoding="utf-8"?>
+<p:notes xmlns:a="http://schemas.openxmlformats.org/drawingml/2006/main" xmlns:r="http://schemas.openxmlformats.org/officeDocument/2006/relationships" xmlns:p="http://schemas.openxmlformats.org/presentationml/2006/main">
+  <p:cSld>
+    <p:spTree>
+      <p:nvGrpSpPr>
+        <p:cNvPr id="1" name=""/>
+        <p:cNvGrpSpPr/>
+        <p:nvPr/>
+      </p:nvGrpSpPr>
+      <p:grpSpPr>
+        <a:xfrm>
+          <a:off x="0" y="0"/>
+          <a:ext cx="0" cy="0"/>
+          <a:chOff x="0" y="0"/>
+          <a:chExt cx="0" cy="0"/>
+        </a:xfrm>
+      </p:grpSpPr>
+      <p:sp>
+        <p:nvSpPr>
+          <p:cNvPr id="2" name="Slide Image Placeholder 1"/>
+          <p:cNvSpPr>
+            <a:spLocks noGrp="1" noRot="1" noChangeAspect="1"/>
+          </p:cNvSpPr>
+          <p:nvPr>
+            <p:ph type="sldImg"/>
+          </p:nvPr>
+        </p:nvSpPr>
+        <p:spPr/>
+      </p:sp>
+      <p:sp>
+        <p:nvSpPr>
+          <p:cNvPr id="3" name="Notes Placeholder 2"/>
+          <p:cNvSpPr>
+            <a:spLocks noGrp="1"/>
+          </p:cNvSpPr>
+          <p:nvPr>
+            <p:ph type="body" idx="1"/>
+          </p:nvPr>
+        </p:nvSpPr>
+        <p:spPr/>
+        <p:txBody>
+          <a:bodyPr/>
+          <a:lstStyle/>
+          <a:p>
+            <a:endParaRPr lang="da-DK" b="0" dirty="0"/>
+          </a:p>
+        </p:txBody>
+      </p:sp>
+      <p:sp>
+        <p:nvSpPr>
+          <p:cNvPr id="4" name="Slide Number Placeholder 3"/>
+          <p:cNvSpPr>
+            <a:spLocks noGrp="1"/>
+          </p:cNvSpPr>
+          <p:nvPr>
+            <p:ph type="sldNum" sz="quarter" idx="5"/>
+          </p:nvPr>
+        </p:nvSpPr>
+        <p:spPr/>
+        <p:txBody>
+          <a:bodyPr/>
+          <a:lstStyle/>
+          <a:p>
+            <a:fld id="{49436F85-577F-4A92-A47F-D540A2BCC821}" type="slidenum">
+              <a:rPr lang="en-GB" smtClean="0"/>
+              <a:pPr/>
               <a:t>26</a:t>
             </a:fld>
             <a:endParaRPr lang="en-GB" dirty="0"/>
@@ -4118,7 +4220,7 @@
 </p:notes>
 </file>
 
-<file path=ppt/notesSlides/notesSlide17.xml><?xml version="1.0" encoding="utf-8"?>
+<file path=ppt/notesSlides/notesSlide18.xml><?xml version="1.0" encoding="utf-8"?>
 <p:notes xmlns:a="http://schemas.openxmlformats.org/drawingml/2006/main" xmlns:r="http://schemas.openxmlformats.org/officeDocument/2006/relationships" xmlns:p="http://schemas.openxmlformats.org/presentationml/2006/main">
   <p:cSld>
     <p:spTree>
@@ -4711,10 +4813,6 @@
           <a:bodyPr/>
           <a:lstStyle/>
           <a:p>
-            <a:r>
-              <a:rPr lang="en-US" dirty="0"/>
-              <a:t>Theme: Add a merge tool to the config @ https://git-scm.com/book/en/v2/Customizing-Git-Git-Configuration</a:t>
-            </a:r>
             <a:endParaRPr lang="da-DK" dirty="0"/>
           </a:p>
         </p:txBody>
@@ -4737,7 +4835,7 @@
             <a:fld id="{49436F85-577F-4A92-A47F-D540A2BCC821}" type="slidenum">
               <a:rPr lang="en-GB" smtClean="0"/>
               <a:pPr/>
-              <a:t>14</a:t>
+              <a:t>13</a:t>
             </a:fld>
             <a:endParaRPr lang="en-GB" dirty="0"/>
           </a:p>
@@ -4746,7 +4844,7 @@
     </p:spTree>
     <p:extLst>
       <p:ext uri="{BB962C8B-B14F-4D97-AF65-F5344CB8AC3E}">
-        <p14:creationId xmlns:p14="http://schemas.microsoft.com/office/powerpoint/2010/main" val="3678131735"/>
+        <p14:creationId xmlns:p14="http://schemas.microsoft.com/office/powerpoint/2010/main" val="3753399664"/>
       </p:ext>
     </p:extLst>
   </p:cSld>
@@ -4822,7 +4920,7 @@
             <a:fld id="{49436F85-577F-4A92-A47F-D540A2BCC821}" type="slidenum">
               <a:rPr lang="en-GB" smtClean="0"/>
               <a:pPr/>
-              <a:t>15</a:t>
+              <a:t>14</a:t>
             </a:fld>
             <a:endParaRPr lang="en-GB" dirty="0"/>
           </a:p>
@@ -4831,7 +4929,7 @@
     </p:spTree>
     <p:extLst>
       <p:ext uri="{BB962C8B-B14F-4D97-AF65-F5344CB8AC3E}">
-        <p14:creationId xmlns:p14="http://schemas.microsoft.com/office/powerpoint/2010/main" val="180351138"/>
+        <p14:creationId xmlns:p14="http://schemas.microsoft.com/office/powerpoint/2010/main" val="3678131735"/>
       </p:ext>
     </p:extLst>
   </p:cSld>
@@ -4885,10 +4983,6 @@
           <a:bodyPr/>
           <a:lstStyle/>
           <a:p>
-            <a:r>
-              <a:rPr lang="en-US" dirty="0"/>
-              <a:t>Theme: Stuff with files</a:t>
-            </a:r>
             <a:endParaRPr lang="da-DK" dirty="0"/>
           </a:p>
         </p:txBody>
@@ -4911,7 +5005,7 @@
             <a:fld id="{49436F85-577F-4A92-A47F-D540A2BCC821}" type="slidenum">
               <a:rPr lang="en-GB" smtClean="0"/>
               <a:pPr/>
-              <a:t>16</a:t>
+              <a:t>15</a:t>
             </a:fld>
             <a:endParaRPr lang="en-GB" dirty="0"/>
           </a:p>
@@ -4920,7 +5014,7 @@
     </p:spTree>
     <p:extLst>
       <p:ext uri="{BB962C8B-B14F-4D97-AF65-F5344CB8AC3E}">
-        <p14:creationId xmlns:p14="http://schemas.microsoft.com/office/powerpoint/2010/main" val="1135674778"/>
+        <p14:creationId xmlns:p14="http://schemas.microsoft.com/office/powerpoint/2010/main" val="180351138"/>
       </p:ext>
     </p:extLst>
   </p:cSld>
@@ -4974,23 +5068,10 @@
           <a:bodyPr/>
           <a:lstStyle/>
           <a:p>
-            <a:pPr marL="0" marR="0" lvl="0" indent="0" algn="l" defTabSz="914400" rtl="0" eaLnBrk="1" fontAlgn="auto" latinLnBrk="0" hangingPunct="1">
-              <a:lnSpc>
-                <a:spcPct val="100000"/>
-              </a:lnSpc>
-              <a:spcBef>
-                <a:spcPts val="0"/>
-              </a:spcBef>
-              <a:spcAft>
-                <a:spcPts val="0"/>
-              </a:spcAft>
-              <a:buClrTx/>
-              <a:buSzTx/>
-              <a:buFontTx/>
-              <a:buNone/>
-              <a:tabLst/>
-              <a:defRPr/>
-            </a:pPr>
+            <a:r>
+              <a:rPr lang="en-US" dirty="0"/>
+              <a:t>Theme: Stuff with files</a:t>
+            </a:r>
             <a:endParaRPr lang="da-DK" dirty="0"/>
           </a:p>
         </p:txBody>
@@ -5013,7 +5094,7 @@
             <a:fld id="{49436F85-577F-4A92-A47F-D540A2BCC821}" type="slidenum">
               <a:rPr lang="en-GB" smtClean="0"/>
               <a:pPr/>
-              <a:t>17</a:t>
+              <a:t>16</a:t>
             </a:fld>
             <a:endParaRPr lang="en-GB" dirty="0"/>
           </a:p>
@@ -5022,7 +5103,7 @@
     </p:spTree>
     <p:extLst>
       <p:ext uri="{BB962C8B-B14F-4D97-AF65-F5344CB8AC3E}">
-        <p14:creationId xmlns:p14="http://schemas.microsoft.com/office/powerpoint/2010/main" val="1906114840"/>
+        <p14:creationId xmlns:p14="http://schemas.microsoft.com/office/powerpoint/2010/main" val="1135674778"/>
       </p:ext>
     </p:extLst>
   </p:cSld>
@@ -6101,7 +6182,7 @@
           <a:p>
             <a:fld id="{CAE15A36-EF7C-49E1-9E28-DC0261021B88}" type="datetime4">
               <a:rPr lang="en-GB" smtClean="0"/>
-              <a:t>06 October 2020</a:t>
+              <a:t>08 October 2020</a:t>
             </a:fld>
             <a:endParaRPr lang="en-GB" dirty="0"/>
           </a:p>
@@ -6604,7 +6685,7 @@
           <a:p>
             <a:fld id="{73A80043-8D1A-4EE7-8835-0FA45918CF0B}" type="datetime4">
               <a:rPr lang="en-GB" smtClean="0"/>
-              <a:t>06 October 2020</a:t>
+              <a:t>08 October 2020</a:t>
             </a:fld>
             <a:endParaRPr lang="en-GB" dirty="0"/>
           </a:p>
@@ -15130,7 +15211,7 @@
           <a:p>
             <a:fld id="{61C39D88-A2D2-46EF-88AA-9A0C8DF2E827}" type="datetime4">
               <a:rPr lang="en-GB" smtClean="0"/>
-              <a:t>06 October 2020</a:t>
+              <a:t>08 October 2020</a:t>
             </a:fld>
             <a:endParaRPr lang="en-GB" dirty="0"/>
           </a:p>
@@ -16517,7 +16598,7 @@
           <a:p>
             <a:fld id="{E66F39FE-A71C-4EA9-B6A2-49D418A61827}" type="datetimeFigureOut">
               <a:rPr lang="en-US" smtClean="0"/>
-              <a:t>10/6/2020</a:t>
+              <a:t>10/8/2020</a:t>
             </a:fld>
             <a:endParaRPr lang="en-US"/>
           </a:p>
@@ -20298,7 +20379,7 @@
           <a:p>
             <a:fld id="{A98DB34D-784C-4D9C-ABD8-61F63F762187}" type="datetime4">
               <a:rPr lang="en-GB" smtClean="0"/>
-              <a:t>06 October 2020</a:t>
+              <a:t>08 October 2020</a:t>
             </a:fld>
             <a:endParaRPr lang="en-GB" dirty="0"/>
           </a:p>
@@ -21974,7 +22055,7 @@
           <p:nvPr/>
         </p:nvPicPr>
         <p:blipFill rotWithShape="1">
-          <a:blip r:embed="rId2">
+          <a:blip r:embed="rId3">
             <a:extLst>
               <a:ext uri="{28A0092B-C50C-407E-A947-70E740481C1C}">
                 <a14:useLocalDpi xmlns:a14="http://schemas.microsoft.com/office/drawing/2010/main" val="0"/>
@@ -22183,6 +22264,31 @@
             </a:pPr>
             <a:r>
               <a:rPr lang="en-US" sz="2100" dirty="0"/>
+              <a:t>Show your global configuration: </a:t>
+            </a:r>
+            <a:r>
+              <a:rPr lang="en-US" sz="2100" dirty="0">
+                <a:solidFill>
+                  <a:srgbClr val="002060"/>
+                </a:solidFill>
+              </a:rPr>
+              <a:t>git config --list</a:t>
+            </a:r>
+          </a:p>
+          <a:p>
+            <a:pPr marL="342900" indent="-342900">
+              <a:buFont typeface="Arial" panose="020B0604020202020204" pitchFamily="34" charset="0"/>
+              <a:buChar char="•"/>
+            </a:pPr>
+            <a:endParaRPr lang="en-US" sz="2100" dirty="0"/>
+          </a:p>
+          <a:p>
+            <a:pPr marL="342900" indent="-342900">
+              <a:buFont typeface="Arial" panose="020B0604020202020204" pitchFamily="34" charset="0"/>
+              <a:buChar char="•"/>
+            </a:pPr>
+            <a:r>
+              <a:rPr lang="en-US" sz="2100" dirty="0"/>
               <a:t>Attach a name to all commits: </a:t>
             </a:r>
             <a:r>
@@ -22411,6 +22517,37 @@
                                         <p:tgtEl>
                                           <p:spTgt spid="13">
                                             <p:txEl>
+                                              <p:pRg st="2" end="2"/>
+                                            </p:txEl>
+                                          </p:spTgt>
+                                        </p:tgtEl>
+                                        <p:attrNameLst>
+                                          <p:attrName>style.visibility</p:attrName>
+                                        </p:attrNameLst>
+                                      </p:cBhvr>
+                                      <p:to>
+                                        <p:strVal val="visible"/>
+                                      </p:to>
+                                    </p:set>
+                                  </p:childTnLst>
+                                </p:cTn>
+                              </p:par>
+                              <p:par>
+                                <p:cTn id="7" presetID="1" presetClass="entr" presetSubtype="0" fill="hold" nodeType="withEffect">
+                                  <p:stCondLst>
+                                    <p:cond delay="0"/>
+                                  </p:stCondLst>
+                                  <p:childTnLst>
+                                    <p:set>
+                                      <p:cBhvr>
+                                        <p:cTn id="8" dur="1" fill="hold">
+                                          <p:stCondLst>
+                                            <p:cond delay="0"/>
+                                          </p:stCondLst>
+                                        </p:cTn>
+                                        <p:tgtEl>
+                                          <p:spTgt spid="13">
+                                            <p:txEl>
                                               <p:pRg st="0" end="0"/>
                                             </p:txEl>
                                           </p:spTgt>
@@ -22433,26 +22570,26 @@
                     </p:cTn>
                   </p:par>
                   <p:par>
-                    <p:cTn id="7" fill="hold">
+                    <p:cTn id="9" fill="hold">
                       <p:stCondLst>
                         <p:cond delay="indefinite"/>
                       </p:stCondLst>
                       <p:childTnLst>
                         <p:par>
-                          <p:cTn id="8" fill="hold">
+                          <p:cTn id="10" fill="hold">
                             <p:stCondLst>
                               <p:cond delay="0"/>
                             </p:stCondLst>
                             <p:childTnLst>
                               <p:par>
-                                <p:cTn id="9" presetID="1" presetClass="entr" presetSubtype="0" fill="hold" nodeType="clickEffect">
+                                <p:cTn id="11" presetID="1" presetClass="entr" presetSubtype="0" fill="hold" nodeType="clickEffect">
                                   <p:stCondLst>
                                     <p:cond delay="0"/>
                                   </p:stCondLst>
                                   <p:childTnLst>
                                     <p:set>
                                       <p:cBhvr>
-                                        <p:cTn id="10" dur="1" fill="hold">
+                                        <p:cTn id="12" dur="1" fill="hold">
                                           <p:stCondLst>
                                             <p:cond delay="0"/>
                                           </p:stCondLst>
@@ -22460,7 +22597,7 @@
                                         <p:tgtEl>
                                           <p:spTgt spid="13">
                                             <p:txEl>
-                                              <p:pRg st="2" end="2"/>
+                                              <p:pRg st="4" end="4"/>
                                             </p:txEl>
                                           </p:spTgt>
                                         </p:tgtEl>
@@ -22482,75 +22619,26 @@
                     </p:cTn>
                   </p:par>
                   <p:par>
-                    <p:cTn id="11" fill="hold">
+                    <p:cTn id="13" fill="hold">
                       <p:stCondLst>
                         <p:cond delay="indefinite"/>
                       </p:stCondLst>
                       <p:childTnLst>
                         <p:par>
-                          <p:cTn id="12" fill="hold">
+                          <p:cTn id="14" fill="hold">
                             <p:stCondLst>
                               <p:cond delay="0"/>
                             </p:stCondLst>
                             <p:childTnLst>
                               <p:par>
-                                <p:cTn id="13" presetID="1" presetClass="entr" presetSubtype="0" fill="hold" nodeType="clickEffect">
+                                <p:cTn id="15" presetID="1" presetClass="entr" presetSubtype="0" fill="hold" nodeType="clickEffect">
                                   <p:stCondLst>
                                     <p:cond delay="0"/>
                                   </p:stCondLst>
                                   <p:childTnLst>
                                     <p:set>
                                       <p:cBhvr>
-                                        <p:cTn id="14" dur="1" fill="hold">
-                                          <p:stCondLst>
-                                            <p:cond delay="0"/>
-                                          </p:stCondLst>
-                                        </p:cTn>
-                                        <p:tgtEl>
-                                          <p:spTgt spid="13">
-                                            <p:txEl>
-                                              <p:pRg st="3" end="3"/>
-                                            </p:txEl>
-                                          </p:spTgt>
-                                        </p:tgtEl>
-                                        <p:attrNameLst>
-                                          <p:attrName>style.visibility</p:attrName>
-                                        </p:attrNameLst>
-                                      </p:cBhvr>
-                                      <p:to>
-                                        <p:strVal val="visible"/>
-                                      </p:to>
-                                    </p:set>
-                                  </p:childTnLst>
-                                </p:cTn>
-                              </p:par>
-                            </p:childTnLst>
-                          </p:cTn>
-                        </p:par>
-                      </p:childTnLst>
-                    </p:cTn>
-                  </p:par>
-                  <p:par>
-                    <p:cTn id="15" fill="hold">
-                      <p:stCondLst>
-                        <p:cond delay="indefinite"/>
-                      </p:stCondLst>
-                      <p:childTnLst>
-                        <p:par>
-                          <p:cTn id="16" fill="hold">
-                            <p:stCondLst>
-                              <p:cond delay="0"/>
-                            </p:stCondLst>
-                            <p:childTnLst>
-                              <p:par>
-                                <p:cTn id="17" presetID="1" presetClass="entr" presetSubtype="0" fill="hold" nodeType="clickEffect">
-                                  <p:stCondLst>
-                                    <p:cond delay="0"/>
-                                  </p:stCondLst>
-                                  <p:childTnLst>
-                                    <p:set>
-                                      <p:cBhvr>
-                                        <p:cTn id="18" dur="1" fill="hold">
+                                        <p:cTn id="16" dur="1" fill="hold">
                                           <p:stCondLst>
                                             <p:cond delay="0"/>
                                           </p:stCondLst>
@@ -22580,26 +22668,26 @@
                     </p:cTn>
                   </p:par>
                   <p:par>
-                    <p:cTn id="19" fill="hold">
+                    <p:cTn id="17" fill="hold">
                       <p:stCondLst>
                         <p:cond delay="indefinite"/>
                       </p:stCondLst>
                       <p:childTnLst>
                         <p:par>
-                          <p:cTn id="20" fill="hold">
+                          <p:cTn id="18" fill="hold">
                             <p:stCondLst>
                               <p:cond delay="0"/>
                             </p:stCondLst>
                             <p:childTnLst>
                               <p:par>
-                                <p:cTn id="21" presetID="1" presetClass="entr" presetSubtype="0" fill="hold" nodeType="clickEffect">
+                                <p:cTn id="19" presetID="1" presetClass="entr" presetSubtype="0" fill="hold" nodeType="clickEffect">
                                   <p:stCondLst>
                                     <p:cond delay="0"/>
                                   </p:stCondLst>
                                   <p:childTnLst>
                                     <p:set>
                                       <p:cBhvr>
-                                        <p:cTn id="22" dur="1" fill="hold">
+                                        <p:cTn id="20" dur="1" fill="hold">
                                           <p:stCondLst>
                                             <p:cond delay="0"/>
                                           </p:stCondLst>
@@ -22608,6 +22696,55 @@
                                           <p:spTgt spid="13">
                                             <p:txEl>
                                               <p:pRg st="7" end="7"/>
+                                            </p:txEl>
+                                          </p:spTgt>
+                                        </p:tgtEl>
+                                        <p:attrNameLst>
+                                          <p:attrName>style.visibility</p:attrName>
+                                        </p:attrNameLst>
+                                      </p:cBhvr>
+                                      <p:to>
+                                        <p:strVal val="visible"/>
+                                      </p:to>
+                                    </p:set>
+                                  </p:childTnLst>
+                                </p:cTn>
+                              </p:par>
+                            </p:childTnLst>
+                          </p:cTn>
+                        </p:par>
+                      </p:childTnLst>
+                    </p:cTn>
+                  </p:par>
+                  <p:par>
+                    <p:cTn id="21" fill="hold">
+                      <p:stCondLst>
+                        <p:cond delay="indefinite"/>
+                      </p:stCondLst>
+                      <p:childTnLst>
+                        <p:par>
+                          <p:cTn id="22" fill="hold">
+                            <p:stCondLst>
+                              <p:cond delay="0"/>
+                            </p:stCondLst>
+                            <p:childTnLst>
+                              <p:par>
+                                <p:cTn id="23" presetID="1" presetClass="entr" presetSubtype="0" fill="hold" nodeType="clickEffect">
+                                  <p:stCondLst>
+                                    <p:cond delay="0"/>
+                                  </p:stCondLst>
+                                  <p:childTnLst>
+                                    <p:set>
+                                      <p:cBhvr>
+                                        <p:cTn id="24" dur="1" fill="hold">
+                                          <p:stCondLst>
+                                            <p:cond delay="0"/>
+                                          </p:stCondLst>
+                                        </p:cTn>
+                                        <p:tgtEl>
+                                          <p:spTgt spid="13">
+                                            <p:txEl>
+                                              <p:pRg st="9" end="9"/>
                                             </p:txEl>
                                           </p:spTgt>
                                         </p:tgtEl>
@@ -34258,18 +34395,18 @@
 </file>
 
 <file path=customXml/item1.xml><?xml version="1.0" encoding="utf-8"?>
-<p:properties xmlns:p="http://schemas.microsoft.com/office/2006/metadata/properties" xmlns:xsi="http://www.w3.org/2001/XMLSchema-instance" xmlns:pc="http://schemas.microsoft.com/office/infopath/2007/PartnerControls">
-  <documentManagement/>
-</p:properties>
-</file>
-
-<file path=customXml/item2.xml><?xml version="1.0" encoding="utf-8"?>
 <?mso-contentType ?>
 <FormTemplates xmlns="http://schemas.microsoft.com/sharepoint/v3/contenttype/forms">
   <Display>DocumentLibraryForm</Display>
   <Edit>DocumentLibraryForm</Edit>
   <New>DocumentLibraryForm</New>
 </FormTemplates>
+</file>
+
+<file path=customXml/item2.xml><?xml version="1.0" encoding="utf-8"?>
+<p:properties xmlns:p="http://schemas.microsoft.com/office/2006/metadata/properties" xmlns:xsi="http://www.w3.org/2001/XMLSchema-instance" xmlns:pc="http://schemas.microsoft.com/office/infopath/2007/PartnerControls">
+  <documentManagement/>
+</p:properties>
 </file>
 
 <file path=customXml/item3.xml><?xml version="1.0" encoding="utf-8"?>
@@ -34458,18 +34595,18 @@
 </file>
 
 <file path=customXml/itemProps1.xml><?xml version="1.0" encoding="utf-8"?>
-<ds:datastoreItem xmlns:ds="http://schemas.openxmlformats.org/officeDocument/2006/customXml" ds:itemID="{B61EE2CA-DCC7-45E5-87C8-6789A166AF77}">
+<ds:datastoreItem xmlns:ds="http://schemas.openxmlformats.org/officeDocument/2006/customXml" ds:itemID="{4273EE10-C1B2-449B-9085-39965BA21A56}">
   <ds:schemaRefs>
-    <ds:schemaRef ds:uri="http://schemas.microsoft.com/office/2006/metadata/properties"/>
-    <ds:schemaRef ds:uri="http://schemas.microsoft.com/office/infopath/2007/PartnerControls"/>
+    <ds:schemaRef ds:uri="http://schemas.microsoft.com/sharepoint/v3/contenttype/forms"/>
   </ds:schemaRefs>
 </ds:datastoreItem>
 </file>
 
 <file path=customXml/itemProps2.xml><?xml version="1.0" encoding="utf-8"?>
-<ds:datastoreItem xmlns:ds="http://schemas.openxmlformats.org/officeDocument/2006/customXml" ds:itemID="{4273EE10-C1B2-449B-9085-39965BA21A56}">
+<ds:datastoreItem xmlns:ds="http://schemas.openxmlformats.org/officeDocument/2006/customXml" ds:itemID="{B61EE2CA-DCC7-45E5-87C8-6789A166AF77}">
   <ds:schemaRefs>
-    <ds:schemaRef ds:uri="http://schemas.microsoft.com/sharepoint/v3/contenttype/forms"/>
+    <ds:schemaRef ds:uri="http://schemas.microsoft.com/office/2006/metadata/properties"/>
+    <ds:schemaRef ds:uri="http://schemas.microsoft.com/office/infopath/2007/PartnerControls"/>
   </ds:schemaRefs>
 </ds:datastoreItem>
 </file>

--- a/workshops/git-github-deep-dive/git_github_deep_dive.pptx
+++ b/workshops/git-github-deep-dive/git_github_deep_dive.pptx
@@ -3645,18 +3645,8 @@
             </a:pPr>
             <a:r>
               <a:rPr lang="en-US" sz="1200" dirty="0"/>
-              <a:t>merge (conflict resolution – how to map it to your IDE, </a:t>
-            </a:r>
-            <a:r>
-              <a:rPr lang="en-US" sz="1200" dirty="0" err="1"/>
-              <a:t>etc</a:t>
-            </a:r>
-            <a:r>
-              <a:rPr lang="en-US" sz="1200" dirty="0"/>
-              <a:t>)</a:t>
-            </a:r>
-          </a:p>
-          <a:p>
+              <a:t>https://git-scm.com/book/en/v2/Git-Branching-Basic-Branching-and-Merging</a:t>
+            </a:r>
             <a:endParaRPr lang="da-DK" dirty="0"/>
           </a:p>
         </p:txBody>
@@ -3829,7 +3819,7 @@
           <a:p>
             <a:r>
               <a:rPr lang="en-US" dirty="0"/>
-              <a:t>Theme: Change some files, commit them, regret commit, remove certain files, recommit.</a:t>
+              <a:t>https://www.git-tower.com/learn/git/commands/git-commit/</a:t>
             </a:r>
             <a:endParaRPr lang="da-DK" dirty="0"/>
           </a:p>
@@ -4002,8 +3992,8 @@
           <a:lstStyle/>
           <a:p>
             <a:r>
-              <a:rPr lang="en-US"/>
-              <a:t>Theme: Rebasing</a:t>
+              <a:rPr lang="en-US" dirty="0"/>
+              <a:t>https://www.benmarshall.me/git-rebase/</a:t>
             </a:r>
             <a:endParaRPr lang="da-DK" dirty="0"/>
           </a:p>
@@ -4092,7 +4082,7 @@
           <a:p>
             <a:r>
               <a:rPr lang="en-US" dirty="0"/>
-              <a:t>Theme: Push local to remote. Merge from remote.</a:t>
+              <a:t>https://git-scm.com/book/en/v2/Git-Basics-Working-with-Remotes</a:t>
             </a:r>
             <a:endParaRPr lang="da-DK" dirty="0"/>
           </a:p>
@@ -5070,7 +5060,7 @@
           <a:p>
             <a:r>
               <a:rPr lang="en-US" dirty="0"/>
-              <a:t>Theme: Stuff with files</a:t>
+              <a:t>https://docs.github.com/en/free-pro-team@latest/github/managing-files-in-a-repository</a:t>
             </a:r>
             <a:endParaRPr lang="da-DK" dirty="0"/>
           </a:p>
@@ -34395,18 +34385,18 @@
 </file>
 
 <file path=customXml/item1.xml><?xml version="1.0" encoding="utf-8"?>
+<p:properties xmlns:p="http://schemas.microsoft.com/office/2006/metadata/properties" xmlns:xsi="http://www.w3.org/2001/XMLSchema-instance" xmlns:pc="http://schemas.microsoft.com/office/infopath/2007/PartnerControls">
+  <documentManagement/>
+</p:properties>
+</file>
+
+<file path=customXml/item2.xml><?xml version="1.0" encoding="utf-8"?>
 <?mso-contentType ?>
 <FormTemplates xmlns="http://schemas.microsoft.com/sharepoint/v3/contenttype/forms">
   <Display>DocumentLibraryForm</Display>
   <Edit>DocumentLibraryForm</Edit>
   <New>DocumentLibraryForm</New>
 </FormTemplates>
-</file>
-
-<file path=customXml/item2.xml><?xml version="1.0" encoding="utf-8"?>
-<p:properties xmlns:p="http://schemas.microsoft.com/office/2006/metadata/properties" xmlns:xsi="http://www.w3.org/2001/XMLSchema-instance" xmlns:pc="http://schemas.microsoft.com/office/infopath/2007/PartnerControls">
-  <documentManagement/>
-</p:properties>
 </file>
 
 <file path=customXml/item3.xml><?xml version="1.0" encoding="utf-8"?>
@@ -34595,18 +34585,18 @@
 </file>
 
 <file path=customXml/itemProps1.xml><?xml version="1.0" encoding="utf-8"?>
-<ds:datastoreItem xmlns:ds="http://schemas.openxmlformats.org/officeDocument/2006/customXml" ds:itemID="{4273EE10-C1B2-449B-9085-39965BA21A56}">
+<ds:datastoreItem xmlns:ds="http://schemas.openxmlformats.org/officeDocument/2006/customXml" ds:itemID="{B61EE2CA-DCC7-45E5-87C8-6789A166AF77}">
   <ds:schemaRefs>
-    <ds:schemaRef ds:uri="http://schemas.microsoft.com/sharepoint/v3/contenttype/forms"/>
+    <ds:schemaRef ds:uri="http://schemas.microsoft.com/office/2006/metadata/properties"/>
+    <ds:schemaRef ds:uri="http://schemas.microsoft.com/office/infopath/2007/PartnerControls"/>
   </ds:schemaRefs>
 </ds:datastoreItem>
 </file>
 
 <file path=customXml/itemProps2.xml><?xml version="1.0" encoding="utf-8"?>
-<ds:datastoreItem xmlns:ds="http://schemas.openxmlformats.org/officeDocument/2006/customXml" ds:itemID="{B61EE2CA-DCC7-45E5-87C8-6789A166AF77}">
+<ds:datastoreItem xmlns:ds="http://schemas.openxmlformats.org/officeDocument/2006/customXml" ds:itemID="{4273EE10-C1B2-449B-9085-39965BA21A56}">
   <ds:schemaRefs>
-    <ds:schemaRef ds:uri="http://schemas.microsoft.com/office/2006/metadata/properties"/>
-    <ds:schemaRef ds:uri="http://schemas.microsoft.com/office/infopath/2007/PartnerControls"/>
+    <ds:schemaRef ds:uri="http://schemas.microsoft.com/sharepoint/v3/contenttype/forms"/>
   </ds:schemaRefs>
 </ds:datastoreItem>
 </file>

--- a/workshops/git-github-deep-dive/git_github_deep_dive.pptx
+++ b/workshops/git-github-deep-dive/git_github_deep_dive.pptx
@@ -5,10 +5,10 @@
     <p:sldMasterId id="2147483648" r:id="rId4"/>
   </p:sldMasterIdLst>
   <p:notesMasterIdLst>
-    <p:notesMasterId r:id="rId37"/>
+    <p:notesMasterId r:id="rId40"/>
   </p:notesMasterIdLst>
   <p:handoutMasterIdLst>
-    <p:handoutMasterId r:id="rId38"/>
+    <p:handoutMasterId r:id="rId41"/>
   </p:handoutMasterIdLst>
   <p:sldIdLst>
     <p:sldId id="372" r:id="rId5"/>
@@ -38,35 +38,38 @@
     <p:sldId id="464" r:id="rId29"/>
     <p:sldId id="499" r:id="rId30"/>
     <p:sldId id="501" r:id="rId31"/>
-    <p:sldId id="477" r:id="rId32"/>
-    <p:sldId id="478" r:id="rId33"/>
-    <p:sldId id="500" r:id="rId34"/>
-    <p:sldId id="479" r:id="rId35"/>
-    <p:sldId id="476" r:id="rId36"/>
+    <p:sldId id="502" r:id="rId32"/>
+    <p:sldId id="503" r:id="rId33"/>
+    <p:sldId id="504" r:id="rId34"/>
+    <p:sldId id="477" r:id="rId35"/>
+    <p:sldId id="478" r:id="rId36"/>
+    <p:sldId id="500" r:id="rId37"/>
+    <p:sldId id="479" r:id="rId38"/>
+    <p:sldId id="476" r:id="rId39"/>
   </p:sldIdLst>
   <p:sldSz cx="12192000" cy="6858000"/>
   <p:notesSz cx="6858000" cy="9144000"/>
   <p:embeddedFontLst>
     <p:embeddedFont>
       <p:font typeface="Calibri" panose="020F0502020204030204" pitchFamily="34" charset="0"/>
-      <p:regular r:id="rId39"/>
-      <p:bold r:id="rId40"/>
-      <p:italic r:id="rId41"/>
-      <p:boldItalic r:id="rId42"/>
+      <p:regular r:id="rId42"/>
+      <p:bold r:id="rId43"/>
+      <p:italic r:id="rId44"/>
+      <p:boldItalic r:id="rId45"/>
     </p:embeddedFont>
     <p:embeddedFont>
       <p:font typeface="DFDS" panose="020B0604020202020204" charset="0"/>
-      <p:regular r:id="rId43"/>
-      <p:bold r:id="rId44"/>
-      <p:italic r:id="rId45"/>
+      <p:regular r:id="rId46"/>
+      <p:bold r:id="rId47"/>
+      <p:italic r:id="rId48"/>
     </p:embeddedFont>
     <p:embeddedFont>
       <p:font typeface="DFDS Bold" panose="020B0604020202020204" charset="0"/>
-      <p:bold r:id="rId46"/>
+      <p:bold r:id="rId49"/>
     </p:embeddedFont>
     <p:embeddedFont>
       <p:font typeface="DFDS Light" panose="020B0604020202020204" charset="0"/>
-      <p:regular r:id="rId47"/>
+      <p:regular r:id="rId50"/>
     </p:embeddedFont>
   </p:embeddedFontLst>
   <p:defaultTextStyle>
@@ -4295,6 +4298,95 @@
 </p:notes>
 </file>
 
+<file path=ppt/notesSlides/notesSlide19.xml><?xml version="1.0" encoding="utf-8"?>
+<p:notes xmlns:a="http://schemas.openxmlformats.org/drawingml/2006/main" xmlns:r="http://schemas.openxmlformats.org/officeDocument/2006/relationships" xmlns:p="http://schemas.openxmlformats.org/presentationml/2006/main">
+  <p:cSld>
+    <p:spTree>
+      <p:nvGrpSpPr>
+        <p:cNvPr id="1" name=""/>
+        <p:cNvGrpSpPr/>
+        <p:nvPr/>
+      </p:nvGrpSpPr>
+      <p:grpSpPr>
+        <a:xfrm>
+          <a:off x="0" y="0"/>
+          <a:ext cx="0" cy="0"/>
+          <a:chOff x="0" y="0"/>
+          <a:chExt cx="0" cy="0"/>
+        </a:xfrm>
+      </p:grpSpPr>
+      <p:sp>
+        <p:nvSpPr>
+          <p:cNvPr id="2" name="Slide Image Placeholder 1"/>
+          <p:cNvSpPr>
+            <a:spLocks noGrp="1" noRot="1" noChangeAspect="1"/>
+          </p:cNvSpPr>
+          <p:nvPr>
+            <p:ph type="sldImg"/>
+          </p:nvPr>
+        </p:nvSpPr>
+        <p:spPr/>
+      </p:sp>
+      <p:sp>
+        <p:nvSpPr>
+          <p:cNvPr id="3" name="Notes Placeholder 2"/>
+          <p:cNvSpPr>
+            <a:spLocks noGrp="1"/>
+          </p:cNvSpPr>
+          <p:nvPr>
+            <p:ph type="body" idx="1"/>
+          </p:nvPr>
+        </p:nvSpPr>
+        <p:spPr/>
+        <p:txBody>
+          <a:bodyPr/>
+          <a:lstStyle/>
+          <a:p>
+            <a:r>
+              <a:rPr lang="en-US" dirty="0"/>
+              <a:t>https://medium.com/@urna.hybesis/pull-request-workflow-with-git-6-steps-guide-3858e30b5fa4</a:t>
+            </a:r>
+            <a:endParaRPr lang="da-DK" dirty="0"/>
+          </a:p>
+        </p:txBody>
+      </p:sp>
+      <p:sp>
+        <p:nvSpPr>
+          <p:cNvPr id="4" name="Slide Number Placeholder 3"/>
+          <p:cNvSpPr>
+            <a:spLocks noGrp="1"/>
+          </p:cNvSpPr>
+          <p:nvPr>
+            <p:ph type="sldNum" sz="quarter" idx="5"/>
+          </p:nvPr>
+        </p:nvSpPr>
+        <p:spPr/>
+        <p:txBody>
+          <a:bodyPr/>
+          <a:lstStyle/>
+          <a:p>
+            <a:fld id="{49436F85-577F-4A92-A47F-D540A2BCC821}" type="slidenum">
+              <a:rPr lang="en-GB" smtClean="0"/>
+              <a:pPr/>
+              <a:t>28</a:t>
+            </a:fld>
+            <a:endParaRPr lang="en-GB" dirty="0"/>
+          </a:p>
+        </p:txBody>
+      </p:sp>
+    </p:spTree>
+    <p:extLst>
+      <p:ext uri="{BB962C8B-B14F-4D97-AF65-F5344CB8AC3E}">
+        <p14:creationId xmlns:p14="http://schemas.microsoft.com/office/powerpoint/2010/main" val="3238035336"/>
+      </p:ext>
+    </p:extLst>
+  </p:cSld>
+  <p:clrMapOvr>
+    <a:masterClrMapping/>
+  </p:clrMapOvr>
+</p:notes>
+</file>
+
 <file path=ppt/notesSlides/notesSlide2.xml><?xml version="1.0" encoding="utf-8"?>
 <p:notes xmlns:a="http://schemas.openxmlformats.org/drawingml/2006/main" xmlns:r="http://schemas.openxmlformats.org/officeDocument/2006/relationships" xmlns:p="http://schemas.openxmlformats.org/presentationml/2006/main">
   <p:cSld>
@@ -4418,6 +4510,182 @@
     <p:extLst>
       <p:ext uri="{BB962C8B-B14F-4D97-AF65-F5344CB8AC3E}">
         <p14:creationId xmlns:p14="http://schemas.microsoft.com/office/powerpoint/2010/main" val="39271702"/>
+      </p:ext>
+    </p:extLst>
+  </p:cSld>
+  <p:clrMapOvr>
+    <a:masterClrMapping/>
+  </p:clrMapOvr>
+</p:notes>
+</file>
+
+<file path=ppt/notesSlides/notesSlide20.xml><?xml version="1.0" encoding="utf-8"?>
+<p:notes xmlns:a="http://schemas.openxmlformats.org/drawingml/2006/main" xmlns:r="http://schemas.openxmlformats.org/officeDocument/2006/relationships" xmlns:p="http://schemas.openxmlformats.org/presentationml/2006/main">
+  <p:cSld>
+    <p:spTree>
+      <p:nvGrpSpPr>
+        <p:cNvPr id="1" name=""/>
+        <p:cNvGrpSpPr/>
+        <p:nvPr/>
+      </p:nvGrpSpPr>
+      <p:grpSpPr>
+        <a:xfrm>
+          <a:off x="0" y="0"/>
+          <a:ext cx="0" cy="0"/>
+          <a:chOff x="0" y="0"/>
+          <a:chExt cx="0" cy="0"/>
+        </a:xfrm>
+      </p:grpSpPr>
+      <p:sp>
+        <p:nvSpPr>
+          <p:cNvPr id="2" name="Slide Image Placeholder 1"/>
+          <p:cNvSpPr>
+            <a:spLocks noGrp="1" noRot="1" noChangeAspect="1"/>
+          </p:cNvSpPr>
+          <p:nvPr>
+            <p:ph type="sldImg"/>
+          </p:nvPr>
+        </p:nvSpPr>
+        <p:spPr/>
+      </p:sp>
+      <p:sp>
+        <p:nvSpPr>
+          <p:cNvPr id="3" name="Notes Placeholder 2"/>
+          <p:cNvSpPr>
+            <a:spLocks noGrp="1"/>
+          </p:cNvSpPr>
+          <p:nvPr>
+            <p:ph type="body" idx="1"/>
+          </p:nvPr>
+        </p:nvSpPr>
+        <p:spPr/>
+        <p:txBody>
+          <a:bodyPr/>
+          <a:lstStyle/>
+          <a:p>
+            <a:endParaRPr lang="da-DK" b="0" dirty="0"/>
+          </a:p>
+        </p:txBody>
+      </p:sp>
+      <p:sp>
+        <p:nvSpPr>
+          <p:cNvPr id="4" name="Slide Number Placeholder 3"/>
+          <p:cNvSpPr>
+            <a:spLocks noGrp="1"/>
+          </p:cNvSpPr>
+          <p:nvPr>
+            <p:ph type="sldNum" sz="quarter" idx="5"/>
+          </p:nvPr>
+        </p:nvSpPr>
+        <p:spPr/>
+        <p:txBody>
+          <a:bodyPr/>
+          <a:lstStyle/>
+          <a:p>
+            <a:fld id="{49436F85-577F-4A92-A47F-D540A2BCC821}" type="slidenum">
+              <a:rPr lang="en-GB" smtClean="0"/>
+              <a:pPr/>
+              <a:t>29</a:t>
+            </a:fld>
+            <a:endParaRPr lang="en-GB" dirty="0"/>
+          </a:p>
+        </p:txBody>
+      </p:sp>
+    </p:spTree>
+    <p:extLst>
+      <p:ext uri="{BB962C8B-B14F-4D97-AF65-F5344CB8AC3E}">
+        <p14:creationId xmlns:p14="http://schemas.microsoft.com/office/powerpoint/2010/main" val="1075762800"/>
+      </p:ext>
+    </p:extLst>
+  </p:cSld>
+  <p:clrMapOvr>
+    <a:masterClrMapping/>
+  </p:clrMapOvr>
+</p:notes>
+</file>
+
+<file path=ppt/notesSlides/notesSlide21.xml><?xml version="1.0" encoding="utf-8"?>
+<p:notes xmlns:a="http://schemas.openxmlformats.org/drawingml/2006/main" xmlns:r="http://schemas.openxmlformats.org/officeDocument/2006/relationships" xmlns:p="http://schemas.openxmlformats.org/presentationml/2006/main">
+  <p:cSld>
+    <p:spTree>
+      <p:nvGrpSpPr>
+        <p:cNvPr id="1" name=""/>
+        <p:cNvGrpSpPr/>
+        <p:nvPr/>
+      </p:nvGrpSpPr>
+      <p:grpSpPr>
+        <a:xfrm>
+          <a:off x="0" y="0"/>
+          <a:ext cx="0" cy="0"/>
+          <a:chOff x="0" y="0"/>
+          <a:chExt cx="0" cy="0"/>
+        </a:xfrm>
+      </p:grpSpPr>
+      <p:sp>
+        <p:nvSpPr>
+          <p:cNvPr id="2" name="Slide Image Placeholder 1"/>
+          <p:cNvSpPr>
+            <a:spLocks noGrp="1" noRot="1" noChangeAspect="1"/>
+          </p:cNvSpPr>
+          <p:nvPr>
+            <p:ph type="sldImg"/>
+          </p:nvPr>
+        </p:nvSpPr>
+        <p:spPr/>
+      </p:sp>
+      <p:sp>
+        <p:nvSpPr>
+          <p:cNvPr id="3" name="Notes Placeholder 2"/>
+          <p:cNvSpPr>
+            <a:spLocks noGrp="1"/>
+          </p:cNvSpPr>
+          <p:nvPr>
+            <p:ph type="body" idx="1"/>
+          </p:nvPr>
+        </p:nvSpPr>
+        <p:spPr/>
+        <p:txBody>
+          <a:bodyPr/>
+          <a:lstStyle/>
+          <a:p>
+            <a:r>
+              <a:rPr lang="en-US" dirty="0"/>
+              <a:t>Add a SSH key to your account (https://www.inmotionhosting.com/support/website/ssh/how-to-add-ssh-keys-to-your-github-account/) </a:t>
+            </a:r>
+          </a:p>
+          <a:p>
+            <a:endParaRPr lang="da-DK" dirty="0"/>
+          </a:p>
+        </p:txBody>
+      </p:sp>
+      <p:sp>
+        <p:nvSpPr>
+          <p:cNvPr id="4" name="Slide Number Placeholder 3"/>
+          <p:cNvSpPr>
+            <a:spLocks noGrp="1"/>
+          </p:cNvSpPr>
+          <p:nvPr>
+            <p:ph type="sldNum" sz="quarter" idx="5"/>
+          </p:nvPr>
+        </p:nvSpPr>
+        <p:spPr/>
+        <p:txBody>
+          <a:bodyPr/>
+          <a:lstStyle/>
+          <a:p>
+            <a:fld id="{49436F85-577F-4A92-A47F-D540A2BCC821}" type="slidenum">
+              <a:rPr lang="en-GB" smtClean="0"/>
+              <a:pPr/>
+              <a:t>30</a:t>
+            </a:fld>
+            <a:endParaRPr lang="en-GB" dirty="0"/>
+          </a:p>
+        </p:txBody>
+      </p:sp>
+    </p:spTree>
+    <p:extLst>
+      <p:ext uri="{BB962C8B-B14F-4D97-AF65-F5344CB8AC3E}">
+        <p14:creationId xmlns:p14="http://schemas.microsoft.com/office/powerpoint/2010/main" val="389232214"/>
       </p:ext>
     </p:extLst>
   </p:cSld>
@@ -28917,6 +29185,700 @@
           <a:chExt cx="0" cy="0"/>
         </a:xfrm>
       </p:grpSpPr>
+      <p:grpSp>
+        <p:nvGrpSpPr>
+          <p:cNvPr id="13" name="Group 12"/>
+          <p:cNvGrpSpPr/>
+          <p:nvPr/>
+        </p:nvGrpSpPr>
+        <p:grpSpPr>
+          <a:xfrm>
+            <a:off x="2" y="2"/>
+            <a:ext cx="12191999" cy="948335"/>
+            <a:chOff x="0" y="0"/>
+            <a:chExt cx="12192000" cy="948335"/>
+          </a:xfrm>
+          <a:solidFill>
+            <a:schemeClr val="accent1"/>
+          </a:solidFill>
+        </p:grpSpPr>
+        <p:sp>
+          <p:nvSpPr>
+            <p:cNvPr id="2" name="Rectangle 1"/>
+            <p:cNvSpPr/>
+            <p:nvPr/>
+          </p:nvSpPr>
+          <p:spPr>
+            <a:xfrm>
+              <a:off x="0" y="0"/>
+              <a:ext cx="12192000" cy="948335"/>
+            </a:xfrm>
+            <a:prstGeom prst="rect">
+              <a:avLst/>
+            </a:prstGeom>
+            <a:grpFill/>
+            <a:ln>
+              <a:noFill/>
+            </a:ln>
+          </p:spPr>
+          <p:style>
+            <a:lnRef idx="2">
+              <a:schemeClr val="accent1">
+                <a:shade val="50000"/>
+              </a:schemeClr>
+            </a:lnRef>
+            <a:fillRef idx="1">
+              <a:schemeClr val="accent1"/>
+            </a:fillRef>
+            <a:effectRef idx="0">
+              <a:schemeClr val="accent1"/>
+            </a:effectRef>
+            <a:fontRef idx="minor">
+              <a:schemeClr val="lt1"/>
+            </a:fontRef>
+          </p:style>
+          <p:txBody>
+            <a:bodyPr rtlCol="0" anchor="ctr"/>
+            <a:lstStyle/>
+            <a:p>
+              <a:pPr algn="ctr"/>
+              <a:endParaRPr lang="en-US" sz="1225"/>
+            </a:p>
+          </p:txBody>
+        </p:sp>
+        <p:sp>
+          <p:nvSpPr>
+            <p:cNvPr id="8" name="TextBox 7"/>
+            <p:cNvSpPr txBox="1"/>
+            <p:nvPr/>
+          </p:nvSpPr>
+          <p:spPr>
+            <a:xfrm>
+              <a:off x="10972800" y="289501"/>
+              <a:ext cx="900953" cy="280846"/>
+            </a:xfrm>
+            <a:prstGeom prst="rect">
+              <a:avLst/>
+            </a:prstGeom>
+            <a:grpFill/>
+            <a:ln>
+              <a:noFill/>
+            </a:ln>
+          </p:spPr>
+          <p:txBody>
+            <a:bodyPr wrap="square" rtlCol="0">
+              <a:spAutoFit/>
+            </a:bodyPr>
+            <a:lstStyle/>
+            <a:p>
+              <a:endParaRPr lang="en-US" sz="1225">
+                <a:solidFill>
+                  <a:schemeClr val="bg1"/>
+                </a:solidFill>
+              </a:endParaRPr>
+            </a:p>
+          </p:txBody>
+        </p:sp>
+        <p:sp>
+          <p:nvSpPr>
+            <p:cNvPr id="21" name="TextBox 20"/>
+            <p:cNvSpPr txBox="1"/>
+            <p:nvPr/>
+          </p:nvSpPr>
+          <p:spPr>
+            <a:xfrm>
+              <a:off x="501407" y="315365"/>
+              <a:ext cx="8089074" cy="400110"/>
+            </a:xfrm>
+            <a:prstGeom prst="rect">
+              <a:avLst/>
+            </a:prstGeom>
+            <a:grpFill/>
+            <a:ln>
+              <a:noFill/>
+            </a:ln>
+          </p:spPr>
+          <p:txBody>
+            <a:bodyPr wrap="square" rtlCol="0">
+              <a:spAutoFit/>
+            </a:bodyPr>
+            <a:lstStyle/>
+            <a:p>
+              <a:r>
+                <a:rPr lang="en-US" sz="2000" dirty="0">
+                  <a:solidFill>
+                    <a:schemeClr val="bg1"/>
+                  </a:solidFill>
+                </a:rPr>
+                <a:t>G&amp;GHDD &gt; Big Picture &gt; Pull Request &gt; Demo</a:t>
+              </a:r>
+            </a:p>
+          </p:txBody>
+        </p:sp>
+      </p:grpSp>
+      <p:pic>
+        <p:nvPicPr>
+          <p:cNvPr id="7" name="Picture 6">
+            <a:extLst>
+              <a:ext uri="{FF2B5EF4-FFF2-40B4-BE49-F238E27FC236}">
+                <a16:creationId xmlns:a16="http://schemas.microsoft.com/office/drawing/2014/main" id="{2F1247D1-30D2-404B-821C-8D19AF5DCB3C}"/>
+              </a:ext>
+            </a:extLst>
+          </p:cNvPr>
+          <p:cNvPicPr>
+            <a:picLocks noChangeAspect="1"/>
+          </p:cNvPicPr>
+          <p:nvPr/>
+        </p:nvPicPr>
+        <p:blipFill>
+          <a:blip r:embed="rId3">
+            <a:extLst>
+              <a:ext uri="{28A0092B-C50C-407E-A947-70E740481C1C}">
+                <a14:useLocalDpi xmlns:a14="http://schemas.microsoft.com/office/drawing/2010/main" val="0"/>
+              </a:ext>
+            </a:extLst>
+          </a:blip>
+          <a:stretch>
+            <a:fillRect/>
+          </a:stretch>
+        </p:blipFill>
+        <p:spPr>
+          <a:xfrm>
+            <a:off x="1661021" y="1327278"/>
+            <a:ext cx="9211112" cy="5241219"/>
+          </a:xfrm>
+          <a:prstGeom prst="rect">
+            <a:avLst/>
+          </a:prstGeom>
+        </p:spPr>
+      </p:pic>
+    </p:spTree>
+    <p:extLst>
+      <p:ext uri="{BB962C8B-B14F-4D97-AF65-F5344CB8AC3E}">
+        <p14:creationId xmlns:p14="http://schemas.microsoft.com/office/powerpoint/2010/main" val="491237519"/>
+      </p:ext>
+    </p:extLst>
+  </p:cSld>
+  <p:clrMapOvr>
+    <a:masterClrMapping/>
+  </p:clrMapOvr>
+</p:sld>
+</file>
+
+<file path=ppt/slides/slide29.xml><?xml version="1.0" encoding="utf-8"?>
+<p:sld xmlns:a="http://schemas.openxmlformats.org/drawingml/2006/main" xmlns:r="http://schemas.openxmlformats.org/officeDocument/2006/relationships" xmlns:p="http://schemas.openxmlformats.org/presentationml/2006/main">
+  <p:cSld>
+    <p:spTree>
+      <p:nvGrpSpPr>
+        <p:cNvPr id="1" name=""/>
+        <p:cNvGrpSpPr/>
+        <p:nvPr/>
+      </p:nvGrpSpPr>
+      <p:grpSpPr>
+        <a:xfrm>
+          <a:off x="0" y="0"/>
+          <a:ext cx="0" cy="0"/>
+          <a:chOff x="0" y="0"/>
+          <a:chExt cx="0" cy="0"/>
+        </a:xfrm>
+      </p:grpSpPr>
+      <p:grpSp>
+        <p:nvGrpSpPr>
+          <p:cNvPr id="13" name="Group 12"/>
+          <p:cNvGrpSpPr/>
+          <p:nvPr/>
+        </p:nvGrpSpPr>
+        <p:grpSpPr>
+          <a:xfrm>
+            <a:off x="2" y="2"/>
+            <a:ext cx="12191999" cy="948335"/>
+            <a:chOff x="0" y="0"/>
+            <a:chExt cx="12192000" cy="948335"/>
+          </a:xfrm>
+          <a:solidFill>
+            <a:schemeClr val="accent1"/>
+          </a:solidFill>
+        </p:grpSpPr>
+        <p:sp>
+          <p:nvSpPr>
+            <p:cNvPr id="2" name="Rectangle 1"/>
+            <p:cNvSpPr/>
+            <p:nvPr/>
+          </p:nvSpPr>
+          <p:spPr>
+            <a:xfrm>
+              <a:off x="0" y="0"/>
+              <a:ext cx="12192000" cy="948335"/>
+            </a:xfrm>
+            <a:prstGeom prst="rect">
+              <a:avLst/>
+            </a:prstGeom>
+            <a:grpFill/>
+            <a:ln>
+              <a:solidFill>
+                <a:schemeClr val="tx1"/>
+              </a:solidFill>
+            </a:ln>
+          </p:spPr>
+          <p:style>
+            <a:lnRef idx="2">
+              <a:schemeClr val="accent1">
+                <a:shade val="50000"/>
+              </a:schemeClr>
+            </a:lnRef>
+            <a:fillRef idx="1">
+              <a:schemeClr val="accent1"/>
+            </a:fillRef>
+            <a:effectRef idx="0">
+              <a:schemeClr val="accent1"/>
+            </a:effectRef>
+            <a:fontRef idx="minor">
+              <a:schemeClr val="lt1"/>
+            </a:fontRef>
+          </p:style>
+          <p:txBody>
+            <a:bodyPr rtlCol="0" anchor="ctr"/>
+            <a:lstStyle/>
+            <a:p>
+              <a:pPr algn="ctr"/>
+              <a:endParaRPr lang="en-US" sz="1225"/>
+            </a:p>
+          </p:txBody>
+        </p:sp>
+        <p:sp>
+          <p:nvSpPr>
+            <p:cNvPr id="21" name="TextBox 20"/>
+            <p:cNvSpPr txBox="1"/>
+            <p:nvPr/>
+          </p:nvSpPr>
+          <p:spPr>
+            <a:xfrm>
+              <a:off x="501407" y="315365"/>
+              <a:ext cx="8089074" cy="400110"/>
+            </a:xfrm>
+            <a:prstGeom prst="rect">
+              <a:avLst/>
+            </a:prstGeom>
+            <a:grpFill/>
+            <a:ln>
+              <a:solidFill>
+                <a:schemeClr val="accent1"/>
+              </a:solidFill>
+            </a:ln>
+          </p:spPr>
+          <p:txBody>
+            <a:bodyPr wrap="square" rtlCol="0">
+              <a:spAutoFit/>
+            </a:bodyPr>
+            <a:lstStyle/>
+            <a:p>
+              <a:r>
+                <a:rPr lang="en-US" sz="2000" dirty="0">
+                  <a:solidFill>
+                    <a:schemeClr val="bg1"/>
+                  </a:solidFill>
+                </a:rPr>
+                <a:t>G&amp;GHDD &gt; Github.com &gt; SSH</a:t>
+              </a:r>
+            </a:p>
+          </p:txBody>
+        </p:sp>
+      </p:grpSp>
+    </p:spTree>
+    <p:extLst>
+      <p:ext uri="{BB962C8B-B14F-4D97-AF65-F5344CB8AC3E}">
+        <p14:creationId xmlns:p14="http://schemas.microsoft.com/office/powerpoint/2010/main" val="1497820032"/>
+      </p:ext>
+    </p:extLst>
+  </p:cSld>
+  <p:clrMapOvr>
+    <a:masterClrMapping/>
+  </p:clrMapOvr>
+</p:sld>
+</file>
+
+<file path=ppt/slides/slide3.xml><?xml version="1.0" encoding="utf-8"?>
+<p:sld xmlns:a="http://schemas.openxmlformats.org/drawingml/2006/main" xmlns:r="http://schemas.openxmlformats.org/officeDocument/2006/relationships" xmlns:p="http://schemas.openxmlformats.org/presentationml/2006/main">
+  <p:cSld>
+    <p:spTree>
+      <p:nvGrpSpPr>
+        <p:cNvPr id="1" name=""/>
+        <p:cNvGrpSpPr/>
+        <p:nvPr/>
+      </p:nvGrpSpPr>
+      <p:grpSpPr>
+        <a:xfrm>
+          <a:off x="0" y="0"/>
+          <a:ext cx="0" cy="0"/>
+          <a:chOff x="0" y="0"/>
+          <a:chExt cx="0" cy="0"/>
+        </a:xfrm>
+      </p:grpSpPr>
+      <p:grpSp>
+        <p:nvGrpSpPr>
+          <p:cNvPr id="13" name="Group 12"/>
+          <p:cNvGrpSpPr/>
+          <p:nvPr/>
+        </p:nvGrpSpPr>
+        <p:grpSpPr>
+          <a:xfrm>
+            <a:off x="0" y="0"/>
+            <a:ext cx="12191999" cy="948335"/>
+            <a:chOff x="0" y="0"/>
+            <a:chExt cx="12192000" cy="948335"/>
+          </a:xfrm>
+          <a:solidFill>
+            <a:schemeClr val="accent1"/>
+          </a:solidFill>
+        </p:grpSpPr>
+        <p:sp>
+          <p:nvSpPr>
+            <p:cNvPr id="2" name="Rectangle 1"/>
+            <p:cNvSpPr/>
+            <p:nvPr/>
+          </p:nvSpPr>
+          <p:spPr>
+            <a:xfrm>
+              <a:off x="0" y="0"/>
+              <a:ext cx="12192000" cy="948335"/>
+            </a:xfrm>
+            <a:prstGeom prst="rect">
+              <a:avLst/>
+            </a:prstGeom>
+            <a:grpFill/>
+            <a:ln>
+              <a:solidFill>
+                <a:schemeClr val="tx1"/>
+              </a:solidFill>
+            </a:ln>
+          </p:spPr>
+          <p:style>
+            <a:lnRef idx="2">
+              <a:schemeClr val="accent1">
+                <a:shade val="50000"/>
+              </a:schemeClr>
+            </a:lnRef>
+            <a:fillRef idx="1">
+              <a:schemeClr val="accent1"/>
+            </a:fillRef>
+            <a:effectRef idx="0">
+              <a:schemeClr val="accent1"/>
+            </a:effectRef>
+            <a:fontRef idx="minor">
+              <a:schemeClr val="lt1"/>
+            </a:fontRef>
+          </p:style>
+          <p:txBody>
+            <a:bodyPr rtlCol="0" anchor="ctr"/>
+            <a:lstStyle/>
+            <a:p>
+              <a:pPr algn="ctr"/>
+              <a:endParaRPr lang="en-US" sz="1225"/>
+            </a:p>
+          </p:txBody>
+        </p:sp>
+        <p:sp>
+          <p:nvSpPr>
+            <p:cNvPr id="21" name="TextBox 20"/>
+            <p:cNvSpPr txBox="1"/>
+            <p:nvPr/>
+          </p:nvSpPr>
+          <p:spPr>
+            <a:xfrm>
+              <a:off x="501407" y="315365"/>
+              <a:ext cx="8089074" cy="400110"/>
+            </a:xfrm>
+            <a:prstGeom prst="rect">
+              <a:avLst/>
+            </a:prstGeom>
+            <a:grpFill/>
+            <a:ln>
+              <a:solidFill>
+                <a:schemeClr val="accent1"/>
+              </a:solidFill>
+            </a:ln>
+          </p:spPr>
+          <p:txBody>
+            <a:bodyPr wrap="square" rtlCol="0">
+              <a:spAutoFit/>
+            </a:bodyPr>
+            <a:lstStyle/>
+            <a:p>
+              <a:r>
+                <a:rPr lang="en-US" sz="2000" dirty="0">
+                  <a:solidFill>
+                    <a:schemeClr val="bg1"/>
+                  </a:solidFill>
+                </a:rPr>
+                <a:t>G&amp;GHDD &gt; Big Picture</a:t>
+              </a:r>
+            </a:p>
+          </p:txBody>
+        </p:sp>
+      </p:grpSp>
+      <p:pic>
+        <p:nvPicPr>
+          <p:cNvPr id="6" name="Picture 5">
+            <a:extLst>
+              <a:ext uri="{FF2B5EF4-FFF2-40B4-BE49-F238E27FC236}">
+                <a16:creationId xmlns:a16="http://schemas.microsoft.com/office/drawing/2014/main" id="{C5B0A1AC-F69A-488F-A222-30E639AFEDE6}"/>
+              </a:ext>
+            </a:extLst>
+          </p:cNvPr>
+          <p:cNvPicPr>
+            <a:picLocks noChangeAspect="1"/>
+          </p:cNvPicPr>
+          <p:nvPr/>
+        </p:nvPicPr>
+        <p:blipFill>
+          <a:blip r:embed="rId2">
+            <a:extLst>
+              <a:ext uri="{28A0092B-C50C-407E-A947-70E740481C1C}">
+                <a14:useLocalDpi xmlns:a14="http://schemas.microsoft.com/office/drawing/2010/main" val="0"/>
+              </a:ext>
+            </a:extLst>
+          </a:blip>
+          <a:stretch>
+            <a:fillRect/>
+          </a:stretch>
+        </p:blipFill>
+        <p:spPr>
+          <a:xfrm>
+            <a:off x="763904" y="1030840"/>
+            <a:ext cx="10664190" cy="5985403"/>
+          </a:xfrm>
+          <a:prstGeom prst="rect">
+            <a:avLst/>
+          </a:prstGeom>
+        </p:spPr>
+      </p:pic>
+    </p:spTree>
+    <p:extLst>
+      <p:ext uri="{BB962C8B-B14F-4D97-AF65-F5344CB8AC3E}">
+        <p14:creationId xmlns:p14="http://schemas.microsoft.com/office/powerpoint/2010/main" val="4211215570"/>
+      </p:ext>
+    </p:extLst>
+  </p:cSld>
+  <p:clrMapOvr>
+    <a:masterClrMapping/>
+  </p:clrMapOvr>
+</p:sld>
+</file>
+
+<file path=ppt/slides/slide30.xml><?xml version="1.0" encoding="utf-8"?>
+<p:sld xmlns:a="http://schemas.openxmlformats.org/drawingml/2006/main" xmlns:r="http://schemas.openxmlformats.org/officeDocument/2006/relationships" xmlns:p="http://schemas.openxmlformats.org/presentationml/2006/main">
+  <p:cSld>
+    <p:spTree>
+      <p:nvGrpSpPr>
+        <p:cNvPr id="1" name=""/>
+        <p:cNvGrpSpPr/>
+        <p:nvPr/>
+      </p:nvGrpSpPr>
+      <p:grpSpPr>
+        <a:xfrm>
+          <a:off x="0" y="0"/>
+          <a:ext cx="0" cy="0"/>
+          <a:chOff x="0" y="0"/>
+          <a:chExt cx="0" cy="0"/>
+        </a:xfrm>
+      </p:grpSpPr>
+      <p:grpSp>
+        <p:nvGrpSpPr>
+          <p:cNvPr id="13" name="Group 12"/>
+          <p:cNvGrpSpPr/>
+          <p:nvPr/>
+        </p:nvGrpSpPr>
+        <p:grpSpPr>
+          <a:xfrm>
+            <a:off x="2" y="2"/>
+            <a:ext cx="12191999" cy="948335"/>
+            <a:chOff x="0" y="0"/>
+            <a:chExt cx="12192000" cy="948335"/>
+          </a:xfrm>
+          <a:solidFill>
+            <a:schemeClr val="accent1"/>
+          </a:solidFill>
+        </p:grpSpPr>
+        <p:sp>
+          <p:nvSpPr>
+            <p:cNvPr id="2" name="Rectangle 1"/>
+            <p:cNvSpPr/>
+            <p:nvPr/>
+          </p:nvSpPr>
+          <p:spPr>
+            <a:xfrm>
+              <a:off x="0" y="0"/>
+              <a:ext cx="12192000" cy="948335"/>
+            </a:xfrm>
+            <a:prstGeom prst="rect">
+              <a:avLst/>
+            </a:prstGeom>
+            <a:grpFill/>
+            <a:ln>
+              <a:noFill/>
+            </a:ln>
+          </p:spPr>
+          <p:style>
+            <a:lnRef idx="2">
+              <a:schemeClr val="accent1">
+                <a:shade val="50000"/>
+              </a:schemeClr>
+            </a:lnRef>
+            <a:fillRef idx="1">
+              <a:schemeClr val="accent1"/>
+            </a:fillRef>
+            <a:effectRef idx="0">
+              <a:schemeClr val="accent1"/>
+            </a:effectRef>
+            <a:fontRef idx="minor">
+              <a:schemeClr val="lt1"/>
+            </a:fontRef>
+          </p:style>
+          <p:txBody>
+            <a:bodyPr rtlCol="0" anchor="ctr"/>
+            <a:lstStyle/>
+            <a:p>
+              <a:pPr algn="ctr"/>
+              <a:endParaRPr lang="en-US" sz="1225"/>
+            </a:p>
+          </p:txBody>
+        </p:sp>
+        <p:sp>
+          <p:nvSpPr>
+            <p:cNvPr id="8" name="TextBox 7"/>
+            <p:cNvSpPr txBox="1"/>
+            <p:nvPr/>
+          </p:nvSpPr>
+          <p:spPr>
+            <a:xfrm>
+              <a:off x="10972800" y="289501"/>
+              <a:ext cx="900953" cy="280846"/>
+            </a:xfrm>
+            <a:prstGeom prst="rect">
+              <a:avLst/>
+            </a:prstGeom>
+            <a:grpFill/>
+            <a:ln>
+              <a:noFill/>
+            </a:ln>
+          </p:spPr>
+          <p:txBody>
+            <a:bodyPr wrap="square" rtlCol="0">
+              <a:spAutoFit/>
+            </a:bodyPr>
+            <a:lstStyle/>
+            <a:p>
+              <a:endParaRPr lang="en-US" sz="1225">
+                <a:solidFill>
+                  <a:schemeClr val="bg1"/>
+                </a:solidFill>
+              </a:endParaRPr>
+            </a:p>
+          </p:txBody>
+        </p:sp>
+        <p:sp>
+          <p:nvSpPr>
+            <p:cNvPr id="21" name="TextBox 20"/>
+            <p:cNvSpPr txBox="1"/>
+            <p:nvPr/>
+          </p:nvSpPr>
+          <p:spPr>
+            <a:xfrm>
+              <a:off x="501407" y="315365"/>
+              <a:ext cx="8089074" cy="400110"/>
+            </a:xfrm>
+            <a:prstGeom prst="rect">
+              <a:avLst/>
+            </a:prstGeom>
+            <a:grpFill/>
+            <a:ln>
+              <a:noFill/>
+            </a:ln>
+          </p:spPr>
+          <p:txBody>
+            <a:bodyPr wrap="square" rtlCol="0">
+              <a:spAutoFit/>
+            </a:bodyPr>
+            <a:lstStyle/>
+            <a:p>
+              <a:r>
+                <a:rPr lang="en-US" sz="2000" dirty="0">
+                  <a:solidFill>
+                    <a:schemeClr val="bg1"/>
+                  </a:solidFill>
+                </a:rPr>
+                <a:t>G&amp;GHDD &gt; Big Picture &gt; SSH &gt; Demo</a:t>
+              </a:r>
+            </a:p>
+          </p:txBody>
+        </p:sp>
+      </p:grpSp>
+      <p:pic>
+        <p:nvPicPr>
+          <p:cNvPr id="7" name="Picture 6">
+            <a:extLst>
+              <a:ext uri="{FF2B5EF4-FFF2-40B4-BE49-F238E27FC236}">
+                <a16:creationId xmlns:a16="http://schemas.microsoft.com/office/drawing/2014/main" id="{2F1247D1-30D2-404B-821C-8D19AF5DCB3C}"/>
+              </a:ext>
+            </a:extLst>
+          </p:cNvPr>
+          <p:cNvPicPr>
+            <a:picLocks noChangeAspect="1"/>
+          </p:cNvPicPr>
+          <p:nvPr/>
+        </p:nvPicPr>
+        <p:blipFill>
+          <a:blip r:embed="rId3">
+            <a:extLst>
+              <a:ext uri="{28A0092B-C50C-407E-A947-70E740481C1C}">
+                <a14:useLocalDpi xmlns:a14="http://schemas.microsoft.com/office/drawing/2010/main" val="0"/>
+              </a:ext>
+            </a:extLst>
+          </a:blip>
+          <a:stretch>
+            <a:fillRect/>
+          </a:stretch>
+        </p:blipFill>
+        <p:spPr>
+          <a:xfrm>
+            <a:off x="1661021" y="1327278"/>
+            <a:ext cx="9211112" cy="5241219"/>
+          </a:xfrm>
+          <a:prstGeom prst="rect">
+            <a:avLst/>
+          </a:prstGeom>
+        </p:spPr>
+      </p:pic>
+    </p:spTree>
+    <p:extLst>
+      <p:ext uri="{BB962C8B-B14F-4D97-AF65-F5344CB8AC3E}">
+        <p14:creationId xmlns:p14="http://schemas.microsoft.com/office/powerpoint/2010/main" val="1630392709"/>
+      </p:ext>
+    </p:extLst>
+  </p:cSld>
+  <p:clrMapOvr>
+    <a:masterClrMapping/>
+  </p:clrMapOvr>
+</p:sld>
+</file>
+
+<file path=ppt/slides/slide31.xml><?xml version="1.0" encoding="utf-8"?>
+<p:sld xmlns:a="http://schemas.openxmlformats.org/drawingml/2006/main" xmlns:r="http://schemas.openxmlformats.org/officeDocument/2006/relationships" xmlns:p="http://schemas.openxmlformats.org/presentationml/2006/main">
+  <p:cSld>
+    <p:spTree>
+      <p:nvGrpSpPr>
+        <p:cNvPr id="1" name=""/>
+        <p:cNvGrpSpPr/>
+        <p:nvPr/>
+      </p:nvGrpSpPr>
+      <p:grpSpPr>
+        <a:xfrm>
+          <a:off x="0" y="0"/>
+          <a:ext cx="0" cy="0"/>
+          <a:chOff x="0" y="0"/>
+          <a:chExt cx="0" cy="0"/>
+        </a:xfrm>
+      </p:grpSpPr>
       <p:pic>
         <p:nvPicPr>
           <p:cNvPr id="9" name="Picture 8">
@@ -29156,7 +30118,7 @@
 </p:sld>
 </file>
 
-<file path=ppt/slides/slide29.xml><?xml version="1.0" encoding="utf-8"?>
+<file path=ppt/slides/slide32.xml><?xml version="1.0" encoding="utf-8"?>
 <p:sld xmlns:a="http://schemas.openxmlformats.org/drawingml/2006/main" xmlns:r="http://schemas.openxmlformats.org/officeDocument/2006/relationships" xmlns:p="http://schemas.openxmlformats.org/presentationml/2006/main">
   <p:cSld>
     <p:spTree>
@@ -29937,175 +30899,7 @@
 </p:sld>
 </file>
 
-<file path=ppt/slides/slide3.xml><?xml version="1.0" encoding="utf-8"?>
-<p:sld xmlns:a="http://schemas.openxmlformats.org/drawingml/2006/main" xmlns:r="http://schemas.openxmlformats.org/officeDocument/2006/relationships" xmlns:p="http://schemas.openxmlformats.org/presentationml/2006/main">
-  <p:cSld>
-    <p:spTree>
-      <p:nvGrpSpPr>
-        <p:cNvPr id="1" name=""/>
-        <p:cNvGrpSpPr/>
-        <p:nvPr/>
-      </p:nvGrpSpPr>
-      <p:grpSpPr>
-        <a:xfrm>
-          <a:off x="0" y="0"/>
-          <a:ext cx="0" cy="0"/>
-          <a:chOff x="0" y="0"/>
-          <a:chExt cx="0" cy="0"/>
-        </a:xfrm>
-      </p:grpSpPr>
-      <p:grpSp>
-        <p:nvGrpSpPr>
-          <p:cNvPr id="13" name="Group 12"/>
-          <p:cNvGrpSpPr/>
-          <p:nvPr/>
-        </p:nvGrpSpPr>
-        <p:grpSpPr>
-          <a:xfrm>
-            <a:off x="0" y="0"/>
-            <a:ext cx="12191999" cy="948335"/>
-            <a:chOff x="0" y="0"/>
-            <a:chExt cx="12192000" cy="948335"/>
-          </a:xfrm>
-          <a:solidFill>
-            <a:schemeClr val="accent1"/>
-          </a:solidFill>
-        </p:grpSpPr>
-        <p:sp>
-          <p:nvSpPr>
-            <p:cNvPr id="2" name="Rectangle 1"/>
-            <p:cNvSpPr/>
-            <p:nvPr/>
-          </p:nvSpPr>
-          <p:spPr>
-            <a:xfrm>
-              <a:off x="0" y="0"/>
-              <a:ext cx="12192000" cy="948335"/>
-            </a:xfrm>
-            <a:prstGeom prst="rect">
-              <a:avLst/>
-            </a:prstGeom>
-            <a:grpFill/>
-            <a:ln>
-              <a:solidFill>
-                <a:schemeClr val="tx1"/>
-              </a:solidFill>
-            </a:ln>
-          </p:spPr>
-          <p:style>
-            <a:lnRef idx="2">
-              <a:schemeClr val="accent1">
-                <a:shade val="50000"/>
-              </a:schemeClr>
-            </a:lnRef>
-            <a:fillRef idx="1">
-              <a:schemeClr val="accent1"/>
-            </a:fillRef>
-            <a:effectRef idx="0">
-              <a:schemeClr val="accent1"/>
-            </a:effectRef>
-            <a:fontRef idx="minor">
-              <a:schemeClr val="lt1"/>
-            </a:fontRef>
-          </p:style>
-          <p:txBody>
-            <a:bodyPr rtlCol="0" anchor="ctr"/>
-            <a:lstStyle/>
-            <a:p>
-              <a:pPr algn="ctr"/>
-              <a:endParaRPr lang="en-US" sz="1225"/>
-            </a:p>
-          </p:txBody>
-        </p:sp>
-        <p:sp>
-          <p:nvSpPr>
-            <p:cNvPr id="21" name="TextBox 20"/>
-            <p:cNvSpPr txBox="1"/>
-            <p:nvPr/>
-          </p:nvSpPr>
-          <p:spPr>
-            <a:xfrm>
-              <a:off x="501407" y="315365"/>
-              <a:ext cx="8089074" cy="400110"/>
-            </a:xfrm>
-            <a:prstGeom prst="rect">
-              <a:avLst/>
-            </a:prstGeom>
-            <a:grpFill/>
-            <a:ln>
-              <a:solidFill>
-                <a:schemeClr val="accent1"/>
-              </a:solidFill>
-            </a:ln>
-          </p:spPr>
-          <p:txBody>
-            <a:bodyPr wrap="square" rtlCol="0">
-              <a:spAutoFit/>
-            </a:bodyPr>
-            <a:lstStyle/>
-            <a:p>
-              <a:r>
-                <a:rPr lang="en-US" sz="2000" dirty="0">
-                  <a:solidFill>
-                    <a:schemeClr val="bg1"/>
-                  </a:solidFill>
-                </a:rPr>
-                <a:t>G&amp;GHDD &gt; Big Picture</a:t>
-              </a:r>
-            </a:p>
-          </p:txBody>
-        </p:sp>
-      </p:grpSp>
-      <p:pic>
-        <p:nvPicPr>
-          <p:cNvPr id="6" name="Picture 5">
-            <a:extLst>
-              <a:ext uri="{FF2B5EF4-FFF2-40B4-BE49-F238E27FC236}">
-                <a16:creationId xmlns:a16="http://schemas.microsoft.com/office/drawing/2014/main" id="{C5B0A1AC-F69A-488F-A222-30E639AFEDE6}"/>
-              </a:ext>
-            </a:extLst>
-          </p:cNvPr>
-          <p:cNvPicPr>
-            <a:picLocks noChangeAspect="1"/>
-          </p:cNvPicPr>
-          <p:nvPr/>
-        </p:nvPicPr>
-        <p:blipFill>
-          <a:blip r:embed="rId2">
-            <a:extLst>
-              <a:ext uri="{28A0092B-C50C-407E-A947-70E740481C1C}">
-                <a14:useLocalDpi xmlns:a14="http://schemas.microsoft.com/office/drawing/2010/main" val="0"/>
-              </a:ext>
-            </a:extLst>
-          </a:blip>
-          <a:stretch>
-            <a:fillRect/>
-          </a:stretch>
-        </p:blipFill>
-        <p:spPr>
-          <a:xfrm>
-            <a:off x="763904" y="1030840"/>
-            <a:ext cx="10664190" cy="5985403"/>
-          </a:xfrm>
-          <a:prstGeom prst="rect">
-            <a:avLst/>
-          </a:prstGeom>
-        </p:spPr>
-      </p:pic>
-    </p:spTree>
-    <p:extLst>
-      <p:ext uri="{BB962C8B-B14F-4D97-AF65-F5344CB8AC3E}">
-        <p14:creationId xmlns:p14="http://schemas.microsoft.com/office/powerpoint/2010/main" val="4211215570"/>
-      </p:ext>
-    </p:extLst>
-  </p:cSld>
-  <p:clrMapOvr>
-    <a:masterClrMapping/>
-  </p:clrMapOvr>
-</p:sld>
-</file>
-
-<file path=ppt/slides/slide30.xml><?xml version="1.0" encoding="utf-8"?>
+<file path=ppt/slides/slide33.xml><?xml version="1.0" encoding="utf-8"?>
 <p:sld xmlns:a="http://schemas.openxmlformats.org/drawingml/2006/main" xmlns:r="http://schemas.openxmlformats.org/officeDocument/2006/relationships" xmlns:p="http://schemas.openxmlformats.org/presentationml/2006/main">
   <p:cSld>
     <p:spTree>
@@ -30361,7 +31155,7 @@
 </p:sld>
 </file>
 
-<file path=ppt/slides/slide31.xml><?xml version="1.0" encoding="utf-8"?>
+<file path=ppt/slides/slide34.xml><?xml version="1.0" encoding="utf-8"?>
 <p:sld xmlns:a="http://schemas.openxmlformats.org/drawingml/2006/main" xmlns:r="http://schemas.openxmlformats.org/officeDocument/2006/relationships" xmlns:p="http://schemas.openxmlformats.org/presentationml/2006/main">
   <p:cSld>
     <p:spTree>
@@ -30615,7 +31409,7 @@
 </p:sld>
 </file>
 
-<file path=ppt/slides/slide32.xml><?xml version="1.0" encoding="utf-8"?>
+<file path=ppt/slides/slide35.xml><?xml version="1.0" encoding="utf-8"?>
 <p:sld xmlns:a="http://schemas.openxmlformats.org/drawingml/2006/main" xmlns:r="http://schemas.openxmlformats.org/officeDocument/2006/relationships" xmlns:p="http://schemas.openxmlformats.org/presentationml/2006/main">
   <p:cSld>
     <p:spTree>
@@ -34385,18 +35179,18 @@
 </file>
 
 <file path=customXml/item1.xml><?xml version="1.0" encoding="utf-8"?>
-<p:properties xmlns:p="http://schemas.microsoft.com/office/2006/metadata/properties" xmlns:xsi="http://www.w3.org/2001/XMLSchema-instance" xmlns:pc="http://schemas.microsoft.com/office/infopath/2007/PartnerControls">
-  <documentManagement/>
-</p:properties>
-</file>
-
-<file path=customXml/item2.xml><?xml version="1.0" encoding="utf-8"?>
 <?mso-contentType ?>
 <FormTemplates xmlns="http://schemas.microsoft.com/sharepoint/v3/contenttype/forms">
   <Display>DocumentLibraryForm</Display>
   <Edit>DocumentLibraryForm</Edit>
   <New>DocumentLibraryForm</New>
 </FormTemplates>
+</file>
+
+<file path=customXml/item2.xml><?xml version="1.0" encoding="utf-8"?>
+<p:properties xmlns:p="http://schemas.microsoft.com/office/2006/metadata/properties" xmlns:xsi="http://www.w3.org/2001/XMLSchema-instance" xmlns:pc="http://schemas.microsoft.com/office/infopath/2007/PartnerControls">
+  <documentManagement/>
+</p:properties>
 </file>
 
 <file path=customXml/item3.xml><?xml version="1.0" encoding="utf-8"?>
@@ -34585,18 +35379,18 @@
 </file>
 
 <file path=customXml/itemProps1.xml><?xml version="1.0" encoding="utf-8"?>
-<ds:datastoreItem xmlns:ds="http://schemas.openxmlformats.org/officeDocument/2006/customXml" ds:itemID="{B61EE2CA-DCC7-45E5-87C8-6789A166AF77}">
+<ds:datastoreItem xmlns:ds="http://schemas.openxmlformats.org/officeDocument/2006/customXml" ds:itemID="{4273EE10-C1B2-449B-9085-39965BA21A56}">
   <ds:schemaRefs>
-    <ds:schemaRef ds:uri="http://schemas.microsoft.com/office/2006/metadata/properties"/>
-    <ds:schemaRef ds:uri="http://schemas.microsoft.com/office/infopath/2007/PartnerControls"/>
+    <ds:schemaRef ds:uri="http://schemas.microsoft.com/sharepoint/v3/contenttype/forms"/>
   </ds:schemaRefs>
 </ds:datastoreItem>
 </file>
 
 <file path=customXml/itemProps2.xml><?xml version="1.0" encoding="utf-8"?>
-<ds:datastoreItem xmlns:ds="http://schemas.openxmlformats.org/officeDocument/2006/customXml" ds:itemID="{4273EE10-C1B2-449B-9085-39965BA21A56}">
+<ds:datastoreItem xmlns:ds="http://schemas.openxmlformats.org/officeDocument/2006/customXml" ds:itemID="{B61EE2CA-DCC7-45E5-87C8-6789A166AF77}">
   <ds:schemaRefs>
-    <ds:schemaRef ds:uri="http://schemas.microsoft.com/sharepoint/v3/contenttype/forms"/>
+    <ds:schemaRef ds:uri="http://schemas.microsoft.com/office/2006/metadata/properties"/>
+    <ds:schemaRef ds:uri="http://schemas.microsoft.com/office/infopath/2007/PartnerControls"/>
   </ds:schemaRefs>
 </ds:datastoreItem>
 </file>

--- a/workshops/git-github-deep-dive/git_github_deep_dive.pptx
+++ b/workshops/git-github-deep-dive/git_github_deep_dive.pptx
@@ -5,10 +5,10 @@
     <p:sldMasterId id="2147483648" r:id="rId4"/>
   </p:sldMasterIdLst>
   <p:notesMasterIdLst>
-    <p:notesMasterId r:id="rId40"/>
+    <p:notesMasterId r:id="rId41"/>
   </p:notesMasterIdLst>
   <p:handoutMasterIdLst>
-    <p:handoutMasterId r:id="rId41"/>
+    <p:handoutMasterId r:id="rId42"/>
   </p:handoutMasterIdLst>
   <p:sldIdLst>
     <p:sldId id="372" r:id="rId5"/>
@@ -38,38 +38,39 @@
     <p:sldId id="464" r:id="rId29"/>
     <p:sldId id="499" r:id="rId30"/>
     <p:sldId id="501" r:id="rId31"/>
-    <p:sldId id="502" r:id="rId32"/>
-    <p:sldId id="503" r:id="rId33"/>
-    <p:sldId id="504" r:id="rId34"/>
-    <p:sldId id="477" r:id="rId35"/>
-    <p:sldId id="478" r:id="rId36"/>
-    <p:sldId id="500" r:id="rId37"/>
-    <p:sldId id="479" r:id="rId38"/>
-    <p:sldId id="476" r:id="rId39"/>
+    <p:sldId id="505" r:id="rId32"/>
+    <p:sldId id="502" r:id="rId33"/>
+    <p:sldId id="503" r:id="rId34"/>
+    <p:sldId id="504" r:id="rId35"/>
+    <p:sldId id="477" r:id="rId36"/>
+    <p:sldId id="478" r:id="rId37"/>
+    <p:sldId id="500" r:id="rId38"/>
+    <p:sldId id="479" r:id="rId39"/>
+    <p:sldId id="476" r:id="rId40"/>
   </p:sldIdLst>
   <p:sldSz cx="12192000" cy="6858000"/>
   <p:notesSz cx="6858000" cy="9144000"/>
   <p:embeddedFontLst>
     <p:embeddedFont>
       <p:font typeface="Calibri" panose="020F0502020204030204" pitchFamily="34" charset="0"/>
-      <p:regular r:id="rId42"/>
-      <p:bold r:id="rId43"/>
-      <p:italic r:id="rId44"/>
-      <p:boldItalic r:id="rId45"/>
+      <p:regular r:id="rId43"/>
+      <p:bold r:id="rId44"/>
+      <p:italic r:id="rId45"/>
+      <p:boldItalic r:id="rId46"/>
     </p:embeddedFont>
     <p:embeddedFont>
       <p:font typeface="DFDS" panose="020B0604020202020204" charset="0"/>
-      <p:regular r:id="rId46"/>
-      <p:bold r:id="rId47"/>
-      <p:italic r:id="rId48"/>
+      <p:regular r:id="rId47"/>
+      <p:bold r:id="rId48"/>
+      <p:italic r:id="rId49"/>
     </p:embeddedFont>
     <p:embeddedFont>
       <p:font typeface="DFDS Bold" panose="020B0604020202020204" charset="0"/>
-      <p:bold r:id="rId49"/>
+      <p:bold r:id="rId50"/>
     </p:embeddedFont>
     <p:embeddedFont>
       <p:font typeface="DFDS Light" panose="020B0604020202020204" charset="0"/>
-      <p:regular r:id="rId50"/>
+      <p:regular r:id="rId51"/>
     </p:embeddedFont>
   </p:embeddedFontLst>
   <p:defaultTextStyle>
@@ -4342,11 +4343,7 @@
           <a:bodyPr/>
           <a:lstStyle/>
           <a:p>
-            <a:r>
-              <a:rPr lang="en-US" dirty="0"/>
-              <a:t>https://medium.com/@urna.hybesis/pull-request-workflow-with-git-6-steps-guide-3858e30b5fa4</a:t>
-            </a:r>
-            <a:endParaRPr lang="da-DK" dirty="0"/>
+            <a:endParaRPr lang="da-DK" b="0" dirty="0"/>
           </a:p>
         </p:txBody>
       </p:sp>
@@ -4377,7 +4374,7 @@
     </p:spTree>
     <p:extLst>
       <p:ext uri="{BB962C8B-B14F-4D97-AF65-F5344CB8AC3E}">
-        <p14:creationId xmlns:p14="http://schemas.microsoft.com/office/powerpoint/2010/main" val="3238035336"/>
+        <p14:creationId xmlns:p14="http://schemas.microsoft.com/office/powerpoint/2010/main" val="1788361971"/>
       </p:ext>
     </p:extLst>
   </p:cSld>
@@ -4563,7 +4560,28 @@
           <a:bodyPr/>
           <a:lstStyle/>
           <a:p>
-            <a:endParaRPr lang="da-DK" b="0" dirty="0"/>
+            <a:pPr marL="0" marR="0" lvl="0" indent="0" algn="l" defTabSz="914400" rtl="0" eaLnBrk="1" fontAlgn="auto" latinLnBrk="0" hangingPunct="1">
+              <a:lnSpc>
+                <a:spcPct val="100000"/>
+              </a:lnSpc>
+              <a:spcBef>
+                <a:spcPts val="0"/>
+              </a:spcBef>
+              <a:spcAft>
+                <a:spcPts val="0"/>
+              </a:spcAft>
+              <a:buClrTx/>
+              <a:buSzTx/>
+              <a:buFontTx/>
+              <a:buNone/>
+              <a:tabLst/>
+              <a:defRPr/>
+            </a:pPr>
+            <a:r>
+              <a:rPr lang="en-US" dirty="0"/>
+              <a:t>Step 1 =&gt; https://github.com/pulls</a:t>
+            </a:r>
+            <a:endParaRPr lang="da-DK" dirty="0"/>
           </a:p>
         </p:txBody>
       </p:sp>
@@ -4594,7 +4612,7 @@
     </p:spTree>
     <p:extLst>
       <p:ext uri="{BB962C8B-B14F-4D97-AF65-F5344CB8AC3E}">
-        <p14:creationId xmlns:p14="http://schemas.microsoft.com/office/powerpoint/2010/main" val="1075762800"/>
+        <p14:creationId xmlns:p14="http://schemas.microsoft.com/office/powerpoint/2010/main" val="3238035336"/>
       </p:ext>
     </p:extLst>
   </p:cSld>
@@ -4648,13 +4666,7 @@
           <a:bodyPr/>
           <a:lstStyle/>
           <a:p>
-            <a:r>
-              <a:rPr lang="en-US" dirty="0"/>
-              <a:t>Add a SSH key to your account (https://www.inmotionhosting.com/support/website/ssh/how-to-add-ssh-keys-to-your-github-account/) </a:t>
-            </a:r>
-          </a:p>
-          <a:p>
-            <a:endParaRPr lang="da-DK" dirty="0"/>
+            <a:endParaRPr lang="da-DK" b="0" dirty="0"/>
           </a:p>
         </p:txBody>
       </p:sp>
@@ -4677,6 +4689,132 @@
               <a:rPr lang="en-GB" smtClean="0"/>
               <a:pPr/>
               <a:t>30</a:t>
+            </a:fld>
+            <a:endParaRPr lang="en-GB" dirty="0"/>
+          </a:p>
+        </p:txBody>
+      </p:sp>
+    </p:spTree>
+    <p:extLst>
+      <p:ext uri="{BB962C8B-B14F-4D97-AF65-F5344CB8AC3E}">
+        <p14:creationId xmlns:p14="http://schemas.microsoft.com/office/powerpoint/2010/main" val="1075762800"/>
+      </p:ext>
+    </p:extLst>
+  </p:cSld>
+  <p:clrMapOvr>
+    <a:masterClrMapping/>
+  </p:clrMapOvr>
+</p:notes>
+</file>
+
+<file path=ppt/notesSlides/notesSlide22.xml><?xml version="1.0" encoding="utf-8"?>
+<p:notes xmlns:a="http://schemas.openxmlformats.org/drawingml/2006/main" xmlns:r="http://schemas.openxmlformats.org/officeDocument/2006/relationships" xmlns:p="http://schemas.openxmlformats.org/presentationml/2006/main">
+  <p:cSld>
+    <p:spTree>
+      <p:nvGrpSpPr>
+        <p:cNvPr id="1" name=""/>
+        <p:cNvGrpSpPr/>
+        <p:nvPr/>
+      </p:nvGrpSpPr>
+      <p:grpSpPr>
+        <a:xfrm>
+          <a:off x="0" y="0"/>
+          <a:ext cx="0" cy="0"/>
+          <a:chOff x="0" y="0"/>
+          <a:chExt cx="0" cy="0"/>
+        </a:xfrm>
+      </p:grpSpPr>
+      <p:sp>
+        <p:nvSpPr>
+          <p:cNvPr id="2" name="Slide Image Placeholder 1"/>
+          <p:cNvSpPr>
+            <a:spLocks noGrp="1" noRot="1" noChangeAspect="1"/>
+          </p:cNvSpPr>
+          <p:nvPr>
+            <p:ph type="sldImg"/>
+          </p:nvPr>
+        </p:nvSpPr>
+        <p:spPr/>
+      </p:sp>
+      <p:sp>
+        <p:nvSpPr>
+          <p:cNvPr id="3" name="Notes Placeholder 2"/>
+          <p:cNvSpPr>
+            <a:spLocks noGrp="1"/>
+          </p:cNvSpPr>
+          <p:nvPr>
+            <p:ph type="body" idx="1"/>
+          </p:nvPr>
+        </p:nvSpPr>
+        <p:spPr/>
+        <p:txBody>
+          <a:bodyPr/>
+          <a:lstStyle/>
+          <a:p>
+            <a:pPr marL="0" marR="0" lvl="0" indent="0" algn="l" defTabSz="914400" rtl="0" eaLnBrk="1" fontAlgn="auto" latinLnBrk="0" hangingPunct="1">
+              <a:lnSpc>
+                <a:spcPct val="100000"/>
+              </a:lnSpc>
+              <a:spcBef>
+                <a:spcPts val="0"/>
+              </a:spcBef>
+              <a:spcAft>
+                <a:spcPts val="0"/>
+              </a:spcAft>
+              <a:buClrTx/>
+              <a:buSzTx/>
+              <a:buFontTx/>
+              <a:buNone/>
+              <a:tabLst/>
+              <a:defRPr/>
+            </a:pPr>
+            <a:r>
+              <a:rPr lang="da-DK" dirty="0"/>
+              <a:t>Step 1 =&gt; </a:t>
+            </a:r>
+            <a:r>
+              <a:rPr lang="da-DK" sz="1200" kern="1200" dirty="0">
+                <a:solidFill>
+                  <a:schemeClr val="tx1"/>
+                </a:solidFill>
+                <a:latin typeface="Arial" panose="020B0604020202020204" pitchFamily="34" charset="0"/>
+                <a:ea typeface="+mn-ea"/>
+                <a:cs typeface="+mn-cs"/>
+              </a:rPr>
+              <a:t>ssh-keygen -b 4096 </a:t>
+            </a:r>
+          </a:p>
+          <a:p>
+            <a:endParaRPr lang="en-US" dirty="0"/>
+          </a:p>
+          <a:p>
+            <a:r>
+              <a:rPr lang="en-US" dirty="0"/>
+              <a:t>Step 2 =&gt; https://github.com/settings/keys</a:t>
+            </a:r>
+            <a:endParaRPr lang="da-DK" dirty="0"/>
+          </a:p>
+        </p:txBody>
+      </p:sp>
+      <p:sp>
+        <p:nvSpPr>
+          <p:cNvPr id="4" name="Slide Number Placeholder 3"/>
+          <p:cNvSpPr>
+            <a:spLocks noGrp="1"/>
+          </p:cNvSpPr>
+          <p:nvPr>
+            <p:ph type="sldNum" sz="quarter" idx="5"/>
+          </p:nvPr>
+        </p:nvSpPr>
+        <p:spPr/>
+        <p:txBody>
+          <a:bodyPr/>
+          <a:lstStyle/>
+          <a:p>
+            <a:fld id="{49436F85-577F-4A92-A47F-D540A2BCC821}" type="slidenum">
+              <a:rPr lang="en-GB" smtClean="0"/>
+              <a:pPr/>
+              <a:t>31</a:t>
             </a:fld>
             <a:endParaRPr lang="en-GB" dirty="0"/>
           </a:p>
@@ -22775,37 +22913,6 @@
                                         <p:tgtEl>
                                           <p:spTgt spid="13">
                                             <p:txEl>
-                                              <p:pRg st="2" end="2"/>
-                                            </p:txEl>
-                                          </p:spTgt>
-                                        </p:tgtEl>
-                                        <p:attrNameLst>
-                                          <p:attrName>style.visibility</p:attrName>
-                                        </p:attrNameLst>
-                                      </p:cBhvr>
-                                      <p:to>
-                                        <p:strVal val="visible"/>
-                                      </p:to>
-                                    </p:set>
-                                  </p:childTnLst>
-                                </p:cTn>
-                              </p:par>
-                              <p:par>
-                                <p:cTn id="7" presetID="1" presetClass="entr" presetSubtype="0" fill="hold" nodeType="withEffect">
-                                  <p:stCondLst>
-                                    <p:cond delay="0"/>
-                                  </p:stCondLst>
-                                  <p:childTnLst>
-                                    <p:set>
-                                      <p:cBhvr>
-                                        <p:cTn id="8" dur="1" fill="hold">
-                                          <p:stCondLst>
-                                            <p:cond delay="0"/>
-                                          </p:stCondLst>
-                                        </p:cTn>
-                                        <p:tgtEl>
-                                          <p:spTgt spid="13">
-                                            <p:txEl>
                                               <p:pRg st="0" end="0"/>
                                             </p:txEl>
                                           </p:spTgt>
@@ -22828,26 +22935,75 @@
                     </p:cTn>
                   </p:par>
                   <p:par>
-                    <p:cTn id="9" fill="hold">
+                    <p:cTn id="7" fill="hold">
                       <p:stCondLst>
                         <p:cond delay="indefinite"/>
                       </p:stCondLst>
                       <p:childTnLst>
                         <p:par>
-                          <p:cTn id="10" fill="hold">
+                          <p:cTn id="8" fill="hold">
                             <p:stCondLst>
                               <p:cond delay="0"/>
                             </p:stCondLst>
                             <p:childTnLst>
                               <p:par>
-                                <p:cTn id="11" presetID="1" presetClass="entr" presetSubtype="0" fill="hold" nodeType="clickEffect">
+                                <p:cTn id="9" presetID="1" presetClass="entr" presetSubtype="0" fill="hold" nodeType="clickEffect">
                                   <p:stCondLst>
                                     <p:cond delay="0"/>
                                   </p:stCondLst>
                                   <p:childTnLst>
                                     <p:set>
                                       <p:cBhvr>
-                                        <p:cTn id="12" dur="1" fill="hold">
+                                        <p:cTn id="10" dur="1" fill="hold">
+                                          <p:stCondLst>
+                                            <p:cond delay="0"/>
+                                          </p:stCondLst>
+                                        </p:cTn>
+                                        <p:tgtEl>
+                                          <p:spTgt spid="13">
+                                            <p:txEl>
+                                              <p:pRg st="2" end="2"/>
+                                            </p:txEl>
+                                          </p:spTgt>
+                                        </p:tgtEl>
+                                        <p:attrNameLst>
+                                          <p:attrName>style.visibility</p:attrName>
+                                        </p:attrNameLst>
+                                      </p:cBhvr>
+                                      <p:to>
+                                        <p:strVal val="visible"/>
+                                      </p:to>
+                                    </p:set>
+                                  </p:childTnLst>
+                                </p:cTn>
+                              </p:par>
+                            </p:childTnLst>
+                          </p:cTn>
+                        </p:par>
+                      </p:childTnLst>
+                    </p:cTn>
+                  </p:par>
+                  <p:par>
+                    <p:cTn id="11" fill="hold">
+                      <p:stCondLst>
+                        <p:cond delay="indefinite"/>
+                      </p:stCondLst>
+                      <p:childTnLst>
+                        <p:par>
+                          <p:cTn id="12" fill="hold">
+                            <p:stCondLst>
+                              <p:cond delay="0"/>
+                            </p:stCondLst>
+                            <p:childTnLst>
+                              <p:par>
+                                <p:cTn id="13" presetID="1" presetClass="entr" presetSubtype="0" fill="hold" nodeType="clickEffect">
+                                  <p:stCondLst>
+                                    <p:cond delay="0"/>
+                                  </p:stCondLst>
+                                  <p:childTnLst>
+                                    <p:set>
+                                      <p:cBhvr>
+                                        <p:cTn id="14" dur="1" fill="hold">
                                           <p:stCondLst>
                                             <p:cond delay="0"/>
                                           </p:stCondLst>
@@ -22877,26 +23033,26 @@
                     </p:cTn>
                   </p:par>
                   <p:par>
-                    <p:cTn id="13" fill="hold">
+                    <p:cTn id="15" fill="hold">
                       <p:stCondLst>
                         <p:cond delay="indefinite"/>
                       </p:stCondLst>
                       <p:childTnLst>
                         <p:par>
-                          <p:cTn id="14" fill="hold">
+                          <p:cTn id="16" fill="hold">
                             <p:stCondLst>
                               <p:cond delay="0"/>
                             </p:stCondLst>
                             <p:childTnLst>
                               <p:par>
-                                <p:cTn id="15" presetID="1" presetClass="entr" presetSubtype="0" fill="hold" nodeType="clickEffect">
+                                <p:cTn id="17" presetID="1" presetClass="entr" presetSubtype="0" fill="hold" nodeType="clickEffect">
                                   <p:stCondLst>
                                     <p:cond delay="0"/>
                                   </p:stCondLst>
                                   <p:childTnLst>
                                     <p:set>
                                       <p:cBhvr>
-                                        <p:cTn id="16" dur="1" fill="hold">
+                                        <p:cTn id="18" dur="1" fill="hold">
                                           <p:stCondLst>
                                             <p:cond delay="0"/>
                                           </p:stCondLst>
@@ -22926,26 +23082,26 @@
                     </p:cTn>
                   </p:par>
                   <p:par>
-                    <p:cTn id="17" fill="hold">
+                    <p:cTn id="19" fill="hold">
                       <p:stCondLst>
                         <p:cond delay="indefinite"/>
                       </p:stCondLst>
                       <p:childTnLst>
                         <p:par>
-                          <p:cTn id="18" fill="hold">
+                          <p:cTn id="20" fill="hold">
                             <p:stCondLst>
                               <p:cond delay="0"/>
                             </p:stCondLst>
                             <p:childTnLst>
                               <p:par>
-                                <p:cTn id="19" presetID="1" presetClass="entr" presetSubtype="0" fill="hold" nodeType="clickEffect">
+                                <p:cTn id="21" presetID="1" presetClass="entr" presetSubtype="0" fill="hold" nodeType="clickEffect">
                                   <p:stCondLst>
                                     <p:cond delay="0"/>
                                   </p:stCondLst>
                                   <p:childTnLst>
                                     <p:set>
                                       <p:cBhvr>
-                                        <p:cTn id="20" dur="1" fill="hold">
+                                        <p:cTn id="22" dur="1" fill="hold">
                                           <p:stCondLst>
                                             <p:cond delay="0"/>
                                           </p:stCondLst>
@@ -22975,26 +23131,26 @@
                     </p:cTn>
                   </p:par>
                   <p:par>
-                    <p:cTn id="21" fill="hold">
+                    <p:cTn id="23" fill="hold">
                       <p:stCondLst>
                         <p:cond delay="indefinite"/>
                       </p:stCondLst>
                       <p:childTnLst>
                         <p:par>
-                          <p:cTn id="22" fill="hold">
+                          <p:cTn id="24" fill="hold">
                             <p:stCondLst>
                               <p:cond delay="0"/>
                             </p:stCondLst>
                             <p:childTnLst>
                               <p:par>
-                                <p:cTn id="23" presetID="1" presetClass="entr" presetSubtype="0" fill="hold" nodeType="clickEffect">
+                                <p:cTn id="25" presetID="1" presetClass="entr" presetSubtype="0" fill="hold" nodeType="clickEffect">
                                   <p:stCondLst>
                                     <p:cond delay="0"/>
                                   </p:stCondLst>
                                   <p:childTnLst>
                                     <p:set>
                                       <p:cBhvr>
-                                        <p:cTn id="24" dur="1" fill="hold">
+                                        <p:cTn id="26" dur="1" fill="hold">
                                           <p:stCondLst>
                                             <p:cond delay="0"/>
                                           </p:stCondLst>
@@ -27354,6 +27510,186 @@
   <p:clrMapOvr>
     <a:masterClrMapping/>
   </p:clrMapOvr>
+  <p:timing>
+    <p:tnLst>
+      <p:par>
+        <p:cTn id="1" dur="indefinite" restart="never" nodeType="tmRoot">
+          <p:childTnLst>
+            <p:seq concurrent="1" nextAc="seek">
+              <p:cTn id="2" dur="indefinite" nodeType="mainSeq">
+                <p:childTnLst>
+                  <p:par>
+                    <p:cTn id="3" fill="hold">
+                      <p:stCondLst>
+                        <p:cond delay="indefinite"/>
+                        <p:cond evt="onBegin" delay="0">
+                          <p:tn val="2"/>
+                        </p:cond>
+                      </p:stCondLst>
+                      <p:childTnLst>
+                        <p:par>
+                          <p:cTn id="4" fill="hold">
+                            <p:stCondLst>
+                              <p:cond delay="0"/>
+                            </p:stCondLst>
+                            <p:childTnLst>
+                              <p:par>
+                                <p:cTn id="5" presetID="1" presetClass="entr" presetSubtype="0" fill="hold" nodeType="withEffect">
+                                  <p:stCondLst>
+                                    <p:cond delay="0"/>
+                                  </p:stCondLst>
+                                  <p:childTnLst>
+                                    <p:set>
+                                      <p:cBhvr>
+                                        <p:cTn id="6" dur="1" fill="hold">
+                                          <p:stCondLst>
+                                            <p:cond delay="0"/>
+                                          </p:stCondLst>
+                                        </p:cTn>
+                                        <p:tgtEl>
+                                          <p:spTgt spid="8">
+                                            <p:txEl>
+                                              <p:pRg st="0" end="0"/>
+                                            </p:txEl>
+                                          </p:spTgt>
+                                        </p:tgtEl>
+                                        <p:attrNameLst>
+                                          <p:attrName>style.visibility</p:attrName>
+                                        </p:attrNameLst>
+                                      </p:cBhvr>
+                                      <p:to>
+                                        <p:strVal val="visible"/>
+                                      </p:to>
+                                    </p:set>
+                                  </p:childTnLst>
+                                </p:cTn>
+                              </p:par>
+                            </p:childTnLst>
+                          </p:cTn>
+                        </p:par>
+                      </p:childTnLst>
+                    </p:cTn>
+                  </p:par>
+                  <p:par>
+                    <p:cTn id="7" fill="hold">
+                      <p:stCondLst>
+                        <p:cond delay="indefinite"/>
+                      </p:stCondLst>
+                      <p:childTnLst>
+                        <p:par>
+                          <p:cTn id="8" fill="hold">
+                            <p:stCondLst>
+                              <p:cond delay="0"/>
+                            </p:stCondLst>
+                            <p:childTnLst>
+                              <p:par>
+                                <p:cTn id="9" presetID="1" presetClass="entr" presetSubtype="0" fill="hold" nodeType="clickEffect">
+                                  <p:stCondLst>
+                                    <p:cond delay="0"/>
+                                  </p:stCondLst>
+                                  <p:childTnLst>
+                                    <p:set>
+                                      <p:cBhvr>
+                                        <p:cTn id="10" dur="1" fill="hold">
+                                          <p:stCondLst>
+                                            <p:cond delay="0"/>
+                                          </p:stCondLst>
+                                        </p:cTn>
+                                        <p:tgtEl>
+                                          <p:spTgt spid="8">
+                                            <p:txEl>
+                                              <p:pRg st="2" end="2"/>
+                                            </p:txEl>
+                                          </p:spTgt>
+                                        </p:tgtEl>
+                                        <p:attrNameLst>
+                                          <p:attrName>style.visibility</p:attrName>
+                                        </p:attrNameLst>
+                                      </p:cBhvr>
+                                      <p:to>
+                                        <p:strVal val="visible"/>
+                                      </p:to>
+                                    </p:set>
+                                  </p:childTnLst>
+                                </p:cTn>
+                              </p:par>
+                            </p:childTnLst>
+                          </p:cTn>
+                        </p:par>
+                      </p:childTnLst>
+                    </p:cTn>
+                  </p:par>
+                  <p:par>
+                    <p:cTn id="11" fill="hold">
+                      <p:stCondLst>
+                        <p:cond delay="indefinite"/>
+                      </p:stCondLst>
+                      <p:childTnLst>
+                        <p:par>
+                          <p:cTn id="12" fill="hold">
+                            <p:stCondLst>
+                              <p:cond delay="0"/>
+                            </p:stCondLst>
+                            <p:childTnLst>
+                              <p:par>
+                                <p:cTn id="13" presetID="1" presetClass="entr" presetSubtype="0" fill="hold" nodeType="clickEffect">
+                                  <p:stCondLst>
+                                    <p:cond delay="0"/>
+                                  </p:stCondLst>
+                                  <p:childTnLst>
+                                    <p:set>
+                                      <p:cBhvr>
+                                        <p:cTn id="14" dur="1" fill="hold">
+                                          <p:stCondLst>
+                                            <p:cond delay="0"/>
+                                          </p:stCondLst>
+                                        </p:cTn>
+                                        <p:tgtEl>
+                                          <p:spTgt spid="8">
+                                            <p:txEl>
+                                              <p:pRg st="4" end="4"/>
+                                            </p:txEl>
+                                          </p:spTgt>
+                                        </p:tgtEl>
+                                        <p:attrNameLst>
+                                          <p:attrName>style.visibility</p:attrName>
+                                        </p:attrNameLst>
+                                      </p:cBhvr>
+                                      <p:to>
+                                        <p:strVal val="visible"/>
+                                      </p:to>
+                                    </p:set>
+                                  </p:childTnLst>
+                                </p:cTn>
+                              </p:par>
+                            </p:childTnLst>
+                          </p:cTn>
+                        </p:par>
+                      </p:childTnLst>
+                    </p:cTn>
+                  </p:par>
+                </p:childTnLst>
+              </p:cTn>
+              <p:prevCondLst>
+                <p:cond evt="onPrev" delay="0">
+                  <p:tgtEl>
+                    <p:sldTgt/>
+                  </p:tgtEl>
+                </p:cond>
+              </p:prevCondLst>
+              <p:nextCondLst>
+                <p:cond evt="onNext" delay="0">
+                  <p:tgtEl>
+                    <p:sldTgt/>
+                  </p:tgtEl>
+                </p:cond>
+              </p:nextCondLst>
+            </p:seq>
+          </p:childTnLst>
+        </p:cTn>
+      </p:par>
+    </p:tnLst>
+  </p:timing>
 </p:sld>
 </file>
 
@@ -28034,6 +28370,235 @@
   <p:clrMapOvr>
     <a:masterClrMapping/>
   </p:clrMapOvr>
+  <p:timing>
+    <p:tnLst>
+      <p:par>
+        <p:cTn id="1" dur="indefinite" restart="never" nodeType="tmRoot">
+          <p:childTnLst>
+            <p:seq concurrent="1" nextAc="seek">
+              <p:cTn id="2" dur="indefinite" nodeType="mainSeq">
+                <p:childTnLst>
+                  <p:par>
+                    <p:cTn id="3" fill="hold">
+                      <p:stCondLst>
+                        <p:cond delay="indefinite"/>
+                        <p:cond evt="onBegin" delay="0">
+                          <p:tn val="2"/>
+                        </p:cond>
+                      </p:stCondLst>
+                      <p:childTnLst>
+                        <p:par>
+                          <p:cTn id="4" fill="hold">
+                            <p:stCondLst>
+                              <p:cond delay="0"/>
+                            </p:stCondLst>
+                            <p:childTnLst>
+                              <p:par>
+                                <p:cTn id="5" presetID="1" presetClass="entr" presetSubtype="0" fill="hold" nodeType="withEffect">
+                                  <p:stCondLst>
+                                    <p:cond delay="0"/>
+                                  </p:stCondLst>
+                                  <p:childTnLst>
+                                    <p:set>
+                                      <p:cBhvr>
+                                        <p:cTn id="6" dur="1" fill="hold">
+                                          <p:stCondLst>
+                                            <p:cond delay="0"/>
+                                          </p:stCondLst>
+                                        </p:cTn>
+                                        <p:tgtEl>
+                                          <p:spTgt spid="8">
+                                            <p:txEl>
+                                              <p:pRg st="0" end="0"/>
+                                            </p:txEl>
+                                          </p:spTgt>
+                                        </p:tgtEl>
+                                        <p:attrNameLst>
+                                          <p:attrName>style.visibility</p:attrName>
+                                        </p:attrNameLst>
+                                      </p:cBhvr>
+                                      <p:to>
+                                        <p:strVal val="visible"/>
+                                      </p:to>
+                                    </p:set>
+                                  </p:childTnLst>
+                                </p:cTn>
+                              </p:par>
+                            </p:childTnLst>
+                          </p:cTn>
+                        </p:par>
+                      </p:childTnLst>
+                    </p:cTn>
+                  </p:par>
+                  <p:par>
+                    <p:cTn id="7" fill="hold">
+                      <p:stCondLst>
+                        <p:cond delay="indefinite"/>
+                      </p:stCondLst>
+                      <p:childTnLst>
+                        <p:par>
+                          <p:cTn id="8" fill="hold">
+                            <p:stCondLst>
+                              <p:cond delay="0"/>
+                            </p:stCondLst>
+                            <p:childTnLst>
+                              <p:par>
+                                <p:cTn id="9" presetID="1" presetClass="entr" presetSubtype="0" fill="hold" nodeType="clickEffect">
+                                  <p:stCondLst>
+                                    <p:cond delay="0"/>
+                                  </p:stCondLst>
+                                  <p:childTnLst>
+                                    <p:set>
+                                      <p:cBhvr>
+                                        <p:cTn id="10" dur="1" fill="hold">
+                                          <p:stCondLst>
+                                            <p:cond delay="0"/>
+                                          </p:stCondLst>
+                                        </p:cTn>
+                                        <p:tgtEl>
+                                          <p:spTgt spid="8">
+                                            <p:txEl>
+                                              <p:pRg st="2" end="2"/>
+                                            </p:txEl>
+                                          </p:spTgt>
+                                        </p:tgtEl>
+                                        <p:attrNameLst>
+                                          <p:attrName>style.visibility</p:attrName>
+                                        </p:attrNameLst>
+                                      </p:cBhvr>
+                                      <p:to>
+                                        <p:strVal val="visible"/>
+                                      </p:to>
+                                    </p:set>
+                                  </p:childTnLst>
+                                </p:cTn>
+                              </p:par>
+                            </p:childTnLst>
+                          </p:cTn>
+                        </p:par>
+                      </p:childTnLst>
+                    </p:cTn>
+                  </p:par>
+                  <p:par>
+                    <p:cTn id="11" fill="hold">
+                      <p:stCondLst>
+                        <p:cond delay="indefinite"/>
+                      </p:stCondLst>
+                      <p:childTnLst>
+                        <p:par>
+                          <p:cTn id="12" fill="hold">
+                            <p:stCondLst>
+                              <p:cond delay="0"/>
+                            </p:stCondLst>
+                            <p:childTnLst>
+                              <p:par>
+                                <p:cTn id="13" presetID="1" presetClass="entr" presetSubtype="0" fill="hold" nodeType="clickEffect">
+                                  <p:stCondLst>
+                                    <p:cond delay="0"/>
+                                  </p:stCondLst>
+                                  <p:childTnLst>
+                                    <p:set>
+                                      <p:cBhvr>
+                                        <p:cTn id="14" dur="1" fill="hold">
+                                          <p:stCondLst>
+                                            <p:cond delay="0"/>
+                                          </p:stCondLst>
+                                        </p:cTn>
+                                        <p:tgtEl>
+                                          <p:spTgt spid="8">
+                                            <p:txEl>
+                                              <p:pRg st="4" end="4"/>
+                                            </p:txEl>
+                                          </p:spTgt>
+                                        </p:tgtEl>
+                                        <p:attrNameLst>
+                                          <p:attrName>style.visibility</p:attrName>
+                                        </p:attrNameLst>
+                                      </p:cBhvr>
+                                      <p:to>
+                                        <p:strVal val="visible"/>
+                                      </p:to>
+                                    </p:set>
+                                  </p:childTnLst>
+                                </p:cTn>
+                              </p:par>
+                            </p:childTnLst>
+                          </p:cTn>
+                        </p:par>
+                      </p:childTnLst>
+                    </p:cTn>
+                  </p:par>
+                  <p:par>
+                    <p:cTn id="15" fill="hold">
+                      <p:stCondLst>
+                        <p:cond delay="indefinite"/>
+                      </p:stCondLst>
+                      <p:childTnLst>
+                        <p:par>
+                          <p:cTn id="16" fill="hold">
+                            <p:stCondLst>
+                              <p:cond delay="0"/>
+                            </p:stCondLst>
+                            <p:childTnLst>
+                              <p:par>
+                                <p:cTn id="17" presetID="1" presetClass="entr" presetSubtype="0" fill="hold" nodeType="clickEffect">
+                                  <p:stCondLst>
+                                    <p:cond delay="0"/>
+                                  </p:stCondLst>
+                                  <p:childTnLst>
+                                    <p:set>
+                                      <p:cBhvr>
+                                        <p:cTn id="18" dur="1" fill="hold">
+                                          <p:stCondLst>
+                                            <p:cond delay="0"/>
+                                          </p:stCondLst>
+                                        </p:cTn>
+                                        <p:tgtEl>
+                                          <p:spTgt spid="8">
+                                            <p:txEl>
+                                              <p:pRg st="6" end="6"/>
+                                            </p:txEl>
+                                          </p:spTgt>
+                                        </p:tgtEl>
+                                        <p:attrNameLst>
+                                          <p:attrName>style.visibility</p:attrName>
+                                        </p:attrNameLst>
+                                      </p:cBhvr>
+                                      <p:to>
+                                        <p:strVal val="visible"/>
+                                      </p:to>
+                                    </p:set>
+                                  </p:childTnLst>
+                                </p:cTn>
+                              </p:par>
+                            </p:childTnLst>
+                          </p:cTn>
+                        </p:par>
+                      </p:childTnLst>
+                    </p:cTn>
+                  </p:par>
+                </p:childTnLst>
+              </p:cTn>
+              <p:prevCondLst>
+                <p:cond evt="onPrev" delay="0">
+                  <p:tgtEl>
+                    <p:sldTgt/>
+                  </p:tgtEl>
+                </p:cond>
+              </p:prevCondLst>
+              <p:nextCondLst>
+                <p:cond evt="onNext" delay="0">
+                  <p:tgtEl>
+                    <p:sldTgt/>
+                  </p:tgtEl>
+                </p:cond>
+              </p:nextCondLst>
+            </p:seq>
+          </p:childTnLst>
+        </p:cTn>
+      </p:par>
+    </p:tnLst>
+  </p:timing>
 </p:sld>
 </file>
 
@@ -29218,6 +29783,589 @@
             </a:prstGeom>
             <a:grpFill/>
             <a:ln>
+              <a:solidFill>
+                <a:schemeClr val="tx1"/>
+              </a:solidFill>
+            </a:ln>
+          </p:spPr>
+          <p:style>
+            <a:lnRef idx="2">
+              <a:schemeClr val="accent1">
+                <a:shade val="50000"/>
+              </a:schemeClr>
+            </a:lnRef>
+            <a:fillRef idx="1">
+              <a:schemeClr val="accent1"/>
+            </a:fillRef>
+            <a:effectRef idx="0">
+              <a:schemeClr val="accent1"/>
+            </a:effectRef>
+            <a:fontRef idx="minor">
+              <a:schemeClr val="lt1"/>
+            </a:fontRef>
+          </p:style>
+          <p:txBody>
+            <a:bodyPr rtlCol="0" anchor="ctr"/>
+            <a:lstStyle/>
+            <a:p>
+              <a:pPr algn="ctr"/>
+              <a:endParaRPr lang="en-US" sz="1225"/>
+            </a:p>
+          </p:txBody>
+        </p:sp>
+        <p:sp>
+          <p:nvSpPr>
+            <p:cNvPr id="21" name="TextBox 20"/>
+            <p:cNvSpPr txBox="1"/>
+            <p:nvPr/>
+          </p:nvSpPr>
+          <p:spPr>
+            <a:xfrm>
+              <a:off x="501407" y="315365"/>
+              <a:ext cx="8089074" cy="400110"/>
+            </a:xfrm>
+            <a:prstGeom prst="rect">
+              <a:avLst/>
+            </a:prstGeom>
+            <a:grpFill/>
+            <a:ln>
+              <a:solidFill>
+                <a:schemeClr val="accent1"/>
+              </a:solidFill>
+            </a:ln>
+          </p:spPr>
+          <p:txBody>
+            <a:bodyPr wrap="square" rtlCol="0">
+              <a:spAutoFit/>
+            </a:bodyPr>
+            <a:lstStyle/>
+            <a:p>
+              <a:r>
+                <a:rPr lang="en-US" sz="2000" dirty="0">
+                  <a:solidFill>
+                    <a:schemeClr val="bg1"/>
+                  </a:solidFill>
+                </a:rPr>
+                <a:t>G&amp;GHDD &gt; Github.com &gt; Pull Request &gt; Workflow</a:t>
+              </a:r>
+            </a:p>
+          </p:txBody>
+        </p:sp>
+      </p:grpSp>
+      <p:sp>
+        <p:nvSpPr>
+          <p:cNvPr id="6" name="TextBox 5">
+            <a:extLst>
+              <a:ext uri="{FF2B5EF4-FFF2-40B4-BE49-F238E27FC236}">
+                <a16:creationId xmlns:a16="http://schemas.microsoft.com/office/drawing/2014/main" id="{2312A7E0-4F90-4324-A47C-E5C3A27FEC05}"/>
+              </a:ext>
+            </a:extLst>
+          </p:cNvPr>
+          <p:cNvSpPr txBox="1"/>
+          <p:nvPr/>
+        </p:nvSpPr>
+        <p:spPr>
+          <a:xfrm>
+            <a:off x="1288741" y="1669002"/>
+            <a:ext cx="9614518" cy="4216893"/>
+          </a:xfrm>
+          <a:prstGeom prst="rect">
+            <a:avLst/>
+          </a:prstGeom>
+          <a:noFill/>
+        </p:spPr>
+        <p:txBody>
+          <a:bodyPr wrap="square" lIns="0" tIns="0" rIns="0" bIns="0" rtlCol="0" anchor="t">
+            <a:noAutofit/>
+          </a:bodyPr>
+          <a:lstStyle/>
+          <a:p>
+            <a:pPr marL="457200" indent="-457200">
+              <a:buFont typeface="+mj-lt"/>
+              <a:buAutoNum type="arabicPeriod"/>
+            </a:pPr>
+            <a:r>
+              <a:rPr lang="en-US" sz="2100" dirty="0"/>
+              <a:t>Create “my-branch” based on “main”.</a:t>
+            </a:r>
+          </a:p>
+          <a:p>
+            <a:pPr marL="457200" indent="-457200">
+              <a:buFont typeface="+mj-lt"/>
+              <a:buAutoNum type="arabicPeriod"/>
+            </a:pPr>
+            <a:endParaRPr lang="en-US" sz="2100" dirty="0"/>
+          </a:p>
+          <a:p>
+            <a:pPr marL="457200" indent="-457200">
+              <a:buFont typeface="+mj-lt"/>
+              <a:buAutoNum type="arabicPeriod"/>
+            </a:pPr>
+            <a:r>
+              <a:rPr lang="en-US" sz="2100" dirty="0"/>
+              <a:t>Add commits to “my-branch”.</a:t>
+            </a:r>
+          </a:p>
+          <a:p>
+            <a:pPr marL="457200" indent="-457200">
+              <a:buFont typeface="+mj-lt"/>
+              <a:buAutoNum type="arabicPeriod"/>
+            </a:pPr>
+            <a:endParaRPr lang="en-US" sz="2100" dirty="0"/>
+          </a:p>
+          <a:p>
+            <a:pPr marL="457200" indent="-457200">
+              <a:buFont typeface="+mj-lt"/>
+              <a:buAutoNum type="arabicPeriod"/>
+            </a:pPr>
+            <a:r>
+              <a:rPr lang="en-US" sz="2100" dirty="0"/>
+              <a:t>Open a pull request from “my-branch” to “main”.</a:t>
+            </a:r>
+          </a:p>
+          <a:p>
+            <a:pPr marL="457200" indent="-457200">
+              <a:buFont typeface="+mj-lt"/>
+              <a:buAutoNum type="arabicPeriod"/>
+            </a:pPr>
+            <a:endParaRPr lang="en-US" sz="2100" dirty="0"/>
+          </a:p>
+          <a:p>
+            <a:pPr marL="457200" indent="-457200">
+              <a:buFont typeface="+mj-lt"/>
+              <a:buAutoNum type="arabicPeriod"/>
+            </a:pPr>
+            <a:r>
+              <a:rPr lang="en-US" sz="2100" dirty="0"/>
+              <a:t>Discuss and review code in pull request.</a:t>
+            </a:r>
+          </a:p>
+          <a:p>
+            <a:pPr marL="457200" indent="-457200">
+              <a:buFont typeface="+mj-lt"/>
+              <a:buAutoNum type="arabicPeriod"/>
+            </a:pPr>
+            <a:endParaRPr lang="en-US" sz="2100" dirty="0"/>
+          </a:p>
+          <a:p>
+            <a:pPr marL="457200" indent="-457200">
+              <a:buFont typeface="+mj-lt"/>
+              <a:buAutoNum type="arabicPeriod"/>
+            </a:pPr>
+            <a:r>
+              <a:rPr lang="en-US" sz="2100" dirty="0"/>
+              <a:t>Deploy “my-branch” to test environment for regression testing.</a:t>
+            </a:r>
+          </a:p>
+          <a:p>
+            <a:pPr marL="457200" indent="-457200">
+              <a:buFont typeface="+mj-lt"/>
+              <a:buAutoNum type="arabicPeriod"/>
+            </a:pPr>
+            <a:endParaRPr lang="en-US" sz="2100" dirty="0"/>
+          </a:p>
+          <a:p>
+            <a:pPr marL="457200" indent="-457200">
+              <a:buFont typeface="+mj-lt"/>
+              <a:buAutoNum type="arabicPeriod"/>
+            </a:pPr>
+            <a:r>
+              <a:rPr lang="en-US" sz="2100" dirty="0"/>
+              <a:t>Approve pull request and merge code from “my-branch” into “main”.</a:t>
+            </a:r>
+          </a:p>
+        </p:txBody>
+      </p:sp>
+    </p:spTree>
+    <p:extLst>
+      <p:ext uri="{BB962C8B-B14F-4D97-AF65-F5344CB8AC3E}">
+        <p14:creationId xmlns:p14="http://schemas.microsoft.com/office/powerpoint/2010/main" val="2266086276"/>
+      </p:ext>
+    </p:extLst>
+  </p:cSld>
+  <p:clrMapOvr>
+    <a:masterClrMapping/>
+  </p:clrMapOvr>
+  <p:timing>
+    <p:tnLst>
+      <p:par>
+        <p:cTn id="1" dur="indefinite" restart="never" nodeType="tmRoot">
+          <p:childTnLst>
+            <p:seq concurrent="1" nextAc="seek">
+              <p:cTn id="2" dur="indefinite" nodeType="mainSeq">
+                <p:childTnLst>
+                  <p:par>
+                    <p:cTn id="3" fill="hold">
+                      <p:stCondLst>
+                        <p:cond delay="indefinite"/>
+                        <p:cond evt="onBegin" delay="0">
+                          <p:tn val="2"/>
+                        </p:cond>
+                      </p:stCondLst>
+                      <p:childTnLst>
+                        <p:par>
+                          <p:cTn id="4" fill="hold">
+                            <p:stCondLst>
+                              <p:cond delay="0"/>
+                            </p:stCondLst>
+                            <p:childTnLst>
+                              <p:par>
+                                <p:cTn id="5" presetID="1" presetClass="entr" presetSubtype="0" fill="hold" nodeType="withEffect">
+                                  <p:stCondLst>
+                                    <p:cond delay="0"/>
+                                  </p:stCondLst>
+                                  <p:childTnLst>
+                                    <p:set>
+                                      <p:cBhvr>
+                                        <p:cTn id="6" dur="1" fill="hold">
+                                          <p:stCondLst>
+                                            <p:cond delay="0"/>
+                                          </p:stCondLst>
+                                        </p:cTn>
+                                        <p:tgtEl>
+                                          <p:spTgt spid="6">
+                                            <p:txEl>
+                                              <p:pRg st="0" end="0"/>
+                                            </p:txEl>
+                                          </p:spTgt>
+                                        </p:tgtEl>
+                                        <p:attrNameLst>
+                                          <p:attrName>style.visibility</p:attrName>
+                                        </p:attrNameLst>
+                                      </p:cBhvr>
+                                      <p:to>
+                                        <p:strVal val="visible"/>
+                                      </p:to>
+                                    </p:set>
+                                  </p:childTnLst>
+                                </p:cTn>
+                              </p:par>
+                            </p:childTnLst>
+                          </p:cTn>
+                        </p:par>
+                      </p:childTnLst>
+                    </p:cTn>
+                  </p:par>
+                  <p:par>
+                    <p:cTn id="7" fill="hold">
+                      <p:stCondLst>
+                        <p:cond delay="indefinite"/>
+                      </p:stCondLst>
+                      <p:childTnLst>
+                        <p:par>
+                          <p:cTn id="8" fill="hold">
+                            <p:stCondLst>
+                              <p:cond delay="0"/>
+                            </p:stCondLst>
+                            <p:childTnLst>
+                              <p:par>
+                                <p:cTn id="9" presetID="1" presetClass="entr" presetSubtype="0" fill="hold" nodeType="clickEffect">
+                                  <p:stCondLst>
+                                    <p:cond delay="0"/>
+                                  </p:stCondLst>
+                                  <p:childTnLst>
+                                    <p:set>
+                                      <p:cBhvr>
+                                        <p:cTn id="10" dur="1" fill="hold">
+                                          <p:stCondLst>
+                                            <p:cond delay="0"/>
+                                          </p:stCondLst>
+                                        </p:cTn>
+                                        <p:tgtEl>
+                                          <p:spTgt spid="6">
+                                            <p:txEl>
+                                              <p:pRg st="2" end="2"/>
+                                            </p:txEl>
+                                          </p:spTgt>
+                                        </p:tgtEl>
+                                        <p:attrNameLst>
+                                          <p:attrName>style.visibility</p:attrName>
+                                        </p:attrNameLst>
+                                      </p:cBhvr>
+                                      <p:to>
+                                        <p:strVal val="visible"/>
+                                      </p:to>
+                                    </p:set>
+                                  </p:childTnLst>
+                                </p:cTn>
+                              </p:par>
+                            </p:childTnLst>
+                          </p:cTn>
+                        </p:par>
+                      </p:childTnLst>
+                    </p:cTn>
+                  </p:par>
+                  <p:par>
+                    <p:cTn id="11" fill="hold">
+                      <p:stCondLst>
+                        <p:cond delay="indefinite"/>
+                      </p:stCondLst>
+                      <p:childTnLst>
+                        <p:par>
+                          <p:cTn id="12" fill="hold">
+                            <p:stCondLst>
+                              <p:cond delay="0"/>
+                            </p:stCondLst>
+                            <p:childTnLst>
+                              <p:par>
+                                <p:cTn id="13" presetID="1" presetClass="entr" presetSubtype="0" fill="hold" nodeType="clickEffect">
+                                  <p:stCondLst>
+                                    <p:cond delay="0"/>
+                                  </p:stCondLst>
+                                  <p:childTnLst>
+                                    <p:set>
+                                      <p:cBhvr>
+                                        <p:cTn id="14" dur="1" fill="hold">
+                                          <p:stCondLst>
+                                            <p:cond delay="0"/>
+                                          </p:stCondLst>
+                                        </p:cTn>
+                                        <p:tgtEl>
+                                          <p:spTgt spid="6">
+                                            <p:txEl>
+                                              <p:pRg st="4" end="4"/>
+                                            </p:txEl>
+                                          </p:spTgt>
+                                        </p:tgtEl>
+                                        <p:attrNameLst>
+                                          <p:attrName>style.visibility</p:attrName>
+                                        </p:attrNameLst>
+                                      </p:cBhvr>
+                                      <p:to>
+                                        <p:strVal val="visible"/>
+                                      </p:to>
+                                    </p:set>
+                                  </p:childTnLst>
+                                </p:cTn>
+                              </p:par>
+                            </p:childTnLst>
+                          </p:cTn>
+                        </p:par>
+                      </p:childTnLst>
+                    </p:cTn>
+                  </p:par>
+                  <p:par>
+                    <p:cTn id="15" fill="hold">
+                      <p:stCondLst>
+                        <p:cond delay="indefinite"/>
+                      </p:stCondLst>
+                      <p:childTnLst>
+                        <p:par>
+                          <p:cTn id="16" fill="hold">
+                            <p:stCondLst>
+                              <p:cond delay="0"/>
+                            </p:stCondLst>
+                            <p:childTnLst>
+                              <p:par>
+                                <p:cTn id="17" presetID="1" presetClass="entr" presetSubtype="0" fill="hold" nodeType="clickEffect">
+                                  <p:stCondLst>
+                                    <p:cond delay="0"/>
+                                  </p:stCondLst>
+                                  <p:childTnLst>
+                                    <p:set>
+                                      <p:cBhvr>
+                                        <p:cTn id="18" dur="1" fill="hold">
+                                          <p:stCondLst>
+                                            <p:cond delay="0"/>
+                                          </p:stCondLst>
+                                        </p:cTn>
+                                        <p:tgtEl>
+                                          <p:spTgt spid="6">
+                                            <p:txEl>
+                                              <p:pRg st="6" end="6"/>
+                                            </p:txEl>
+                                          </p:spTgt>
+                                        </p:tgtEl>
+                                        <p:attrNameLst>
+                                          <p:attrName>style.visibility</p:attrName>
+                                        </p:attrNameLst>
+                                      </p:cBhvr>
+                                      <p:to>
+                                        <p:strVal val="visible"/>
+                                      </p:to>
+                                    </p:set>
+                                  </p:childTnLst>
+                                </p:cTn>
+                              </p:par>
+                            </p:childTnLst>
+                          </p:cTn>
+                        </p:par>
+                      </p:childTnLst>
+                    </p:cTn>
+                  </p:par>
+                  <p:par>
+                    <p:cTn id="19" fill="hold">
+                      <p:stCondLst>
+                        <p:cond delay="indefinite"/>
+                      </p:stCondLst>
+                      <p:childTnLst>
+                        <p:par>
+                          <p:cTn id="20" fill="hold">
+                            <p:stCondLst>
+                              <p:cond delay="0"/>
+                            </p:stCondLst>
+                            <p:childTnLst>
+                              <p:par>
+                                <p:cTn id="21" presetID="1" presetClass="entr" presetSubtype="0" fill="hold" nodeType="clickEffect">
+                                  <p:stCondLst>
+                                    <p:cond delay="0"/>
+                                  </p:stCondLst>
+                                  <p:childTnLst>
+                                    <p:set>
+                                      <p:cBhvr>
+                                        <p:cTn id="22" dur="1" fill="hold">
+                                          <p:stCondLst>
+                                            <p:cond delay="0"/>
+                                          </p:stCondLst>
+                                        </p:cTn>
+                                        <p:tgtEl>
+                                          <p:spTgt spid="6">
+                                            <p:txEl>
+                                              <p:pRg st="8" end="8"/>
+                                            </p:txEl>
+                                          </p:spTgt>
+                                        </p:tgtEl>
+                                        <p:attrNameLst>
+                                          <p:attrName>style.visibility</p:attrName>
+                                        </p:attrNameLst>
+                                      </p:cBhvr>
+                                      <p:to>
+                                        <p:strVal val="visible"/>
+                                      </p:to>
+                                    </p:set>
+                                  </p:childTnLst>
+                                </p:cTn>
+                              </p:par>
+                            </p:childTnLst>
+                          </p:cTn>
+                        </p:par>
+                      </p:childTnLst>
+                    </p:cTn>
+                  </p:par>
+                  <p:par>
+                    <p:cTn id="23" fill="hold">
+                      <p:stCondLst>
+                        <p:cond delay="indefinite"/>
+                      </p:stCondLst>
+                      <p:childTnLst>
+                        <p:par>
+                          <p:cTn id="24" fill="hold">
+                            <p:stCondLst>
+                              <p:cond delay="0"/>
+                            </p:stCondLst>
+                            <p:childTnLst>
+                              <p:par>
+                                <p:cTn id="25" presetID="1" presetClass="entr" presetSubtype="0" fill="hold" nodeType="clickEffect">
+                                  <p:stCondLst>
+                                    <p:cond delay="0"/>
+                                  </p:stCondLst>
+                                  <p:childTnLst>
+                                    <p:set>
+                                      <p:cBhvr>
+                                        <p:cTn id="26" dur="1" fill="hold">
+                                          <p:stCondLst>
+                                            <p:cond delay="0"/>
+                                          </p:stCondLst>
+                                        </p:cTn>
+                                        <p:tgtEl>
+                                          <p:spTgt spid="6">
+                                            <p:txEl>
+                                              <p:pRg st="10" end="10"/>
+                                            </p:txEl>
+                                          </p:spTgt>
+                                        </p:tgtEl>
+                                        <p:attrNameLst>
+                                          <p:attrName>style.visibility</p:attrName>
+                                        </p:attrNameLst>
+                                      </p:cBhvr>
+                                      <p:to>
+                                        <p:strVal val="visible"/>
+                                      </p:to>
+                                    </p:set>
+                                  </p:childTnLst>
+                                </p:cTn>
+                              </p:par>
+                            </p:childTnLst>
+                          </p:cTn>
+                        </p:par>
+                      </p:childTnLst>
+                    </p:cTn>
+                  </p:par>
+                </p:childTnLst>
+              </p:cTn>
+              <p:prevCondLst>
+                <p:cond evt="onPrev" delay="0">
+                  <p:tgtEl>
+                    <p:sldTgt/>
+                  </p:tgtEl>
+                </p:cond>
+              </p:prevCondLst>
+              <p:nextCondLst>
+                <p:cond evt="onNext" delay="0">
+                  <p:tgtEl>
+                    <p:sldTgt/>
+                  </p:tgtEl>
+                </p:cond>
+              </p:nextCondLst>
+            </p:seq>
+          </p:childTnLst>
+        </p:cTn>
+      </p:par>
+    </p:tnLst>
+  </p:timing>
+</p:sld>
+</file>
+
+<file path=ppt/slides/slide29.xml><?xml version="1.0" encoding="utf-8"?>
+<p:sld xmlns:a="http://schemas.openxmlformats.org/drawingml/2006/main" xmlns:r="http://schemas.openxmlformats.org/officeDocument/2006/relationships" xmlns:p="http://schemas.openxmlformats.org/presentationml/2006/main">
+  <p:cSld>
+    <p:spTree>
+      <p:nvGrpSpPr>
+        <p:cNvPr id="1" name=""/>
+        <p:cNvGrpSpPr/>
+        <p:nvPr/>
+      </p:nvGrpSpPr>
+      <p:grpSpPr>
+        <a:xfrm>
+          <a:off x="0" y="0"/>
+          <a:ext cx="0" cy="0"/>
+          <a:chOff x="0" y="0"/>
+          <a:chExt cx="0" cy="0"/>
+        </a:xfrm>
+      </p:grpSpPr>
+      <p:grpSp>
+        <p:nvGrpSpPr>
+          <p:cNvPr id="13" name="Group 12"/>
+          <p:cNvGrpSpPr/>
+          <p:nvPr/>
+        </p:nvGrpSpPr>
+        <p:grpSpPr>
+          <a:xfrm>
+            <a:off x="2" y="2"/>
+            <a:ext cx="12191999" cy="948335"/>
+            <a:chOff x="0" y="0"/>
+            <a:chExt cx="12192000" cy="948335"/>
+          </a:xfrm>
+          <a:solidFill>
+            <a:schemeClr val="accent1"/>
+          </a:solidFill>
+        </p:grpSpPr>
+        <p:sp>
+          <p:nvSpPr>
+            <p:cNvPr id="2" name="Rectangle 1"/>
+            <p:cNvSpPr/>
+            <p:nvPr/>
+          </p:nvSpPr>
+          <p:spPr>
+            <a:xfrm>
+              <a:off x="0" y="0"/>
+              <a:ext cx="12192000" cy="948335"/>
+            </a:xfrm>
+            <a:prstGeom prst="rect">
+              <a:avLst/>
+            </a:prstGeom>
+            <a:grpFill/>
+            <a:ln>
               <a:noFill/>
             </a:ln>
           </p:spPr>
@@ -29356,138 +30504,6 @@
     <p:extLst>
       <p:ext uri="{BB962C8B-B14F-4D97-AF65-F5344CB8AC3E}">
         <p14:creationId xmlns:p14="http://schemas.microsoft.com/office/powerpoint/2010/main" val="491237519"/>
-      </p:ext>
-    </p:extLst>
-  </p:cSld>
-  <p:clrMapOvr>
-    <a:masterClrMapping/>
-  </p:clrMapOvr>
-</p:sld>
-</file>
-
-<file path=ppt/slides/slide29.xml><?xml version="1.0" encoding="utf-8"?>
-<p:sld xmlns:a="http://schemas.openxmlformats.org/drawingml/2006/main" xmlns:r="http://schemas.openxmlformats.org/officeDocument/2006/relationships" xmlns:p="http://schemas.openxmlformats.org/presentationml/2006/main">
-  <p:cSld>
-    <p:spTree>
-      <p:nvGrpSpPr>
-        <p:cNvPr id="1" name=""/>
-        <p:cNvGrpSpPr/>
-        <p:nvPr/>
-      </p:nvGrpSpPr>
-      <p:grpSpPr>
-        <a:xfrm>
-          <a:off x="0" y="0"/>
-          <a:ext cx="0" cy="0"/>
-          <a:chOff x="0" y="0"/>
-          <a:chExt cx="0" cy="0"/>
-        </a:xfrm>
-      </p:grpSpPr>
-      <p:grpSp>
-        <p:nvGrpSpPr>
-          <p:cNvPr id="13" name="Group 12"/>
-          <p:cNvGrpSpPr/>
-          <p:nvPr/>
-        </p:nvGrpSpPr>
-        <p:grpSpPr>
-          <a:xfrm>
-            <a:off x="2" y="2"/>
-            <a:ext cx="12191999" cy="948335"/>
-            <a:chOff x="0" y="0"/>
-            <a:chExt cx="12192000" cy="948335"/>
-          </a:xfrm>
-          <a:solidFill>
-            <a:schemeClr val="accent1"/>
-          </a:solidFill>
-        </p:grpSpPr>
-        <p:sp>
-          <p:nvSpPr>
-            <p:cNvPr id="2" name="Rectangle 1"/>
-            <p:cNvSpPr/>
-            <p:nvPr/>
-          </p:nvSpPr>
-          <p:spPr>
-            <a:xfrm>
-              <a:off x="0" y="0"/>
-              <a:ext cx="12192000" cy="948335"/>
-            </a:xfrm>
-            <a:prstGeom prst="rect">
-              <a:avLst/>
-            </a:prstGeom>
-            <a:grpFill/>
-            <a:ln>
-              <a:solidFill>
-                <a:schemeClr val="tx1"/>
-              </a:solidFill>
-            </a:ln>
-          </p:spPr>
-          <p:style>
-            <a:lnRef idx="2">
-              <a:schemeClr val="accent1">
-                <a:shade val="50000"/>
-              </a:schemeClr>
-            </a:lnRef>
-            <a:fillRef idx="1">
-              <a:schemeClr val="accent1"/>
-            </a:fillRef>
-            <a:effectRef idx="0">
-              <a:schemeClr val="accent1"/>
-            </a:effectRef>
-            <a:fontRef idx="minor">
-              <a:schemeClr val="lt1"/>
-            </a:fontRef>
-          </p:style>
-          <p:txBody>
-            <a:bodyPr rtlCol="0" anchor="ctr"/>
-            <a:lstStyle/>
-            <a:p>
-              <a:pPr algn="ctr"/>
-              <a:endParaRPr lang="en-US" sz="1225"/>
-            </a:p>
-          </p:txBody>
-        </p:sp>
-        <p:sp>
-          <p:nvSpPr>
-            <p:cNvPr id="21" name="TextBox 20"/>
-            <p:cNvSpPr txBox="1"/>
-            <p:nvPr/>
-          </p:nvSpPr>
-          <p:spPr>
-            <a:xfrm>
-              <a:off x="501407" y="315365"/>
-              <a:ext cx="8089074" cy="400110"/>
-            </a:xfrm>
-            <a:prstGeom prst="rect">
-              <a:avLst/>
-            </a:prstGeom>
-            <a:grpFill/>
-            <a:ln>
-              <a:solidFill>
-                <a:schemeClr val="accent1"/>
-              </a:solidFill>
-            </a:ln>
-          </p:spPr>
-          <p:txBody>
-            <a:bodyPr wrap="square" rtlCol="0">
-              <a:spAutoFit/>
-            </a:bodyPr>
-            <a:lstStyle/>
-            <a:p>
-              <a:r>
-                <a:rPr lang="en-US" sz="2000" dirty="0">
-                  <a:solidFill>
-                    <a:schemeClr val="bg1"/>
-                  </a:solidFill>
-                </a:rPr>
-                <a:t>G&amp;GHDD &gt; Github.com &gt; SSH</a:t>
-              </a:r>
-            </a:p>
-          </p:txBody>
-        </p:sp>
-      </p:grpSp>
-    </p:spTree>
-    <p:extLst>
-      <p:ext uri="{BB962C8B-B14F-4D97-AF65-F5344CB8AC3E}">
-        <p14:creationId xmlns:p14="http://schemas.microsoft.com/office/powerpoint/2010/main" val="1497820032"/>
       </p:ext>
     </p:extLst>
   </p:cSld>
@@ -29715,6 +30731,523 @@
             </a:prstGeom>
             <a:grpFill/>
             <a:ln>
+              <a:solidFill>
+                <a:schemeClr val="tx1"/>
+              </a:solidFill>
+            </a:ln>
+          </p:spPr>
+          <p:style>
+            <a:lnRef idx="2">
+              <a:schemeClr val="accent1">
+                <a:shade val="50000"/>
+              </a:schemeClr>
+            </a:lnRef>
+            <a:fillRef idx="1">
+              <a:schemeClr val="accent1"/>
+            </a:fillRef>
+            <a:effectRef idx="0">
+              <a:schemeClr val="accent1"/>
+            </a:effectRef>
+            <a:fontRef idx="minor">
+              <a:schemeClr val="lt1"/>
+            </a:fontRef>
+          </p:style>
+          <p:txBody>
+            <a:bodyPr rtlCol="0" anchor="ctr"/>
+            <a:lstStyle/>
+            <a:p>
+              <a:pPr algn="ctr"/>
+              <a:endParaRPr lang="en-US" sz="1225"/>
+            </a:p>
+          </p:txBody>
+        </p:sp>
+        <p:sp>
+          <p:nvSpPr>
+            <p:cNvPr id="21" name="TextBox 20"/>
+            <p:cNvSpPr txBox="1"/>
+            <p:nvPr/>
+          </p:nvSpPr>
+          <p:spPr>
+            <a:xfrm>
+              <a:off x="501407" y="315365"/>
+              <a:ext cx="8089074" cy="400110"/>
+            </a:xfrm>
+            <a:prstGeom prst="rect">
+              <a:avLst/>
+            </a:prstGeom>
+            <a:grpFill/>
+            <a:ln>
+              <a:solidFill>
+                <a:schemeClr val="accent1"/>
+              </a:solidFill>
+            </a:ln>
+          </p:spPr>
+          <p:txBody>
+            <a:bodyPr wrap="square" rtlCol="0">
+              <a:spAutoFit/>
+            </a:bodyPr>
+            <a:lstStyle/>
+            <a:p>
+              <a:r>
+                <a:rPr lang="en-US" sz="2000" dirty="0">
+                  <a:solidFill>
+                    <a:schemeClr val="bg1"/>
+                  </a:solidFill>
+                </a:rPr>
+                <a:t>G&amp;GHDD &gt; Github.com &gt; SSH</a:t>
+              </a:r>
+            </a:p>
+          </p:txBody>
+        </p:sp>
+      </p:grpSp>
+      <p:sp>
+        <p:nvSpPr>
+          <p:cNvPr id="5" name="TextBox 4">
+            <a:extLst>
+              <a:ext uri="{FF2B5EF4-FFF2-40B4-BE49-F238E27FC236}">
+                <a16:creationId xmlns:a16="http://schemas.microsoft.com/office/drawing/2014/main" id="{7A770F2A-AB05-443F-81A9-B2346B401C4B}"/>
+              </a:ext>
+            </a:extLst>
+          </p:cNvPr>
+          <p:cNvSpPr txBox="1"/>
+          <p:nvPr/>
+        </p:nvSpPr>
+        <p:spPr>
+          <a:xfrm>
+            <a:off x="1288741" y="1669002"/>
+            <a:ext cx="9614518" cy="4216893"/>
+          </a:xfrm>
+          <a:prstGeom prst="rect">
+            <a:avLst/>
+          </a:prstGeom>
+          <a:noFill/>
+        </p:spPr>
+        <p:txBody>
+          <a:bodyPr wrap="square" lIns="0" tIns="0" rIns="0" bIns="0" rtlCol="0" anchor="t">
+            <a:noAutofit/>
+          </a:bodyPr>
+          <a:lstStyle/>
+          <a:p>
+            <a:pPr marL="342900" indent="-342900">
+              <a:buFont typeface="Arial" panose="020B0604020202020204" pitchFamily="34" charset="0"/>
+              <a:buChar char="•"/>
+            </a:pPr>
+            <a:r>
+              <a:rPr lang="en-US" sz="2100" dirty="0"/>
+              <a:t>Using the SSH protocol, you can connect and authenticate to remote servers and services. </a:t>
+            </a:r>
+          </a:p>
+          <a:p>
+            <a:pPr marL="342900" indent="-342900">
+              <a:buFont typeface="Arial" panose="020B0604020202020204" pitchFamily="34" charset="0"/>
+              <a:buChar char="•"/>
+            </a:pPr>
+            <a:endParaRPr lang="en-US" sz="2100" dirty="0"/>
+          </a:p>
+          <a:p>
+            <a:pPr marL="342900" indent="-342900">
+              <a:buFont typeface="Arial" panose="020B0604020202020204" pitchFamily="34" charset="0"/>
+              <a:buChar char="•"/>
+            </a:pPr>
+            <a:r>
+              <a:rPr lang="en-US" sz="2100" dirty="0"/>
+              <a:t>With SSH keys, you can connect to GitHub.com without supplying your username or password at each visit.</a:t>
+            </a:r>
+          </a:p>
+          <a:p>
+            <a:pPr marL="342900" indent="-342900">
+              <a:buFont typeface="Arial" panose="020B0604020202020204" pitchFamily="34" charset="0"/>
+              <a:buChar char="•"/>
+            </a:pPr>
+            <a:endParaRPr lang="en-US" sz="2100" dirty="0"/>
+          </a:p>
+          <a:p>
+            <a:pPr marL="342900" indent="-342900">
+              <a:buFont typeface="Arial" panose="020B0604020202020204" pitchFamily="34" charset="0"/>
+              <a:buChar char="•"/>
+            </a:pPr>
+            <a:r>
+              <a:rPr lang="en-US" sz="2100" dirty="0"/>
+              <a:t>To use your SSH key you'll need to add it to your account via GitHub.com.</a:t>
+            </a:r>
+          </a:p>
+          <a:p>
+            <a:pPr marL="342900" indent="-342900">
+              <a:buFont typeface="Arial" panose="020B0604020202020204" pitchFamily="34" charset="0"/>
+              <a:buChar char="•"/>
+            </a:pPr>
+            <a:endParaRPr lang="en-US" sz="2100" dirty="0"/>
+          </a:p>
+          <a:p>
+            <a:pPr marL="342900" indent="-342900">
+              <a:buFont typeface="Arial" panose="020B0604020202020204" pitchFamily="34" charset="0"/>
+              <a:buChar char="•"/>
+            </a:pPr>
+            <a:r>
+              <a:rPr lang="en-US" sz="2100" dirty="0"/>
+              <a:t>If you haven't used your SSH key for a year, then GitHub.com will automatically delete your inactive SSH key as a security precaution.</a:t>
+            </a:r>
+          </a:p>
+          <a:p>
+            <a:pPr marL="342900" indent="-342900">
+              <a:buFont typeface="Arial" panose="020B0604020202020204" pitchFamily="34" charset="0"/>
+              <a:buChar char="•"/>
+            </a:pPr>
+            <a:endParaRPr lang="en-US" sz="2100" dirty="0"/>
+          </a:p>
+          <a:p>
+            <a:pPr marL="342900" indent="-342900">
+              <a:buFont typeface="Arial" panose="020B0604020202020204" pitchFamily="34" charset="0"/>
+              <a:buChar char="•"/>
+            </a:pPr>
+            <a:r>
+              <a:rPr lang="en-US" sz="2100" dirty="0"/>
+              <a:t>If you're a member of an organization that provides SSH certificates, you can use your certificate to access that organization's repositories without adding the certificate to your GitHub account.</a:t>
+            </a:r>
+          </a:p>
+        </p:txBody>
+      </p:sp>
+    </p:spTree>
+    <p:extLst>
+      <p:ext uri="{BB962C8B-B14F-4D97-AF65-F5344CB8AC3E}">
+        <p14:creationId xmlns:p14="http://schemas.microsoft.com/office/powerpoint/2010/main" val="1497820032"/>
+      </p:ext>
+    </p:extLst>
+  </p:cSld>
+  <p:clrMapOvr>
+    <a:masterClrMapping/>
+  </p:clrMapOvr>
+  <p:timing>
+    <p:tnLst>
+      <p:par>
+        <p:cTn id="1" dur="indefinite" restart="never" nodeType="tmRoot">
+          <p:childTnLst>
+            <p:seq concurrent="1" nextAc="seek">
+              <p:cTn id="2" dur="indefinite" nodeType="mainSeq">
+                <p:childTnLst>
+                  <p:par>
+                    <p:cTn id="3" fill="hold">
+                      <p:stCondLst>
+                        <p:cond delay="indefinite"/>
+                        <p:cond evt="onBegin" delay="0">
+                          <p:tn val="2"/>
+                        </p:cond>
+                      </p:stCondLst>
+                      <p:childTnLst>
+                        <p:par>
+                          <p:cTn id="4" fill="hold">
+                            <p:stCondLst>
+                              <p:cond delay="0"/>
+                            </p:stCondLst>
+                            <p:childTnLst>
+                              <p:par>
+                                <p:cTn id="5" presetID="1" presetClass="entr" presetSubtype="0" fill="hold" nodeType="withEffect">
+                                  <p:stCondLst>
+                                    <p:cond delay="0"/>
+                                  </p:stCondLst>
+                                  <p:childTnLst>
+                                    <p:set>
+                                      <p:cBhvr>
+                                        <p:cTn id="6" dur="1" fill="hold">
+                                          <p:stCondLst>
+                                            <p:cond delay="0"/>
+                                          </p:stCondLst>
+                                        </p:cTn>
+                                        <p:tgtEl>
+                                          <p:spTgt spid="5">
+                                            <p:txEl>
+                                              <p:pRg st="0" end="0"/>
+                                            </p:txEl>
+                                          </p:spTgt>
+                                        </p:tgtEl>
+                                        <p:attrNameLst>
+                                          <p:attrName>style.visibility</p:attrName>
+                                        </p:attrNameLst>
+                                      </p:cBhvr>
+                                      <p:to>
+                                        <p:strVal val="visible"/>
+                                      </p:to>
+                                    </p:set>
+                                  </p:childTnLst>
+                                </p:cTn>
+                              </p:par>
+                            </p:childTnLst>
+                          </p:cTn>
+                        </p:par>
+                      </p:childTnLst>
+                    </p:cTn>
+                  </p:par>
+                  <p:par>
+                    <p:cTn id="7" fill="hold">
+                      <p:stCondLst>
+                        <p:cond delay="indefinite"/>
+                      </p:stCondLst>
+                      <p:childTnLst>
+                        <p:par>
+                          <p:cTn id="8" fill="hold">
+                            <p:stCondLst>
+                              <p:cond delay="0"/>
+                            </p:stCondLst>
+                            <p:childTnLst>
+                              <p:par>
+                                <p:cTn id="9" presetID="1" presetClass="entr" presetSubtype="0" fill="hold" nodeType="clickEffect">
+                                  <p:stCondLst>
+                                    <p:cond delay="0"/>
+                                  </p:stCondLst>
+                                  <p:childTnLst>
+                                    <p:set>
+                                      <p:cBhvr>
+                                        <p:cTn id="10" dur="1" fill="hold">
+                                          <p:stCondLst>
+                                            <p:cond delay="0"/>
+                                          </p:stCondLst>
+                                        </p:cTn>
+                                        <p:tgtEl>
+                                          <p:spTgt spid="5">
+                                            <p:txEl>
+                                              <p:pRg st="2" end="2"/>
+                                            </p:txEl>
+                                          </p:spTgt>
+                                        </p:tgtEl>
+                                        <p:attrNameLst>
+                                          <p:attrName>style.visibility</p:attrName>
+                                        </p:attrNameLst>
+                                      </p:cBhvr>
+                                      <p:to>
+                                        <p:strVal val="visible"/>
+                                      </p:to>
+                                    </p:set>
+                                  </p:childTnLst>
+                                </p:cTn>
+                              </p:par>
+                            </p:childTnLst>
+                          </p:cTn>
+                        </p:par>
+                      </p:childTnLst>
+                    </p:cTn>
+                  </p:par>
+                  <p:par>
+                    <p:cTn id="11" fill="hold">
+                      <p:stCondLst>
+                        <p:cond delay="indefinite"/>
+                      </p:stCondLst>
+                      <p:childTnLst>
+                        <p:par>
+                          <p:cTn id="12" fill="hold">
+                            <p:stCondLst>
+                              <p:cond delay="0"/>
+                            </p:stCondLst>
+                            <p:childTnLst>
+                              <p:par>
+                                <p:cTn id="13" presetID="1" presetClass="entr" presetSubtype="0" fill="hold" nodeType="clickEffect">
+                                  <p:stCondLst>
+                                    <p:cond delay="0"/>
+                                  </p:stCondLst>
+                                  <p:childTnLst>
+                                    <p:set>
+                                      <p:cBhvr>
+                                        <p:cTn id="14" dur="1" fill="hold">
+                                          <p:stCondLst>
+                                            <p:cond delay="0"/>
+                                          </p:stCondLst>
+                                        </p:cTn>
+                                        <p:tgtEl>
+                                          <p:spTgt spid="5">
+                                            <p:txEl>
+                                              <p:pRg st="4" end="4"/>
+                                            </p:txEl>
+                                          </p:spTgt>
+                                        </p:tgtEl>
+                                        <p:attrNameLst>
+                                          <p:attrName>style.visibility</p:attrName>
+                                        </p:attrNameLst>
+                                      </p:cBhvr>
+                                      <p:to>
+                                        <p:strVal val="visible"/>
+                                      </p:to>
+                                    </p:set>
+                                  </p:childTnLst>
+                                </p:cTn>
+                              </p:par>
+                            </p:childTnLst>
+                          </p:cTn>
+                        </p:par>
+                      </p:childTnLst>
+                    </p:cTn>
+                  </p:par>
+                  <p:par>
+                    <p:cTn id="15" fill="hold">
+                      <p:stCondLst>
+                        <p:cond delay="indefinite"/>
+                      </p:stCondLst>
+                      <p:childTnLst>
+                        <p:par>
+                          <p:cTn id="16" fill="hold">
+                            <p:stCondLst>
+                              <p:cond delay="0"/>
+                            </p:stCondLst>
+                            <p:childTnLst>
+                              <p:par>
+                                <p:cTn id="17" presetID="1" presetClass="entr" presetSubtype="0" fill="hold" nodeType="clickEffect">
+                                  <p:stCondLst>
+                                    <p:cond delay="0"/>
+                                  </p:stCondLst>
+                                  <p:childTnLst>
+                                    <p:set>
+                                      <p:cBhvr>
+                                        <p:cTn id="18" dur="1" fill="hold">
+                                          <p:stCondLst>
+                                            <p:cond delay="0"/>
+                                          </p:stCondLst>
+                                        </p:cTn>
+                                        <p:tgtEl>
+                                          <p:spTgt spid="5">
+                                            <p:txEl>
+                                              <p:pRg st="6" end="6"/>
+                                            </p:txEl>
+                                          </p:spTgt>
+                                        </p:tgtEl>
+                                        <p:attrNameLst>
+                                          <p:attrName>style.visibility</p:attrName>
+                                        </p:attrNameLst>
+                                      </p:cBhvr>
+                                      <p:to>
+                                        <p:strVal val="visible"/>
+                                      </p:to>
+                                    </p:set>
+                                  </p:childTnLst>
+                                </p:cTn>
+                              </p:par>
+                            </p:childTnLst>
+                          </p:cTn>
+                        </p:par>
+                      </p:childTnLst>
+                    </p:cTn>
+                  </p:par>
+                  <p:par>
+                    <p:cTn id="19" fill="hold">
+                      <p:stCondLst>
+                        <p:cond delay="indefinite"/>
+                      </p:stCondLst>
+                      <p:childTnLst>
+                        <p:par>
+                          <p:cTn id="20" fill="hold">
+                            <p:stCondLst>
+                              <p:cond delay="0"/>
+                            </p:stCondLst>
+                            <p:childTnLst>
+                              <p:par>
+                                <p:cTn id="21" presetID="1" presetClass="entr" presetSubtype="0" fill="hold" nodeType="clickEffect">
+                                  <p:stCondLst>
+                                    <p:cond delay="0"/>
+                                  </p:stCondLst>
+                                  <p:childTnLst>
+                                    <p:set>
+                                      <p:cBhvr>
+                                        <p:cTn id="22" dur="1" fill="hold">
+                                          <p:stCondLst>
+                                            <p:cond delay="0"/>
+                                          </p:stCondLst>
+                                        </p:cTn>
+                                        <p:tgtEl>
+                                          <p:spTgt spid="5">
+                                            <p:txEl>
+                                              <p:pRg st="8" end="8"/>
+                                            </p:txEl>
+                                          </p:spTgt>
+                                        </p:tgtEl>
+                                        <p:attrNameLst>
+                                          <p:attrName>style.visibility</p:attrName>
+                                        </p:attrNameLst>
+                                      </p:cBhvr>
+                                      <p:to>
+                                        <p:strVal val="visible"/>
+                                      </p:to>
+                                    </p:set>
+                                  </p:childTnLst>
+                                </p:cTn>
+                              </p:par>
+                            </p:childTnLst>
+                          </p:cTn>
+                        </p:par>
+                      </p:childTnLst>
+                    </p:cTn>
+                  </p:par>
+                </p:childTnLst>
+              </p:cTn>
+              <p:prevCondLst>
+                <p:cond evt="onPrev" delay="0">
+                  <p:tgtEl>
+                    <p:sldTgt/>
+                  </p:tgtEl>
+                </p:cond>
+              </p:prevCondLst>
+              <p:nextCondLst>
+                <p:cond evt="onNext" delay="0">
+                  <p:tgtEl>
+                    <p:sldTgt/>
+                  </p:tgtEl>
+                </p:cond>
+              </p:nextCondLst>
+            </p:seq>
+          </p:childTnLst>
+        </p:cTn>
+      </p:par>
+    </p:tnLst>
+  </p:timing>
+</p:sld>
+</file>
+
+<file path=ppt/slides/slide31.xml><?xml version="1.0" encoding="utf-8"?>
+<p:sld xmlns:a="http://schemas.openxmlformats.org/drawingml/2006/main" xmlns:r="http://schemas.openxmlformats.org/officeDocument/2006/relationships" xmlns:p="http://schemas.openxmlformats.org/presentationml/2006/main">
+  <p:cSld>
+    <p:spTree>
+      <p:nvGrpSpPr>
+        <p:cNvPr id="1" name=""/>
+        <p:cNvGrpSpPr/>
+        <p:nvPr/>
+      </p:nvGrpSpPr>
+      <p:grpSpPr>
+        <a:xfrm>
+          <a:off x="0" y="0"/>
+          <a:ext cx="0" cy="0"/>
+          <a:chOff x="0" y="0"/>
+          <a:chExt cx="0" cy="0"/>
+        </a:xfrm>
+      </p:grpSpPr>
+      <p:grpSp>
+        <p:nvGrpSpPr>
+          <p:cNvPr id="13" name="Group 12"/>
+          <p:cNvGrpSpPr/>
+          <p:nvPr/>
+        </p:nvGrpSpPr>
+        <p:grpSpPr>
+          <a:xfrm>
+            <a:off x="2" y="2"/>
+            <a:ext cx="12191999" cy="948335"/>
+            <a:chOff x="0" y="0"/>
+            <a:chExt cx="12192000" cy="948335"/>
+          </a:xfrm>
+          <a:solidFill>
+            <a:schemeClr val="accent1"/>
+          </a:solidFill>
+        </p:grpSpPr>
+        <p:sp>
+          <p:nvSpPr>
+            <p:cNvPr id="2" name="Rectangle 1"/>
+            <p:cNvSpPr/>
+            <p:nvPr/>
+          </p:nvSpPr>
+          <p:spPr>
+            <a:xfrm>
+              <a:off x="0" y="0"/>
+              <a:ext cx="12192000" cy="948335"/>
+            </a:xfrm>
+            <a:prstGeom prst="rect">
+              <a:avLst/>
+            </a:prstGeom>
+            <a:grpFill/>
+            <a:ln>
               <a:noFill/>
             </a:ln>
           </p:spPr>
@@ -29862,7 +31395,7 @@
 </p:sld>
 </file>
 
-<file path=ppt/slides/slide31.xml><?xml version="1.0" encoding="utf-8"?>
+<file path=ppt/slides/slide32.xml><?xml version="1.0" encoding="utf-8"?>
 <p:sld xmlns:a="http://schemas.openxmlformats.org/drawingml/2006/main" xmlns:r="http://schemas.openxmlformats.org/officeDocument/2006/relationships" xmlns:p="http://schemas.openxmlformats.org/presentationml/2006/main">
   <p:cSld>
     <p:spTree>
@@ -30118,7 +31651,7 @@
 </p:sld>
 </file>
 
-<file path=ppt/slides/slide32.xml><?xml version="1.0" encoding="utf-8"?>
+<file path=ppt/slides/slide33.xml><?xml version="1.0" encoding="utf-8"?>
 <p:sld xmlns:a="http://schemas.openxmlformats.org/drawingml/2006/main" xmlns:r="http://schemas.openxmlformats.org/officeDocument/2006/relationships" xmlns:p="http://schemas.openxmlformats.org/presentationml/2006/main">
   <p:cSld>
     <p:spTree>
@@ -30899,7 +32432,7 @@
 </p:sld>
 </file>
 
-<file path=ppt/slides/slide33.xml><?xml version="1.0" encoding="utf-8"?>
+<file path=ppt/slides/slide34.xml><?xml version="1.0" encoding="utf-8"?>
 <p:sld xmlns:a="http://schemas.openxmlformats.org/drawingml/2006/main" xmlns:r="http://schemas.openxmlformats.org/officeDocument/2006/relationships" xmlns:p="http://schemas.openxmlformats.org/presentationml/2006/main">
   <p:cSld>
     <p:spTree>
@@ -31155,7 +32688,7 @@
 </p:sld>
 </file>
 
-<file path=ppt/slides/slide34.xml><?xml version="1.0" encoding="utf-8"?>
+<file path=ppt/slides/slide35.xml><?xml version="1.0" encoding="utf-8"?>
 <p:sld xmlns:a="http://schemas.openxmlformats.org/drawingml/2006/main" xmlns:r="http://schemas.openxmlformats.org/officeDocument/2006/relationships" xmlns:p="http://schemas.openxmlformats.org/presentationml/2006/main">
   <p:cSld>
     <p:spTree>
@@ -31409,7 +32942,7 @@
 </p:sld>
 </file>
 
-<file path=ppt/slides/slide35.xml><?xml version="1.0" encoding="utf-8"?>
+<file path=ppt/slides/slide36.xml><?xml version="1.0" encoding="utf-8"?>
 <p:sld xmlns:a="http://schemas.openxmlformats.org/drawingml/2006/main" xmlns:r="http://schemas.openxmlformats.org/officeDocument/2006/relationships" xmlns:p="http://schemas.openxmlformats.org/presentationml/2006/main">
   <p:cSld>
     <p:spTree>
@@ -31867,7 +33400,7 @@
                     <a:schemeClr val="bg1"/>
                   </a:solidFill>
                 </a:rPr>
-                <a:t>G&amp;GHDD &gt; Big Picture &gt; Centralized vs Decentralized</a:t>
+                <a:t>G&amp;GHDD &gt; Big Picture &gt; Centralized vs Distributed</a:t>
               </a:r>
             </a:p>
           </p:txBody>
@@ -35179,18 +36712,18 @@
 </file>
 
 <file path=customXml/item1.xml><?xml version="1.0" encoding="utf-8"?>
+<p:properties xmlns:p="http://schemas.microsoft.com/office/2006/metadata/properties" xmlns:xsi="http://www.w3.org/2001/XMLSchema-instance" xmlns:pc="http://schemas.microsoft.com/office/infopath/2007/PartnerControls">
+  <documentManagement/>
+</p:properties>
+</file>
+
+<file path=customXml/item2.xml><?xml version="1.0" encoding="utf-8"?>
 <?mso-contentType ?>
 <FormTemplates xmlns="http://schemas.microsoft.com/sharepoint/v3/contenttype/forms">
   <Display>DocumentLibraryForm</Display>
   <Edit>DocumentLibraryForm</Edit>
   <New>DocumentLibraryForm</New>
 </FormTemplates>
-</file>
-
-<file path=customXml/item2.xml><?xml version="1.0" encoding="utf-8"?>
-<p:properties xmlns:p="http://schemas.microsoft.com/office/2006/metadata/properties" xmlns:xsi="http://www.w3.org/2001/XMLSchema-instance" xmlns:pc="http://schemas.microsoft.com/office/infopath/2007/PartnerControls">
-  <documentManagement/>
-</p:properties>
 </file>
 
 <file path=customXml/item3.xml><?xml version="1.0" encoding="utf-8"?>
@@ -35379,18 +36912,18 @@
 </file>
 
 <file path=customXml/itemProps1.xml><?xml version="1.0" encoding="utf-8"?>
-<ds:datastoreItem xmlns:ds="http://schemas.openxmlformats.org/officeDocument/2006/customXml" ds:itemID="{4273EE10-C1B2-449B-9085-39965BA21A56}">
+<ds:datastoreItem xmlns:ds="http://schemas.openxmlformats.org/officeDocument/2006/customXml" ds:itemID="{B61EE2CA-DCC7-45E5-87C8-6789A166AF77}">
   <ds:schemaRefs>
-    <ds:schemaRef ds:uri="http://schemas.microsoft.com/sharepoint/v3/contenttype/forms"/>
+    <ds:schemaRef ds:uri="http://schemas.microsoft.com/office/2006/metadata/properties"/>
+    <ds:schemaRef ds:uri="http://schemas.microsoft.com/office/infopath/2007/PartnerControls"/>
   </ds:schemaRefs>
 </ds:datastoreItem>
 </file>
 
 <file path=customXml/itemProps2.xml><?xml version="1.0" encoding="utf-8"?>
-<ds:datastoreItem xmlns:ds="http://schemas.openxmlformats.org/officeDocument/2006/customXml" ds:itemID="{B61EE2CA-DCC7-45E5-87C8-6789A166AF77}">
+<ds:datastoreItem xmlns:ds="http://schemas.openxmlformats.org/officeDocument/2006/customXml" ds:itemID="{4273EE10-C1B2-449B-9085-39965BA21A56}">
   <ds:schemaRefs>
-    <ds:schemaRef ds:uri="http://schemas.microsoft.com/office/2006/metadata/properties"/>
-    <ds:schemaRef ds:uri="http://schemas.microsoft.com/office/infopath/2007/PartnerControls"/>
+    <ds:schemaRef ds:uri="http://schemas.microsoft.com/sharepoint/v3/contenttype/forms"/>
   </ds:schemaRefs>
 </ds:datastoreItem>
 </file>

--- a/workshops/git-github-deep-dive/git_github_deep_dive.pptx
+++ b/workshops/git-github-deep-dive/git_github_deep_dive.pptx
@@ -2957,7 +2957,7 @@
           <a:p>
             <a:fld id="{F540F470-726F-426E-889A-8E92A4693460}" type="datetimeFigureOut">
               <a:rPr lang="en-GB" smtClean="0"/>
-              <a:t>08/10/2020</a:t>
+              <a:t>09/10/2020</a:t>
             </a:fld>
             <a:endParaRPr lang="en-GB" dirty="0"/>
           </a:p>
@@ -3127,7 +3127,7 @@
             <a:fld id="{CD72A38B-F9FA-4036-A084-652409E98F08}" type="datetimeFigureOut">
               <a:rPr lang="en-GB" smtClean="0"/>
               <a:pPr/>
-              <a:t>08/10/2020</a:t>
+              <a:t>09/10/2020</a:t>
             </a:fld>
             <a:endParaRPr lang="en-GB" dirty="0"/>
           </a:p>
@@ -5464,10 +5464,6 @@
           <a:bodyPr/>
           <a:lstStyle/>
           <a:p>
-            <a:r>
-              <a:rPr lang="en-US" dirty="0"/>
-              <a:t>https://docs.github.com/en/free-pro-team@latest/github/managing-files-in-a-repository</a:t>
-            </a:r>
             <a:endParaRPr lang="da-DK" dirty="0"/>
           </a:p>
         </p:txBody>
@@ -6578,7 +6574,7 @@
           <a:p>
             <a:fld id="{CAE15A36-EF7C-49E1-9E28-DC0261021B88}" type="datetime4">
               <a:rPr lang="en-GB" smtClean="0"/>
-              <a:t>08 October 2020</a:t>
+              <a:t>09 October 2020</a:t>
             </a:fld>
             <a:endParaRPr lang="en-GB" dirty="0"/>
           </a:p>
@@ -7081,7 +7077,7 @@
           <a:p>
             <a:fld id="{73A80043-8D1A-4EE7-8835-0FA45918CF0B}" type="datetime4">
               <a:rPr lang="en-GB" smtClean="0"/>
-              <a:t>08 October 2020</a:t>
+              <a:t>09 October 2020</a:t>
             </a:fld>
             <a:endParaRPr lang="en-GB" dirty="0"/>
           </a:p>
@@ -15607,7 +15603,7 @@
           <a:p>
             <a:fld id="{61C39D88-A2D2-46EF-88AA-9A0C8DF2E827}" type="datetime4">
               <a:rPr lang="en-GB" smtClean="0"/>
-              <a:t>08 October 2020</a:t>
+              <a:t>09 October 2020</a:t>
             </a:fld>
             <a:endParaRPr lang="en-GB" dirty="0"/>
           </a:p>
@@ -16994,7 +16990,7 @@
           <a:p>
             <a:fld id="{E66F39FE-A71C-4EA9-B6A2-49D418A61827}" type="datetimeFigureOut">
               <a:rPr lang="en-US" smtClean="0"/>
-              <a:t>10/8/2020</a:t>
+              <a:t>10/9/2020</a:t>
             </a:fld>
             <a:endParaRPr lang="en-US"/>
           </a:p>
@@ -20775,7 +20771,7 @@
           <a:p>
             <a:fld id="{A98DB34D-784C-4D9C-ABD8-61F63F762187}" type="datetime4">
               <a:rPr lang="en-GB" smtClean="0"/>
-              <a:t>08 October 2020</a:t>
+              <a:t>09 October 2020</a:t>
             </a:fld>
             <a:endParaRPr lang="en-GB" dirty="0"/>
           </a:p>
@@ -36712,18 +36708,18 @@
 </file>
 
 <file path=customXml/item1.xml><?xml version="1.0" encoding="utf-8"?>
-<p:properties xmlns:p="http://schemas.microsoft.com/office/2006/metadata/properties" xmlns:xsi="http://www.w3.org/2001/XMLSchema-instance" xmlns:pc="http://schemas.microsoft.com/office/infopath/2007/PartnerControls">
-  <documentManagement/>
-</p:properties>
-</file>
-
-<file path=customXml/item2.xml><?xml version="1.0" encoding="utf-8"?>
 <?mso-contentType ?>
 <FormTemplates xmlns="http://schemas.microsoft.com/sharepoint/v3/contenttype/forms">
   <Display>DocumentLibraryForm</Display>
   <Edit>DocumentLibraryForm</Edit>
   <New>DocumentLibraryForm</New>
 </FormTemplates>
+</file>
+
+<file path=customXml/item2.xml><?xml version="1.0" encoding="utf-8"?>
+<p:properties xmlns:p="http://schemas.microsoft.com/office/2006/metadata/properties" xmlns:xsi="http://www.w3.org/2001/XMLSchema-instance" xmlns:pc="http://schemas.microsoft.com/office/infopath/2007/PartnerControls">
+  <documentManagement/>
+</p:properties>
 </file>
 
 <file path=customXml/item3.xml><?xml version="1.0" encoding="utf-8"?>
@@ -36912,18 +36908,18 @@
 </file>
 
 <file path=customXml/itemProps1.xml><?xml version="1.0" encoding="utf-8"?>
-<ds:datastoreItem xmlns:ds="http://schemas.openxmlformats.org/officeDocument/2006/customXml" ds:itemID="{B61EE2CA-DCC7-45E5-87C8-6789A166AF77}">
+<ds:datastoreItem xmlns:ds="http://schemas.openxmlformats.org/officeDocument/2006/customXml" ds:itemID="{4273EE10-C1B2-449B-9085-39965BA21A56}">
   <ds:schemaRefs>
-    <ds:schemaRef ds:uri="http://schemas.microsoft.com/office/2006/metadata/properties"/>
-    <ds:schemaRef ds:uri="http://schemas.microsoft.com/office/infopath/2007/PartnerControls"/>
+    <ds:schemaRef ds:uri="http://schemas.microsoft.com/sharepoint/v3/contenttype/forms"/>
   </ds:schemaRefs>
 </ds:datastoreItem>
 </file>
 
 <file path=customXml/itemProps2.xml><?xml version="1.0" encoding="utf-8"?>
-<ds:datastoreItem xmlns:ds="http://schemas.openxmlformats.org/officeDocument/2006/customXml" ds:itemID="{4273EE10-C1B2-449B-9085-39965BA21A56}">
+<ds:datastoreItem xmlns:ds="http://schemas.openxmlformats.org/officeDocument/2006/customXml" ds:itemID="{B61EE2CA-DCC7-45E5-87C8-6789A166AF77}">
   <ds:schemaRefs>
-    <ds:schemaRef ds:uri="http://schemas.microsoft.com/sharepoint/v3/contenttype/forms"/>
+    <ds:schemaRef ds:uri="http://schemas.microsoft.com/office/2006/metadata/properties"/>
+    <ds:schemaRef ds:uri="http://schemas.microsoft.com/office/infopath/2007/PartnerControls"/>
   </ds:schemaRefs>
 </ds:datastoreItem>
 </file>

--- a/workshops/git-github-deep-dive/git_github_deep_dive.pptx
+++ b/workshops/git-github-deep-dive/git_github_deep_dive.pptx
@@ -3647,10 +3647,6 @@
               <a:tabLst/>
               <a:defRPr/>
             </a:pPr>
-            <a:r>
-              <a:rPr lang="en-US" sz="1200" dirty="0"/>
-              <a:t>https://git-scm.com/book/en/v2/Git-Branching-Basic-Branching-and-Merging</a:t>
-            </a:r>
             <a:endParaRPr lang="da-DK" dirty="0"/>
           </a:p>
         </p:txBody>
@@ -36708,18 +36704,18 @@
 </file>
 
 <file path=customXml/item1.xml><?xml version="1.0" encoding="utf-8"?>
+<p:properties xmlns:p="http://schemas.microsoft.com/office/2006/metadata/properties" xmlns:xsi="http://www.w3.org/2001/XMLSchema-instance" xmlns:pc="http://schemas.microsoft.com/office/infopath/2007/PartnerControls">
+  <documentManagement/>
+</p:properties>
+</file>
+
+<file path=customXml/item2.xml><?xml version="1.0" encoding="utf-8"?>
 <?mso-contentType ?>
 <FormTemplates xmlns="http://schemas.microsoft.com/sharepoint/v3/contenttype/forms">
   <Display>DocumentLibraryForm</Display>
   <Edit>DocumentLibraryForm</Edit>
   <New>DocumentLibraryForm</New>
 </FormTemplates>
-</file>
-
-<file path=customXml/item2.xml><?xml version="1.0" encoding="utf-8"?>
-<p:properties xmlns:p="http://schemas.microsoft.com/office/2006/metadata/properties" xmlns:xsi="http://www.w3.org/2001/XMLSchema-instance" xmlns:pc="http://schemas.microsoft.com/office/infopath/2007/PartnerControls">
-  <documentManagement/>
-</p:properties>
 </file>
 
 <file path=customXml/item3.xml><?xml version="1.0" encoding="utf-8"?>
@@ -36908,18 +36904,18 @@
 </file>
 
 <file path=customXml/itemProps1.xml><?xml version="1.0" encoding="utf-8"?>
-<ds:datastoreItem xmlns:ds="http://schemas.openxmlformats.org/officeDocument/2006/customXml" ds:itemID="{4273EE10-C1B2-449B-9085-39965BA21A56}">
+<ds:datastoreItem xmlns:ds="http://schemas.openxmlformats.org/officeDocument/2006/customXml" ds:itemID="{B61EE2CA-DCC7-45E5-87C8-6789A166AF77}">
   <ds:schemaRefs>
-    <ds:schemaRef ds:uri="http://schemas.microsoft.com/sharepoint/v3/contenttype/forms"/>
+    <ds:schemaRef ds:uri="http://schemas.microsoft.com/office/2006/metadata/properties"/>
+    <ds:schemaRef ds:uri="http://schemas.microsoft.com/office/infopath/2007/PartnerControls"/>
   </ds:schemaRefs>
 </ds:datastoreItem>
 </file>
 
 <file path=customXml/itemProps2.xml><?xml version="1.0" encoding="utf-8"?>
-<ds:datastoreItem xmlns:ds="http://schemas.openxmlformats.org/officeDocument/2006/customXml" ds:itemID="{B61EE2CA-DCC7-45E5-87C8-6789A166AF77}">
+<ds:datastoreItem xmlns:ds="http://schemas.openxmlformats.org/officeDocument/2006/customXml" ds:itemID="{4273EE10-C1B2-449B-9085-39965BA21A56}">
   <ds:schemaRefs>
-    <ds:schemaRef ds:uri="http://schemas.microsoft.com/office/2006/metadata/properties"/>
-    <ds:schemaRef ds:uri="http://schemas.microsoft.com/office/infopath/2007/PartnerControls"/>
+    <ds:schemaRef ds:uri="http://schemas.microsoft.com/sharepoint/v3/contenttype/forms"/>
   </ds:schemaRefs>
 </ds:datastoreItem>
 </file>

--- a/workshops/git-github-deep-dive/git_github_deep_dive.pptx
+++ b/workshops/git-github-deep-dive/git_github_deep_dive.pptx
@@ -3817,10 +3817,6 @@
           <a:bodyPr/>
           <a:lstStyle/>
           <a:p>
-            <a:r>
-              <a:rPr lang="en-US" dirty="0"/>
-              <a:t>https://www.git-tower.com/learn/git/commands/git-commit/</a:t>
-            </a:r>
             <a:endParaRPr lang="da-DK" dirty="0"/>
           </a:p>
         </p:txBody>
@@ -3991,10 +3987,6 @@
           <a:bodyPr/>
           <a:lstStyle/>
           <a:p>
-            <a:r>
-              <a:rPr lang="en-US" dirty="0"/>
-              <a:t>https://www.benmarshall.me/git-rebase/</a:t>
-            </a:r>
             <a:endParaRPr lang="da-DK" dirty="0"/>
           </a:p>
         </p:txBody>
@@ -36704,18 +36696,18 @@
 </file>
 
 <file path=customXml/item1.xml><?xml version="1.0" encoding="utf-8"?>
-<p:properties xmlns:p="http://schemas.microsoft.com/office/2006/metadata/properties" xmlns:xsi="http://www.w3.org/2001/XMLSchema-instance" xmlns:pc="http://schemas.microsoft.com/office/infopath/2007/PartnerControls">
-  <documentManagement/>
-</p:properties>
-</file>
-
-<file path=customXml/item2.xml><?xml version="1.0" encoding="utf-8"?>
 <?mso-contentType ?>
 <FormTemplates xmlns="http://schemas.microsoft.com/sharepoint/v3/contenttype/forms">
   <Display>DocumentLibraryForm</Display>
   <Edit>DocumentLibraryForm</Edit>
   <New>DocumentLibraryForm</New>
 </FormTemplates>
+</file>
+
+<file path=customXml/item2.xml><?xml version="1.0" encoding="utf-8"?>
+<p:properties xmlns:p="http://schemas.microsoft.com/office/2006/metadata/properties" xmlns:xsi="http://www.w3.org/2001/XMLSchema-instance" xmlns:pc="http://schemas.microsoft.com/office/infopath/2007/PartnerControls">
+  <documentManagement/>
+</p:properties>
 </file>
 
 <file path=customXml/item3.xml><?xml version="1.0" encoding="utf-8"?>
@@ -36904,18 +36896,18 @@
 </file>
 
 <file path=customXml/itemProps1.xml><?xml version="1.0" encoding="utf-8"?>
-<ds:datastoreItem xmlns:ds="http://schemas.openxmlformats.org/officeDocument/2006/customXml" ds:itemID="{B61EE2CA-DCC7-45E5-87C8-6789A166AF77}">
+<ds:datastoreItem xmlns:ds="http://schemas.openxmlformats.org/officeDocument/2006/customXml" ds:itemID="{4273EE10-C1B2-449B-9085-39965BA21A56}">
   <ds:schemaRefs>
-    <ds:schemaRef ds:uri="http://schemas.microsoft.com/office/2006/metadata/properties"/>
-    <ds:schemaRef ds:uri="http://schemas.microsoft.com/office/infopath/2007/PartnerControls"/>
+    <ds:schemaRef ds:uri="http://schemas.microsoft.com/sharepoint/v3/contenttype/forms"/>
   </ds:schemaRefs>
 </ds:datastoreItem>
 </file>
 
 <file path=customXml/itemProps2.xml><?xml version="1.0" encoding="utf-8"?>
-<ds:datastoreItem xmlns:ds="http://schemas.openxmlformats.org/officeDocument/2006/customXml" ds:itemID="{4273EE10-C1B2-449B-9085-39965BA21A56}">
+<ds:datastoreItem xmlns:ds="http://schemas.openxmlformats.org/officeDocument/2006/customXml" ds:itemID="{B61EE2CA-DCC7-45E5-87C8-6789A166AF77}">
   <ds:schemaRefs>
-    <ds:schemaRef ds:uri="http://schemas.microsoft.com/sharepoint/v3/contenttype/forms"/>
+    <ds:schemaRef ds:uri="http://schemas.microsoft.com/office/2006/metadata/properties"/>
+    <ds:schemaRef ds:uri="http://schemas.microsoft.com/office/infopath/2007/PartnerControls"/>
   </ds:schemaRefs>
 </ds:datastoreItem>
 </file>

--- a/workshops/git-github-deep-dive/git_github_deep_dive.pptx
+++ b/workshops/git-github-deep-dive/git_github_deep_dive.pptx
@@ -5,10 +5,10 @@
     <p:sldMasterId id="2147483648" r:id="rId4"/>
   </p:sldMasterIdLst>
   <p:notesMasterIdLst>
-    <p:notesMasterId r:id="rId41"/>
+    <p:notesMasterId r:id="rId40"/>
   </p:notesMasterIdLst>
   <p:handoutMasterIdLst>
-    <p:handoutMasterId r:id="rId42"/>
+    <p:handoutMasterId r:id="rId41"/>
   </p:handoutMasterIdLst>
   <p:sldIdLst>
     <p:sldId id="372" r:id="rId5"/>
@@ -17,60 +17,59 @@
     <p:sldId id="483" r:id="rId8"/>
     <p:sldId id="484" r:id="rId9"/>
     <p:sldId id="482" r:id="rId10"/>
-    <p:sldId id="462" r:id="rId11"/>
-    <p:sldId id="498" r:id="rId12"/>
-    <p:sldId id="480" r:id="rId13"/>
-    <p:sldId id="463" r:id="rId14"/>
-    <p:sldId id="442" r:id="rId15"/>
-    <p:sldId id="485" r:id="rId16"/>
-    <p:sldId id="486" r:id="rId17"/>
-    <p:sldId id="487" r:id="rId18"/>
-    <p:sldId id="488" r:id="rId19"/>
-    <p:sldId id="489" r:id="rId20"/>
-    <p:sldId id="490" r:id="rId21"/>
-    <p:sldId id="491" r:id="rId22"/>
-    <p:sldId id="492" r:id="rId23"/>
-    <p:sldId id="493" r:id="rId24"/>
-    <p:sldId id="494" r:id="rId25"/>
-    <p:sldId id="495" r:id="rId26"/>
-    <p:sldId id="496" r:id="rId27"/>
-    <p:sldId id="497" r:id="rId28"/>
-    <p:sldId id="464" r:id="rId29"/>
-    <p:sldId id="499" r:id="rId30"/>
-    <p:sldId id="501" r:id="rId31"/>
-    <p:sldId id="505" r:id="rId32"/>
-    <p:sldId id="502" r:id="rId33"/>
-    <p:sldId id="503" r:id="rId34"/>
-    <p:sldId id="504" r:id="rId35"/>
-    <p:sldId id="477" r:id="rId36"/>
-    <p:sldId id="478" r:id="rId37"/>
-    <p:sldId id="500" r:id="rId38"/>
-    <p:sldId id="479" r:id="rId39"/>
-    <p:sldId id="476" r:id="rId40"/>
+    <p:sldId id="498" r:id="rId11"/>
+    <p:sldId id="480" r:id="rId12"/>
+    <p:sldId id="463" r:id="rId13"/>
+    <p:sldId id="442" r:id="rId14"/>
+    <p:sldId id="485" r:id="rId15"/>
+    <p:sldId id="486" r:id="rId16"/>
+    <p:sldId id="487" r:id="rId17"/>
+    <p:sldId id="488" r:id="rId18"/>
+    <p:sldId id="489" r:id="rId19"/>
+    <p:sldId id="490" r:id="rId20"/>
+    <p:sldId id="491" r:id="rId21"/>
+    <p:sldId id="492" r:id="rId22"/>
+    <p:sldId id="493" r:id="rId23"/>
+    <p:sldId id="494" r:id="rId24"/>
+    <p:sldId id="495" r:id="rId25"/>
+    <p:sldId id="496" r:id="rId26"/>
+    <p:sldId id="497" r:id="rId27"/>
+    <p:sldId id="464" r:id="rId28"/>
+    <p:sldId id="499" r:id="rId29"/>
+    <p:sldId id="501" r:id="rId30"/>
+    <p:sldId id="505" r:id="rId31"/>
+    <p:sldId id="502" r:id="rId32"/>
+    <p:sldId id="503" r:id="rId33"/>
+    <p:sldId id="504" r:id="rId34"/>
+    <p:sldId id="477" r:id="rId35"/>
+    <p:sldId id="478" r:id="rId36"/>
+    <p:sldId id="500" r:id="rId37"/>
+    <p:sldId id="479" r:id="rId38"/>
+    <p:sldId id="476" r:id="rId39"/>
   </p:sldIdLst>
   <p:sldSz cx="12192000" cy="6858000"/>
   <p:notesSz cx="6858000" cy="9144000"/>
   <p:embeddedFontLst>
     <p:embeddedFont>
       <p:font typeface="Calibri" panose="020F0502020204030204" pitchFamily="34" charset="0"/>
-      <p:regular r:id="rId43"/>
-      <p:bold r:id="rId44"/>
-      <p:italic r:id="rId45"/>
-      <p:boldItalic r:id="rId46"/>
+      <p:regular r:id="rId42"/>
+      <p:bold r:id="rId43"/>
+      <p:italic r:id="rId44"/>
+      <p:boldItalic r:id="rId45"/>
     </p:embeddedFont>
     <p:embeddedFont>
       <p:font typeface="DFDS" panose="020B0604020202020204" charset="0"/>
-      <p:regular r:id="rId47"/>
-      <p:bold r:id="rId48"/>
-      <p:italic r:id="rId49"/>
+      <p:regular r:id="rId46"/>
+      <p:bold r:id="rId47"/>
+      <p:italic r:id="rId48"/>
     </p:embeddedFont>
     <p:embeddedFont>
       <p:font typeface="DFDS Bold" panose="020B0604020202020204" charset="0"/>
-      <p:bold r:id="rId50"/>
+      <p:bold r:id="rId49"/>
     </p:embeddedFont>
     <p:embeddedFont>
       <p:font typeface="DFDS Light" panose="020B0604020202020204" charset="0"/>
-      <p:regular r:id="rId51"/>
+      <p:regular r:id="rId50"/>
     </p:embeddedFont>
   </p:embeddedFontLst>
   <p:defaultTextStyle>
@@ -2957,7 +2956,7 @@
           <a:p>
             <a:fld id="{F540F470-726F-426E-889A-8E92A4693460}" type="datetimeFigureOut">
               <a:rPr lang="en-GB" smtClean="0"/>
-              <a:t>09/10/2020</a:t>
+              <a:t>12/10/2020</a:t>
             </a:fld>
             <a:endParaRPr lang="en-GB" dirty="0"/>
           </a:p>
@@ -3127,7 +3126,7 @@
             <a:fld id="{CD72A38B-F9FA-4036-A084-652409E98F08}" type="datetimeFigureOut">
               <a:rPr lang="en-GB" smtClean="0"/>
               <a:pPr/>
-              <a:t>09/10/2020</a:t>
+              <a:t>12/10/2020</a:t>
             </a:fld>
             <a:endParaRPr lang="en-GB" dirty="0"/>
           </a:p>
@@ -3576,7 +3575,7 @@
     </p:spTree>
     <p:extLst>
       <p:ext uri="{BB962C8B-B14F-4D97-AF65-F5344CB8AC3E}">
-        <p14:creationId xmlns:p14="http://schemas.microsoft.com/office/powerpoint/2010/main" val="1906114840"/>
+        <p14:creationId xmlns:p14="http://schemas.microsoft.com/office/powerpoint/2010/main" val="3008834791"/>
       </p:ext>
     </p:extLst>
   </p:cSld>
@@ -3630,23 +3629,6 @@
           <a:bodyPr/>
           <a:lstStyle/>
           <a:p>
-            <a:pPr marL="0" marR="0" lvl="0" indent="0" algn="l" defTabSz="914400" rtl="0" eaLnBrk="1" fontAlgn="auto" latinLnBrk="0" hangingPunct="1">
-              <a:lnSpc>
-                <a:spcPct val="100000"/>
-              </a:lnSpc>
-              <a:spcBef>
-                <a:spcPts val="0"/>
-              </a:spcBef>
-              <a:spcAft>
-                <a:spcPts val="0"/>
-              </a:spcAft>
-              <a:buClrTx/>
-              <a:buSzTx/>
-              <a:buFontTx/>
-              <a:buNone/>
-              <a:tabLst/>
-              <a:defRPr/>
-            </a:pPr>
             <a:endParaRPr lang="da-DK" dirty="0"/>
           </a:p>
         </p:txBody>
@@ -3678,7 +3660,7 @@
     </p:spTree>
     <p:extLst>
       <p:ext uri="{BB962C8B-B14F-4D97-AF65-F5344CB8AC3E}">
-        <p14:creationId xmlns:p14="http://schemas.microsoft.com/office/powerpoint/2010/main" val="3008834791"/>
+        <p14:creationId xmlns:p14="http://schemas.microsoft.com/office/powerpoint/2010/main" val="3104378346"/>
       </p:ext>
     </p:extLst>
   </p:cSld>
@@ -3763,7 +3745,7 @@
     </p:spTree>
     <p:extLst>
       <p:ext uri="{BB962C8B-B14F-4D97-AF65-F5344CB8AC3E}">
-        <p14:creationId xmlns:p14="http://schemas.microsoft.com/office/powerpoint/2010/main" val="3104378346"/>
+        <p14:creationId xmlns:p14="http://schemas.microsoft.com/office/powerpoint/2010/main" val="2551835253"/>
       </p:ext>
     </p:extLst>
   </p:cSld>
@@ -3848,7 +3830,7 @@
     </p:spTree>
     <p:extLst>
       <p:ext uri="{BB962C8B-B14F-4D97-AF65-F5344CB8AC3E}">
-        <p14:creationId xmlns:p14="http://schemas.microsoft.com/office/powerpoint/2010/main" val="2551835253"/>
+        <p14:creationId xmlns:p14="http://schemas.microsoft.com/office/powerpoint/2010/main" val="78529500"/>
       </p:ext>
     </p:extLst>
   </p:cSld>
@@ -3933,7 +3915,7 @@
     </p:spTree>
     <p:extLst>
       <p:ext uri="{BB962C8B-B14F-4D97-AF65-F5344CB8AC3E}">
-        <p14:creationId xmlns:p14="http://schemas.microsoft.com/office/powerpoint/2010/main" val="78529500"/>
+        <p14:creationId xmlns:p14="http://schemas.microsoft.com/office/powerpoint/2010/main" val="3662449845"/>
       </p:ext>
     </p:extLst>
   </p:cSld>
@@ -3987,6 +3969,10 @@
           <a:bodyPr/>
           <a:lstStyle/>
           <a:p>
+            <a:r>
+              <a:rPr lang="en-US" dirty="0"/>
+              <a:t>https://git-scm.com/book/en/v2/Git-Basics-Working-with-Remotes</a:t>
+            </a:r>
             <a:endParaRPr lang="da-DK" dirty="0"/>
           </a:p>
         </p:txBody>
@@ -4009,7 +3995,7 @@
             <a:fld id="{49436F85-577F-4A92-A47F-D540A2BCC821}" type="slidenum">
               <a:rPr lang="en-GB" smtClean="0"/>
               <a:pPr/>
-              <a:t>22</a:t>
+              <a:t>23</a:t>
             </a:fld>
             <a:endParaRPr lang="en-GB" dirty="0"/>
           </a:p>
@@ -4018,7 +4004,7 @@
     </p:spTree>
     <p:extLst>
       <p:ext uri="{BB962C8B-B14F-4D97-AF65-F5344CB8AC3E}">
-        <p14:creationId xmlns:p14="http://schemas.microsoft.com/office/powerpoint/2010/main" val="3662449845"/>
+        <p14:creationId xmlns:p14="http://schemas.microsoft.com/office/powerpoint/2010/main" val="2932350824"/>
       </p:ext>
     </p:extLst>
   </p:cSld>
@@ -4072,11 +4058,7 @@
           <a:bodyPr/>
           <a:lstStyle/>
           <a:p>
-            <a:r>
-              <a:rPr lang="en-US" dirty="0"/>
-              <a:t>https://git-scm.com/book/en/v2/Git-Basics-Working-with-Remotes</a:t>
-            </a:r>
-            <a:endParaRPr lang="da-DK" dirty="0"/>
+            <a:endParaRPr lang="da-DK" b="0" dirty="0"/>
           </a:p>
         </p:txBody>
       </p:sp>
@@ -4098,7 +4080,7 @@
             <a:fld id="{49436F85-577F-4A92-A47F-D540A2BCC821}" type="slidenum">
               <a:rPr lang="en-GB" smtClean="0"/>
               <a:pPr/>
-              <a:t>24</a:t>
+              <a:t>25</a:t>
             </a:fld>
             <a:endParaRPr lang="en-GB" dirty="0"/>
           </a:p>
@@ -4107,7 +4089,7 @@
     </p:spTree>
     <p:extLst>
       <p:ext uri="{BB962C8B-B14F-4D97-AF65-F5344CB8AC3E}">
-        <p14:creationId xmlns:p14="http://schemas.microsoft.com/office/powerpoint/2010/main" val="2932350824"/>
+        <p14:creationId xmlns:p14="http://schemas.microsoft.com/office/powerpoint/2010/main" val="1833540926"/>
       </p:ext>
     </p:extLst>
   </p:cSld>
@@ -4192,7 +4174,7 @@
     </p:spTree>
     <p:extLst>
       <p:ext uri="{BB962C8B-B14F-4D97-AF65-F5344CB8AC3E}">
-        <p14:creationId xmlns:p14="http://schemas.microsoft.com/office/powerpoint/2010/main" val="1833540926"/>
+        <p14:creationId xmlns:p14="http://schemas.microsoft.com/office/powerpoint/2010/main" val="584897603"/>
       </p:ext>
     </p:extLst>
   </p:cSld>
@@ -4277,7 +4259,7 @@
     </p:spTree>
     <p:extLst>
       <p:ext uri="{BB962C8B-B14F-4D97-AF65-F5344CB8AC3E}">
-        <p14:creationId xmlns:p14="http://schemas.microsoft.com/office/powerpoint/2010/main" val="584897603"/>
+        <p14:creationId xmlns:p14="http://schemas.microsoft.com/office/powerpoint/2010/main" val="1788361971"/>
       </p:ext>
     </p:extLst>
   </p:cSld>
@@ -4331,7 +4313,28 @@
           <a:bodyPr/>
           <a:lstStyle/>
           <a:p>
-            <a:endParaRPr lang="da-DK" b="0" dirty="0"/>
+            <a:pPr marL="0" marR="0" lvl="0" indent="0" algn="l" defTabSz="914400" rtl="0" eaLnBrk="1" fontAlgn="auto" latinLnBrk="0" hangingPunct="1">
+              <a:lnSpc>
+                <a:spcPct val="100000"/>
+              </a:lnSpc>
+              <a:spcBef>
+                <a:spcPts val="0"/>
+              </a:spcBef>
+              <a:spcAft>
+                <a:spcPts val="0"/>
+              </a:spcAft>
+              <a:buClrTx/>
+              <a:buSzTx/>
+              <a:buFontTx/>
+              <a:buNone/>
+              <a:tabLst/>
+              <a:defRPr/>
+            </a:pPr>
+            <a:r>
+              <a:rPr lang="en-US" dirty="0"/>
+              <a:t>Step 1 =&gt; https://github.com/pulls</a:t>
+            </a:r>
+            <a:endParaRPr lang="da-DK" dirty="0"/>
           </a:p>
         </p:txBody>
       </p:sp>
@@ -4362,7 +4365,7 @@
     </p:spTree>
     <p:extLst>
       <p:ext uri="{BB962C8B-B14F-4D97-AF65-F5344CB8AC3E}">
-        <p14:creationId xmlns:p14="http://schemas.microsoft.com/office/powerpoint/2010/main" val="1788361971"/>
+        <p14:creationId xmlns:p14="http://schemas.microsoft.com/office/powerpoint/2010/main" val="3238035336"/>
       </p:ext>
     </p:extLst>
   </p:cSld>
@@ -4548,28 +4551,7 @@
           <a:bodyPr/>
           <a:lstStyle/>
           <a:p>
-            <a:pPr marL="0" marR="0" lvl="0" indent="0" algn="l" defTabSz="914400" rtl="0" eaLnBrk="1" fontAlgn="auto" latinLnBrk="0" hangingPunct="1">
-              <a:lnSpc>
-                <a:spcPct val="100000"/>
-              </a:lnSpc>
-              <a:spcBef>
-                <a:spcPts val="0"/>
-              </a:spcBef>
-              <a:spcAft>
-                <a:spcPts val="0"/>
-              </a:spcAft>
-              <a:buClrTx/>
-              <a:buSzTx/>
-              <a:buFontTx/>
-              <a:buNone/>
-              <a:tabLst/>
-              <a:defRPr/>
-            </a:pPr>
-            <a:r>
-              <a:rPr lang="en-US" dirty="0"/>
-              <a:t>Step 1 =&gt; https://github.com/pulls</a:t>
-            </a:r>
-            <a:endParaRPr lang="da-DK" dirty="0"/>
+            <a:endParaRPr lang="da-DK" b="0" dirty="0"/>
           </a:p>
         </p:txBody>
       </p:sp>
@@ -4600,7 +4582,7 @@
     </p:spTree>
     <p:extLst>
       <p:ext uri="{BB962C8B-B14F-4D97-AF65-F5344CB8AC3E}">
-        <p14:creationId xmlns:p14="http://schemas.microsoft.com/office/powerpoint/2010/main" val="3238035336"/>
+        <p14:creationId xmlns:p14="http://schemas.microsoft.com/office/powerpoint/2010/main" val="1075762800"/>
       </p:ext>
     </p:extLst>
   </p:cSld>
@@ -4654,7 +4636,48 @@
           <a:bodyPr/>
           <a:lstStyle/>
           <a:p>
-            <a:endParaRPr lang="da-DK" b="0" dirty="0"/>
+            <a:pPr marL="0" marR="0" lvl="0" indent="0" algn="l" defTabSz="914400" rtl="0" eaLnBrk="1" fontAlgn="auto" latinLnBrk="0" hangingPunct="1">
+              <a:lnSpc>
+                <a:spcPct val="100000"/>
+              </a:lnSpc>
+              <a:spcBef>
+                <a:spcPts val="0"/>
+              </a:spcBef>
+              <a:spcAft>
+                <a:spcPts val="0"/>
+              </a:spcAft>
+              <a:buClrTx/>
+              <a:buSzTx/>
+              <a:buFontTx/>
+              <a:buNone/>
+              <a:tabLst/>
+              <a:defRPr/>
+            </a:pPr>
+            <a:r>
+              <a:rPr lang="da-DK" dirty="0"/>
+              <a:t>Step 1 =&gt; </a:t>
+            </a:r>
+            <a:r>
+              <a:rPr lang="da-DK" sz="1200" kern="1200" dirty="0">
+                <a:solidFill>
+                  <a:schemeClr val="tx1"/>
+                </a:solidFill>
+                <a:latin typeface="Arial" panose="020B0604020202020204" pitchFamily="34" charset="0"/>
+                <a:ea typeface="+mn-ea"/>
+                <a:cs typeface="+mn-cs"/>
+              </a:rPr>
+              <a:t>ssh-keygen -b 4096 </a:t>
+            </a:r>
+          </a:p>
+          <a:p>
+            <a:endParaRPr lang="en-US" dirty="0"/>
+          </a:p>
+          <a:p>
+            <a:r>
+              <a:rPr lang="en-US" dirty="0"/>
+              <a:t>Step 2 =&gt; https://github.com/settings/keys</a:t>
+            </a:r>
+            <a:endParaRPr lang="da-DK" dirty="0"/>
           </a:p>
         </p:txBody>
       </p:sp>
@@ -4677,132 +4700,6 @@
               <a:rPr lang="en-GB" smtClean="0"/>
               <a:pPr/>
               <a:t>30</a:t>
-            </a:fld>
-            <a:endParaRPr lang="en-GB" dirty="0"/>
-          </a:p>
-        </p:txBody>
-      </p:sp>
-    </p:spTree>
-    <p:extLst>
-      <p:ext uri="{BB962C8B-B14F-4D97-AF65-F5344CB8AC3E}">
-        <p14:creationId xmlns:p14="http://schemas.microsoft.com/office/powerpoint/2010/main" val="1075762800"/>
-      </p:ext>
-    </p:extLst>
-  </p:cSld>
-  <p:clrMapOvr>
-    <a:masterClrMapping/>
-  </p:clrMapOvr>
-</p:notes>
-</file>
-
-<file path=ppt/notesSlides/notesSlide22.xml><?xml version="1.0" encoding="utf-8"?>
-<p:notes xmlns:a="http://schemas.openxmlformats.org/drawingml/2006/main" xmlns:r="http://schemas.openxmlformats.org/officeDocument/2006/relationships" xmlns:p="http://schemas.openxmlformats.org/presentationml/2006/main">
-  <p:cSld>
-    <p:spTree>
-      <p:nvGrpSpPr>
-        <p:cNvPr id="1" name=""/>
-        <p:cNvGrpSpPr/>
-        <p:nvPr/>
-      </p:nvGrpSpPr>
-      <p:grpSpPr>
-        <a:xfrm>
-          <a:off x="0" y="0"/>
-          <a:ext cx="0" cy="0"/>
-          <a:chOff x="0" y="0"/>
-          <a:chExt cx="0" cy="0"/>
-        </a:xfrm>
-      </p:grpSpPr>
-      <p:sp>
-        <p:nvSpPr>
-          <p:cNvPr id="2" name="Slide Image Placeholder 1"/>
-          <p:cNvSpPr>
-            <a:spLocks noGrp="1" noRot="1" noChangeAspect="1"/>
-          </p:cNvSpPr>
-          <p:nvPr>
-            <p:ph type="sldImg"/>
-          </p:nvPr>
-        </p:nvSpPr>
-        <p:spPr/>
-      </p:sp>
-      <p:sp>
-        <p:nvSpPr>
-          <p:cNvPr id="3" name="Notes Placeholder 2"/>
-          <p:cNvSpPr>
-            <a:spLocks noGrp="1"/>
-          </p:cNvSpPr>
-          <p:nvPr>
-            <p:ph type="body" idx="1"/>
-          </p:nvPr>
-        </p:nvSpPr>
-        <p:spPr/>
-        <p:txBody>
-          <a:bodyPr/>
-          <a:lstStyle/>
-          <a:p>
-            <a:pPr marL="0" marR="0" lvl="0" indent="0" algn="l" defTabSz="914400" rtl="0" eaLnBrk="1" fontAlgn="auto" latinLnBrk="0" hangingPunct="1">
-              <a:lnSpc>
-                <a:spcPct val="100000"/>
-              </a:lnSpc>
-              <a:spcBef>
-                <a:spcPts val="0"/>
-              </a:spcBef>
-              <a:spcAft>
-                <a:spcPts val="0"/>
-              </a:spcAft>
-              <a:buClrTx/>
-              <a:buSzTx/>
-              <a:buFontTx/>
-              <a:buNone/>
-              <a:tabLst/>
-              <a:defRPr/>
-            </a:pPr>
-            <a:r>
-              <a:rPr lang="da-DK" dirty="0"/>
-              <a:t>Step 1 =&gt; </a:t>
-            </a:r>
-            <a:r>
-              <a:rPr lang="da-DK" sz="1200" kern="1200" dirty="0">
-                <a:solidFill>
-                  <a:schemeClr val="tx1"/>
-                </a:solidFill>
-                <a:latin typeface="Arial" panose="020B0604020202020204" pitchFamily="34" charset="0"/>
-                <a:ea typeface="+mn-ea"/>
-                <a:cs typeface="+mn-cs"/>
-              </a:rPr>
-              <a:t>ssh-keygen -b 4096 </a:t>
-            </a:r>
-          </a:p>
-          <a:p>
-            <a:endParaRPr lang="en-US" dirty="0"/>
-          </a:p>
-          <a:p>
-            <a:r>
-              <a:rPr lang="en-US" dirty="0"/>
-              <a:t>Step 2 =&gt; https://github.com/settings/keys</a:t>
-            </a:r>
-            <a:endParaRPr lang="da-DK" dirty="0"/>
-          </a:p>
-        </p:txBody>
-      </p:sp>
-      <p:sp>
-        <p:nvSpPr>
-          <p:cNvPr id="4" name="Slide Number Placeholder 3"/>
-          <p:cNvSpPr>
-            <a:spLocks noGrp="1"/>
-          </p:cNvSpPr>
-          <p:nvPr>
-            <p:ph type="sldNum" sz="quarter" idx="5"/>
-          </p:nvPr>
-        </p:nvSpPr>
-        <p:spPr/>
-        <p:txBody>
-          <a:bodyPr/>
-          <a:lstStyle/>
-          <a:p>
-            <a:fld id="{49436F85-577F-4A92-A47F-D540A2BCC821}" type="slidenum">
-              <a:rPr lang="en-GB" smtClean="0"/>
-              <a:pPr/>
-              <a:t>31</a:t>
             </a:fld>
             <a:endParaRPr lang="en-GB" dirty="0"/>
           </a:p>
@@ -4950,7 +4847,84 @@
           <a:bodyPr/>
           <a:lstStyle/>
           <a:p>
-            <a:endParaRPr lang="da-DK" dirty="0"/>
+            <a:r>
+              <a:rPr lang="en-US" b="1" dirty="0"/>
+              <a:t>Free =&gt; </a:t>
+            </a:r>
+            <a:r>
+              <a:rPr lang="en-US" sz="1200" dirty="0"/>
+              <a:t>Git is released under GPL’s (General Public License) open source license.</a:t>
+            </a:r>
+          </a:p>
+          <a:p>
+            <a:endParaRPr lang="en-US" sz="1200" b="1" dirty="0"/>
+          </a:p>
+          <a:p>
+            <a:r>
+              <a:rPr lang="en-US" sz="1200" b="1" dirty="0"/>
+              <a:t>Fast =&gt; </a:t>
+            </a:r>
+            <a:r>
+              <a:rPr lang="en-US" sz="1200" b="0" dirty="0"/>
+              <a:t>Performance tests done by Mozilla showed it was an order of magnitude faster than other version control systems.</a:t>
+            </a:r>
+          </a:p>
+          <a:p>
+            <a:endParaRPr lang="en-US" sz="1200" b="0" dirty="0"/>
+          </a:p>
+          <a:p>
+            <a:r>
+              <a:rPr lang="en-US" sz="1200" b="1" dirty="0"/>
+              <a:t>Scalable =&gt; </a:t>
+            </a:r>
+            <a:r>
+              <a:rPr lang="en-US" sz="1200" b="0" dirty="0"/>
+              <a:t>Git is very scalable and will easily handle all the future needs of DFDS</a:t>
+            </a:r>
+          </a:p>
+          <a:p>
+            <a:endParaRPr lang="en-US" sz="1200" b="0" dirty="0"/>
+          </a:p>
+          <a:p>
+            <a:r>
+              <a:rPr lang="da-DK" b="1" dirty="0"/>
+              <a:t>Reliable =&gt; </a:t>
+            </a:r>
+            <a:r>
+              <a:rPr lang="en-US" b="0" dirty="0"/>
+              <a:t>Every contributor has its own local repository, so in the events of a system crash, data can be recovered from any of the local repositories.</a:t>
+            </a:r>
+          </a:p>
+          <a:p>
+            <a:endParaRPr lang="en-US" b="0" dirty="0"/>
+          </a:p>
+          <a:p>
+            <a:r>
+              <a:rPr lang="da-DK" b="1" dirty="0"/>
+              <a:t>Secure =&gt; </a:t>
+            </a:r>
+            <a:r>
+              <a:rPr lang="en-US" b="0" dirty="0"/>
+              <a:t>Git uses the SHA1 (Secure Hash Function) to name and identify objects within its repository. Every file and commit is check-summed and retrieved by its checksum at the time of checkout. The Git history is stored in such a way that the ID of a particular version (a commit in Git terms) depends upon the complete development history leading up to that commit. Once it is published, it is not possible to change the old versions without it being noticed.</a:t>
+            </a:r>
+          </a:p>
+          <a:p>
+            <a:endParaRPr lang="en-US" b="0" dirty="0"/>
+          </a:p>
+          <a:p>
+            <a:r>
+              <a:rPr lang="da-DK" b="1" dirty="0"/>
+              <a:t>Economical </a:t>
+            </a:r>
+            <a:r>
+              <a:rPr lang="en-US" b="1" dirty="0"/>
+              <a:t>=&gt; </a:t>
+            </a:r>
+            <a:r>
+              <a:rPr lang="en-US" b="0" dirty="0"/>
+              <a:t>In case of centralized version control systems, the central server needs to be powerful enough to serve requests of the entire team. For smaller teams, it is not an issue, but as the team size grows, the hardware  limitations of the server can be a performance bottleneck. Decentralized version control systems don’t interact with the server unless they need to push or pull changes. All the heavy lifting happens on the client side.</a:t>
+            </a:r>
+            <a:endParaRPr lang="da-DK" b="0" dirty="0"/>
           </a:p>
         </p:txBody>
       </p:sp>
@@ -4972,7 +4946,7 @@
             <a:fld id="{49436F85-577F-4A92-A47F-D540A2BCC821}" type="slidenum">
               <a:rPr lang="en-GB" smtClean="0"/>
               <a:pPr/>
-              <a:t>7</a:t>
+              <a:t>8</a:t>
             </a:fld>
             <a:endParaRPr lang="en-GB" dirty="0"/>
           </a:p>
@@ -4981,7 +4955,7 @@
     </p:spTree>
     <p:extLst>
       <p:ext uri="{BB962C8B-B14F-4D97-AF65-F5344CB8AC3E}">
-        <p14:creationId xmlns:p14="http://schemas.microsoft.com/office/powerpoint/2010/main" val="882130135"/>
+        <p14:creationId xmlns:p14="http://schemas.microsoft.com/office/powerpoint/2010/main" val="3139792654"/>
       </p:ext>
     </p:extLst>
   </p:cSld>
@@ -5035,84 +5009,7 @@
           <a:bodyPr/>
           <a:lstStyle/>
           <a:p>
-            <a:r>
-              <a:rPr lang="en-US" b="1" dirty="0"/>
-              <a:t>Free =&gt; </a:t>
-            </a:r>
-            <a:r>
-              <a:rPr lang="en-US" sz="1200" dirty="0"/>
-              <a:t>Git is released under GPL’s (General Public License) open source license.</a:t>
-            </a:r>
-          </a:p>
-          <a:p>
-            <a:endParaRPr lang="en-US" sz="1200" b="1" dirty="0"/>
-          </a:p>
-          <a:p>
-            <a:r>
-              <a:rPr lang="en-US" sz="1200" b="1" dirty="0"/>
-              <a:t>Fast =&gt; </a:t>
-            </a:r>
-            <a:r>
-              <a:rPr lang="en-US" sz="1200" b="0" dirty="0"/>
-              <a:t>Performance tests done by Mozilla showed it was an order of magnitude faster than other version control systems.</a:t>
-            </a:r>
-          </a:p>
-          <a:p>
-            <a:endParaRPr lang="en-US" sz="1200" b="0" dirty="0"/>
-          </a:p>
-          <a:p>
-            <a:r>
-              <a:rPr lang="en-US" sz="1200" b="1" dirty="0"/>
-              <a:t>Scalable =&gt; </a:t>
-            </a:r>
-            <a:r>
-              <a:rPr lang="en-US" sz="1200" b="0" dirty="0"/>
-              <a:t>Git is very scalable and will easily handle all the future needs of DFDS</a:t>
-            </a:r>
-          </a:p>
-          <a:p>
-            <a:endParaRPr lang="en-US" sz="1200" b="0" dirty="0"/>
-          </a:p>
-          <a:p>
-            <a:r>
-              <a:rPr lang="da-DK" b="1" dirty="0"/>
-              <a:t>Reliable =&gt; </a:t>
-            </a:r>
-            <a:r>
-              <a:rPr lang="en-US" b="0" dirty="0"/>
-              <a:t>Every contributor has its own local repository, so in the events of a system crash, data can be recovered from any of the local repositories.</a:t>
-            </a:r>
-          </a:p>
-          <a:p>
-            <a:endParaRPr lang="en-US" b="0" dirty="0"/>
-          </a:p>
-          <a:p>
-            <a:r>
-              <a:rPr lang="da-DK" b="1" dirty="0"/>
-              <a:t>Secure =&gt; </a:t>
-            </a:r>
-            <a:r>
-              <a:rPr lang="en-US" b="0" dirty="0"/>
-              <a:t>Git uses the SHA1 (Secure Hash Function) to name and identify objects within its repository. Every file and commit is check-summed and retrieved by its checksum at the time of checkout. The Git history is stored in such a way that the ID of a particular version (a commit in Git terms) depends upon the complete development history leading up to that commit. Once it is published, it is not possible to change the old versions without it being noticed.</a:t>
-            </a:r>
-          </a:p>
-          <a:p>
-            <a:endParaRPr lang="en-US" b="0" dirty="0"/>
-          </a:p>
-          <a:p>
-            <a:r>
-              <a:rPr lang="da-DK" b="1" dirty="0"/>
-              <a:t>Economical </a:t>
-            </a:r>
-            <a:r>
-              <a:rPr lang="en-US" b="1" dirty="0"/>
-              <a:t>=&gt; </a:t>
-            </a:r>
-            <a:r>
-              <a:rPr lang="en-US" b="0" dirty="0"/>
-              <a:t>In case of centralized version control systems, the central server needs to be powerful enough to serve requests of the entire team. For smaller teams, it is not an issue, but as the team size grows, the hardware  limitations of the server can be a performance bottleneck. Decentralized version control systems don’t interact with the server unless they need to push or pull changes. All the heavy lifting happens on the client side.</a:t>
-            </a:r>
-            <a:endParaRPr lang="da-DK" b="0" dirty="0"/>
+            <a:endParaRPr lang="da-DK" dirty="0"/>
           </a:p>
         </p:txBody>
       </p:sp>
@@ -5134,7 +5031,7 @@
             <a:fld id="{49436F85-577F-4A92-A47F-D540A2BCC821}" type="slidenum">
               <a:rPr lang="en-GB" smtClean="0"/>
               <a:pPr/>
-              <a:t>9</a:t>
+              <a:t>12</a:t>
             </a:fld>
             <a:endParaRPr lang="en-GB" dirty="0"/>
           </a:p>
@@ -5143,7 +5040,7 @@
     </p:spTree>
     <p:extLst>
       <p:ext uri="{BB962C8B-B14F-4D97-AF65-F5344CB8AC3E}">
-        <p14:creationId xmlns:p14="http://schemas.microsoft.com/office/powerpoint/2010/main" val="3139792654"/>
+        <p14:creationId xmlns:p14="http://schemas.microsoft.com/office/powerpoint/2010/main" val="3753399664"/>
       </p:ext>
     </p:extLst>
   </p:cSld>
@@ -5228,7 +5125,7 @@
     </p:spTree>
     <p:extLst>
       <p:ext uri="{BB962C8B-B14F-4D97-AF65-F5344CB8AC3E}">
-        <p14:creationId xmlns:p14="http://schemas.microsoft.com/office/powerpoint/2010/main" val="3753399664"/>
+        <p14:creationId xmlns:p14="http://schemas.microsoft.com/office/powerpoint/2010/main" val="3678131735"/>
       </p:ext>
     </p:extLst>
   </p:cSld>
@@ -5313,7 +5210,7 @@
     </p:spTree>
     <p:extLst>
       <p:ext uri="{BB962C8B-B14F-4D97-AF65-F5344CB8AC3E}">
-        <p14:creationId xmlns:p14="http://schemas.microsoft.com/office/powerpoint/2010/main" val="3678131735"/>
+        <p14:creationId xmlns:p14="http://schemas.microsoft.com/office/powerpoint/2010/main" val="180351138"/>
       </p:ext>
     </p:extLst>
   </p:cSld>
@@ -5398,7 +5295,7 @@
     </p:spTree>
     <p:extLst>
       <p:ext uri="{BB962C8B-B14F-4D97-AF65-F5344CB8AC3E}">
-        <p14:creationId xmlns:p14="http://schemas.microsoft.com/office/powerpoint/2010/main" val="180351138"/>
+        <p14:creationId xmlns:p14="http://schemas.microsoft.com/office/powerpoint/2010/main" val="1135674778"/>
       </p:ext>
     </p:extLst>
   </p:cSld>
@@ -5452,6 +5349,23 @@
           <a:bodyPr/>
           <a:lstStyle/>
           <a:p>
+            <a:pPr marL="0" marR="0" lvl="0" indent="0" algn="l" defTabSz="914400" rtl="0" eaLnBrk="1" fontAlgn="auto" latinLnBrk="0" hangingPunct="1">
+              <a:lnSpc>
+                <a:spcPct val="100000"/>
+              </a:lnSpc>
+              <a:spcBef>
+                <a:spcPts val="0"/>
+              </a:spcBef>
+              <a:spcAft>
+                <a:spcPts val="0"/>
+              </a:spcAft>
+              <a:buClrTx/>
+              <a:buSzTx/>
+              <a:buFontTx/>
+              <a:buNone/>
+              <a:tabLst/>
+              <a:defRPr/>
+            </a:pPr>
             <a:endParaRPr lang="da-DK" dirty="0"/>
           </a:p>
         </p:txBody>
@@ -5483,7 +5397,7 @@
     </p:spTree>
     <p:extLst>
       <p:ext uri="{BB962C8B-B14F-4D97-AF65-F5344CB8AC3E}">
-        <p14:creationId xmlns:p14="http://schemas.microsoft.com/office/powerpoint/2010/main" val="1135674778"/>
+        <p14:creationId xmlns:p14="http://schemas.microsoft.com/office/powerpoint/2010/main" val="1906114840"/>
       </p:ext>
     </p:extLst>
   </p:cSld>
@@ -6562,7 +6476,7 @@
           <a:p>
             <a:fld id="{CAE15A36-EF7C-49E1-9E28-DC0261021B88}" type="datetime4">
               <a:rPr lang="en-GB" smtClean="0"/>
-              <a:t>09 October 2020</a:t>
+              <a:t>12 October 2020</a:t>
             </a:fld>
             <a:endParaRPr lang="en-GB" dirty="0"/>
           </a:p>
@@ -7065,7 +6979,7 @@
           <a:p>
             <a:fld id="{73A80043-8D1A-4EE7-8835-0FA45918CF0B}" type="datetime4">
               <a:rPr lang="en-GB" smtClean="0"/>
-              <a:t>09 October 2020</a:t>
+              <a:t>12 October 2020</a:t>
             </a:fld>
             <a:endParaRPr lang="en-GB" dirty="0"/>
           </a:p>
@@ -15591,7 +15505,7 @@
           <a:p>
             <a:fld id="{61C39D88-A2D2-46EF-88AA-9A0C8DF2E827}" type="datetime4">
               <a:rPr lang="en-GB" smtClean="0"/>
-              <a:t>09 October 2020</a:t>
+              <a:t>12 October 2020</a:t>
             </a:fld>
             <a:endParaRPr lang="en-GB" dirty="0"/>
           </a:p>
@@ -16978,7 +16892,7 @@
           <a:p>
             <a:fld id="{E66F39FE-A71C-4EA9-B6A2-49D418A61827}" type="datetimeFigureOut">
               <a:rPr lang="en-US" smtClean="0"/>
-              <a:t>10/9/2020</a:t>
+              <a:t>10/12/2020</a:t>
             </a:fld>
             <a:endParaRPr lang="en-US"/>
           </a:p>
@@ -20759,7 +20673,7 @@
           <a:p>
             <a:fld id="{A98DB34D-784C-4D9C-ABD8-61F63F762187}" type="datetime4">
               <a:rPr lang="en-GB" smtClean="0"/>
-              <a:t>09 October 2020</a:t>
+              <a:t>12 October 2020</a:t>
             </a:fld>
             <a:endParaRPr lang="en-GB" dirty="0"/>
           </a:p>
@@ -21624,262 +21538,6 @@
                     <a:schemeClr val="bg1"/>
                   </a:solidFill>
                 </a:rPr>
-                <a:t>G&amp;GHDD &gt; Git &gt; Workflow</a:t>
-              </a:r>
-            </a:p>
-          </p:txBody>
-        </p:sp>
-      </p:grpSp>
-      <p:pic>
-        <p:nvPicPr>
-          <p:cNvPr id="5" name="Picture 4">
-            <a:extLst>
-              <a:ext uri="{FF2B5EF4-FFF2-40B4-BE49-F238E27FC236}">
-                <a16:creationId xmlns:a16="http://schemas.microsoft.com/office/drawing/2014/main" id="{3A326044-D280-492F-9E4C-55845CC16422}"/>
-              </a:ext>
-            </a:extLst>
-          </p:cNvPr>
-          <p:cNvPicPr>
-            <a:picLocks noChangeAspect="1"/>
-          </p:cNvPicPr>
-          <p:nvPr/>
-        </p:nvPicPr>
-        <p:blipFill>
-          <a:blip r:embed="rId3">
-            <a:extLst>
-              <a:ext uri="{28A0092B-C50C-407E-A947-70E740481C1C}">
-                <a14:useLocalDpi xmlns:a14="http://schemas.microsoft.com/office/drawing/2010/main" val="0"/>
-              </a:ext>
-            </a:extLst>
-          </a:blip>
-          <a:stretch>
-            <a:fillRect/>
-          </a:stretch>
-        </p:blipFill>
-        <p:spPr>
-          <a:xfrm>
-            <a:off x="2175351" y="1263702"/>
-            <a:ext cx="7841297" cy="5076933"/>
-          </a:xfrm>
-          <a:prstGeom prst="rect">
-            <a:avLst/>
-          </a:prstGeom>
-        </p:spPr>
-      </p:pic>
-    </p:spTree>
-    <p:extLst>
-      <p:ext uri="{BB962C8B-B14F-4D97-AF65-F5344CB8AC3E}">
-        <p14:creationId xmlns:p14="http://schemas.microsoft.com/office/powerpoint/2010/main" val="1285253243"/>
-      </p:ext>
-    </p:extLst>
-  </p:cSld>
-  <p:clrMapOvr>
-    <a:masterClrMapping/>
-  </p:clrMapOvr>
-</p:sld>
-</file>
-
-<file path=ppt/slides/slide11.xml><?xml version="1.0" encoding="utf-8"?>
-<p:sld xmlns:a="http://schemas.openxmlformats.org/drawingml/2006/main" xmlns:r="http://schemas.openxmlformats.org/officeDocument/2006/relationships" xmlns:p="http://schemas.openxmlformats.org/presentationml/2006/main">
-  <p:cSld>
-    <p:spTree>
-      <p:nvGrpSpPr>
-        <p:cNvPr id="1" name=""/>
-        <p:cNvGrpSpPr/>
-        <p:nvPr/>
-      </p:nvGrpSpPr>
-      <p:grpSpPr>
-        <a:xfrm>
-          <a:off x="0" y="0"/>
-          <a:ext cx="0" cy="0"/>
-          <a:chOff x="0" y="0"/>
-          <a:chExt cx="0" cy="0"/>
-        </a:xfrm>
-      </p:grpSpPr>
-      <p:pic>
-        <p:nvPicPr>
-          <p:cNvPr id="9" name="Picture 8">
-            <a:extLst>
-              <a:ext uri="{FF2B5EF4-FFF2-40B4-BE49-F238E27FC236}">
-                <a16:creationId xmlns:a16="http://schemas.microsoft.com/office/drawing/2014/main" id="{47FF90BC-4EA9-4433-8469-620BF496C336}"/>
-              </a:ext>
-            </a:extLst>
-          </p:cNvPr>
-          <p:cNvPicPr>
-            <a:picLocks noChangeAspect="1"/>
-          </p:cNvPicPr>
-          <p:nvPr/>
-        </p:nvPicPr>
-        <p:blipFill rotWithShape="1">
-          <a:blip r:embed="rId2">
-            <a:extLst>
-              <a:ext uri="{28A0092B-C50C-407E-A947-70E740481C1C}">
-                <a14:useLocalDpi xmlns:a14="http://schemas.microsoft.com/office/drawing/2010/main" val="0"/>
-              </a:ext>
-            </a:extLst>
-          </a:blip>
-          <a:srcRect r="62500"/>
-          <a:stretch/>
-        </p:blipFill>
-        <p:spPr>
-          <a:xfrm>
-            <a:off x="172497" y="-110435"/>
-            <a:ext cx="914400" cy="1251712"/>
-          </a:xfrm>
-          <a:prstGeom prst="rect">
-            <a:avLst/>
-          </a:prstGeom>
-        </p:spPr>
-      </p:pic>
-      <p:grpSp>
-        <p:nvGrpSpPr>
-          <p:cNvPr id="10" name="Group 9">
-            <a:extLst>
-              <a:ext uri="{FF2B5EF4-FFF2-40B4-BE49-F238E27FC236}">
-                <a16:creationId xmlns:a16="http://schemas.microsoft.com/office/drawing/2014/main" id="{58A8AF2F-B974-4491-91CE-6F2028BFACCD}"/>
-              </a:ext>
-            </a:extLst>
-          </p:cNvPr>
-          <p:cNvGrpSpPr/>
-          <p:nvPr/>
-        </p:nvGrpSpPr>
-        <p:grpSpPr>
-          <a:xfrm>
-            <a:off x="2" y="2"/>
-            <a:ext cx="12191999" cy="948335"/>
-            <a:chOff x="0" y="0"/>
-            <a:chExt cx="12192000" cy="948335"/>
-          </a:xfrm>
-          <a:solidFill>
-            <a:schemeClr val="accent1"/>
-          </a:solidFill>
-        </p:grpSpPr>
-        <p:sp>
-          <p:nvSpPr>
-            <p:cNvPr id="11" name="Rectangle 10">
-              <a:extLst>
-                <a:ext uri="{FF2B5EF4-FFF2-40B4-BE49-F238E27FC236}">
-                  <a16:creationId xmlns:a16="http://schemas.microsoft.com/office/drawing/2014/main" id="{049BDDA0-374D-4DE8-9E4C-A21ED7C8652D}"/>
-                </a:ext>
-              </a:extLst>
-            </p:cNvPr>
-            <p:cNvSpPr/>
-            <p:nvPr/>
-          </p:nvSpPr>
-          <p:spPr>
-            <a:xfrm>
-              <a:off x="0" y="0"/>
-              <a:ext cx="12192000" cy="948335"/>
-            </a:xfrm>
-            <a:prstGeom prst="rect">
-              <a:avLst/>
-            </a:prstGeom>
-            <a:grpFill/>
-            <a:ln>
-              <a:noFill/>
-            </a:ln>
-          </p:spPr>
-          <p:style>
-            <a:lnRef idx="2">
-              <a:schemeClr val="accent1">
-                <a:shade val="50000"/>
-              </a:schemeClr>
-            </a:lnRef>
-            <a:fillRef idx="1">
-              <a:schemeClr val="accent1"/>
-            </a:fillRef>
-            <a:effectRef idx="0">
-              <a:schemeClr val="accent1"/>
-            </a:effectRef>
-            <a:fontRef idx="minor">
-              <a:schemeClr val="lt1"/>
-            </a:fontRef>
-          </p:style>
-          <p:txBody>
-            <a:bodyPr rtlCol="0" anchor="ctr"/>
-            <a:lstStyle/>
-            <a:p>
-              <a:pPr algn="ctr"/>
-              <a:endParaRPr lang="en-US" sz="1225" dirty="0"/>
-            </a:p>
-          </p:txBody>
-        </p:sp>
-        <p:sp>
-          <p:nvSpPr>
-            <p:cNvPr id="12" name="TextBox 11">
-              <a:extLst>
-                <a:ext uri="{FF2B5EF4-FFF2-40B4-BE49-F238E27FC236}">
-                  <a16:creationId xmlns:a16="http://schemas.microsoft.com/office/drawing/2014/main" id="{329B3816-A639-4692-9BC7-1BAA8E40C57D}"/>
-                </a:ext>
-              </a:extLst>
-            </p:cNvPr>
-            <p:cNvSpPr txBox="1"/>
-            <p:nvPr/>
-          </p:nvSpPr>
-          <p:spPr>
-            <a:xfrm>
-              <a:off x="10972800" y="289501"/>
-              <a:ext cx="900953" cy="280846"/>
-            </a:xfrm>
-            <a:prstGeom prst="rect">
-              <a:avLst/>
-            </a:prstGeom>
-            <a:grpFill/>
-            <a:ln>
-              <a:noFill/>
-            </a:ln>
-          </p:spPr>
-          <p:txBody>
-            <a:bodyPr wrap="square" rtlCol="0">
-              <a:spAutoFit/>
-            </a:bodyPr>
-            <a:lstStyle/>
-            <a:p>
-              <a:endParaRPr lang="en-US" sz="1225" dirty="0">
-                <a:solidFill>
-                  <a:schemeClr val="bg1"/>
-                </a:solidFill>
-              </a:endParaRPr>
-            </a:p>
-          </p:txBody>
-        </p:sp>
-        <p:sp>
-          <p:nvSpPr>
-            <p:cNvPr id="14" name="TextBox 13">
-              <a:extLst>
-                <a:ext uri="{FF2B5EF4-FFF2-40B4-BE49-F238E27FC236}">
-                  <a16:creationId xmlns:a16="http://schemas.microsoft.com/office/drawing/2014/main" id="{D6424EF1-A4E5-4F24-BD9A-DB2F01928066}"/>
-                </a:ext>
-              </a:extLst>
-            </p:cNvPr>
-            <p:cNvSpPr txBox="1"/>
-            <p:nvPr/>
-          </p:nvSpPr>
-          <p:spPr>
-            <a:xfrm>
-              <a:off x="501407" y="315365"/>
-              <a:ext cx="8089074" cy="400110"/>
-            </a:xfrm>
-            <a:prstGeom prst="rect">
-              <a:avLst/>
-            </a:prstGeom>
-            <a:grpFill/>
-            <a:ln>
-              <a:noFill/>
-            </a:ln>
-          </p:spPr>
-          <p:txBody>
-            <a:bodyPr wrap="square" rtlCol="0">
-              <a:spAutoFit/>
-            </a:bodyPr>
-            <a:lstStyle/>
-            <a:p>
-              <a:r>
-                <a:rPr lang="en-US" sz="2000" dirty="0">
-                  <a:solidFill>
-                    <a:schemeClr val="bg1"/>
-                  </a:solidFill>
-                </a:rPr>
                 <a:t>G&amp;GHDD &gt; Git &gt; Setup</a:t>
               </a:r>
             </a:p>
@@ -22147,7 +21805,7 @@
 </p:sld>
 </file>
 
-<file path=ppt/slides/slide12.xml><?xml version="1.0" encoding="utf-8"?>
+<file path=ppt/slides/slide11.xml><?xml version="1.0" encoding="utf-8"?>
 <p:sld xmlns:a="http://schemas.openxmlformats.org/drawingml/2006/main" xmlns:r="http://schemas.openxmlformats.org/officeDocument/2006/relationships" xmlns:p="http://schemas.openxmlformats.org/presentationml/2006/main">
   <p:cSld>
     <p:spTree>
@@ -22403,7 +22061,7 @@
 </p:sld>
 </file>
 
-<file path=ppt/slides/slide13.xml><?xml version="1.0" encoding="utf-8"?>
+<file path=ppt/slides/slide12.xml><?xml version="1.0" encoding="utf-8"?>
 <p:sld xmlns:a="http://schemas.openxmlformats.org/drawingml/2006/main" xmlns:r="http://schemas.openxmlformats.org/officeDocument/2006/relationships" xmlns:p="http://schemas.openxmlformats.org/presentationml/2006/main">
   <p:cSld>
     <p:spTree>
@@ -23188,7 +22846,7 @@
 </p:sld>
 </file>
 
-<file path=ppt/slides/slide14.xml><?xml version="1.0" encoding="utf-8"?>
+<file path=ppt/slides/slide13.xml><?xml version="1.0" encoding="utf-8"?>
 <p:sld xmlns:a="http://schemas.openxmlformats.org/drawingml/2006/main" xmlns:r="http://schemas.openxmlformats.org/officeDocument/2006/relationships" xmlns:p="http://schemas.openxmlformats.org/presentationml/2006/main">
   <p:cSld>
     <p:spTree>
@@ -23444,7 +23102,7 @@
 </p:sld>
 </file>
 
-<file path=ppt/slides/slide15.xml><?xml version="1.0" encoding="utf-8"?>
+<file path=ppt/slides/slide14.xml><?xml version="1.0" encoding="utf-8"?>
 <p:sld xmlns:a="http://schemas.openxmlformats.org/drawingml/2006/main" xmlns:r="http://schemas.openxmlformats.org/officeDocument/2006/relationships" xmlns:p="http://schemas.openxmlformats.org/presentationml/2006/main">
   <p:cSld>
     <p:spTree>
@@ -24184,7 +23842,7 @@
 </p:sld>
 </file>
 
-<file path=ppt/slides/slide16.xml><?xml version="1.0" encoding="utf-8"?>
+<file path=ppt/slides/slide15.xml><?xml version="1.0" encoding="utf-8"?>
 <p:sld xmlns:a="http://schemas.openxmlformats.org/drawingml/2006/main" xmlns:r="http://schemas.openxmlformats.org/officeDocument/2006/relationships" xmlns:p="http://schemas.openxmlformats.org/presentationml/2006/main">
   <p:cSld>
     <p:spTree>
@@ -24440,7 +24098,7 @@
 </p:sld>
 </file>
 
-<file path=ppt/slides/slide17.xml><?xml version="1.0" encoding="utf-8"?>
+<file path=ppt/slides/slide16.xml><?xml version="1.0" encoding="utf-8"?>
 <p:sld xmlns:a="http://schemas.openxmlformats.org/drawingml/2006/main" xmlns:r="http://schemas.openxmlformats.org/officeDocument/2006/relationships" xmlns:p="http://schemas.openxmlformats.org/presentationml/2006/main">
   <p:cSld>
     <p:spTree>
@@ -25258,7 +24916,7 @@
 </p:sld>
 </file>
 
-<file path=ppt/slides/slide18.xml><?xml version="1.0" encoding="utf-8"?>
+<file path=ppt/slides/slide17.xml><?xml version="1.0" encoding="utf-8"?>
 <p:sld xmlns:a="http://schemas.openxmlformats.org/drawingml/2006/main" xmlns:r="http://schemas.openxmlformats.org/officeDocument/2006/relationships" xmlns:p="http://schemas.openxmlformats.org/presentationml/2006/main">
   <p:cSld>
     <p:spTree>
@@ -25514,7 +25172,7 @@
 </p:sld>
 </file>
 
-<file path=ppt/slides/slide19.xml><?xml version="1.0" encoding="utf-8"?>
+<file path=ppt/slides/slide18.xml><?xml version="1.0" encoding="utf-8"?>
 <p:sld xmlns:a="http://schemas.openxmlformats.org/drawingml/2006/main" xmlns:r="http://schemas.openxmlformats.org/officeDocument/2006/relationships" xmlns:p="http://schemas.openxmlformats.org/presentationml/2006/main">
   <p:cSld>
     <p:spTree>
@@ -26462,6 +26120,262 @@
       </p:par>
     </p:tnLst>
   </p:timing>
+</p:sld>
+</file>
+
+<file path=ppt/slides/slide19.xml><?xml version="1.0" encoding="utf-8"?>
+<p:sld xmlns:a="http://schemas.openxmlformats.org/drawingml/2006/main" xmlns:r="http://schemas.openxmlformats.org/officeDocument/2006/relationships" xmlns:p="http://schemas.openxmlformats.org/presentationml/2006/main">
+  <p:cSld>
+    <p:spTree>
+      <p:nvGrpSpPr>
+        <p:cNvPr id="1" name=""/>
+        <p:cNvGrpSpPr/>
+        <p:nvPr/>
+      </p:nvGrpSpPr>
+      <p:grpSpPr>
+        <a:xfrm>
+          <a:off x="0" y="0"/>
+          <a:ext cx="0" cy="0"/>
+          <a:chOff x="0" y="0"/>
+          <a:chExt cx="0" cy="0"/>
+        </a:xfrm>
+      </p:grpSpPr>
+      <p:pic>
+        <p:nvPicPr>
+          <p:cNvPr id="9" name="Picture 8">
+            <a:extLst>
+              <a:ext uri="{FF2B5EF4-FFF2-40B4-BE49-F238E27FC236}">
+                <a16:creationId xmlns:a16="http://schemas.microsoft.com/office/drawing/2014/main" id="{47FF90BC-4EA9-4433-8469-620BF496C336}"/>
+              </a:ext>
+            </a:extLst>
+          </p:cNvPr>
+          <p:cNvPicPr>
+            <a:picLocks noChangeAspect="1"/>
+          </p:cNvPicPr>
+          <p:nvPr/>
+        </p:nvPicPr>
+        <p:blipFill rotWithShape="1">
+          <a:blip r:embed="rId3">
+            <a:extLst>
+              <a:ext uri="{28A0092B-C50C-407E-A947-70E740481C1C}">
+                <a14:useLocalDpi xmlns:a14="http://schemas.microsoft.com/office/drawing/2010/main" val="0"/>
+              </a:ext>
+            </a:extLst>
+          </a:blip>
+          <a:srcRect r="62500"/>
+          <a:stretch/>
+        </p:blipFill>
+        <p:spPr>
+          <a:xfrm>
+            <a:off x="172497" y="-110435"/>
+            <a:ext cx="914400" cy="1251712"/>
+          </a:xfrm>
+          <a:prstGeom prst="rect">
+            <a:avLst/>
+          </a:prstGeom>
+        </p:spPr>
+      </p:pic>
+      <p:grpSp>
+        <p:nvGrpSpPr>
+          <p:cNvPr id="10" name="Group 9">
+            <a:extLst>
+              <a:ext uri="{FF2B5EF4-FFF2-40B4-BE49-F238E27FC236}">
+                <a16:creationId xmlns:a16="http://schemas.microsoft.com/office/drawing/2014/main" id="{58A8AF2F-B974-4491-91CE-6F2028BFACCD}"/>
+              </a:ext>
+            </a:extLst>
+          </p:cNvPr>
+          <p:cNvGrpSpPr/>
+          <p:nvPr/>
+        </p:nvGrpSpPr>
+        <p:grpSpPr>
+          <a:xfrm>
+            <a:off x="2" y="2"/>
+            <a:ext cx="12191999" cy="948335"/>
+            <a:chOff x="0" y="0"/>
+            <a:chExt cx="12192000" cy="948335"/>
+          </a:xfrm>
+          <a:solidFill>
+            <a:schemeClr val="accent1"/>
+          </a:solidFill>
+        </p:grpSpPr>
+        <p:sp>
+          <p:nvSpPr>
+            <p:cNvPr id="11" name="Rectangle 10">
+              <a:extLst>
+                <a:ext uri="{FF2B5EF4-FFF2-40B4-BE49-F238E27FC236}">
+                  <a16:creationId xmlns:a16="http://schemas.microsoft.com/office/drawing/2014/main" id="{049BDDA0-374D-4DE8-9E4C-A21ED7C8652D}"/>
+                </a:ext>
+              </a:extLst>
+            </p:cNvPr>
+            <p:cNvSpPr/>
+            <p:nvPr/>
+          </p:nvSpPr>
+          <p:spPr>
+            <a:xfrm>
+              <a:off x="0" y="0"/>
+              <a:ext cx="12192000" cy="948335"/>
+            </a:xfrm>
+            <a:prstGeom prst="rect">
+              <a:avLst/>
+            </a:prstGeom>
+            <a:grpFill/>
+            <a:ln>
+              <a:noFill/>
+            </a:ln>
+          </p:spPr>
+          <p:style>
+            <a:lnRef idx="2">
+              <a:schemeClr val="accent1">
+                <a:shade val="50000"/>
+              </a:schemeClr>
+            </a:lnRef>
+            <a:fillRef idx="1">
+              <a:schemeClr val="accent1"/>
+            </a:fillRef>
+            <a:effectRef idx="0">
+              <a:schemeClr val="accent1"/>
+            </a:effectRef>
+            <a:fontRef idx="minor">
+              <a:schemeClr val="lt1"/>
+            </a:fontRef>
+          </p:style>
+          <p:txBody>
+            <a:bodyPr rtlCol="0" anchor="ctr"/>
+            <a:lstStyle/>
+            <a:p>
+              <a:pPr algn="ctr"/>
+              <a:endParaRPr lang="en-US" sz="1225" dirty="0"/>
+            </a:p>
+          </p:txBody>
+        </p:sp>
+        <p:sp>
+          <p:nvSpPr>
+            <p:cNvPr id="12" name="TextBox 11">
+              <a:extLst>
+                <a:ext uri="{FF2B5EF4-FFF2-40B4-BE49-F238E27FC236}">
+                  <a16:creationId xmlns:a16="http://schemas.microsoft.com/office/drawing/2014/main" id="{329B3816-A639-4692-9BC7-1BAA8E40C57D}"/>
+                </a:ext>
+              </a:extLst>
+            </p:cNvPr>
+            <p:cNvSpPr txBox="1"/>
+            <p:nvPr/>
+          </p:nvSpPr>
+          <p:spPr>
+            <a:xfrm>
+              <a:off x="10972800" y="289501"/>
+              <a:ext cx="900953" cy="280846"/>
+            </a:xfrm>
+            <a:prstGeom prst="rect">
+              <a:avLst/>
+            </a:prstGeom>
+            <a:grpFill/>
+            <a:ln>
+              <a:noFill/>
+            </a:ln>
+          </p:spPr>
+          <p:txBody>
+            <a:bodyPr wrap="square" rtlCol="0">
+              <a:spAutoFit/>
+            </a:bodyPr>
+            <a:lstStyle/>
+            <a:p>
+              <a:endParaRPr lang="en-US" sz="1225" dirty="0">
+                <a:solidFill>
+                  <a:schemeClr val="bg1"/>
+                </a:solidFill>
+              </a:endParaRPr>
+            </a:p>
+          </p:txBody>
+        </p:sp>
+        <p:sp>
+          <p:nvSpPr>
+            <p:cNvPr id="14" name="TextBox 13">
+              <a:extLst>
+                <a:ext uri="{FF2B5EF4-FFF2-40B4-BE49-F238E27FC236}">
+                  <a16:creationId xmlns:a16="http://schemas.microsoft.com/office/drawing/2014/main" id="{D6424EF1-A4E5-4F24-BD9A-DB2F01928066}"/>
+                </a:ext>
+              </a:extLst>
+            </p:cNvPr>
+            <p:cNvSpPr txBox="1"/>
+            <p:nvPr/>
+          </p:nvSpPr>
+          <p:spPr>
+            <a:xfrm>
+              <a:off x="501407" y="315365"/>
+              <a:ext cx="8089074" cy="400110"/>
+            </a:xfrm>
+            <a:prstGeom prst="rect">
+              <a:avLst/>
+            </a:prstGeom>
+            <a:grpFill/>
+            <a:ln>
+              <a:noFill/>
+            </a:ln>
+          </p:spPr>
+          <p:txBody>
+            <a:bodyPr wrap="square" rtlCol="0">
+              <a:spAutoFit/>
+            </a:bodyPr>
+            <a:lstStyle/>
+            <a:p>
+              <a:r>
+                <a:rPr lang="en-US" sz="2000" dirty="0">
+                  <a:solidFill>
+                    <a:schemeClr val="bg1"/>
+                  </a:solidFill>
+                </a:rPr>
+                <a:t>G&amp;GHDD &gt; Git &gt; Changes &gt; Code Kate #5</a:t>
+              </a:r>
+            </a:p>
+          </p:txBody>
+        </p:sp>
+      </p:grpSp>
+      <p:pic>
+        <p:nvPicPr>
+          <p:cNvPr id="7" name="Picture 6">
+            <a:extLst>
+              <a:ext uri="{FF2B5EF4-FFF2-40B4-BE49-F238E27FC236}">
+                <a16:creationId xmlns:a16="http://schemas.microsoft.com/office/drawing/2014/main" id="{16A31FFF-3A7B-41B6-B4DD-5F42A07A245D}"/>
+              </a:ext>
+            </a:extLst>
+          </p:cNvPr>
+          <p:cNvPicPr>
+            <a:picLocks noChangeAspect="1"/>
+          </p:cNvPicPr>
+          <p:nvPr/>
+        </p:nvPicPr>
+        <p:blipFill>
+          <a:blip r:embed="rId4">
+            <a:extLst>
+              <a:ext uri="{28A0092B-C50C-407E-A947-70E740481C1C}">
+                <a14:useLocalDpi xmlns:a14="http://schemas.microsoft.com/office/drawing/2010/main" val="0"/>
+              </a:ext>
+            </a:extLst>
+          </a:blip>
+          <a:stretch>
+            <a:fillRect/>
+          </a:stretch>
+        </p:blipFill>
+        <p:spPr>
+          <a:xfrm>
+            <a:off x="2072920" y="1340019"/>
+            <a:ext cx="8046161" cy="4578349"/>
+          </a:xfrm>
+          <a:prstGeom prst="rect">
+            <a:avLst/>
+          </a:prstGeom>
+        </p:spPr>
+      </p:pic>
+    </p:spTree>
+    <p:extLst>
+      <p:ext uri="{BB962C8B-B14F-4D97-AF65-F5344CB8AC3E}">
+        <p14:creationId xmlns:p14="http://schemas.microsoft.com/office/powerpoint/2010/main" val="2897401757"/>
+      </p:ext>
+    </p:extLst>
+  </p:cSld>
+  <p:clrMapOvr>
+    <a:masterClrMapping/>
+  </p:clrMapOvr>
 </p:sld>
 </file>
 
@@ -27093,262 +27007,6 @@
                     <a:schemeClr val="bg1"/>
                   </a:solidFill>
                 </a:rPr>
-                <a:t>G&amp;GHDD &gt; Git &gt; Changes &gt; Code Kate #5</a:t>
-              </a:r>
-            </a:p>
-          </p:txBody>
-        </p:sp>
-      </p:grpSp>
-      <p:pic>
-        <p:nvPicPr>
-          <p:cNvPr id="7" name="Picture 6">
-            <a:extLst>
-              <a:ext uri="{FF2B5EF4-FFF2-40B4-BE49-F238E27FC236}">
-                <a16:creationId xmlns:a16="http://schemas.microsoft.com/office/drawing/2014/main" id="{16A31FFF-3A7B-41B6-B4DD-5F42A07A245D}"/>
-              </a:ext>
-            </a:extLst>
-          </p:cNvPr>
-          <p:cNvPicPr>
-            <a:picLocks noChangeAspect="1"/>
-          </p:cNvPicPr>
-          <p:nvPr/>
-        </p:nvPicPr>
-        <p:blipFill>
-          <a:blip r:embed="rId4">
-            <a:extLst>
-              <a:ext uri="{28A0092B-C50C-407E-A947-70E740481C1C}">
-                <a14:useLocalDpi xmlns:a14="http://schemas.microsoft.com/office/drawing/2010/main" val="0"/>
-              </a:ext>
-            </a:extLst>
-          </a:blip>
-          <a:stretch>
-            <a:fillRect/>
-          </a:stretch>
-        </p:blipFill>
-        <p:spPr>
-          <a:xfrm>
-            <a:off x="2072920" y="1340019"/>
-            <a:ext cx="8046161" cy="4578349"/>
-          </a:xfrm>
-          <a:prstGeom prst="rect">
-            <a:avLst/>
-          </a:prstGeom>
-        </p:spPr>
-      </p:pic>
-    </p:spTree>
-    <p:extLst>
-      <p:ext uri="{BB962C8B-B14F-4D97-AF65-F5344CB8AC3E}">
-        <p14:creationId xmlns:p14="http://schemas.microsoft.com/office/powerpoint/2010/main" val="2897401757"/>
-      </p:ext>
-    </p:extLst>
-  </p:cSld>
-  <p:clrMapOvr>
-    <a:masterClrMapping/>
-  </p:clrMapOvr>
-</p:sld>
-</file>
-
-<file path=ppt/slides/slide21.xml><?xml version="1.0" encoding="utf-8"?>
-<p:sld xmlns:a="http://schemas.openxmlformats.org/drawingml/2006/main" xmlns:r="http://schemas.openxmlformats.org/officeDocument/2006/relationships" xmlns:p="http://schemas.openxmlformats.org/presentationml/2006/main">
-  <p:cSld>
-    <p:spTree>
-      <p:nvGrpSpPr>
-        <p:cNvPr id="1" name=""/>
-        <p:cNvGrpSpPr/>
-        <p:nvPr/>
-      </p:nvGrpSpPr>
-      <p:grpSpPr>
-        <a:xfrm>
-          <a:off x="0" y="0"/>
-          <a:ext cx="0" cy="0"/>
-          <a:chOff x="0" y="0"/>
-          <a:chExt cx="0" cy="0"/>
-        </a:xfrm>
-      </p:grpSpPr>
-      <p:pic>
-        <p:nvPicPr>
-          <p:cNvPr id="9" name="Picture 8">
-            <a:extLst>
-              <a:ext uri="{FF2B5EF4-FFF2-40B4-BE49-F238E27FC236}">
-                <a16:creationId xmlns:a16="http://schemas.microsoft.com/office/drawing/2014/main" id="{47FF90BC-4EA9-4433-8469-620BF496C336}"/>
-              </a:ext>
-            </a:extLst>
-          </p:cNvPr>
-          <p:cNvPicPr>
-            <a:picLocks noChangeAspect="1"/>
-          </p:cNvPicPr>
-          <p:nvPr/>
-        </p:nvPicPr>
-        <p:blipFill rotWithShape="1">
-          <a:blip r:embed="rId3">
-            <a:extLst>
-              <a:ext uri="{28A0092B-C50C-407E-A947-70E740481C1C}">
-                <a14:useLocalDpi xmlns:a14="http://schemas.microsoft.com/office/drawing/2010/main" val="0"/>
-              </a:ext>
-            </a:extLst>
-          </a:blip>
-          <a:srcRect r="62500"/>
-          <a:stretch/>
-        </p:blipFill>
-        <p:spPr>
-          <a:xfrm>
-            <a:off x="172497" y="-110435"/>
-            <a:ext cx="914400" cy="1251712"/>
-          </a:xfrm>
-          <a:prstGeom prst="rect">
-            <a:avLst/>
-          </a:prstGeom>
-        </p:spPr>
-      </p:pic>
-      <p:grpSp>
-        <p:nvGrpSpPr>
-          <p:cNvPr id="10" name="Group 9">
-            <a:extLst>
-              <a:ext uri="{FF2B5EF4-FFF2-40B4-BE49-F238E27FC236}">
-                <a16:creationId xmlns:a16="http://schemas.microsoft.com/office/drawing/2014/main" id="{58A8AF2F-B974-4491-91CE-6F2028BFACCD}"/>
-              </a:ext>
-            </a:extLst>
-          </p:cNvPr>
-          <p:cNvGrpSpPr/>
-          <p:nvPr/>
-        </p:nvGrpSpPr>
-        <p:grpSpPr>
-          <a:xfrm>
-            <a:off x="2" y="2"/>
-            <a:ext cx="12191999" cy="948335"/>
-            <a:chOff x="0" y="0"/>
-            <a:chExt cx="12192000" cy="948335"/>
-          </a:xfrm>
-          <a:solidFill>
-            <a:schemeClr val="accent1"/>
-          </a:solidFill>
-        </p:grpSpPr>
-        <p:sp>
-          <p:nvSpPr>
-            <p:cNvPr id="11" name="Rectangle 10">
-              <a:extLst>
-                <a:ext uri="{FF2B5EF4-FFF2-40B4-BE49-F238E27FC236}">
-                  <a16:creationId xmlns:a16="http://schemas.microsoft.com/office/drawing/2014/main" id="{049BDDA0-374D-4DE8-9E4C-A21ED7C8652D}"/>
-                </a:ext>
-              </a:extLst>
-            </p:cNvPr>
-            <p:cNvSpPr/>
-            <p:nvPr/>
-          </p:nvSpPr>
-          <p:spPr>
-            <a:xfrm>
-              <a:off x="0" y="0"/>
-              <a:ext cx="12192000" cy="948335"/>
-            </a:xfrm>
-            <a:prstGeom prst="rect">
-              <a:avLst/>
-            </a:prstGeom>
-            <a:grpFill/>
-            <a:ln>
-              <a:noFill/>
-            </a:ln>
-          </p:spPr>
-          <p:style>
-            <a:lnRef idx="2">
-              <a:schemeClr val="accent1">
-                <a:shade val="50000"/>
-              </a:schemeClr>
-            </a:lnRef>
-            <a:fillRef idx="1">
-              <a:schemeClr val="accent1"/>
-            </a:fillRef>
-            <a:effectRef idx="0">
-              <a:schemeClr val="accent1"/>
-            </a:effectRef>
-            <a:fontRef idx="minor">
-              <a:schemeClr val="lt1"/>
-            </a:fontRef>
-          </p:style>
-          <p:txBody>
-            <a:bodyPr rtlCol="0" anchor="ctr"/>
-            <a:lstStyle/>
-            <a:p>
-              <a:pPr algn="ctr"/>
-              <a:endParaRPr lang="en-US" sz="1225" dirty="0"/>
-            </a:p>
-          </p:txBody>
-        </p:sp>
-        <p:sp>
-          <p:nvSpPr>
-            <p:cNvPr id="12" name="TextBox 11">
-              <a:extLst>
-                <a:ext uri="{FF2B5EF4-FFF2-40B4-BE49-F238E27FC236}">
-                  <a16:creationId xmlns:a16="http://schemas.microsoft.com/office/drawing/2014/main" id="{329B3816-A639-4692-9BC7-1BAA8E40C57D}"/>
-                </a:ext>
-              </a:extLst>
-            </p:cNvPr>
-            <p:cNvSpPr txBox="1"/>
-            <p:nvPr/>
-          </p:nvSpPr>
-          <p:spPr>
-            <a:xfrm>
-              <a:off x="10972800" y="289501"/>
-              <a:ext cx="900953" cy="280846"/>
-            </a:xfrm>
-            <a:prstGeom prst="rect">
-              <a:avLst/>
-            </a:prstGeom>
-            <a:grpFill/>
-            <a:ln>
-              <a:noFill/>
-            </a:ln>
-          </p:spPr>
-          <p:txBody>
-            <a:bodyPr wrap="square" rtlCol="0">
-              <a:spAutoFit/>
-            </a:bodyPr>
-            <a:lstStyle/>
-            <a:p>
-              <a:endParaRPr lang="en-US" sz="1225" dirty="0">
-                <a:solidFill>
-                  <a:schemeClr val="bg1"/>
-                </a:solidFill>
-              </a:endParaRPr>
-            </a:p>
-          </p:txBody>
-        </p:sp>
-        <p:sp>
-          <p:nvSpPr>
-            <p:cNvPr id="14" name="TextBox 13">
-              <a:extLst>
-                <a:ext uri="{FF2B5EF4-FFF2-40B4-BE49-F238E27FC236}">
-                  <a16:creationId xmlns:a16="http://schemas.microsoft.com/office/drawing/2014/main" id="{D6424EF1-A4E5-4F24-BD9A-DB2F01928066}"/>
-                </a:ext>
-              </a:extLst>
-            </p:cNvPr>
-            <p:cNvSpPr txBox="1"/>
-            <p:nvPr/>
-          </p:nvSpPr>
-          <p:spPr>
-            <a:xfrm>
-              <a:off x="501407" y="315365"/>
-              <a:ext cx="8089074" cy="400110"/>
-            </a:xfrm>
-            <a:prstGeom prst="rect">
-              <a:avLst/>
-            </a:prstGeom>
-            <a:grpFill/>
-            <a:ln>
-              <a:noFill/>
-            </a:ln>
-          </p:spPr>
-          <p:txBody>
-            <a:bodyPr wrap="square" rtlCol="0">
-              <a:spAutoFit/>
-            </a:bodyPr>
-            <a:lstStyle/>
-            <a:p>
-              <a:r>
-                <a:rPr lang="en-US" sz="2000" dirty="0">
-                  <a:solidFill>
-                    <a:schemeClr val="bg1"/>
-                  </a:solidFill>
-                </a:rPr>
                 <a:t>G&amp;GHDD &gt; Git &gt; History</a:t>
               </a:r>
             </a:p>
@@ -27677,7 +27335,7 @@
 </p:sld>
 </file>
 
-<file path=ppt/slides/slide22.xml><?xml version="1.0" encoding="utf-8"?>
+<file path=ppt/slides/slide21.xml><?xml version="1.0" encoding="utf-8"?>
 <p:sld xmlns:a="http://schemas.openxmlformats.org/drawingml/2006/main" xmlns:r="http://schemas.openxmlformats.org/officeDocument/2006/relationships" xmlns:p="http://schemas.openxmlformats.org/presentationml/2006/main">
   <p:cSld>
     <p:spTree>
@@ -27933,7 +27591,7 @@
 </p:sld>
 </file>
 
-<file path=ppt/slides/slide23.xml><?xml version="1.0" encoding="utf-8"?>
+<file path=ppt/slides/slide22.xml><?xml version="1.0" encoding="utf-8"?>
 <p:sld xmlns:a="http://schemas.openxmlformats.org/drawingml/2006/main" xmlns:r="http://schemas.openxmlformats.org/officeDocument/2006/relationships" xmlns:p="http://schemas.openxmlformats.org/presentationml/2006/main">
   <p:cSld>
     <p:spTree>
@@ -28586,7 +28244,7 @@
 </p:sld>
 </file>
 
-<file path=ppt/slides/slide24.xml><?xml version="1.0" encoding="utf-8"?>
+<file path=ppt/slides/slide23.xml><?xml version="1.0" encoding="utf-8"?>
 <p:sld xmlns:a="http://schemas.openxmlformats.org/drawingml/2006/main" xmlns:r="http://schemas.openxmlformats.org/officeDocument/2006/relationships" xmlns:p="http://schemas.openxmlformats.org/presentationml/2006/main">
   <p:cSld>
     <p:spTree>
@@ -28842,7 +28500,7 @@
 </p:sld>
 </file>
 
-<file path=ppt/slides/slide25.xml><?xml version="1.0" encoding="utf-8"?>
+<file path=ppt/slides/slide24.xml><?xml version="1.0" encoding="utf-8"?>
 <p:sld xmlns:a="http://schemas.openxmlformats.org/drawingml/2006/main" xmlns:r="http://schemas.openxmlformats.org/officeDocument/2006/relationships" xmlns:p="http://schemas.openxmlformats.org/presentationml/2006/main">
   <p:cSld>
     <p:spTree>
@@ -29098,7 +28756,7 @@
 </p:sld>
 </file>
 
-<file path=ppt/slides/slide26.xml><?xml version="1.0" encoding="utf-8"?>
+<file path=ppt/slides/slide25.xml><?xml version="1.0" encoding="utf-8"?>
 <p:sld xmlns:a="http://schemas.openxmlformats.org/drawingml/2006/main" xmlns:r="http://schemas.openxmlformats.org/officeDocument/2006/relationships" xmlns:p="http://schemas.openxmlformats.org/presentationml/2006/main">
   <p:cSld>
     <p:spTree>
@@ -29549,7 +29207,7 @@
 </p:sld>
 </file>
 
-<file path=ppt/slides/slide27.xml><?xml version="1.0" encoding="utf-8"?>
+<file path=ppt/slides/slide26.xml><?xml version="1.0" encoding="utf-8"?>
 <p:sld xmlns:a="http://schemas.openxmlformats.org/drawingml/2006/main" xmlns:r="http://schemas.openxmlformats.org/officeDocument/2006/relationships" xmlns:p="http://schemas.openxmlformats.org/presentationml/2006/main">
   <p:cSld>
     <p:spTree>
@@ -29717,7 +29375,7 @@
 </p:sld>
 </file>
 
-<file path=ppt/slides/slide28.xml><?xml version="1.0" encoding="utf-8"?>
+<file path=ppt/slides/slide27.xml><?xml version="1.0" encoding="utf-8"?>
 <p:sld xmlns:a="http://schemas.openxmlformats.org/drawingml/2006/main" xmlns:r="http://schemas.openxmlformats.org/officeDocument/2006/relationships" xmlns:p="http://schemas.openxmlformats.org/presentationml/2006/main">
   <p:cSld>
     <p:spTree>
@@ -30300,7 +29958,7 @@
 </p:sld>
 </file>
 
-<file path=ppt/slides/slide29.xml><?xml version="1.0" encoding="utf-8"?>
+<file path=ppt/slides/slide28.xml><?xml version="1.0" encoding="utf-8"?>
 <p:sld xmlns:a="http://schemas.openxmlformats.org/drawingml/2006/main" xmlns:r="http://schemas.openxmlformats.org/officeDocument/2006/relationships" xmlns:p="http://schemas.openxmlformats.org/presentationml/2006/main">
   <p:cSld>
     <p:spTree>
@@ -30497,175 +30155,7 @@
 </p:sld>
 </file>
 
-<file path=ppt/slides/slide3.xml><?xml version="1.0" encoding="utf-8"?>
-<p:sld xmlns:a="http://schemas.openxmlformats.org/drawingml/2006/main" xmlns:r="http://schemas.openxmlformats.org/officeDocument/2006/relationships" xmlns:p="http://schemas.openxmlformats.org/presentationml/2006/main">
-  <p:cSld>
-    <p:spTree>
-      <p:nvGrpSpPr>
-        <p:cNvPr id="1" name=""/>
-        <p:cNvGrpSpPr/>
-        <p:nvPr/>
-      </p:nvGrpSpPr>
-      <p:grpSpPr>
-        <a:xfrm>
-          <a:off x="0" y="0"/>
-          <a:ext cx="0" cy="0"/>
-          <a:chOff x="0" y="0"/>
-          <a:chExt cx="0" cy="0"/>
-        </a:xfrm>
-      </p:grpSpPr>
-      <p:grpSp>
-        <p:nvGrpSpPr>
-          <p:cNvPr id="13" name="Group 12"/>
-          <p:cNvGrpSpPr/>
-          <p:nvPr/>
-        </p:nvGrpSpPr>
-        <p:grpSpPr>
-          <a:xfrm>
-            <a:off x="0" y="0"/>
-            <a:ext cx="12191999" cy="948335"/>
-            <a:chOff x="0" y="0"/>
-            <a:chExt cx="12192000" cy="948335"/>
-          </a:xfrm>
-          <a:solidFill>
-            <a:schemeClr val="accent1"/>
-          </a:solidFill>
-        </p:grpSpPr>
-        <p:sp>
-          <p:nvSpPr>
-            <p:cNvPr id="2" name="Rectangle 1"/>
-            <p:cNvSpPr/>
-            <p:nvPr/>
-          </p:nvSpPr>
-          <p:spPr>
-            <a:xfrm>
-              <a:off x="0" y="0"/>
-              <a:ext cx="12192000" cy="948335"/>
-            </a:xfrm>
-            <a:prstGeom prst="rect">
-              <a:avLst/>
-            </a:prstGeom>
-            <a:grpFill/>
-            <a:ln>
-              <a:solidFill>
-                <a:schemeClr val="tx1"/>
-              </a:solidFill>
-            </a:ln>
-          </p:spPr>
-          <p:style>
-            <a:lnRef idx="2">
-              <a:schemeClr val="accent1">
-                <a:shade val="50000"/>
-              </a:schemeClr>
-            </a:lnRef>
-            <a:fillRef idx="1">
-              <a:schemeClr val="accent1"/>
-            </a:fillRef>
-            <a:effectRef idx="0">
-              <a:schemeClr val="accent1"/>
-            </a:effectRef>
-            <a:fontRef idx="minor">
-              <a:schemeClr val="lt1"/>
-            </a:fontRef>
-          </p:style>
-          <p:txBody>
-            <a:bodyPr rtlCol="0" anchor="ctr"/>
-            <a:lstStyle/>
-            <a:p>
-              <a:pPr algn="ctr"/>
-              <a:endParaRPr lang="en-US" sz="1225"/>
-            </a:p>
-          </p:txBody>
-        </p:sp>
-        <p:sp>
-          <p:nvSpPr>
-            <p:cNvPr id="21" name="TextBox 20"/>
-            <p:cNvSpPr txBox="1"/>
-            <p:nvPr/>
-          </p:nvSpPr>
-          <p:spPr>
-            <a:xfrm>
-              <a:off x="501407" y="315365"/>
-              <a:ext cx="8089074" cy="400110"/>
-            </a:xfrm>
-            <a:prstGeom prst="rect">
-              <a:avLst/>
-            </a:prstGeom>
-            <a:grpFill/>
-            <a:ln>
-              <a:solidFill>
-                <a:schemeClr val="accent1"/>
-              </a:solidFill>
-            </a:ln>
-          </p:spPr>
-          <p:txBody>
-            <a:bodyPr wrap="square" rtlCol="0">
-              <a:spAutoFit/>
-            </a:bodyPr>
-            <a:lstStyle/>
-            <a:p>
-              <a:r>
-                <a:rPr lang="en-US" sz="2000" dirty="0">
-                  <a:solidFill>
-                    <a:schemeClr val="bg1"/>
-                  </a:solidFill>
-                </a:rPr>
-                <a:t>G&amp;GHDD &gt; Big Picture</a:t>
-              </a:r>
-            </a:p>
-          </p:txBody>
-        </p:sp>
-      </p:grpSp>
-      <p:pic>
-        <p:nvPicPr>
-          <p:cNvPr id="6" name="Picture 5">
-            <a:extLst>
-              <a:ext uri="{FF2B5EF4-FFF2-40B4-BE49-F238E27FC236}">
-                <a16:creationId xmlns:a16="http://schemas.microsoft.com/office/drawing/2014/main" id="{C5B0A1AC-F69A-488F-A222-30E639AFEDE6}"/>
-              </a:ext>
-            </a:extLst>
-          </p:cNvPr>
-          <p:cNvPicPr>
-            <a:picLocks noChangeAspect="1"/>
-          </p:cNvPicPr>
-          <p:nvPr/>
-        </p:nvPicPr>
-        <p:blipFill>
-          <a:blip r:embed="rId2">
-            <a:extLst>
-              <a:ext uri="{28A0092B-C50C-407E-A947-70E740481C1C}">
-                <a14:useLocalDpi xmlns:a14="http://schemas.microsoft.com/office/drawing/2010/main" val="0"/>
-              </a:ext>
-            </a:extLst>
-          </a:blip>
-          <a:stretch>
-            <a:fillRect/>
-          </a:stretch>
-        </p:blipFill>
-        <p:spPr>
-          <a:xfrm>
-            <a:off x="763904" y="1030840"/>
-            <a:ext cx="10664190" cy="5985403"/>
-          </a:xfrm>
-          <a:prstGeom prst="rect">
-            <a:avLst/>
-          </a:prstGeom>
-        </p:spPr>
-      </p:pic>
-    </p:spTree>
-    <p:extLst>
-      <p:ext uri="{BB962C8B-B14F-4D97-AF65-F5344CB8AC3E}">
-        <p14:creationId xmlns:p14="http://schemas.microsoft.com/office/powerpoint/2010/main" val="4211215570"/>
-      </p:ext>
-    </p:extLst>
-  </p:cSld>
-  <p:clrMapOvr>
-    <a:masterClrMapping/>
-  </p:clrMapOvr>
-</p:sld>
-</file>
-
-<file path=ppt/slides/slide30.xml><?xml version="1.0" encoding="utf-8"?>
+<file path=ppt/slides/slide29.xml><?xml version="1.0" encoding="utf-8"?>
 <p:sld xmlns:a="http://schemas.openxmlformats.org/drawingml/2006/main" xmlns:r="http://schemas.openxmlformats.org/officeDocument/2006/relationships" xmlns:p="http://schemas.openxmlformats.org/presentationml/2006/main">
   <p:cSld>
     <p:spTree>
@@ -31182,7 +30672,175 @@
 </p:sld>
 </file>
 
-<file path=ppt/slides/slide31.xml><?xml version="1.0" encoding="utf-8"?>
+<file path=ppt/slides/slide3.xml><?xml version="1.0" encoding="utf-8"?>
+<p:sld xmlns:a="http://schemas.openxmlformats.org/drawingml/2006/main" xmlns:r="http://schemas.openxmlformats.org/officeDocument/2006/relationships" xmlns:p="http://schemas.openxmlformats.org/presentationml/2006/main">
+  <p:cSld>
+    <p:spTree>
+      <p:nvGrpSpPr>
+        <p:cNvPr id="1" name=""/>
+        <p:cNvGrpSpPr/>
+        <p:nvPr/>
+      </p:nvGrpSpPr>
+      <p:grpSpPr>
+        <a:xfrm>
+          <a:off x="0" y="0"/>
+          <a:ext cx="0" cy="0"/>
+          <a:chOff x="0" y="0"/>
+          <a:chExt cx="0" cy="0"/>
+        </a:xfrm>
+      </p:grpSpPr>
+      <p:grpSp>
+        <p:nvGrpSpPr>
+          <p:cNvPr id="13" name="Group 12"/>
+          <p:cNvGrpSpPr/>
+          <p:nvPr/>
+        </p:nvGrpSpPr>
+        <p:grpSpPr>
+          <a:xfrm>
+            <a:off x="0" y="0"/>
+            <a:ext cx="12191999" cy="948335"/>
+            <a:chOff x="0" y="0"/>
+            <a:chExt cx="12192000" cy="948335"/>
+          </a:xfrm>
+          <a:solidFill>
+            <a:schemeClr val="accent1"/>
+          </a:solidFill>
+        </p:grpSpPr>
+        <p:sp>
+          <p:nvSpPr>
+            <p:cNvPr id="2" name="Rectangle 1"/>
+            <p:cNvSpPr/>
+            <p:nvPr/>
+          </p:nvSpPr>
+          <p:spPr>
+            <a:xfrm>
+              <a:off x="0" y="0"/>
+              <a:ext cx="12192000" cy="948335"/>
+            </a:xfrm>
+            <a:prstGeom prst="rect">
+              <a:avLst/>
+            </a:prstGeom>
+            <a:grpFill/>
+            <a:ln>
+              <a:solidFill>
+                <a:schemeClr val="tx1"/>
+              </a:solidFill>
+            </a:ln>
+          </p:spPr>
+          <p:style>
+            <a:lnRef idx="2">
+              <a:schemeClr val="accent1">
+                <a:shade val="50000"/>
+              </a:schemeClr>
+            </a:lnRef>
+            <a:fillRef idx="1">
+              <a:schemeClr val="accent1"/>
+            </a:fillRef>
+            <a:effectRef idx="0">
+              <a:schemeClr val="accent1"/>
+            </a:effectRef>
+            <a:fontRef idx="minor">
+              <a:schemeClr val="lt1"/>
+            </a:fontRef>
+          </p:style>
+          <p:txBody>
+            <a:bodyPr rtlCol="0" anchor="ctr"/>
+            <a:lstStyle/>
+            <a:p>
+              <a:pPr algn="ctr"/>
+              <a:endParaRPr lang="en-US" sz="1225"/>
+            </a:p>
+          </p:txBody>
+        </p:sp>
+        <p:sp>
+          <p:nvSpPr>
+            <p:cNvPr id="21" name="TextBox 20"/>
+            <p:cNvSpPr txBox="1"/>
+            <p:nvPr/>
+          </p:nvSpPr>
+          <p:spPr>
+            <a:xfrm>
+              <a:off x="501407" y="315365"/>
+              <a:ext cx="8089074" cy="400110"/>
+            </a:xfrm>
+            <a:prstGeom prst="rect">
+              <a:avLst/>
+            </a:prstGeom>
+            <a:grpFill/>
+            <a:ln>
+              <a:solidFill>
+                <a:schemeClr val="accent1"/>
+              </a:solidFill>
+            </a:ln>
+          </p:spPr>
+          <p:txBody>
+            <a:bodyPr wrap="square" rtlCol="0">
+              <a:spAutoFit/>
+            </a:bodyPr>
+            <a:lstStyle/>
+            <a:p>
+              <a:r>
+                <a:rPr lang="en-US" sz="2000" dirty="0">
+                  <a:solidFill>
+                    <a:schemeClr val="bg1"/>
+                  </a:solidFill>
+                </a:rPr>
+                <a:t>G&amp;GHDD &gt; Big Picture</a:t>
+              </a:r>
+            </a:p>
+          </p:txBody>
+        </p:sp>
+      </p:grpSp>
+      <p:pic>
+        <p:nvPicPr>
+          <p:cNvPr id="6" name="Picture 5">
+            <a:extLst>
+              <a:ext uri="{FF2B5EF4-FFF2-40B4-BE49-F238E27FC236}">
+                <a16:creationId xmlns:a16="http://schemas.microsoft.com/office/drawing/2014/main" id="{C5B0A1AC-F69A-488F-A222-30E639AFEDE6}"/>
+              </a:ext>
+            </a:extLst>
+          </p:cNvPr>
+          <p:cNvPicPr>
+            <a:picLocks noChangeAspect="1"/>
+          </p:cNvPicPr>
+          <p:nvPr/>
+        </p:nvPicPr>
+        <p:blipFill>
+          <a:blip r:embed="rId2">
+            <a:extLst>
+              <a:ext uri="{28A0092B-C50C-407E-A947-70E740481C1C}">
+                <a14:useLocalDpi xmlns:a14="http://schemas.microsoft.com/office/drawing/2010/main" val="0"/>
+              </a:ext>
+            </a:extLst>
+          </a:blip>
+          <a:stretch>
+            <a:fillRect/>
+          </a:stretch>
+        </p:blipFill>
+        <p:spPr>
+          <a:xfrm>
+            <a:off x="763904" y="1030840"/>
+            <a:ext cx="10664190" cy="5985403"/>
+          </a:xfrm>
+          <a:prstGeom prst="rect">
+            <a:avLst/>
+          </a:prstGeom>
+        </p:spPr>
+      </p:pic>
+    </p:spTree>
+    <p:extLst>
+      <p:ext uri="{BB962C8B-B14F-4D97-AF65-F5344CB8AC3E}">
+        <p14:creationId xmlns:p14="http://schemas.microsoft.com/office/powerpoint/2010/main" val="4211215570"/>
+      </p:ext>
+    </p:extLst>
+  </p:cSld>
+  <p:clrMapOvr>
+    <a:masterClrMapping/>
+  </p:clrMapOvr>
+</p:sld>
+</file>
+
+<file path=ppt/slides/slide30.xml><?xml version="1.0" encoding="utf-8"?>
 <p:sld xmlns:a="http://schemas.openxmlformats.org/drawingml/2006/main" xmlns:r="http://schemas.openxmlformats.org/officeDocument/2006/relationships" xmlns:p="http://schemas.openxmlformats.org/presentationml/2006/main">
   <p:cSld>
     <p:spTree>
@@ -31379,7 +31037,7 @@
 </p:sld>
 </file>
 
-<file path=ppt/slides/slide32.xml><?xml version="1.0" encoding="utf-8"?>
+<file path=ppt/slides/slide31.xml><?xml version="1.0" encoding="utf-8"?>
 <p:sld xmlns:a="http://schemas.openxmlformats.org/drawingml/2006/main" xmlns:r="http://schemas.openxmlformats.org/officeDocument/2006/relationships" xmlns:p="http://schemas.openxmlformats.org/presentationml/2006/main">
   <p:cSld>
     <p:spTree>
@@ -31635,7 +31293,7 @@
 </p:sld>
 </file>
 
-<file path=ppt/slides/slide33.xml><?xml version="1.0" encoding="utf-8"?>
+<file path=ppt/slides/slide32.xml><?xml version="1.0" encoding="utf-8"?>
 <p:sld xmlns:a="http://schemas.openxmlformats.org/drawingml/2006/main" xmlns:r="http://schemas.openxmlformats.org/officeDocument/2006/relationships" xmlns:p="http://schemas.openxmlformats.org/presentationml/2006/main">
   <p:cSld>
     <p:spTree>
@@ -32416,7 +32074,7 @@
 </p:sld>
 </file>
 
-<file path=ppt/slides/slide34.xml><?xml version="1.0" encoding="utf-8"?>
+<file path=ppt/slides/slide33.xml><?xml version="1.0" encoding="utf-8"?>
 <p:sld xmlns:a="http://schemas.openxmlformats.org/drawingml/2006/main" xmlns:r="http://schemas.openxmlformats.org/officeDocument/2006/relationships" xmlns:p="http://schemas.openxmlformats.org/presentationml/2006/main">
   <p:cSld>
     <p:spTree>
@@ -32672,7 +32330,7 @@
 </p:sld>
 </file>
 
-<file path=ppt/slides/slide35.xml><?xml version="1.0" encoding="utf-8"?>
+<file path=ppt/slides/slide34.xml><?xml version="1.0" encoding="utf-8"?>
 <p:sld xmlns:a="http://schemas.openxmlformats.org/drawingml/2006/main" xmlns:r="http://schemas.openxmlformats.org/officeDocument/2006/relationships" xmlns:p="http://schemas.openxmlformats.org/presentationml/2006/main">
   <p:cSld>
     <p:spTree>
@@ -32926,7 +32584,7 @@
 </p:sld>
 </file>
 
-<file path=ppt/slides/slide36.xml><?xml version="1.0" encoding="utf-8"?>
+<file path=ppt/slides/slide35.xml><?xml version="1.0" encoding="utf-8"?>
 <p:sld xmlns:a="http://schemas.openxmlformats.org/drawingml/2006/main" xmlns:r="http://schemas.openxmlformats.org/officeDocument/2006/relationships" xmlns:p="http://schemas.openxmlformats.org/presentationml/2006/main">
   <p:cSld>
     <p:spTree>
@@ -34896,203 +34554,6 @@
           <a:chExt cx="0" cy="0"/>
         </a:xfrm>
       </p:grpSpPr>
-      <p:grpSp>
-        <p:nvGrpSpPr>
-          <p:cNvPr id="13" name="Group 12"/>
-          <p:cNvGrpSpPr/>
-          <p:nvPr/>
-        </p:nvGrpSpPr>
-        <p:grpSpPr>
-          <a:xfrm>
-            <a:off x="2" y="2"/>
-            <a:ext cx="12191999" cy="948335"/>
-            <a:chOff x="0" y="0"/>
-            <a:chExt cx="12192000" cy="948335"/>
-          </a:xfrm>
-          <a:solidFill>
-            <a:schemeClr val="accent1"/>
-          </a:solidFill>
-        </p:grpSpPr>
-        <p:sp>
-          <p:nvSpPr>
-            <p:cNvPr id="2" name="Rectangle 1"/>
-            <p:cNvSpPr/>
-            <p:nvPr/>
-          </p:nvSpPr>
-          <p:spPr>
-            <a:xfrm>
-              <a:off x="0" y="0"/>
-              <a:ext cx="12192000" cy="948335"/>
-            </a:xfrm>
-            <a:prstGeom prst="rect">
-              <a:avLst/>
-            </a:prstGeom>
-            <a:grpFill/>
-            <a:ln>
-              <a:noFill/>
-            </a:ln>
-          </p:spPr>
-          <p:style>
-            <a:lnRef idx="2">
-              <a:schemeClr val="accent1">
-                <a:shade val="50000"/>
-              </a:schemeClr>
-            </a:lnRef>
-            <a:fillRef idx="1">
-              <a:schemeClr val="accent1"/>
-            </a:fillRef>
-            <a:effectRef idx="0">
-              <a:schemeClr val="accent1"/>
-            </a:effectRef>
-            <a:fontRef idx="minor">
-              <a:schemeClr val="lt1"/>
-            </a:fontRef>
-          </p:style>
-          <p:txBody>
-            <a:bodyPr rtlCol="0" anchor="ctr"/>
-            <a:lstStyle/>
-            <a:p>
-              <a:pPr algn="ctr"/>
-              <a:endParaRPr lang="en-US" sz="1225"/>
-            </a:p>
-          </p:txBody>
-        </p:sp>
-        <p:sp>
-          <p:nvSpPr>
-            <p:cNvPr id="8" name="TextBox 7"/>
-            <p:cNvSpPr txBox="1"/>
-            <p:nvPr/>
-          </p:nvSpPr>
-          <p:spPr>
-            <a:xfrm>
-              <a:off x="10972800" y="289501"/>
-              <a:ext cx="900953" cy="280846"/>
-            </a:xfrm>
-            <a:prstGeom prst="rect">
-              <a:avLst/>
-            </a:prstGeom>
-            <a:grpFill/>
-            <a:ln>
-              <a:noFill/>
-            </a:ln>
-          </p:spPr>
-          <p:txBody>
-            <a:bodyPr wrap="square" rtlCol="0">
-              <a:spAutoFit/>
-            </a:bodyPr>
-            <a:lstStyle/>
-            <a:p>
-              <a:endParaRPr lang="en-US" sz="1225">
-                <a:solidFill>
-                  <a:schemeClr val="bg1"/>
-                </a:solidFill>
-              </a:endParaRPr>
-            </a:p>
-          </p:txBody>
-        </p:sp>
-        <p:sp>
-          <p:nvSpPr>
-            <p:cNvPr id="21" name="TextBox 20"/>
-            <p:cNvSpPr txBox="1"/>
-            <p:nvPr/>
-          </p:nvSpPr>
-          <p:spPr>
-            <a:xfrm>
-              <a:off x="501407" y="315365"/>
-              <a:ext cx="8089074" cy="400110"/>
-            </a:xfrm>
-            <a:prstGeom prst="rect">
-              <a:avLst/>
-            </a:prstGeom>
-            <a:grpFill/>
-            <a:ln>
-              <a:noFill/>
-            </a:ln>
-          </p:spPr>
-          <p:txBody>
-            <a:bodyPr wrap="square" rtlCol="0">
-              <a:spAutoFit/>
-            </a:bodyPr>
-            <a:lstStyle/>
-            <a:p>
-              <a:r>
-                <a:rPr lang="en-US" sz="2000" dirty="0">
-                  <a:solidFill>
-                    <a:schemeClr val="bg1"/>
-                  </a:solidFill>
-                </a:rPr>
-                <a:t>G&amp;GHDD &gt; Big Picture &gt; Demo</a:t>
-              </a:r>
-            </a:p>
-          </p:txBody>
-        </p:sp>
-      </p:grpSp>
-      <p:pic>
-        <p:nvPicPr>
-          <p:cNvPr id="7" name="Picture 6">
-            <a:extLst>
-              <a:ext uri="{FF2B5EF4-FFF2-40B4-BE49-F238E27FC236}">
-                <a16:creationId xmlns:a16="http://schemas.microsoft.com/office/drawing/2014/main" id="{2F1247D1-30D2-404B-821C-8D19AF5DCB3C}"/>
-              </a:ext>
-            </a:extLst>
-          </p:cNvPr>
-          <p:cNvPicPr>
-            <a:picLocks noChangeAspect="1"/>
-          </p:cNvPicPr>
-          <p:nvPr/>
-        </p:nvPicPr>
-        <p:blipFill>
-          <a:blip r:embed="rId3">
-            <a:extLst>
-              <a:ext uri="{28A0092B-C50C-407E-A947-70E740481C1C}">
-                <a14:useLocalDpi xmlns:a14="http://schemas.microsoft.com/office/drawing/2010/main" val="0"/>
-              </a:ext>
-            </a:extLst>
-          </a:blip>
-          <a:stretch>
-            <a:fillRect/>
-          </a:stretch>
-        </p:blipFill>
-        <p:spPr>
-          <a:xfrm>
-            <a:off x="1661021" y="1327278"/>
-            <a:ext cx="9211112" cy="5241219"/>
-          </a:xfrm>
-          <a:prstGeom prst="rect">
-            <a:avLst/>
-          </a:prstGeom>
-        </p:spPr>
-      </p:pic>
-    </p:spTree>
-    <p:extLst>
-      <p:ext uri="{BB962C8B-B14F-4D97-AF65-F5344CB8AC3E}">
-        <p14:creationId xmlns:p14="http://schemas.microsoft.com/office/powerpoint/2010/main" val="3698689656"/>
-      </p:ext>
-    </p:extLst>
-  </p:cSld>
-  <p:clrMapOvr>
-    <a:masterClrMapping/>
-  </p:clrMapOvr>
-</p:sld>
-</file>
-
-<file path=ppt/slides/slide8.xml><?xml version="1.0" encoding="utf-8"?>
-<p:sld xmlns:a="http://schemas.openxmlformats.org/drawingml/2006/main" xmlns:r="http://schemas.openxmlformats.org/officeDocument/2006/relationships" xmlns:p="http://schemas.openxmlformats.org/presentationml/2006/main">
-  <p:cSld>
-    <p:spTree>
-      <p:nvGrpSpPr>
-        <p:cNvPr id="1" name=""/>
-        <p:cNvGrpSpPr/>
-        <p:nvPr/>
-      </p:nvGrpSpPr>
-      <p:grpSpPr>
-        <a:xfrm>
-          <a:off x="0" y="0"/>
-          <a:ext cx="0" cy="0"/>
-          <a:chOff x="0" y="0"/>
-          <a:chExt cx="0" cy="0"/>
-        </a:xfrm>
-      </p:grpSpPr>
       <p:pic>
         <p:nvPicPr>
           <p:cNvPr id="9" name="Picture 8">
@@ -35332,7 +34793,7 @@
 </p:sld>
 </file>
 
-<file path=ppt/slides/slide9.xml><?xml version="1.0" encoding="utf-8"?>
+<file path=ppt/slides/slide8.xml><?xml version="1.0" encoding="utf-8"?>
 <p:sld xmlns:a="http://schemas.openxmlformats.org/drawingml/2006/main" xmlns:r="http://schemas.openxmlformats.org/officeDocument/2006/relationships" xmlns:p="http://schemas.openxmlformats.org/presentationml/2006/main">
   <p:cSld>
     <p:spTree>
@@ -35871,6 +35332,262 @@
       </p:par>
     </p:tnLst>
   </p:timing>
+</p:sld>
+</file>
+
+<file path=ppt/slides/slide9.xml><?xml version="1.0" encoding="utf-8"?>
+<p:sld xmlns:a="http://schemas.openxmlformats.org/drawingml/2006/main" xmlns:r="http://schemas.openxmlformats.org/officeDocument/2006/relationships" xmlns:p="http://schemas.openxmlformats.org/presentationml/2006/main">
+  <p:cSld>
+    <p:spTree>
+      <p:nvGrpSpPr>
+        <p:cNvPr id="1" name=""/>
+        <p:cNvGrpSpPr/>
+        <p:nvPr/>
+      </p:nvGrpSpPr>
+      <p:grpSpPr>
+        <a:xfrm>
+          <a:off x="0" y="0"/>
+          <a:ext cx="0" cy="0"/>
+          <a:chOff x="0" y="0"/>
+          <a:chExt cx="0" cy="0"/>
+        </a:xfrm>
+      </p:grpSpPr>
+      <p:pic>
+        <p:nvPicPr>
+          <p:cNvPr id="9" name="Picture 8">
+            <a:extLst>
+              <a:ext uri="{FF2B5EF4-FFF2-40B4-BE49-F238E27FC236}">
+                <a16:creationId xmlns:a16="http://schemas.microsoft.com/office/drawing/2014/main" id="{47FF90BC-4EA9-4433-8469-620BF496C336}"/>
+              </a:ext>
+            </a:extLst>
+          </p:cNvPr>
+          <p:cNvPicPr>
+            <a:picLocks noChangeAspect="1"/>
+          </p:cNvPicPr>
+          <p:nvPr/>
+        </p:nvPicPr>
+        <p:blipFill rotWithShape="1">
+          <a:blip r:embed="rId2">
+            <a:extLst>
+              <a:ext uri="{28A0092B-C50C-407E-A947-70E740481C1C}">
+                <a14:useLocalDpi xmlns:a14="http://schemas.microsoft.com/office/drawing/2010/main" val="0"/>
+              </a:ext>
+            </a:extLst>
+          </a:blip>
+          <a:srcRect r="62500"/>
+          <a:stretch/>
+        </p:blipFill>
+        <p:spPr>
+          <a:xfrm>
+            <a:off x="172497" y="-110435"/>
+            <a:ext cx="914400" cy="1251712"/>
+          </a:xfrm>
+          <a:prstGeom prst="rect">
+            <a:avLst/>
+          </a:prstGeom>
+        </p:spPr>
+      </p:pic>
+      <p:grpSp>
+        <p:nvGrpSpPr>
+          <p:cNvPr id="10" name="Group 9">
+            <a:extLst>
+              <a:ext uri="{FF2B5EF4-FFF2-40B4-BE49-F238E27FC236}">
+                <a16:creationId xmlns:a16="http://schemas.microsoft.com/office/drawing/2014/main" id="{58A8AF2F-B974-4491-91CE-6F2028BFACCD}"/>
+              </a:ext>
+            </a:extLst>
+          </p:cNvPr>
+          <p:cNvGrpSpPr/>
+          <p:nvPr/>
+        </p:nvGrpSpPr>
+        <p:grpSpPr>
+          <a:xfrm>
+            <a:off x="2" y="2"/>
+            <a:ext cx="12191999" cy="948335"/>
+            <a:chOff x="0" y="0"/>
+            <a:chExt cx="12192000" cy="948335"/>
+          </a:xfrm>
+          <a:solidFill>
+            <a:schemeClr val="accent1"/>
+          </a:solidFill>
+        </p:grpSpPr>
+        <p:sp>
+          <p:nvSpPr>
+            <p:cNvPr id="11" name="Rectangle 10">
+              <a:extLst>
+                <a:ext uri="{FF2B5EF4-FFF2-40B4-BE49-F238E27FC236}">
+                  <a16:creationId xmlns:a16="http://schemas.microsoft.com/office/drawing/2014/main" id="{049BDDA0-374D-4DE8-9E4C-A21ED7C8652D}"/>
+                </a:ext>
+              </a:extLst>
+            </p:cNvPr>
+            <p:cNvSpPr/>
+            <p:nvPr/>
+          </p:nvSpPr>
+          <p:spPr>
+            <a:xfrm>
+              <a:off x="0" y="0"/>
+              <a:ext cx="12192000" cy="948335"/>
+            </a:xfrm>
+            <a:prstGeom prst="rect">
+              <a:avLst/>
+            </a:prstGeom>
+            <a:grpFill/>
+            <a:ln>
+              <a:noFill/>
+            </a:ln>
+          </p:spPr>
+          <p:style>
+            <a:lnRef idx="2">
+              <a:schemeClr val="accent1">
+                <a:shade val="50000"/>
+              </a:schemeClr>
+            </a:lnRef>
+            <a:fillRef idx="1">
+              <a:schemeClr val="accent1"/>
+            </a:fillRef>
+            <a:effectRef idx="0">
+              <a:schemeClr val="accent1"/>
+            </a:effectRef>
+            <a:fontRef idx="minor">
+              <a:schemeClr val="lt1"/>
+            </a:fontRef>
+          </p:style>
+          <p:txBody>
+            <a:bodyPr rtlCol="0" anchor="ctr"/>
+            <a:lstStyle/>
+            <a:p>
+              <a:pPr algn="ctr"/>
+              <a:endParaRPr lang="en-US" sz="1225" dirty="0"/>
+            </a:p>
+          </p:txBody>
+        </p:sp>
+        <p:sp>
+          <p:nvSpPr>
+            <p:cNvPr id="12" name="TextBox 11">
+              <a:extLst>
+                <a:ext uri="{FF2B5EF4-FFF2-40B4-BE49-F238E27FC236}">
+                  <a16:creationId xmlns:a16="http://schemas.microsoft.com/office/drawing/2014/main" id="{329B3816-A639-4692-9BC7-1BAA8E40C57D}"/>
+                </a:ext>
+              </a:extLst>
+            </p:cNvPr>
+            <p:cNvSpPr txBox="1"/>
+            <p:nvPr/>
+          </p:nvSpPr>
+          <p:spPr>
+            <a:xfrm>
+              <a:off x="10972800" y="289501"/>
+              <a:ext cx="900953" cy="280846"/>
+            </a:xfrm>
+            <a:prstGeom prst="rect">
+              <a:avLst/>
+            </a:prstGeom>
+            <a:grpFill/>
+            <a:ln>
+              <a:noFill/>
+            </a:ln>
+          </p:spPr>
+          <p:txBody>
+            <a:bodyPr wrap="square" rtlCol="0">
+              <a:spAutoFit/>
+            </a:bodyPr>
+            <a:lstStyle/>
+            <a:p>
+              <a:endParaRPr lang="en-US" sz="1225" dirty="0">
+                <a:solidFill>
+                  <a:schemeClr val="bg1"/>
+                </a:solidFill>
+              </a:endParaRPr>
+            </a:p>
+          </p:txBody>
+        </p:sp>
+        <p:sp>
+          <p:nvSpPr>
+            <p:cNvPr id="14" name="TextBox 13">
+              <a:extLst>
+                <a:ext uri="{FF2B5EF4-FFF2-40B4-BE49-F238E27FC236}">
+                  <a16:creationId xmlns:a16="http://schemas.microsoft.com/office/drawing/2014/main" id="{D6424EF1-A4E5-4F24-BD9A-DB2F01928066}"/>
+                </a:ext>
+              </a:extLst>
+            </p:cNvPr>
+            <p:cNvSpPr txBox="1"/>
+            <p:nvPr/>
+          </p:nvSpPr>
+          <p:spPr>
+            <a:xfrm>
+              <a:off x="501407" y="315365"/>
+              <a:ext cx="8089074" cy="400110"/>
+            </a:xfrm>
+            <a:prstGeom prst="rect">
+              <a:avLst/>
+            </a:prstGeom>
+            <a:grpFill/>
+            <a:ln>
+              <a:noFill/>
+            </a:ln>
+          </p:spPr>
+          <p:txBody>
+            <a:bodyPr wrap="square" rtlCol="0">
+              <a:spAutoFit/>
+            </a:bodyPr>
+            <a:lstStyle/>
+            <a:p>
+              <a:r>
+                <a:rPr lang="en-US" sz="2000" dirty="0">
+                  <a:solidFill>
+                    <a:schemeClr val="bg1"/>
+                  </a:solidFill>
+                </a:rPr>
+                <a:t>G&amp;GHDD &gt; Git &gt; Workflow</a:t>
+              </a:r>
+            </a:p>
+          </p:txBody>
+        </p:sp>
+      </p:grpSp>
+      <p:pic>
+        <p:nvPicPr>
+          <p:cNvPr id="5" name="Picture 4">
+            <a:extLst>
+              <a:ext uri="{FF2B5EF4-FFF2-40B4-BE49-F238E27FC236}">
+                <a16:creationId xmlns:a16="http://schemas.microsoft.com/office/drawing/2014/main" id="{3A326044-D280-492F-9E4C-55845CC16422}"/>
+              </a:ext>
+            </a:extLst>
+          </p:cNvPr>
+          <p:cNvPicPr>
+            <a:picLocks noChangeAspect="1"/>
+          </p:cNvPicPr>
+          <p:nvPr/>
+        </p:nvPicPr>
+        <p:blipFill>
+          <a:blip r:embed="rId3">
+            <a:extLst>
+              <a:ext uri="{28A0092B-C50C-407E-A947-70E740481C1C}">
+                <a14:useLocalDpi xmlns:a14="http://schemas.microsoft.com/office/drawing/2010/main" val="0"/>
+              </a:ext>
+            </a:extLst>
+          </a:blip>
+          <a:stretch>
+            <a:fillRect/>
+          </a:stretch>
+        </p:blipFill>
+        <p:spPr>
+          <a:xfrm>
+            <a:off x="2175351" y="1263702"/>
+            <a:ext cx="7841297" cy="5076933"/>
+          </a:xfrm>
+          <a:prstGeom prst="rect">
+            <a:avLst/>
+          </a:prstGeom>
+        </p:spPr>
+      </p:pic>
+    </p:spTree>
+    <p:extLst>
+      <p:ext uri="{BB962C8B-B14F-4D97-AF65-F5344CB8AC3E}">
+        <p14:creationId xmlns:p14="http://schemas.microsoft.com/office/powerpoint/2010/main" val="1285253243"/>
+      </p:ext>
+    </p:extLst>
+  </p:cSld>
+  <p:clrMapOvr>
+    <a:masterClrMapping/>
+  </p:clrMapOvr>
 </p:sld>
 </file>
 
@@ -36696,18 +36413,18 @@
 </file>
 
 <file path=customXml/item1.xml><?xml version="1.0" encoding="utf-8"?>
+<p:properties xmlns:p="http://schemas.microsoft.com/office/2006/metadata/properties" xmlns:xsi="http://www.w3.org/2001/XMLSchema-instance" xmlns:pc="http://schemas.microsoft.com/office/infopath/2007/PartnerControls">
+  <documentManagement/>
+</p:properties>
+</file>
+
+<file path=customXml/item2.xml><?xml version="1.0" encoding="utf-8"?>
 <?mso-contentType ?>
 <FormTemplates xmlns="http://schemas.microsoft.com/sharepoint/v3/contenttype/forms">
   <Display>DocumentLibraryForm</Display>
   <Edit>DocumentLibraryForm</Edit>
   <New>DocumentLibraryForm</New>
 </FormTemplates>
-</file>
-
-<file path=customXml/item2.xml><?xml version="1.0" encoding="utf-8"?>
-<p:properties xmlns:p="http://schemas.microsoft.com/office/2006/metadata/properties" xmlns:xsi="http://www.w3.org/2001/XMLSchema-instance" xmlns:pc="http://schemas.microsoft.com/office/infopath/2007/PartnerControls">
-  <documentManagement/>
-</p:properties>
 </file>
 
 <file path=customXml/item3.xml><?xml version="1.0" encoding="utf-8"?>
@@ -36896,18 +36613,18 @@
 </file>
 
 <file path=customXml/itemProps1.xml><?xml version="1.0" encoding="utf-8"?>
-<ds:datastoreItem xmlns:ds="http://schemas.openxmlformats.org/officeDocument/2006/customXml" ds:itemID="{4273EE10-C1B2-449B-9085-39965BA21A56}">
+<ds:datastoreItem xmlns:ds="http://schemas.openxmlformats.org/officeDocument/2006/customXml" ds:itemID="{B61EE2CA-DCC7-45E5-87C8-6789A166AF77}">
   <ds:schemaRefs>
-    <ds:schemaRef ds:uri="http://schemas.microsoft.com/sharepoint/v3/contenttype/forms"/>
+    <ds:schemaRef ds:uri="http://schemas.microsoft.com/office/2006/metadata/properties"/>
+    <ds:schemaRef ds:uri="http://schemas.microsoft.com/office/infopath/2007/PartnerControls"/>
   </ds:schemaRefs>
 </ds:datastoreItem>
 </file>
 
 <file path=customXml/itemProps2.xml><?xml version="1.0" encoding="utf-8"?>
-<ds:datastoreItem xmlns:ds="http://schemas.openxmlformats.org/officeDocument/2006/customXml" ds:itemID="{B61EE2CA-DCC7-45E5-87C8-6789A166AF77}">
+<ds:datastoreItem xmlns:ds="http://schemas.openxmlformats.org/officeDocument/2006/customXml" ds:itemID="{4273EE10-C1B2-449B-9085-39965BA21A56}">
   <ds:schemaRefs>
-    <ds:schemaRef ds:uri="http://schemas.microsoft.com/office/2006/metadata/properties"/>
-    <ds:schemaRef ds:uri="http://schemas.microsoft.com/office/infopath/2007/PartnerControls"/>
+    <ds:schemaRef ds:uri="http://schemas.microsoft.com/sharepoint/v3/contenttype/forms"/>
   </ds:schemaRefs>
 </ds:datastoreItem>
 </file>

--- a/workshops/git-github-deep-dive/git_github_deep_dive.pptx
+++ b/workshops/git-github-deep-dive/git_github_deep_dive.pptx
@@ -44,7 +44,7 @@
     <p:sldId id="477" r:id="rId35"/>
     <p:sldId id="478" r:id="rId36"/>
     <p:sldId id="500" r:id="rId37"/>
-    <p:sldId id="479" r:id="rId38"/>
+    <p:sldId id="506" r:id="rId38"/>
     <p:sldId id="476" r:id="rId39"/>
   </p:sldIdLst>
   <p:sldSz cx="12192000" cy="6858000"/>
@@ -2956,7 +2956,7 @@
           <a:p>
             <a:fld id="{F540F470-726F-426E-889A-8E92A4693460}" type="datetimeFigureOut">
               <a:rPr lang="en-GB" smtClean="0"/>
-              <a:t>12/10/2020</a:t>
+              <a:t>22/10/2020</a:t>
             </a:fld>
             <a:endParaRPr lang="en-GB" dirty="0"/>
           </a:p>
@@ -3126,7 +3126,7 @@
             <a:fld id="{CD72A38B-F9FA-4036-A084-652409E98F08}" type="datetimeFigureOut">
               <a:rPr lang="en-GB" smtClean="0"/>
               <a:pPr/>
-              <a:t>12/10/2020</a:t>
+              <a:t>22/10/2020</a:t>
             </a:fld>
             <a:endParaRPr lang="en-GB" dirty="0"/>
           </a:p>
@@ -6476,7 +6476,7 @@
           <a:p>
             <a:fld id="{CAE15A36-EF7C-49E1-9E28-DC0261021B88}" type="datetime4">
               <a:rPr lang="en-GB" smtClean="0"/>
-              <a:t>12 October 2020</a:t>
+              <a:t>22 October 2020</a:t>
             </a:fld>
             <a:endParaRPr lang="en-GB" dirty="0"/>
           </a:p>
@@ -6979,7 +6979,7 @@
           <a:p>
             <a:fld id="{73A80043-8D1A-4EE7-8835-0FA45918CF0B}" type="datetime4">
               <a:rPr lang="en-GB" smtClean="0"/>
-              <a:t>12 October 2020</a:t>
+              <a:t>22 October 2020</a:t>
             </a:fld>
             <a:endParaRPr lang="en-GB" dirty="0"/>
           </a:p>
@@ -15505,7 +15505,7 @@
           <a:p>
             <a:fld id="{61C39D88-A2D2-46EF-88AA-9A0C8DF2E827}" type="datetime4">
               <a:rPr lang="en-GB" smtClean="0"/>
-              <a:t>12 October 2020</a:t>
+              <a:t>22 October 2020</a:t>
             </a:fld>
             <a:endParaRPr lang="en-GB" dirty="0"/>
           </a:p>
@@ -16892,7 +16892,7 @@
           <a:p>
             <a:fld id="{E66F39FE-A71C-4EA9-B6A2-49D418A61827}" type="datetimeFigureOut">
               <a:rPr lang="en-US" smtClean="0"/>
-              <a:t>10/12/2020</a:t>
+              <a:t>10/22/2020</a:t>
             </a:fld>
             <a:endParaRPr lang="en-US"/>
           </a:p>
@@ -20673,7 +20673,7 @@
           <a:p>
             <a:fld id="{A98DB34D-784C-4D9C-ABD8-61F63F762187}" type="datetime4">
               <a:rPr lang="en-GB" smtClean="0"/>
-              <a:t>12 October 2020</a:t>
+              <a:t>22 October 2020</a:t>
             </a:fld>
             <a:endParaRPr lang="en-GB" dirty="0"/>
           </a:p>
@@ -21286,7 +21286,7 @@
             </a:br>
             <a:r>
               <a:rPr lang="da-DK" sz="9000" dirty="0"/>
-              <a:t>DEEP-DIVE</a:t>
+              <a:t>DEEP DIVE</a:t>
             </a:r>
             <a:br>
               <a:rPr lang="da-DK" sz="9000" dirty="0"/>
@@ -32551,8 +32551,8 @@
         </p:nvSpPr>
         <p:spPr>
           <a:xfrm>
-            <a:off x="549211" y="3185720"/>
-            <a:ext cx="11093578" cy="830997"/>
+            <a:off x="1251635" y="2772361"/>
+            <a:ext cx="9688729" cy="2062103"/>
           </a:xfrm>
           <a:prstGeom prst="rect">
             <a:avLst/>
@@ -32565,8 +32565,8 @@
           <a:lstStyle/>
           <a:p>
             <a:r>
-              <a:rPr lang="da-DK" sz="4800" dirty="0"/>
-              <a:t>https://airtable.com/shrDUlkEelfraVzON</a:t>
+              <a:rPr lang="da-DK" sz="3200" dirty="0"/>
+              <a:t>https://forms.office.com/Pages/ResponsePage.aspx?id=ZpSpcwWtIUKfkOcUKqL2wTFclz-gNvpNq3THAj1j3ZxUODk1TjlEWVNJNzUxNjAwTFhGQkQ2VkNTWi4u</a:t>
             </a:r>
           </a:p>
         </p:txBody>
@@ -32574,7 +32574,7 @@
     </p:spTree>
     <p:extLst>
       <p:ext uri="{BB962C8B-B14F-4D97-AF65-F5344CB8AC3E}">
-        <p14:creationId xmlns:p14="http://schemas.microsoft.com/office/powerpoint/2010/main" val="1151304650"/>
+        <p14:creationId xmlns:p14="http://schemas.microsoft.com/office/powerpoint/2010/main" val="1131578162"/>
       </p:ext>
     </p:extLst>
   </p:cSld>
@@ -36413,18 +36413,18 @@
 </file>
 
 <file path=customXml/item1.xml><?xml version="1.0" encoding="utf-8"?>
-<p:properties xmlns:p="http://schemas.microsoft.com/office/2006/metadata/properties" xmlns:xsi="http://www.w3.org/2001/XMLSchema-instance" xmlns:pc="http://schemas.microsoft.com/office/infopath/2007/PartnerControls">
-  <documentManagement/>
-</p:properties>
-</file>
-
-<file path=customXml/item2.xml><?xml version="1.0" encoding="utf-8"?>
 <?mso-contentType ?>
 <FormTemplates xmlns="http://schemas.microsoft.com/sharepoint/v3/contenttype/forms">
   <Display>DocumentLibraryForm</Display>
   <Edit>DocumentLibraryForm</Edit>
   <New>DocumentLibraryForm</New>
 </FormTemplates>
+</file>
+
+<file path=customXml/item2.xml><?xml version="1.0" encoding="utf-8"?>
+<p:properties xmlns:p="http://schemas.microsoft.com/office/2006/metadata/properties" xmlns:xsi="http://www.w3.org/2001/XMLSchema-instance" xmlns:pc="http://schemas.microsoft.com/office/infopath/2007/PartnerControls">
+  <documentManagement/>
+</p:properties>
 </file>
 
 <file path=customXml/item3.xml><?xml version="1.0" encoding="utf-8"?>
@@ -36613,18 +36613,18 @@
 </file>
 
 <file path=customXml/itemProps1.xml><?xml version="1.0" encoding="utf-8"?>
-<ds:datastoreItem xmlns:ds="http://schemas.openxmlformats.org/officeDocument/2006/customXml" ds:itemID="{B61EE2CA-DCC7-45E5-87C8-6789A166AF77}">
+<ds:datastoreItem xmlns:ds="http://schemas.openxmlformats.org/officeDocument/2006/customXml" ds:itemID="{4273EE10-C1B2-449B-9085-39965BA21A56}">
   <ds:schemaRefs>
-    <ds:schemaRef ds:uri="http://schemas.microsoft.com/office/2006/metadata/properties"/>
-    <ds:schemaRef ds:uri="http://schemas.microsoft.com/office/infopath/2007/PartnerControls"/>
+    <ds:schemaRef ds:uri="http://schemas.microsoft.com/sharepoint/v3/contenttype/forms"/>
   </ds:schemaRefs>
 </ds:datastoreItem>
 </file>
 
 <file path=customXml/itemProps2.xml><?xml version="1.0" encoding="utf-8"?>
-<ds:datastoreItem xmlns:ds="http://schemas.openxmlformats.org/officeDocument/2006/customXml" ds:itemID="{4273EE10-C1B2-449B-9085-39965BA21A56}">
+<ds:datastoreItem xmlns:ds="http://schemas.openxmlformats.org/officeDocument/2006/customXml" ds:itemID="{B61EE2CA-DCC7-45E5-87C8-6789A166AF77}">
   <ds:schemaRefs>
-    <ds:schemaRef ds:uri="http://schemas.microsoft.com/sharepoint/v3/contenttype/forms"/>
+    <ds:schemaRef ds:uri="http://schemas.microsoft.com/office/2006/metadata/properties"/>
+    <ds:schemaRef ds:uri="http://schemas.microsoft.com/office/infopath/2007/PartnerControls"/>
   </ds:schemaRefs>
 </ds:datastoreItem>
 </file>
